--- a/Matches/USPSA - Renton - October 2020 - Trigger Treat/Bay 5 - More Penguin Zombies.pptx
+++ b/Matches/USPSA - Renton - October 2020 - Trigger Treat/Bay 5 - More Penguin Zombies.pptx
@@ -8,10 +8,10 @@
     <p:notesMasterId r:id="rId3"/>
   </p:notesMasterIdLst>
   <p:sldIdLst>
-    <p:sldId id="274" r:id="rId2"/>
+    <p:sldId id="285" r:id="rId2"/>
   </p:sldIdLst>
   <p:sldSz cx="7315200" cy="9601200"/>
-  <p:notesSz cx="7010400" cy="9296400"/>
+  <p:notesSz cx="7315200" cy="9601200"/>
   <p:defaultTextStyle>
     <a:defPPr>
       <a:defRPr lang="en-US"/>
@@ -156,6 +156,2674 @@
 </p:presentation>
 </file>
 
+<file path=ppt/revisionInfo.xml><?xml version="1.0" encoding="utf-8"?>
+<p1510:revInfo xmlns:a="http://schemas.openxmlformats.org/drawingml/2006/main" xmlns:r="http://schemas.openxmlformats.org/officeDocument/2006/relationships" xmlns:p1510="http://schemas.microsoft.com/office/powerpoint/2015/10/main">
+  <p1510:revLst>
+    <p1510:client id="{2D4E0981-9019-43D3-8141-F35E0F3B5B45}" v="6" dt="2020-10-24T10:51:56.101"/>
+    <p1510:client id="{560E01DB-C0ED-43C1-8B3A-367CBEC07B1F}" v="59" dt="2020-10-24T10:17:52.327"/>
+    <p1510:client id="{57106D21-825D-4CE8-B8CD-90541349203C}" v="3" dt="2020-10-24T09:06:21.255"/>
+  </p1510:revLst>
+</p1510:revInfo>
+</file>
+
+<file path=ppt/changesInfos/changesInfo1.xml><?xml version="1.0" encoding="utf-8"?>
+<pc:chgInfo xmlns:a="http://schemas.openxmlformats.org/drawingml/2006/main" xmlns:r="http://schemas.openxmlformats.org/officeDocument/2006/relationships" xmlns:ac="http://schemas.microsoft.com/office/drawing/2013/main/command" xmlns:pc="http://schemas.microsoft.com/office/powerpoint/2013/main/command">
+  <pc:docChgLst>
+    <pc:chgData name="Matt Carlson" userId="0e792f37f00095d9" providerId="LiveId" clId="{2D4E0981-9019-43D3-8141-F35E0F3B5B45}"/>
+    <pc:docChg chg="addSld delSld modSld sldOrd">
+      <pc:chgData name="Matt Carlson" userId="0e792f37f00095d9" providerId="LiveId" clId="{2D4E0981-9019-43D3-8141-F35E0F3B5B45}" dt="2020-10-24T10:52:37.263" v="16" actId="20577"/>
+      <pc:docMkLst>
+        <pc:docMk/>
+      </pc:docMkLst>
+      <pc:sldChg chg="modSp add mod setBg">
+        <pc:chgData name="Matt Carlson" userId="0e792f37f00095d9" providerId="LiveId" clId="{2D4E0981-9019-43D3-8141-F35E0F3B5B45}" dt="2020-10-24T10:52:37.263" v="16" actId="20577"/>
+        <pc:sldMkLst>
+          <pc:docMk/>
+          <pc:sldMk cId="0" sldId="274"/>
+        </pc:sldMkLst>
+        <pc:graphicFrameChg chg="modGraphic">
+          <ac:chgData name="Matt Carlson" userId="0e792f37f00095d9" providerId="LiveId" clId="{2D4E0981-9019-43D3-8141-F35E0F3B5B45}" dt="2020-10-24T10:52:37.263" v="16" actId="20577"/>
+          <ac:graphicFrameMkLst>
+            <pc:docMk/>
+            <pc:sldMk cId="0" sldId="274"/>
+            <ac:graphicFrameMk id="110" creationId="{00000000-0000-0000-0000-000000000000}"/>
+          </ac:graphicFrameMkLst>
+        </pc:graphicFrameChg>
+      </pc:sldChg>
+      <pc:sldChg chg="add">
+        <pc:chgData name="Matt Carlson" userId="0e792f37f00095d9" providerId="LiveId" clId="{2D4E0981-9019-43D3-8141-F35E0F3B5B45}" dt="2020-10-24T10:51:16.606" v="0"/>
+        <pc:sldMkLst>
+          <pc:docMk/>
+          <pc:sldMk cId="842639663" sldId="283"/>
+        </pc:sldMkLst>
+      </pc:sldChg>
+      <pc:sldChg chg="add del setBg">
+        <pc:chgData name="Matt Carlson" userId="0e792f37f00095d9" providerId="LiveId" clId="{2D4E0981-9019-43D3-8141-F35E0F3B5B45}" dt="2020-10-24T10:51:41.403" v="4" actId="47"/>
+        <pc:sldMkLst>
+          <pc:docMk/>
+          <pc:sldMk cId="0" sldId="284"/>
+        </pc:sldMkLst>
+      </pc:sldChg>
+      <pc:sldChg chg="add setBg">
+        <pc:chgData name="Matt Carlson" userId="0e792f37f00095d9" providerId="LiveId" clId="{2D4E0981-9019-43D3-8141-F35E0F3B5B45}" dt="2020-10-24T10:51:35.309" v="3"/>
+        <pc:sldMkLst>
+          <pc:docMk/>
+          <pc:sldMk cId="0" sldId="285"/>
+        </pc:sldMkLst>
+      </pc:sldChg>
+      <pc:sldChg chg="add setBg">
+        <pc:chgData name="Matt Carlson" userId="0e792f37f00095d9" providerId="LiveId" clId="{2D4E0981-9019-43D3-8141-F35E0F3B5B45}" dt="2020-10-24T10:51:47.356" v="5"/>
+        <pc:sldMkLst>
+          <pc:docMk/>
+          <pc:sldMk cId="0" sldId="286"/>
+        </pc:sldMkLst>
+      </pc:sldChg>
+      <pc:sldChg chg="add ord setBg">
+        <pc:chgData name="Matt Carlson" userId="0e792f37f00095d9" providerId="LiveId" clId="{2D4E0981-9019-43D3-8141-F35E0F3B5B45}" dt="2020-10-24T10:52:00.846" v="12"/>
+        <pc:sldMkLst>
+          <pc:docMk/>
+          <pc:sldMk cId="0" sldId="287"/>
+        </pc:sldMkLst>
+      </pc:sldChg>
+    </pc:docChg>
+  </pc:docChgLst>
+  <pc:docChgLst>
+    <pc:chgData name="Matt Carlson" userId="0e792f37f00095d9" providerId="LiveId" clId="{074E2B56-2790-443E-B5EA-A74523936823}"/>
+    <pc:docChg chg="undo custSel modSld">
+      <pc:chgData name="Matt Carlson" userId="0e792f37f00095d9" providerId="LiveId" clId="{074E2B56-2790-443E-B5EA-A74523936823}" dt="2020-09-26T08:20:03.794" v="298" actId="1076"/>
+      <pc:docMkLst>
+        <pc:docMk/>
+      </pc:docMkLst>
+      <pc:sldChg chg="addSp delSp modSp mod">
+        <pc:chgData name="Matt Carlson" userId="0e792f37f00095d9" providerId="LiveId" clId="{074E2B56-2790-443E-B5EA-A74523936823}" dt="2020-09-26T08:20:03.794" v="298" actId="1076"/>
+        <pc:sldMkLst>
+          <pc:docMk/>
+          <pc:sldMk cId="0" sldId="274"/>
+        </pc:sldMkLst>
+        <pc:spChg chg="add mod">
+          <ac:chgData name="Matt Carlson" userId="0e792f37f00095d9" providerId="LiveId" clId="{074E2B56-2790-443E-B5EA-A74523936823}" dt="2020-09-26T08:20:03.794" v="298" actId="1076"/>
+          <ac:spMkLst>
+            <pc:docMk/>
+            <pc:sldMk cId="0" sldId="274"/>
+            <ac:spMk id="4" creationId="{FE9D3208-5A09-41A6-9159-CAB01028C533}"/>
+          </ac:spMkLst>
+        </pc:spChg>
+        <pc:spChg chg="add mod">
+          <ac:chgData name="Matt Carlson" userId="0e792f37f00095d9" providerId="LiveId" clId="{074E2B56-2790-443E-B5EA-A74523936823}" dt="2020-09-26T08:20:03.794" v="298" actId="1076"/>
+          <ac:spMkLst>
+            <pc:docMk/>
+            <pc:sldMk cId="0" sldId="274"/>
+            <ac:spMk id="5" creationId="{CA2C4368-286F-4D65-9079-5F932E7AAC2E}"/>
+          </ac:spMkLst>
+        </pc:spChg>
+        <pc:spChg chg="add mod">
+          <ac:chgData name="Matt Carlson" userId="0e792f37f00095d9" providerId="LiveId" clId="{074E2B56-2790-443E-B5EA-A74523936823}" dt="2020-09-26T08:20:03.794" v="298" actId="1076"/>
+          <ac:spMkLst>
+            <pc:docMk/>
+            <pc:sldMk cId="0" sldId="274"/>
+            <ac:spMk id="6" creationId="{B0BCD061-8C2B-4C1A-981C-AEC64F61EC79}"/>
+          </ac:spMkLst>
+        </pc:spChg>
+        <pc:spChg chg="add mod">
+          <ac:chgData name="Matt Carlson" userId="0e792f37f00095d9" providerId="LiveId" clId="{074E2B56-2790-443E-B5EA-A74523936823}" dt="2020-09-26T08:20:03.794" v="298" actId="1076"/>
+          <ac:spMkLst>
+            <pc:docMk/>
+            <pc:sldMk cId="0" sldId="274"/>
+            <ac:spMk id="19" creationId="{16F48128-CC0C-49CE-9F73-5765C5C406D8}"/>
+          </ac:spMkLst>
+        </pc:spChg>
+        <pc:spChg chg="add mod">
+          <ac:chgData name="Matt Carlson" userId="0e792f37f00095d9" providerId="LiveId" clId="{074E2B56-2790-443E-B5EA-A74523936823}" dt="2020-09-26T08:20:03.794" v="298" actId="1076"/>
+          <ac:spMkLst>
+            <pc:docMk/>
+            <pc:sldMk cId="0" sldId="274"/>
+            <ac:spMk id="20" creationId="{43D54E13-A055-4294-81C0-C191A44186A5}"/>
+          </ac:spMkLst>
+        </pc:spChg>
+        <pc:spChg chg="add mod">
+          <ac:chgData name="Matt Carlson" userId="0e792f37f00095d9" providerId="LiveId" clId="{074E2B56-2790-443E-B5EA-A74523936823}" dt="2020-09-26T08:20:03.794" v="298" actId="1076"/>
+          <ac:spMkLst>
+            <pc:docMk/>
+            <pc:sldMk cId="0" sldId="274"/>
+            <ac:spMk id="21" creationId="{A23BAFBD-B86E-4A39-B9BE-9BFAD6EB5047}"/>
+          </ac:spMkLst>
+        </pc:spChg>
+        <pc:spChg chg="add mod ord">
+          <ac:chgData name="Matt Carlson" userId="0e792f37f00095d9" providerId="LiveId" clId="{074E2B56-2790-443E-B5EA-A74523936823}" dt="2020-09-26T08:20:03.794" v="298" actId="1076"/>
+          <ac:spMkLst>
+            <pc:docMk/>
+            <pc:sldMk cId="0" sldId="274"/>
+            <ac:spMk id="22" creationId="{019780B0-1801-4F00-9982-9D046A337DF7}"/>
+          </ac:spMkLst>
+        </pc:spChg>
+        <pc:spChg chg="add mod">
+          <ac:chgData name="Matt Carlson" userId="0e792f37f00095d9" providerId="LiveId" clId="{074E2B56-2790-443E-B5EA-A74523936823}" dt="2020-09-26T08:20:03.794" v="298" actId="1076"/>
+          <ac:spMkLst>
+            <pc:docMk/>
+            <pc:sldMk cId="0" sldId="274"/>
+            <ac:spMk id="23" creationId="{C31F158A-4D8D-4313-9E42-EA397829CFC2}"/>
+          </ac:spMkLst>
+        </pc:spChg>
+        <pc:spChg chg="add mod">
+          <ac:chgData name="Matt Carlson" userId="0e792f37f00095d9" providerId="LiveId" clId="{074E2B56-2790-443E-B5EA-A74523936823}" dt="2020-09-26T08:20:03.794" v="298" actId="1076"/>
+          <ac:spMkLst>
+            <pc:docMk/>
+            <pc:sldMk cId="0" sldId="274"/>
+            <ac:spMk id="24" creationId="{443BF047-8799-4564-9703-1521F23B3703}"/>
+          </ac:spMkLst>
+        </pc:spChg>
+        <pc:spChg chg="del">
+          <ac:chgData name="Matt Carlson" userId="0e792f37f00095d9" providerId="LiveId" clId="{074E2B56-2790-443E-B5EA-A74523936823}" dt="2020-09-26T07:40:29.416" v="13" actId="478"/>
+          <ac:spMkLst>
+            <pc:docMk/>
+            <pc:sldMk cId="0" sldId="274"/>
+            <ac:spMk id="118" creationId="{E9657081-D875-45AB-B0A7-30FF72C745A0}"/>
+          </ac:spMkLst>
+        </pc:spChg>
+        <pc:spChg chg="del">
+          <ac:chgData name="Matt Carlson" userId="0e792f37f00095d9" providerId="LiveId" clId="{074E2B56-2790-443E-B5EA-A74523936823}" dt="2020-09-26T07:40:29.416" v="13" actId="478"/>
+          <ac:spMkLst>
+            <pc:docMk/>
+            <pc:sldMk cId="0" sldId="274"/>
+            <ac:spMk id="119" creationId="{7FC3AE37-2EA0-4685-B2E8-909CCE367F2B}"/>
+          </ac:spMkLst>
+        </pc:spChg>
+        <pc:spChg chg="del">
+          <ac:chgData name="Matt Carlson" userId="0e792f37f00095d9" providerId="LiveId" clId="{074E2B56-2790-443E-B5EA-A74523936823}" dt="2020-09-26T07:40:29.416" v="13" actId="478"/>
+          <ac:spMkLst>
+            <pc:docMk/>
+            <pc:sldMk cId="0" sldId="274"/>
+            <ac:spMk id="120" creationId="{87944975-712A-4246-85B4-7D3D5AB1986A}"/>
+          </ac:spMkLst>
+        </pc:spChg>
+        <pc:spChg chg="mod">
+          <ac:chgData name="Matt Carlson" userId="0e792f37f00095d9" providerId="LiveId" clId="{074E2B56-2790-443E-B5EA-A74523936823}" dt="2020-09-26T08:20:03.794" v="298" actId="1076"/>
+          <ac:spMkLst>
+            <pc:docMk/>
+            <pc:sldMk cId="0" sldId="274"/>
+            <ac:spMk id="136" creationId="{00A5F534-C8E3-416C-9AD7-C2B68FDECDE9}"/>
+          </ac:spMkLst>
+        </pc:spChg>
+        <pc:spChg chg="del">
+          <ac:chgData name="Matt Carlson" userId="0e792f37f00095d9" providerId="LiveId" clId="{074E2B56-2790-443E-B5EA-A74523936823}" dt="2020-09-26T07:40:29.416" v="13" actId="478"/>
+          <ac:spMkLst>
+            <pc:docMk/>
+            <pc:sldMk cId="0" sldId="274"/>
+            <ac:spMk id="151" creationId="{CCCB2A0D-3183-49B0-A049-CEFD6AEA49F9}"/>
+          </ac:spMkLst>
+        </pc:spChg>
+        <pc:spChg chg="del">
+          <ac:chgData name="Matt Carlson" userId="0e792f37f00095d9" providerId="LiveId" clId="{074E2B56-2790-443E-B5EA-A74523936823}" dt="2020-09-26T07:40:29.416" v="13" actId="478"/>
+          <ac:spMkLst>
+            <pc:docMk/>
+            <pc:sldMk cId="0" sldId="274"/>
+            <ac:spMk id="152" creationId="{6B8A7F71-2C5C-4112-8383-21676019C80A}"/>
+          </ac:spMkLst>
+        </pc:spChg>
+        <pc:spChg chg="del">
+          <ac:chgData name="Matt Carlson" userId="0e792f37f00095d9" providerId="LiveId" clId="{074E2B56-2790-443E-B5EA-A74523936823}" dt="2020-09-26T07:40:29.416" v="13" actId="478"/>
+          <ac:spMkLst>
+            <pc:docMk/>
+            <pc:sldMk cId="0" sldId="274"/>
+            <ac:spMk id="153" creationId="{1D41B59E-19E1-4D25-B179-55E400DA43EC}"/>
+          </ac:spMkLst>
+        </pc:spChg>
+        <pc:spChg chg="del">
+          <ac:chgData name="Matt Carlson" userId="0e792f37f00095d9" providerId="LiveId" clId="{074E2B56-2790-443E-B5EA-A74523936823}" dt="2020-09-26T07:40:29.416" v="13" actId="478"/>
+          <ac:spMkLst>
+            <pc:docMk/>
+            <pc:sldMk cId="0" sldId="274"/>
+            <ac:spMk id="155" creationId="{21895EC6-2A93-4685-8A34-78F67FBD1338}"/>
+          </ac:spMkLst>
+        </pc:spChg>
+        <pc:spChg chg="del">
+          <ac:chgData name="Matt Carlson" userId="0e792f37f00095d9" providerId="LiveId" clId="{074E2B56-2790-443E-B5EA-A74523936823}" dt="2020-09-26T07:40:29.416" v="13" actId="478"/>
+          <ac:spMkLst>
+            <pc:docMk/>
+            <pc:sldMk cId="0" sldId="274"/>
+            <ac:spMk id="164" creationId="{9937EA5F-A543-4CC2-BD8B-80938E657CBE}"/>
+          </ac:spMkLst>
+        </pc:spChg>
+        <pc:spChg chg="mod">
+          <ac:chgData name="Matt Carlson" userId="0e792f37f00095d9" providerId="LiveId" clId="{074E2B56-2790-443E-B5EA-A74523936823}" dt="2020-09-26T07:43:56.414" v="28"/>
+          <ac:spMkLst>
+            <pc:docMk/>
+            <pc:sldMk cId="0" sldId="274"/>
+            <ac:spMk id="192" creationId="{54137797-A3AE-4CAB-BF6B-438D8E99F7AB}"/>
+          </ac:spMkLst>
+        </pc:spChg>
+        <pc:spChg chg="mod">
+          <ac:chgData name="Matt Carlson" userId="0e792f37f00095d9" providerId="LiveId" clId="{074E2B56-2790-443E-B5EA-A74523936823}" dt="2020-09-26T07:43:56.414" v="28"/>
+          <ac:spMkLst>
+            <pc:docMk/>
+            <pc:sldMk cId="0" sldId="274"/>
+            <ac:spMk id="193" creationId="{8171B4F4-B063-4C45-A9D1-CBE2EB36190F}"/>
+          </ac:spMkLst>
+        </pc:spChg>
+        <pc:spChg chg="mod">
+          <ac:chgData name="Matt Carlson" userId="0e792f37f00095d9" providerId="LiveId" clId="{074E2B56-2790-443E-B5EA-A74523936823}" dt="2020-09-26T07:43:56.414" v="28"/>
+          <ac:spMkLst>
+            <pc:docMk/>
+            <pc:sldMk cId="0" sldId="274"/>
+            <ac:spMk id="194" creationId="{437B57C2-459A-4DB8-B638-68849A90A29E}"/>
+          </ac:spMkLst>
+        </pc:spChg>
+        <pc:spChg chg="mod">
+          <ac:chgData name="Matt Carlson" userId="0e792f37f00095d9" providerId="LiveId" clId="{074E2B56-2790-443E-B5EA-A74523936823}" dt="2020-09-26T07:44:23.306" v="29"/>
+          <ac:spMkLst>
+            <pc:docMk/>
+            <pc:sldMk cId="0" sldId="274"/>
+            <ac:spMk id="196" creationId="{0D2E7EE1-DDAC-43C4-AF2A-C3140E2A9D46}"/>
+          </ac:spMkLst>
+        </pc:spChg>
+        <pc:spChg chg="mod">
+          <ac:chgData name="Matt Carlson" userId="0e792f37f00095d9" providerId="LiveId" clId="{074E2B56-2790-443E-B5EA-A74523936823}" dt="2020-09-26T07:44:23.306" v="29"/>
+          <ac:spMkLst>
+            <pc:docMk/>
+            <pc:sldMk cId="0" sldId="274"/>
+            <ac:spMk id="197" creationId="{B1B8040A-2D25-4F46-938B-3C3E1C7499D5}"/>
+          </ac:spMkLst>
+        </pc:spChg>
+        <pc:spChg chg="mod">
+          <ac:chgData name="Matt Carlson" userId="0e792f37f00095d9" providerId="LiveId" clId="{074E2B56-2790-443E-B5EA-A74523936823}" dt="2020-09-26T07:44:23.306" v="29"/>
+          <ac:spMkLst>
+            <pc:docMk/>
+            <pc:sldMk cId="0" sldId="274"/>
+            <ac:spMk id="198" creationId="{E75749EF-D52E-427D-8D61-5FE45BABD76D}"/>
+          </ac:spMkLst>
+        </pc:spChg>
+        <pc:spChg chg="mod">
+          <ac:chgData name="Matt Carlson" userId="0e792f37f00095d9" providerId="LiveId" clId="{074E2B56-2790-443E-B5EA-A74523936823}" dt="2020-09-26T08:20:03.794" v="298" actId="1076"/>
+          <ac:spMkLst>
+            <pc:docMk/>
+            <pc:sldMk cId="0" sldId="274"/>
+            <ac:spMk id="208" creationId="{75C2F497-0234-4FB1-B49D-4557F81FA5DC}"/>
+          </ac:spMkLst>
+        </pc:spChg>
+        <pc:spChg chg="mod">
+          <ac:chgData name="Matt Carlson" userId="0e792f37f00095d9" providerId="LiveId" clId="{074E2B56-2790-443E-B5EA-A74523936823}" dt="2020-09-26T08:20:03.794" v="298" actId="1076"/>
+          <ac:spMkLst>
+            <pc:docMk/>
+            <pc:sldMk cId="0" sldId="274"/>
+            <ac:spMk id="209" creationId="{5309B3C4-19D7-49DA-8F56-B3993C482974}"/>
+          </ac:spMkLst>
+        </pc:spChg>
+        <pc:spChg chg="mod">
+          <ac:chgData name="Matt Carlson" userId="0e792f37f00095d9" providerId="LiveId" clId="{074E2B56-2790-443E-B5EA-A74523936823}" dt="2020-09-26T08:20:03.794" v="298" actId="1076"/>
+          <ac:spMkLst>
+            <pc:docMk/>
+            <pc:sldMk cId="0" sldId="274"/>
+            <ac:spMk id="210" creationId="{3E79E8D7-5AD7-42C2-BB89-8E911380E6A6}"/>
+          </ac:spMkLst>
+        </pc:spChg>
+        <pc:spChg chg="mod">
+          <ac:chgData name="Matt Carlson" userId="0e792f37f00095d9" providerId="LiveId" clId="{074E2B56-2790-443E-B5EA-A74523936823}" dt="2020-09-26T08:20:03.794" v="298" actId="1076"/>
+          <ac:spMkLst>
+            <pc:docMk/>
+            <pc:sldMk cId="0" sldId="274"/>
+            <ac:spMk id="213" creationId="{EC7ED0A7-8762-46B4-9B35-13271DB7CD80}"/>
+          </ac:spMkLst>
+        </pc:spChg>
+        <pc:spChg chg="mod">
+          <ac:chgData name="Matt Carlson" userId="0e792f37f00095d9" providerId="LiveId" clId="{074E2B56-2790-443E-B5EA-A74523936823}" dt="2020-09-26T08:20:03.794" v="298" actId="1076"/>
+          <ac:spMkLst>
+            <pc:docMk/>
+            <pc:sldMk cId="0" sldId="274"/>
+            <ac:spMk id="214" creationId="{F0088CFA-2077-4BC6-88B5-807F07CDAFCD}"/>
+          </ac:spMkLst>
+        </pc:spChg>
+        <pc:spChg chg="mod">
+          <ac:chgData name="Matt Carlson" userId="0e792f37f00095d9" providerId="LiveId" clId="{074E2B56-2790-443E-B5EA-A74523936823}" dt="2020-09-26T08:20:03.794" v="298" actId="1076"/>
+          <ac:spMkLst>
+            <pc:docMk/>
+            <pc:sldMk cId="0" sldId="274"/>
+            <ac:spMk id="215" creationId="{6EBF1455-233B-4727-A5E3-5BADC1D9DF4E}"/>
+          </ac:spMkLst>
+        </pc:spChg>
+        <pc:spChg chg="mod">
+          <ac:chgData name="Matt Carlson" userId="0e792f37f00095d9" providerId="LiveId" clId="{074E2B56-2790-443E-B5EA-A74523936823}" dt="2020-09-26T08:20:03.794" v="298" actId="1076"/>
+          <ac:spMkLst>
+            <pc:docMk/>
+            <pc:sldMk cId="0" sldId="274"/>
+            <ac:spMk id="217" creationId="{573641D9-E919-4639-A33B-A5E73982F2B5}"/>
+          </ac:spMkLst>
+        </pc:spChg>
+        <pc:spChg chg="mod">
+          <ac:chgData name="Matt Carlson" userId="0e792f37f00095d9" providerId="LiveId" clId="{074E2B56-2790-443E-B5EA-A74523936823}" dt="2020-09-26T08:20:03.794" v="298" actId="1076"/>
+          <ac:spMkLst>
+            <pc:docMk/>
+            <pc:sldMk cId="0" sldId="274"/>
+            <ac:spMk id="218" creationId="{5CB5D010-322F-405A-8A7C-8D95B6C4BB7F}"/>
+          </ac:spMkLst>
+        </pc:spChg>
+        <pc:spChg chg="mod">
+          <ac:chgData name="Matt Carlson" userId="0e792f37f00095d9" providerId="LiveId" clId="{074E2B56-2790-443E-B5EA-A74523936823}" dt="2020-09-26T08:20:03.794" v="298" actId="1076"/>
+          <ac:spMkLst>
+            <pc:docMk/>
+            <pc:sldMk cId="0" sldId="274"/>
+            <ac:spMk id="219" creationId="{57B73BF4-D58A-4344-A9DA-58E5FB4AE0AA}"/>
+          </ac:spMkLst>
+        </pc:spChg>
+        <pc:spChg chg="mod">
+          <ac:chgData name="Matt Carlson" userId="0e792f37f00095d9" providerId="LiveId" clId="{074E2B56-2790-443E-B5EA-A74523936823}" dt="2020-09-26T08:20:03.794" v="298" actId="1076"/>
+          <ac:spMkLst>
+            <pc:docMk/>
+            <pc:sldMk cId="0" sldId="274"/>
+            <ac:spMk id="221" creationId="{718939AC-17E3-416A-B3C4-0E25384A8234}"/>
+          </ac:spMkLst>
+        </pc:spChg>
+        <pc:spChg chg="mod">
+          <ac:chgData name="Matt Carlson" userId="0e792f37f00095d9" providerId="LiveId" clId="{074E2B56-2790-443E-B5EA-A74523936823}" dt="2020-09-26T08:20:03.794" v="298" actId="1076"/>
+          <ac:spMkLst>
+            <pc:docMk/>
+            <pc:sldMk cId="0" sldId="274"/>
+            <ac:spMk id="222" creationId="{FF7253B8-4A1C-400D-A329-A50FAABA3795}"/>
+          </ac:spMkLst>
+        </pc:spChg>
+        <pc:spChg chg="mod">
+          <ac:chgData name="Matt Carlson" userId="0e792f37f00095d9" providerId="LiveId" clId="{074E2B56-2790-443E-B5EA-A74523936823}" dt="2020-09-26T08:20:03.794" v="298" actId="1076"/>
+          <ac:spMkLst>
+            <pc:docMk/>
+            <pc:sldMk cId="0" sldId="274"/>
+            <ac:spMk id="223" creationId="{D884AF41-5DFD-4395-8A31-CC3E703B374B}"/>
+          </ac:spMkLst>
+        </pc:spChg>
+        <pc:spChg chg="mod">
+          <ac:chgData name="Matt Carlson" userId="0e792f37f00095d9" providerId="LiveId" clId="{074E2B56-2790-443E-B5EA-A74523936823}" dt="2020-09-26T08:20:03.794" v="298" actId="1076"/>
+          <ac:spMkLst>
+            <pc:docMk/>
+            <pc:sldMk cId="0" sldId="274"/>
+            <ac:spMk id="225" creationId="{BB521E6F-2A2C-46A7-A874-735BE413D480}"/>
+          </ac:spMkLst>
+        </pc:spChg>
+        <pc:spChg chg="mod">
+          <ac:chgData name="Matt Carlson" userId="0e792f37f00095d9" providerId="LiveId" clId="{074E2B56-2790-443E-B5EA-A74523936823}" dt="2020-09-26T08:20:03.794" v="298" actId="1076"/>
+          <ac:spMkLst>
+            <pc:docMk/>
+            <pc:sldMk cId="0" sldId="274"/>
+            <ac:spMk id="226" creationId="{90D7C0CA-4224-4384-98CE-14F5707A493C}"/>
+          </ac:spMkLst>
+        </pc:spChg>
+        <pc:spChg chg="mod">
+          <ac:chgData name="Matt Carlson" userId="0e792f37f00095d9" providerId="LiveId" clId="{074E2B56-2790-443E-B5EA-A74523936823}" dt="2020-09-26T08:20:03.794" v="298" actId="1076"/>
+          <ac:spMkLst>
+            <pc:docMk/>
+            <pc:sldMk cId="0" sldId="274"/>
+            <ac:spMk id="227" creationId="{9F4BFDDA-6F25-495F-89C2-FE9DCA460584}"/>
+          </ac:spMkLst>
+        </pc:spChg>
+        <pc:spChg chg="mod">
+          <ac:chgData name="Matt Carlson" userId="0e792f37f00095d9" providerId="LiveId" clId="{074E2B56-2790-443E-B5EA-A74523936823}" dt="2020-09-26T08:20:03.794" v="298" actId="1076"/>
+          <ac:spMkLst>
+            <pc:docMk/>
+            <pc:sldMk cId="0" sldId="274"/>
+            <ac:spMk id="232" creationId="{89870500-3E6C-4113-8E72-BBC524753667}"/>
+          </ac:spMkLst>
+        </pc:spChg>
+        <pc:spChg chg="mod">
+          <ac:chgData name="Matt Carlson" userId="0e792f37f00095d9" providerId="LiveId" clId="{074E2B56-2790-443E-B5EA-A74523936823}" dt="2020-09-26T08:20:03.794" v="298" actId="1076"/>
+          <ac:spMkLst>
+            <pc:docMk/>
+            <pc:sldMk cId="0" sldId="274"/>
+            <ac:spMk id="233" creationId="{D9196D5D-9047-4B34-A28C-EE72A8235C84}"/>
+          </ac:spMkLst>
+        </pc:spChg>
+        <pc:spChg chg="mod">
+          <ac:chgData name="Matt Carlson" userId="0e792f37f00095d9" providerId="LiveId" clId="{074E2B56-2790-443E-B5EA-A74523936823}" dt="2020-09-26T08:20:03.794" v="298" actId="1076"/>
+          <ac:spMkLst>
+            <pc:docMk/>
+            <pc:sldMk cId="0" sldId="274"/>
+            <ac:spMk id="234" creationId="{C309BA82-B05D-468E-AF30-E12491CC5B7E}"/>
+          </ac:spMkLst>
+        </pc:spChg>
+        <pc:spChg chg="mod">
+          <ac:chgData name="Matt Carlson" userId="0e792f37f00095d9" providerId="LiveId" clId="{074E2B56-2790-443E-B5EA-A74523936823}" dt="2020-09-26T08:20:03.794" v="298" actId="1076"/>
+          <ac:spMkLst>
+            <pc:docMk/>
+            <pc:sldMk cId="0" sldId="274"/>
+            <ac:spMk id="236" creationId="{0EBEF709-787D-49A8-921F-04949FA9B594}"/>
+          </ac:spMkLst>
+        </pc:spChg>
+        <pc:spChg chg="mod">
+          <ac:chgData name="Matt Carlson" userId="0e792f37f00095d9" providerId="LiveId" clId="{074E2B56-2790-443E-B5EA-A74523936823}" dt="2020-09-26T08:20:03.794" v="298" actId="1076"/>
+          <ac:spMkLst>
+            <pc:docMk/>
+            <pc:sldMk cId="0" sldId="274"/>
+            <ac:spMk id="237" creationId="{FC91DC49-2DC0-4389-8616-9BA2D2E4A2AD}"/>
+          </ac:spMkLst>
+        </pc:spChg>
+        <pc:spChg chg="mod">
+          <ac:chgData name="Matt Carlson" userId="0e792f37f00095d9" providerId="LiveId" clId="{074E2B56-2790-443E-B5EA-A74523936823}" dt="2020-09-26T08:20:03.794" v="298" actId="1076"/>
+          <ac:spMkLst>
+            <pc:docMk/>
+            <pc:sldMk cId="0" sldId="274"/>
+            <ac:spMk id="238" creationId="{1C14D718-96D4-4DD8-9BA2-530D17EE01C3}"/>
+          </ac:spMkLst>
+        </pc:spChg>
+        <pc:spChg chg="mod">
+          <ac:chgData name="Matt Carlson" userId="0e792f37f00095d9" providerId="LiveId" clId="{074E2B56-2790-443E-B5EA-A74523936823}" dt="2020-09-26T08:20:03.794" v="298" actId="1076"/>
+          <ac:spMkLst>
+            <pc:docMk/>
+            <pc:sldMk cId="0" sldId="274"/>
+            <ac:spMk id="241" creationId="{3B5B2135-B939-4F29-BC22-ADD0492E549C}"/>
+          </ac:spMkLst>
+        </pc:spChg>
+        <pc:spChg chg="mod">
+          <ac:chgData name="Matt Carlson" userId="0e792f37f00095d9" providerId="LiveId" clId="{074E2B56-2790-443E-B5EA-A74523936823}" dt="2020-09-26T08:20:03.794" v="298" actId="1076"/>
+          <ac:spMkLst>
+            <pc:docMk/>
+            <pc:sldMk cId="0" sldId="274"/>
+            <ac:spMk id="242" creationId="{D69C16CA-43D9-4620-B2ED-E361DC80A360}"/>
+          </ac:spMkLst>
+        </pc:spChg>
+        <pc:spChg chg="mod">
+          <ac:chgData name="Matt Carlson" userId="0e792f37f00095d9" providerId="LiveId" clId="{074E2B56-2790-443E-B5EA-A74523936823}" dt="2020-09-26T08:20:03.794" v="298" actId="1076"/>
+          <ac:spMkLst>
+            <pc:docMk/>
+            <pc:sldMk cId="0" sldId="274"/>
+            <ac:spMk id="243" creationId="{C84765E4-0ECE-49E3-BC33-2A6593C1A14C}"/>
+          </ac:spMkLst>
+        </pc:spChg>
+        <pc:spChg chg="mod">
+          <ac:chgData name="Matt Carlson" userId="0e792f37f00095d9" providerId="LiveId" clId="{074E2B56-2790-443E-B5EA-A74523936823}" dt="2020-09-26T08:20:03.794" v="298" actId="1076"/>
+          <ac:spMkLst>
+            <pc:docMk/>
+            <pc:sldMk cId="0" sldId="274"/>
+            <ac:spMk id="245" creationId="{F3FC2FCD-C8DD-4CBD-A40B-7E83ABBCCBA9}"/>
+          </ac:spMkLst>
+        </pc:spChg>
+        <pc:spChg chg="mod">
+          <ac:chgData name="Matt Carlson" userId="0e792f37f00095d9" providerId="LiveId" clId="{074E2B56-2790-443E-B5EA-A74523936823}" dt="2020-09-26T08:20:03.794" v="298" actId="1076"/>
+          <ac:spMkLst>
+            <pc:docMk/>
+            <pc:sldMk cId="0" sldId="274"/>
+            <ac:spMk id="246" creationId="{37296882-38AC-4E91-A5C4-1F789C61292C}"/>
+          </ac:spMkLst>
+        </pc:spChg>
+        <pc:spChg chg="mod">
+          <ac:chgData name="Matt Carlson" userId="0e792f37f00095d9" providerId="LiveId" clId="{074E2B56-2790-443E-B5EA-A74523936823}" dt="2020-09-26T08:20:03.794" v="298" actId="1076"/>
+          <ac:spMkLst>
+            <pc:docMk/>
+            <pc:sldMk cId="0" sldId="274"/>
+            <ac:spMk id="247" creationId="{ADE13DE8-71BF-4780-B7C2-1472D6DCB4E7}"/>
+          </ac:spMkLst>
+        </pc:spChg>
+        <pc:spChg chg="mod">
+          <ac:chgData name="Matt Carlson" userId="0e792f37f00095d9" providerId="LiveId" clId="{074E2B56-2790-443E-B5EA-A74523936823}" dt="2020-09-26T08:04:48.562" v="145"/>
+          <ac:spMkLst>
+            <pc:docMk/>
+            <pc:sldMk cId="0" sldId="274"/>
+            <ac:spMk id="249" creationId="{9F1ED45E-259B-409E-B9CE-ECBE5C8B7A25}"/>
+          </ac:spMkLst>
+        </pc:spChg>
+        <pc:spChg chg="mod">
+          <ac:chgData name="Matt Carlson" userId="0e792f37f00095d9" providerId="LiveId" clId="{074E2B56-2790-443E-B5EA-A74523936823}" dt="2020-09-26T08:04:48.562" v="145"/>
+          <ac:spMkLst>
+            <pc:docMk/>
+            <pc:sldMk cId="0" sldId="274"/>
+            <ac:spMk id="250" creationId="{C59EEF90-E352-4AB4-832B-A2A8189A4719}"/>
+          </ac:spMkLst>
+        </pc:spChg>
+        <pc:spChg chg="mod">
+          <ac:chgData name="Matt Carlson" userId="0e792f37f00095d9" providerId="LiveId" clId="{074E2B56-2790-443E-B5EA-A74523936823}" dt="2020-09-26T08:04:48.562" v="145"/>
+          <ac:spMkLst>
+            <pc:docMk/>
+            <pc:sldMk cId="0" sldId="274"/>
+            <ac:spMk id="251" creationId="{CB91E2E6-63BA-4AFA-AA06-5B4FF23B111D}"/>
+          </ac:spMkLst>
+        </pc:spChg>
+        <pc:spChg chg="mod">
+          <ac:chgData name="Matt Carlson" userId="0e792f37f00095d9" providerId="LiveId" clId="{074E2B56-2790-443E-B5EA-A74523936823}" dt="2020-09-26T08:20:03.794" v="298" actId="1076"/>
+          <ac:spMkLst>
+            <pc:docMk/>
+            <pc:sldMk cId="0" sldId="274"/>
+            <ac:spMk id="253" creationId="{4C4D9E8A-EBD7-40C4-8579-FAE85F345982}"/>
+          </ac:spMkLst>
+        </pc:spChg>
+        <pc:spChg chg="mod">
+          <ac:chgData name="Matt Carlson" userId="0e792f37f00095d9" providerId="LiveId" clId="{074E2B56-2790-443E-B5EA-A74523936823}" dt="2020-09-26T08:20:03.794" v="298" actId="1076"/>
+          <ac:spMkLst>
+            <pc:docMk/>
+            <pc:sldMk cId="0" sldId="274"/>
+            <ac:spMk id="254" creationId="{B6E6A170-06B6-4CB6-9FCA-819C73F88674}"/>
+          </ac:spMkLst>
+        </pc:spChg>
+        <pc:spChg chg="mod">
+          <ac:chgData name="Matt Carlson" userId="0e792f37f00095d9" providerId="LiveId" clId="{074E2B56-2790-443E-B5EA-A74523936823}" dt="2020-09-26T08:20:03.794" v="298" actId="1076"/>
+          <ac:spMkLst>
+            <pc:docMk/>
+            <pc:sldMk cId="0" sldId="274"/>
+            <ac:spMk id="255" creationId="{E41F3FF3-708C-419F-A0E6-90C54A58618F}"/>
+          </ac:spMkLst>
+        </pc:spChg>
+        <pc:spChg chg="mod">
+          <ac:chgData name="Matt Carlson" userId="0e792f37f00095d9" providerId="LiveId" clId="{074E2B56-2790-443E-B5EA-A74523936823}" dt="2020-09-26T08:20:03.794" v="298" actId="1076"/>
+          <ac:spMkLst>
+            <pc:docMk/>
+            <pc:sldMk cId="0" sldId="274"/>
+            <ac:spMk id="257" creationId="{BF76B33A-A440-44C3-9AA2-4A54C4C27D81}"/>
+          </ac:spMkLst>
+        </pc:spChg>
+        <pc:spChg chg="mod">
+          <ac:chgData name="Matt Carlson" userId="0e792f37f00095d9" providerId="LiveId" clId="{074E2B56-2790-443E-B5EA-A74523936823}" dt="2020-09-26T08:20:03.794" v="298" actId="1076"/>
+          <ac:spMkLst>
+            <pc:docMk/>
+            <pc:sldMk cId="0" sldId="274"/>
+            <ac:spMk id="258" creationId="{06C7B0C6-8F96-48CE-B5A2-C2DC770BDF16}"/>
+          </ac:spMkLst>
+        </pc:spChg>
+        <pc:spChg chg="mod">
+          <ac:chgData name="Matt Carlson" userId="0e792f37f00095d9" providerId="LiveId" clId="{074E2B56-2790-443E-B5EA-A74523936823}" dt="2020-09-26T08:20:03.794" v="298" actId="1076"/>
+          <ac:spMkLst>
+            <pc:docMk/>
+            <pc:sldMk cId="0" sldId="274"/>
+            <ac:spMk id="259" creationId="{AA679EA8-2750-4C7E-A1B5-03225215161A}"/>
+          </ac:spMkLst>
+        </pc:spChg>
+        <pc:spChg chg="mod">
+          <ac:chgData name="Matt Carlson" userId="0e792f37f00095d9" providerId="LiveId" clId="{074E2B56-2790-443E-B5EA-A74523936823}" dt="2020-09-26T08:20:03.794" v="298" actId="1076"/>
+          <ac:spMkLst>
+            <pc:docMk/>
+            <pc:sldMk cId="0" sldId="274"/>
+            <ac:spMk id="261" creationId="{2B9F3714-A56A-402E-84A7-5237BE187126}"/>
+          </ac:spMkLst>
+        </pc:spChg>
+        <pc:spChg chg="mod">
+          <ac:chgData name="Matt Carlson" userId="0e792f37f00095d9" providerId="LiveId" clId="{074E2B56-2790-443E-B5EA-A74523936823}" dt="2020-09-26T08:20:03.794" v="298" actId="1076"/>
+          <ac:spMkLst>
+            <pc:docMk/>
+            <pc:sldMk cId="0" sldId="274"/>
+            <ac:spMk id="262" creationId="{C6291ECD-86B7-4B67-AE44-8D5D6C2793E1}"/>
+          </ac:spMkLst>
+        </pc:spChg>
+        <pc:spChg chg="mod">
+          <ac:chgData name="Matt Carlson" userId="0e792f37f00095d9" providerId="LiveId" clId="{074E2B56-2790-443E-B5EA-A74523936823}" dt="2020-09-26T08:20:03.794" v="298" actId="1076"/>
+          <ac:spMkLst>
+            <pc:docMk/>
+            <pc:sldMk cId="0" sldId="274"/>
+            <ac:spMk id="263" creationId="{C339B1B1-D0FD-462C-B559-C45FA4D02358}"/>
+          </ac:spMkLst>
+        </pc:spChg>
+        <pc:spChg chg="mod">
+          <ac:chgData name="Matt Carlson" userId="0e792f37f00095d9" providerId="LiveId" clId="{074E2B56-2790-443E-B5EA-A74523936823}" dt="2020-09-26T08:20:03.794" v="298" actId="1076"/>
+          <ac:spMkLst>
+            <pc:docMk/>
+            <pc:sldMk cId="0" sldId="274"/>
+            <ac:spMk id="265" creationId="{FBEA199A-7E35-41BB-A8C2-E759B92B0496}"/>
+          </ac:spMkLst>
+        </pc:spChg>
+        <pc:spChg chg="mod">
+          <ac:chgData name="Matt Carlson" userId="0e792f37f00095d9" providerId="LiveId" clId="{074E2B56-2790-443E-B5EA-A74523936823}" dt="2020-09-26T08:20:03.794" v="298" actId="1076"/>
+          <ac:spMkLst>
+            <pc:docMk/>
+            <pc:sldMk cId="0" sldId="274"/>
+            <ac:spMk id="266" creationId="{090CAF54-9EDF-4133-8F5C-2F8A55B94697}"/>
+          </ac:spMkLst>
+        </pc:spChg>
+        <pc:spChg chg="mod">
+          <ac:chgData name="Matt Carlson" userId="0e792f37f00095d9" providerId="LiveId" clId="{074E2B56-2790-443E-B5EA-A74523936823}" dt="2020-09-26T08:20:03.794" v="298" actId="1076"/>
+          <ac:spMkLst>
+            <pc:docMk/>
+            <pc:sldMk cId="0" sldId="274"/>
+            <ac:spMk id="267" creationId="{07751B88-038E-4681-AF34-99A9F6E83560}"/>
+          </ac:spMkLst>
+        </pc:spChg>
+        <pc:spChg chg="mod">
+          <ac:chgData name="Matt Carlson" userId="0e792f37f00095d9" providerId="LiveId" clId="{074E2B56-2790-443E-B5EA-A74523936823}" dt="2020-09-26T08:20:03.794" v="298" actId="1076"/>
+          <ac:spMkLst>
+            <pc:docMk/>
+            <pc:sldMk cId="0" sldId="274"/>
+            <ac:spMk id="269" creationId="{EBFE3EA3-70C5-4E5E-A4E6-9A08B0BC6BE5}"/>
+          </ac:spMkLst>
+        </pc:spChg>
+        <pc:spChg chg="mod">
+          <ac:chgData name="Matt Carlson" userId="0e792f37f00095d9" providerId="LiveId" clId="{074E2B56-2790-443E-B5EA-A74523936823}" dt="2020-09-26T08:20:03.794" v="298" actId="1076"/>
+          <ac:spMkLst>
+            <pc:docMk/>
+            <pc:sldMk cId="0" sldId="274"/>
+            <ac:spMk id="270" creationId="{ED2DF1EF-38D4-40BD-AD0A-4136D2536BFB}"/>
+          </ac:spMkLst>
+        </pc:spChg>
+        <pc:spChg chg="mod">
+          <ac:chgData name="Matt Carlson" userId="0e792f37f00095d9" providerId="LiveId" clId="{074E2B56-2790-443E-B5EA-A74523936823}" dt="2020-09-26T08:20:03.794" v="298" actId="1076"/>
+          <ac:spMkLst>
+            <pc:docMk/>
+            <pc:sldMk cId="0" sldId="274"/>
+            <ac:spMk id="271" creationId="{5F3635F8-0FA7-4683-BB22-8E0EEDC081BB}"/>
+          </ac:spMkLst>
+        </pc:spChg>
+        <pc:spChg chg="mod">
+          <ac:chgData name="Matt Carlson" userId="0e792f37f00095d9" providerId="LiveId" clId="{074E2B56-2790-443E-B5EA-A74523936823}" dt="2020-09-26T08:05:57.222" v="162"/>
+          <ac:spMkLst>
+            <pc:docMk/>
+            <pc:sldMk cId="0" sldId="274"/>
+            <ac:spMk id="273" creationId="{74FF1897-50BF-48BF-B30B-6FC8A5CE60CD}"/>
+          </ac:spMkLst>
+        </pc:spChg>
+        <pc:spChg chg="mod">
+          <ac:chgData name="Matt Carlson" userId="0e792f37f00095d9" providerId="LiveId" clId="{074E2B56-2790-443E-B5EA-A74523936823}" dt="2020-09-26T08:05:57.222" v="162"/>
+          <ac:spMkLst>
+            <pc:docMk/>
+            <pc:sldMk cId="0" sldId="274"/>
+            <ac:spMk id="274" creationId="{1649AFC0-6296-4C80-BA46-B1D0CE99F77E}"/>
+          </ac:spMkLst>
+        </pc:spChg>
+        <pc:spChg chg="mod">
+          <ac:chgData name="Matt Carlson" userId="0e792f37f00095d9" providerId="LiveId" clId="{074E2B56-2790-443E-B5EA-A74523936823}" dt="2020-09-26T08:05:57.222" v="162"/>
+          <ac:spMkLst>
+            <pc:docMk/>
+            <pc:sldMk cId="0" sldId="274"/>
+            <ac:spMk id="275" creationId="{C708FB6E-495D-45BC-9C9A-B16D5B963C5C}"/>
+          </ac:spMkLst>
+        </pc:spChg>
+        <pc:spChg chg="mod">
+          <ac:chgData name="Matt Carlson" userId="0e792f37f00095d9" providerId="LiveId" clId="{074E2B56-2790-443E-B5EA-A74523936823}" dt="2020-09-26T08:20:03.794" v="298" actId="1076"/>
+          <ac:spMkLst>
+            <pc:docMk/>
+            <pc:sldMk cId="0" sldId="274"/>
+            <ac:spMk id="277" creationId="{DA2A72A7-2597-4FCC-ABA9-1B768AD55BB4}"/>
+          </ac:spMkLst>
+        </pc:spChg>
+        <pc:spChg chg="mod">
+          <ac:chgData name="Matt Carlson" userId="0e792f37f00095d9" providerId="LiveId" clId="{074E2B56-2790-443E-B5EA-A74523936823}" dt="2020-09-26T08:20:03.794" v="298" actId="1076"/>
+          <ac:spMkLst>
+            <pc:docMk/>
+            <pc:sldMk cId="0" sldId="274"/>
+            <ac:spMk id="278" creationId="{6DDB5CA7-C47A-479E-80D7-6887A55EA721}"/>
+          </ac:spMkLst>
+        </pc:spChg>
+        <pc:spChg chg="mod">
+          <ac:chgData name="Matt Carlson" userId="0e792f37f00095d9" providerId="LiveId" clId="{074E2B56-2790-443E-B5EA-A74523936823}" dt="2020-09-26T08:20:03.794" v="298" actId="1076"/>
+          <ac:spMkLst>
+            <pc:docMk/>
+            <pc:sldMk cId="0" sldId="274"/>
+            <ac:spMk id="279" creationId="{4FD8B5F2-A22E-4430-A995-010A951F4AC5}"/>
+          </ac:spMkLst>
+        </pc:spChg>
+        <pc:spChg chg="mod">
+          <ac:chgData name="Matt Carlson" userId="0e792f37f00095d9" providerId="LiveId" clId="{074E2B56-2790-443E-B5EA-A74523936823}" dt="2020-09-26T08:20:03.794" v="298" actId="1076"/>
+          <ac:spMkLst>
+            <pc:docMk/>
+            <pc:sldMk cId="0" sldId="274"/>
+            <ac:spMk id="281" creationId="{CFA9BB85-04EE-4233-A4E1-492094DB51B4}"/>
+          </ac:spMkLst>
+        </pc:spChg>
+        <pc:spChg chg="mod">
+          <ac:chgData name="Matt Carlson" userId="0e792f37f00095d9" providerId="LiveId" clId="{074E2B56-2790-443E-B5EA-A74523936823}" dt="2020-09-26T08:20:03.794" v="298" actId="1076"/>
+          <ac:spMkLst>
+            <pc:docMk/>
+            <pc:sldMk cId="0" sldId="274"/>
+            <ac:spMk id="282" creationId="{FF6A2A48-EF90-4671-A2F4-00200D2387C9}"/>
+          </ac:spMkLst>
+        </pc:spChg>
+        <pc:spChg chg="mod">
+          <ac:chgData name="Matt Carlson" userId="0e792f37f00095d9" providerId="LiveId" clId="{074E2B56-2790-443E-B5EA-A74523936823}" dt="2020-09-26T08:20:03.794" v="298" actId="1076"/>
+          <ac:spMkLst>
+            <pc:docMk/>
+            <pc:sldMk cId="0" sldId="274"/>
+            <ac:spMk id="284" creationId="{68D0124A-6458-414A-9E54-4EB7946C25A3}"/>
+          </ac:spMkLst>
+        </pc:spChg>
+        <pc:spChg chg="mod">
+          <ac:chgData name="Matt Carlson" userId="0e792f37f00095d9" providerId="LiveId" clId="{074E2B56-2790-443E-B5EA-A74523936823}" dt="2020-09-26T08:20:03.794" v="298" actId="1076"/>
+          <ac:spMkLst>
+            <pc:docMk/>
+            <pc:sldMk cId="0" sldId="274"/>
+            <ac:spMk id="285" creationId="{E048BE91-23FF-4FD5-8C96-609907549AE5}"/>
+          </ac:spMkLst>
+        </pc:spChg>
+        <pc:spChg chg="mod">
+          <ac:chgData name="Matt Carlson" userId="0e792f37f00095d9" providerId="LiveId" clId="{074E2B56-2790-443E-B5EA-A74523936823}" dt="2020-09-26T08:20:03.794" v="298" actId="1076"/>
+          <ac:spMkLst>
+            <pc:docMk/>
+            <pc:sldMk cId="0" sldId="274"/>
+            <ac:spMk id="286" creationId="{69014F6D-722D-418D-9A19-7D725237D246}"/>
+          </ac:spMkLst>
+        </pc:spChg>
+        <pc:grpChg chg="del">
+          <ac:chgData name="Matt Carlson" userId="0e792f37f00095d9" providerId="LiveId" clId="{074E2B56-2790-443E-B5EA-A74523936823}" dt="2020-09-26T07:40:29.416" v="13" actId="478"/>
+          <ac:grpSpMkLst>
+            <pc:docMk/>
+            <pc:sldMk cId="0" sldId="274"/>
+            <ac:grpSpMk id="94" creationId="{27790BD9-BEEA-418B-B1A2-AF823F41474A}"/>
+          </ac:grpSpMkLst>
+        </pc:grpChg>
+        <pc:grpChg chg="del">
+          <ac:chgData name="Matt Carlson" userId="0e792f37f00095d9" providerId="LiveId" clId="{074E2B56-2790-443E-B5EA-A74523936823}" dt="2020-09-26T07:40:29.416" v="13" actId="478"/>
+          <ac:grpSpMkLst>
+            <pc:docMk/>
+            <pc:sldMk cId="0" sldId="274"/>
+            <ac:grpSpMk id="99" creationId="{1088E2CB-38C0-42E2-9CA7-82AB912EBC97}"/>
+          </ac:grpSpMkLst>
+        </pc:grpChg>
+        <pc:grpChg chg="del">
+          <ac:chgData name="Matt Carlson" userId="0e792f37f00095d9" providerId="LiveId" clId="{074E2B56-2790-443E-B5EA-A74523936823}" dt="2020-09-26T07:40:29.416" v="13" actId="478"/>
+          <ac:grpSpMkLst>
+            <pc:docMk/>
+            <pc:sldMk cId="0" sldId="274"/>
+            <ac:grpSpMk id="103" creationId="{72EA427E-9FCD-48D2-9CC5-B08471D0A8B5}"/>
+          </ac:grpSpMkLst>
+        </pc:grpChg>
+        <pc:grpChg chg="del">
+          <ac:chgData name="Matt Carlson" userId="0e792f37f00095d9" providerId="LiveId" clId="{074E2B56-2790-443E-B5EA-A74523936823}" dt="2020-09-26T07:40:29.416" v="13" actId="478"/>
+          <ac:grpSpMkLst>
+            <pc:docMk/>
+            <pc:sldMk cId="0" sldId="274"/>
+            <ac:grpSpMk id="107" creationId="{50B46513-00B9-4BEB-8D78-DFC58D5E010E}"/>
+          </ac:grpSpMkLst>
+        </pc:grpChg>
+        <pc:grpChg chg="del">
+          <ac:chgData name="Matt Carlson" userId="0e792f37f00095d9" providerId="LiveId" clId="{074E2B56-2790-443E-B5EA-A74523936823}" dt="2020-09-26T07:40:29.416" v="13" actId="478"/>
+          <ac:grpSpMkLst>
+            <pc:docMk/>
+            <pc:sldMk cId="0" sldId="274"/>
+            <ac:grpSpMk id="121" creationId="{FA30A923-5ACD-49BB-A232-64641C44B1B6}"/>
+          </ac:grpSpMkLst>
+        </pc:grpChg>
+        <pc:grpChg chg="del">
+          <ac:chgData name="Matt Carlson" userId="0e792f37f00095d9" providerId="LiveId" clId="{074E2B56-2790-443E-B5EA-A74523936823}" dt="2020-09-26T07:40:29.416" v="13" actId="478"/>
+          <ac:grpSpMkLst>
+            <pc:docMk/>
+            <pc:sldMk cId="0" sldId="274"/>
+            <ac:grpSpMk id="131" creationId="{93B55ABA-C5B9-4765-BC5F-79DE62D8D2B0}"/>
+          </ac:grpSpMkLst>
+        </pc:grpChg>
+        <pc:grpChg chg="del">
+          <ac:chgData name="Matt Carlson" userId="0e792f37f00095d9" providerId="LiveId" clId="{074E2B56-2790-443E-B5EA-A74523936823}" dt="2020-09-26T07:40:29.416" v="13" actId="478"/>
+          <ac:grpSpMkLst>
+            <pc:docMk/>
+            <pc:sldMk cId="0" sldId="274"/>
+            <ac:grpSpMk id="137" creationId="{EBF2C90A-4BF2-4DB0-A873-F95967F48BF5}"/>
+          </ac:grpSpMkLst>
+        </pc:grpChg>
+        <pc:grpChg chg="add del mod">
+          <ac:chgData name="Matt Carlson" userId="0e792f37f00095d9" providerId="LiveId" clId="{074E2B56-2790-443E-B5EA-A74523936823}" dt="2020-09-26T08:05:16.401" v="155" actId="478"/>
+          <ac:grpSpMkLst>
+            <pc:docMk/>
+            <pc:sldMk cId="0" sldId="274"/>
+            <ac:grpSpMk id="146" creationId="{8343CD00-221F-4114-BE0E-9879164CE77C}"/>
+          </ac:grpSpMkLst>
+        </pc:grpChg>
+        <pc:grpChg chg="del">
+          <ac:chgData name="Matt Carlson" userId="0e792f37f00095d9" providerId="LiveId" clId="{074E2B56-2790-443E-B5EA-A74523936823}" dt="2020-09-26T07:40:29.416" v="13" actId="478"/>
+          <ac:grpSpMkLst>
+            <pc:docMk/>
+            <pc:sldMk cId="0" sldId="274"/>
+            <ac:grpSpMk id="156" creationId="{89631BCC-1521-4006-A23C-61BA39FD6070}"/>
+          </ac:grpSpMkLst>
+        </pc:grpChg>
+        <pc:grpChg chg="del">
+          <ac:chgData name="Matt Carlson" userId="0e792f37f00095d9" providerId="LiveId" clId="{074E2B56-2790-443E-B5EA-A74523936823}" dt="2020-09-26T07:40:29.416" v="13" actId="478"/>
+          <ac:grpSpMkLst>
+            <pc:docMk/>
+            <pc:sldMk cId="0" sldId="274"/>
+            <ac:grpSpMk id="160" creationId="{9611A534-015E-4201-ABA0-78D6D38955A7}"/>
+          </ac:grpSpMkLst>
+        </pc:grpChg>
+        <pc:grpChg chg="del">
+          <ac:chgData name="Matt Carlson" userId="0e792f37f00095d9" providerId="LiveId" clId="{074E2B56-2790-443E-B5EA-A74523936823}" dt="2020-09-26T07:40:29.416" v="13" actId="478"/>
+          <ac:grpSpMkLst>
+            <pc:docMk/>
+            <pc:sldMk cId="0" sldId="274"/>
+            <ac:grpSpMk id="165" creationId="{25146144-9949-4D9F-8A72-9B05037883D1}"/>
+          </ac:grpSpMkLst>
+        </pc:grpChg>
+        <pc:grpChg chg="del">
+          <ac:chgData name="Matt Carlson" userId="0e792f37f00095d9" providerId="LiveId" clId="{074E2B56-2790-443E-B5EA-A74523936823}" dt="2020-09-26T07:40:29.416" v="13" actId="478"/>
+          <ac:grpSpMkLst>
+            <pc:docMk/>
+            <pc:sldMk cId="0" sldId="274"/>
+            <ac:grpSpMk id="171" creationId="{176051A8-1624-4380-8DCC-DCE4FC159E43}"/>
+          </ac:grpSpMkLst>
+        </pc:grpChg>
+        <pc:grpChg chg="del">
+          <ac:chgData name="Matt Carlson" userId="0e792f37f00095d9" providerId="LiveId" clId="{074E2B56-2790-443E-B5EA-A74523936823}" dt="2020-09-26T07:40:29.416" v="13" actId="478"/>
+          <ac:grpSpMkLst>
+            <pc:docMk/>
+            <pc:sldMk cId="0" sldId="274"/>
+            <ac:grpSpMk id="175" creationId="{79E4790B-9D76-4406-A346-36758CC95AAA}"/>
+          </ac:grpSpMkLst>
+        </pc:grpChg>
+        <pc:grpChg chg="del">
+          <ac:chgData name="Matt Carlson" userId="0e792f37f00095d9" providerId="LiveId" clId="{074E2B56-2790-443E-B5EA-A74523936823}" dt="2020-09-26T07:40:29.416" v="13" actId="478"/>
+          <ac:grpSpMkLst>
+            <pc:docMk/>
+            <pc:sldMk cId="0" sldId="274"/>
+            <ac:grpSpMk id="178" creationId="{84FA9450-BAB7-4533-817B-E5C759EA8725}"/>
+          </ac:grpSpMkLst>
+        </pc:grpChg>
+        <pc:grpChg chg="del">
+          <ac:chgData name="Matt Carlson" userId="0e792f37f00095d9" providerId="LiveId" clId="{074E2B56-2790-443E-B5EA-A74523936823}" dt="2020-09-26T07:40:29.416" v="13" actId="478"/>
+          <ac:grpSpMkLst>
+            <pc:docMk/>
+            <pc:sldMk cId="0" sldId="274"/>
+            <ac:grpSpMk id="181" creationId="{E6B74595-3CBF-48D5-A7E6-0C78137A4D84}"/>
+          </ac:grpSpMkLst>
+        </pc:grpChg>
+        <pc:grpChg chg="del">
+          <ac:chgData name="Matt Carlson" userId="0e792f37f00095d9" providerId="LiveId" clId="{074E2B56-2790-443E-B5EA-A74523936823}" dt="2020-09-26T07:40:29.416" v="13" actId="478"/>
+          <ac:grpSpMkLst>
+            <pc:docMk/>
+            <pc:sldMk cId="0" sldId="274"/>
+            <ac:grpSpMk id="184" creationId="{359A6503-66E1-4262-B52C-1AA3783DEF63}"/>
+          </ac:grpSpMkLst>
+        </pc:grpChg>
+        <pc:grpChg chg="del">
+          <ac:chgData name="Matt Carlson" userId="0e792f37f00095d9" providerId="LiveId" clId="{074E2B56-2790-443E-B5EA-A74523936823}" dt="2020-09-26T07:40:29.416" v="13" actId="478"/>
+          <ac:grpSpMkLst>
+            <pc:docMk/>
+            <pc:sldMk cId="0" sldId="274"/>
+            <ac:grpSpMk id="189" creationId="{ED1E0927-4A50-4C5B-8215-3FF70B6CECF6}"/>
+          </ac:grpSpMkLst>
+        </pc:grpChg>
+        <pc:grpChg chg="add del mod">
+          <ac:chgData name="Matt Carlson" userId="0e792f37f00095d9" providerId="LiveId" clId="{074E2B56-2790-443E-B5EA-A74523936823}" dt="2020-09-26T08:05:16.401" v="155" actId="478"/>
+          <ac:grpSpMkLst>
+            <pc:docMk/>
+            <pc:sldMk cId="0" sldId="274"/>
+            <ac:grpSpMk id="195" creationId="{B0C36058-0C09-4260-A4B6-1258686B38EC}"/>
+          </ac:grpSpMkLst>
+        </pc:grpChg>
+        <pc:grpChg chg="add mod">
+          <ac:chgData name="Matt Carlson" userId="0e792f37f00095d9" providerId="LiveId" clId="{074E2B56-2790-443E-B5EA-A74523936823}" dt="2020-09-26T08:20:03.794" v="298" actId="1076"/>
+          <ac:grpSpMkLst>
+            <pc:docMk/>
+            <pc:sldMk cId="0" sldId="274"/>
+            <ac:grpSpMk id="207" creationId="{631053A3-2EE5-42FE-94AF-7AAD36EC5908}"/>
+          </ac:grpSpMkLst>
+        </pc:grpChg>
+        <pc:grpChg chg="add mod">
+          <ac:chgData name="Matt Carlson" userId="0e792f37f00095d9" providerId="LiveId" clId="{074E2B56-2790-443E-B5EA-A74523936823}" dt="2020-09-26T08:20:03.794" v="298" actId="1076"/>
+          <ac:grpSpMkLst>
+            <pc:docMk/>
+            <pc:sldMk cId="0" sldId="274"/>
+            <ac:grpSpMk id="212" creationId="{5826866E-9815-4FFB-9965-E9795A89593F}"/>
+          </ac:grpSpMkLst>
+        </pc:grpChg>
+        <pc:grpChg chg="add mod ord">
+          <ac:chgData name="Matt Carlson" userId="0e792f37f00095d9" providerId="LiveId" clId="{074E2B56-2790-443E-B5EA-A74523936823}" dt="2020-09-26T08:20:03.794" v="298" actId="1076"/>
+          <ac:grpSpMkLst>
+            <pc:docMk/>
+            <pc:sldMk cId="0" sldId="274"/>
+            <ac:grpSpMk id="216" creationId="{89471F71-F5BE-4BB4-AE55-34A0CBB6C4D9}"/>
+          </ac:grpSpMkLst>
+        </pc:grpChg>
+        <pc:grpChg chg="add mod ord">
+          <ac:chgData name="Matt Carlson" userId="0e792f37f00095d9" providerId="LiveId" clId="{074E2B56-2790-443E-B5EA-A74523936823}" dt="2020-09-26T08:20:03.794" v="298" actId="1076"/>
+          <ac:grpSpMkLst>
+            <pc:docMk/>
+            <pc:sldMk cId="0" sldId="274"/>
+            <ac:grpSpMk id="220" creationId="{200D3AA7-2306-4411-9CD6-AAA7A018330B}"/>
+          </ac:grpSpMkLst>
+        </pc:grpChg>
+        <pc:grpChg chg="add mod ord">
+          <ac:chgData name="Matt Carlson" userId="0e792f37f00095d9" providerId="LiveId" clId="{074E2B56-2790-443E-B5EA-A74523936823}" dt="2020-09-26T08:20:03.794" v="298" actId="1076"/>
+          <ac:grpSpMkLst>
+            <pc:docMk/>
+            <pc:sldMk cId="0" sldId="274"/>
+            <ac:grpSpMk id="224" creationId="{47BEF17B-7909-4A7D-9A95-A7741E2A6DF7}"/>
+          </ac:grpSpMkLst>
+        </pc:grpChg>
+        <pc:grpChg chg="add mod">
+          <ac:chgData name="Matt Carlson" userId="0e792f37f00095d9" providerId="LiveId" clId="{074E2B56-2790-443E-B5EA-A74523936823}" dt="2020-09-26T08:20:03.794" v="298" actId="1076"/>
+          <ac:grpSpMkLst>
+            <pc:docMk/>
+            <pc:sldMk cId="0" sldId="274"/>
+            <ac:grpSpMk id="231" creationId="{31444C3C-49DF-4863-B7B6-422D38FDC31B}"/>
+          </ac:grpSpMkLst>
+        </pc:grpChg>
+        <pc:grpChg chg="add mod">
+          <ac:chgData name="Matt Carlson" userId="0e792f37f00095d9" providerId="LiveId" clId="{074E2B56-2790-443E-B5EA-A74523936823}" dt="2020-09-26T08:20:03.794" v="298" actId="1076"/>
+          <ac:grpSpMkLst>
+            <pc:docMk/>
+            <pc:sldMk cId="0" sldId="274"/>
+            <ac:grpSpMk id="235" creationId="{9133B348-45E7-49B5-B183-75D7028F320D}"/>
+          </ac:grpSpMkLst>
+        </pc:grpChg>
+        <pc:grpChg chg="add mod">
+          <ac:chgData name="Matt Carlson" userId="0e792f37f00095d9" providerId="LiveId" clId="{074E2B56-2790-443E-B5EA-A74523936823}" dt="2020-09-26T08:20:03.794" v="298" actId="1076"/>
+          <ac:grpSpMkLst>
+            <pc:docMk/>
+            <pc:sldMk cId="0" sldId="274"/>
+            <ac:grpSpMk id="240" creationId="{8637D463-A302-41A0-9BA7-1E7A5BF5F388}"/>
+          </ac:grpSpMkLst>
+        </pc:grpChg>
+        <pc:grpChg chg="add mod ord">
+          <ac:chgData name="Matt Carlson" userId="0e792f37f00095d9" providerId="LiveId" clId="{074E2B56-2790-443E-B5EA-A74523936823}" dt="2020-09-26T08:20:03.794" v="298" actId="1076"/>
+          <ac:grpSpMkLst>
+            <pc:docMk/>
+            <pc:sldMk cId="0" sldId="274"/>
+            <ac:grpSpMk id="244" creationId="{1C2DC5E4-42D1-40E1-A179-50493A6E9A2C}"/>
+          </ac:grpSpMkLst>
+        </pc:grpChg>
+        <pc:grpChg chg="add del mod">
+          <ac:chgData name="Matt Carlson" userId="0e792f37f00095d9" providerId="LiveId" clId="{074E2B56-2790-443E-B5EA-A74523936823}" dt="2020-09-26T08:04:49.982" v="146"/>
+          <ac:grpSpMkLst>
+            <pc:docMk/>
+            <pc:sldMk cId="0" sldId="274"/>
+            <ac:grpSpMk id="248" creationId="{6BD21D7D-4494-4F9D-A6CC-7B37F7103A1C}"/>
+          </ac:grpSpMkLst>
+        </pc:grpChg>
+        <pc:grpChg chg="add mod ord">
+          <ac:chgData name="Matt Carlson" userId="0e792f37f00095d9" providerId="LiveId" clId="{074E2B56-2790-443E-B5EA-A74523936823}" dt="2020-09-26T08:20:03.794" v="298" actId="1076"/>
+          <ac:grpSpMkLst>
+            <pc:docMk/>
+            <pc:sldMk cId="0" sldId="274"/>
+            <ac:grpSpMk id="252" creationId="{7BC4007C-0CF0-49FD-8340-4D553580B98C}"/>
+          </ac:grpSpMkLst>
+        </pc:grpChg>
+        <pc:grpChg chg="add mod">
+          <ac:chgData name="Matt Carlson" userId="0e792f37f00095d9" providerId="LiveId" clId="{074E2B56-2790-443E-B5EA-A74523936823}" dt="2020-09-26T08:20:03.794" v="298" actId="1076"/>
+          <ac:grpSpMkLst>
+            <pc:docMk/>
+            <pc:sldMk cId="0" sldId="274"/>
+            <ac:grpSpMk id="256" creationId="{D84F6F70-D376-4F2F-B06F-DC80A58CEC53}"/>
+          </ac:grpSpMkLst>
+        </pc:grpChg>
+        <pc:grpChg chg="add mod">
+          <ac:chgData name="Matt Carlson" userId="0e792f37f00095d9" providerId="LiveId" clId="{074E2B56-2790-443E-B5EA-A74523936823}" dt="2020-09-26T08:20:03.794" v="298" actId="1076"/>
+          <ac:grpSpMkLst>
+            <pc:docMk/>
+            <pc:sldMk cId="0" sldId="274"/>
+            <ac:grpSpMk id="260" creationId="{33277367-29FF-4334-A7FD-C32EB1227576}"/>
+          </ac:grpSpMkLst>
+        </pc:grpChg>
+        <pc:grpChg chg="add mod">
+          <ac:chgData name="Matt Carlson" userId="0e792f37f00095d9" providerId="LiveId" clId="{074E2B56-2790-443E-B5EA-A74523936823}" dt="2020-09-26T08:20:03.794" v="298" actId="1076"/>
+          <ac:grpSpMkLst>
+            <pc:docMk/>
+            <pc:sldMk cId="0" sldId="274"/>
+            <ac:grpSpMk id="264" creationId="{3A720F8D-F8EB-4BA2-9DB0-3F1CD9AAD020}"/>
+          </ac:grpSpMkLst>
+        </pc:grpChg>
+        <pc:grpChg chg="add mod">
+          <ac:chgData name="Matt Carlson" userId="0e792f37f00095d9" providerId="LiveId" clId="{074E2B56-2790-443E-B5EA-A74523936823}" dt="2020-09-26T08:20:03.794" v="298" actId="1076"/>
+          <ac:grpSpMkLst>
+            <pc:docMk/>
+            <pc:sldMk cId="0" sldId="274"/>
+            <ac:grpSpMk id="268" creationId="{FDF1D763-7C90-4984-909B-9466E028A08D}"/>
+          </ac:grpSpMkLst>
+        </pc:grpChg>
+        <pc:grpChg chg="add del mod">
+          <ac:chgData name="Matt Carlson" userId="0e792f37f00095d9" providerId="LiveId" clId="{074E2B56-2790-443E-B5EA-A74523936823}" dt="2020-09-26T08:06:09.796" v="166" actId="478"/>
+          <ac:grpSpMkLst>
+            <pc:docMk/>
+            <pc:sldMk cId="0" sldId="274"/>
+            <ac:grpSpMk id="272" creationId="{62825A7A-1FED-4066-8D5F-6B31EEF65254}"/>
+          </ac:grpSpMkLst>
+        </pc:grpChg>
+        <pc:grpChg chg="add mod">
+          <ac:chgData name="Matt Carlson" userId="0e792f37f00095d9" providerId="LiveId" clId="{074E2B56-2790-443E-B5EA-A74523936823}" dt="2020-09-26T08:20:03.794" v="298" actId="1076"/>
+          <ac:grpSpMkLst>
+            <pc:docMk/>
+            <pc:sldMk cId="0" sldId="274"/>
+            <ac:grpSpMk id="276" creationId="{100F7E9C-E429-4145-B2C0-7785547B3B48}"/>
+          </ac:grpSpMkLst>
+        </pc:grpChg>
+        <pc:grpChg chg="add mod ord">
+          <ac:chgData name="Matt Carlson" userId="0e792f37f00095d9" providerId="LiveId" clId="{074E2B56-2790-443E-B5EA-A74523936823}" dt="2020-09-26T08:20:03.794" v="298" actId="1076"/>
+          <ac:grpSpMkLst>
+            <pc:docMk/>
+            <pc:sldMk cId="0" sldId="274"/>
+            <ac:grpSpMk id="280" creationId="{240BBFA4-29E8-44DC-B9A8-C056EA8FFDA8}"/>
+          </ac:grpSpMkLst>
+        </pc:grpChg>
+        <pc:grpChg chg="add mod">
+          <ac:chgData name="Matt Carlson" userId="0e792f37f00095d9" providerId="LiveId" clId="{074E2B56-2790-443E-B5EA-A74523936823}" dt="2020-09-26T08:20:03.794" v="298" actId="1076"/>
+          <ac:grpSpMkLst>
+            <pc:docMk/>
+            <pc:sldMk cId="0" sldId="274"/>
+            <ac:grpSpMk id="283" creationId="{C0AEA172-5D02-4C4B-A762-224C3574B1E8}"/>
+          </ac:grpSpMkLst>
+        </pc:grpChg>
+        <pc:graphicFrameChg chg="mod modGraphic">
+          <ac:chgData name="Matt Carlson" userId="0e792f37f00095d9" providerId="LiveId" clId="{074E2B56-2790-443E-B5EA-A74523936823}" dt="2020-09-26T08:19:22.799" v="297" actId="20577"/>
+          <ac:graphicFrameMkLst>
+            <pc:docMk/>
+            <pc:sldMk cId="0" sldId="274"/>
+            <ac:graphicFrameMk id="110" creationId="{00000000-0000-0000-0000-000000000000}"/>
+          </ac:graphicFrameMkLst>
+        </pc:graphicFrameChg>
+        <pc:picChg chg="add mod">
+          <ac:chgData name="Matt Carlson" userId="0e792f37f00095d9" providerId="LiveId" clId="{074E2B56-2790-443E-B5EA-A74523936823}" dt="2020-09-26T07:23:25.191" v="4" actId="1076"/>
+          <ac:picMkLst>
+            <pc:docMk/>
+            <pc:sldMk cId="0" sldId="274"/>
+            <ac:picMk id="2" creationId="{92BF1C95-0D7F-4BCD-89C6-094F59FF8EA8}"/>
+          </ac:picMkLst>
+        </pc:picChg>
+        <pc:picChg chg="add mod">
+          <ac:chgData name="Matt Carlson" userId="0e792f37f00095d9" providerId="LiveId" clId="{074E2B56-2790-443E-B5EA-A74523936823}" dt="2020-09-26T07:23:36.035" v="10" actId="1037"/>
+          <ac:picMkLst>
+            <pc:docMk/>
+            <pc:sldMk cId="0" sldId="274"/>
+            <ac:picMk id="3" creationId="{9383CB45-2241-4F66-BB24-9A1FF6EBA2DE}"/>
+          </ac:picMkLst>
+        </pc:picChg>
+        <pc:picChg chg="del">
+          <ac:chgData name="Matt Carlson" userId="0e792f37f00095d9" providerId="LiveId" clId="{074E2B56-2790-443E-B5EA-A74523936823}" dt="2020-09-26T07:17:47.418" v="0" actId="478"/>
+          <ac:picMkLst>
+            <pc:docMk/>
+            <pc:sldMk cId="0" sldId="274"/>
+            <ac:picMk id="3113" creationId="{00000000-0000-0000-0000-000000000000}"/>
+          </ac:picMkLst>
+        </pc:picChg>
+        <pc:picChg chg="del">
+          <ac:chgData name="Matt Carlson" userId="0e792f37f00095d9" providerId="LiveId" clId="{074E2B56-2790-443E-B5EA-A74523936823}" dt="2020-09-26T07:17:47.418" v="0" actId="478"/>
+          <ac:picMkLst>
+            <pc:docMk/>
+            <pc:sldMk cId="0" sldId="274"/>
+            <ac:picMk id="3114" creationId="{00000000-0000-0000-0000-000000000000}"/>
+          </ac:picMkLst>
+        </pc:picChg>
+        <pc:cxnChg chg="del">
+          <ac:chgData name="Matt Carlson" userId="0e792f37f00095d9" providerId="LiveId" clId="{074E2B56-2790-443E-B5EA-A74523936823}" dt="2020-09-26T07:40:29.416" v="13" actId="478"/>
+          <ac:cxnSpMkLst>
+            <pc:docMk/>
+            <pc:sldMk cId="0" sldId="274"/>
+            <ac:cxnSpMk id="93" creationId="{4CA13B8B-FBEE-4DA3-A2C2-BFEE77F343D1}"/>
+          </ac:cxnSpMkLst>
+        </pc:cxnChg>
+        <pc:cxnChg chg="del">
+          <ac:chgData name="Matt Carlson" userId="0e792f37f00095d9" providerId="LiveId" clId="{074E2B56-2790-443E-B5EA-A74523936823}" dt="2020-09-26T07:40:29.416" v="13" actId="478"/>
+          <ac:cxnSpMkLst>
+            <pc:docMk/>
+            <pc:sldMk cId="0" sldId="274"/>
+            <ac:cxnSpMk id="98" creationId="{B022AECC-6754-452B-9826-962B405325A6}"/>
+          </ac:cxnSpMkLst>
+        </pc:cxnChg>
+        <pc:cxnChg chg="del mod">
+          <ac:chgData name="Matt Carlson" userId="0e792f37f00095d9" providerId="LiveId" clId="{074E2B56-2790-443E-B5EA-A74523936823}" dt="2020-09-26T07:40:29.416" v="13" actId="478"/>
+          <ac:cxnSpMkLst>
+            <pc:docMk/>
+            <pc:sldMk cId="0" sldId="274"/>
+            <ac:cxnSpMk id="135" creationId="{B731693E-57F4-475D-804A-020F165BEB8A}"/>
+          </ac:cxnSpMkLst>
+        </pc:cxnChg>
+        <pc:cxnChg chg="del">
+          <ac:chgData name="Matt Carlson" userId="0e792f37f00095d9" providerId="LiveId" clId="{074E2B56-2790-443E-B5EA-A74523936823}" dt="2020-09-26T07:40:29.416" v="13" actId="478"/>
+          <ac:cxnSpMkLst>
+            <pc:docMk/>
+            <pc:sldMk cId="0" sldId="274"/>
+            <ac:cxnSpMk id="154" creationId="{9EECBF10-222B-4ADA-BA36-7E6717419433}"/>
+          </ac:cxnSpMkLst>
+        </pc:cxnChg>
+        <pc:cxnChg chg="del">
+          <ac:chgData name="Matt Carlson" userId="0e792f37f00095d9" providerId="LiveId" clId="{074E2B56-2790-443E-B5EA-A74523936823}" dt="2020-09-26T07:40:29.416" v="13" actId="478"/>
+          <ac:cxnSpMkLst>
+            <pc:docMk/>
+            <pc:sldMk cId="0" sldId="274"/>
+            <ac:cxnSpMk id="159" creationId="{51ED4D8B-6D94-4D6C-A96D-88913AF4C883}"/>
+          </ac:cxnSpMkLst>
+        </pc:cxnChg>
+        <pc:cxnChg chg="del">
+          <ac:chgData name="Matt Carlson" userId="0e792f37f00095d9" providerId="LiveId" clId="{074E2B56-2790-443E-B5EA-A74523936823}" dt="2020-09-26T07:40:29.416" v="13" actId="478"/>
+          <ac:cxnSpMkLst>
+            <pc:docMk/>
+            <pc:sldMk cId="0" sldId="274"/>
+            <ac:cxnSpMk id="169" creationId="{04D30676-D9A3-41EB-AE2C-3D16CA412107}"/>
+          </ac:cxnSpMkLst>
+        </pc:cxnChg>
+        <pc:cxnChg chg="del">
+          <ac:chgData name="Matt Carlson" userId="0e792f37f00095d9" providerId="LiveId" clId="{074E2B56-2790-443E-B5EA-A74523936823}" dt="2020-09-26T07:40:29.416" v="13" actId="478"/>
+          <ac:cxnSpMkLst>
+            <pc:docMk/>
+            <pc:sldMk cId="0" sldId="274"/>
+            <ac:cxnSpMk id="170" creationId="{E7DB753B-40A9-4C8C-9304-C858FB1A8325}"/>
+          </ac:cxnSpMkLst>
+        </pc:cxnChg>
+        <pc:cxnChg chg="mod">
+          <ac:chgData name="Matt Carlson" userId="0e792f37f00095d9" providerId="LiveId" clId="{074E2B56-2790-443E-B5EA-A74523936823}" dt="2020-09-26T08:20:03.794" v="298" actId="1076"/>
+          <ac:cxnSpMkLst>
+            <pc:docMk/>
+            <pc:sldMk cId="0" sldId="274"/>
+            <ac:cxnSpMk id="188" creationId="{8C0264D6-1235-4CE6-9B44-00C2431614F8}"/>
+          </ac:cxnSpMkLst>
+        </pc:cxnChg>
+        <pc:cxnChg chg="add mod">
+          <ac:chgData name="Matt Carlson" userId="0e792f37f00095d9" providerId="LiveId" clId="{074E2B56-2790-443E-B5EA-A74523936823}" dt="2020-09-26T08:20:03.794" v="298" actId="1076"/>
+          <ac:cxnSpMkLst>
+            <pc:docMk/>
+            <pc:sldMk cId="0" sldId="274"/>
+            <ac:cxnSpMk id="199" creationId="{2CA99E20-2095-4EEF-946B-AB05F0856B0F}"/>
+          </ac:cxnSpMkLst>
+        </pc:cxnChg>
+        <pc:cxnChg chg="add mod">
+          <ac:chgData name="Matt Carlson" userId="0e792f37f00095d9" providerId="LiveId" clId="{074E2B56-2790-443E-B5EA-A74523936823}" dt="2020-09-26T08:20:03.794" v="298" actId="1076"/>
+          <ac:cxnSpMkLst>
+            <pc:docMk/>
+            <pc:sldMk cId="0" sldId="274"/>
+            <ac:cxnSpMk id="200" creationId="{8BE9CA0C-3C21-455A-849F-A58B5D3B2211}"/>
+          </ac:cxnSpMkLst>
+        </pc:cxnChg>
+        <pc:cxnChg chg="add mod">
+          <ac:chgData name="Matt Carlson" userId="0e792f37f00095d9" providerId="LiveId" clId="{074E2B56-2790-443E-B5EA-A74523936823}" dt="2020-09-26T08:20:03.794" v="298" actId="1076"/>
+          <ac:cxnSpMkLst>
+            <pc:docMk/>
+            <pc:sldMk cId="0" sldId="274"/>
+            <ac:cxnSpMk id="201" creationId="{3E56B92E-844A-4614-9A1A-054F84F46610}"/>
+          </ac:cxnSpMkLst>
+        </pc:cxnChg>
+        <pc:cxnChg chg="add mod">
+          <ac:chgData name="Matt Carlson" userId="0e792f37f00095d9" providerId="LiveId" clId="{074E2B56-2790-443E-B5EA-A74523936823}" dt="2020-09-26T08:20:03.794" v="298" actId="1076"/>
+          <ac:cxnSpMkLst>
+            <pc:docMk/>
+            <pc:sldMk cId="0" sldId="274"/>
+            <ac:cxnSpMk id="202" creationId="{555F92E3-C861-4B4B-BB20-D7058AB79966}"/>
+          </ac:cxnSpMkLst>
+        </pc:cxnChg>
+        <pc:cxnChg chg="add mod">
+          <ac:chgData name="Matt Carlson" userId="0e792f37f00095d9" providerId="LiveId" clId="{074E2B56-2790-443E-B5EA-A74523936823}" dt="2020-09-26T08:20:03.794" v="298" actId="1076"/>
+          <ac:cxnSpMkLst>
+            <pc:docMk/>
+            <pc:sldMk cId="0" sldId="274"/>
+            <ac:cxnSpMk id="203" creationId="{39AD62B9-321A-4253-8792-6ADDC9ECAF12}"/>
+          </ac:cxnSpMkLst>
+        </pc:cxnChg>
+        <pc:cxnChg chg="add mod ord">
+          <ac:chgData name="Matt Carlson" userId="0e792f37f00095d9" providerId="LiveId" clId="{074E2B56-2790-443E-B5EA-A74523936823}" dt="2020-09-26T08:20:03.794" v="298" actId="1076"/>
+          <ac:cxnSpMkLst>
+            <pc:docMk/>
+            <pc:sldMk cId="0" sldId="274"/>
+            <ac:cxnSpMk id="204" creationId="{5FB62FBD-E17B-4862-B916-F883F1F547C8}"/>
+          </ac:cxnSpMkLst>
+        </pc:cxnChg>
+        <pc:cxnChg chg="add mod ord">
+          <ac:chgData name="Matt Carlson" userId="0e792f37f00095d9" providerId="LiveId" clId="{074E2B56-2790-443E-B5EA-A74523936823}" dt="2020-09-26T08:20:03.794" v="298" actId="1076"/>
+          <ac:cxnSpMkLst>
+            <pc:docMk/>
+            <pc:sldMk cId="0" sldId="274"/>
+            <ac:cxnSpMk id="205" creationId="{BAB2DE11-AC16-478F-9A72-0D84C22DB193}"/>
+          </ac:cxnSpMkLst>
+        </pc:cxnChg>
+      </pc:sldChg>
+    </pc:docChg>
+  </pc:docChgLst>
+  <pc:docChgLst>
+    <pc:chgData name="Matt Carlson" userId="0e792f37f00095d9" providerId="LiveId" clId="{57106D21-825D-4CE8-B8CD-90541349203C}"/>
+    <pc:docChg chg="modSld">
+      <pc:chgData name="Matt Carlson" userId="0e792f37f00095d9" providerId="LiveId" clId="{57106D21-825D-4CE8-B8CD-90541349203C}" dt="2020-10-24T09:06:22.435" v="5" actId="6549"/>
+      <pc:docMkLst>
+        <pc:docMk/>
+      </pc:docMkLst>
+      <pc:sldChg chg="addSp delSp modSp mod">
+        <pc:chgData name="Matt Carlson" userId="0e792f37f00095d9" providerId="LiveId" clId="{57106D21-825D-4CE8-B8CD-90541349203C}" dt="2020-10-24T09:06:22.435" v="5" actId="6549"/>
+        <pc:sldMkLst>
+          <pc:docMk/>
+          <pc:sldMk cId="0" sldId="274"/>
+        </pc:sldMkLst>
+        <pc:graphicFrameChg chg="mod modGraphic">
+          <ac:chgData name="Matt Carlson" userId="0e792f37f00095d9" providerId="LiveId" clId="{57106D21-825D-4CE8-B8CD-90541349203C}" dt="2020-10-24T09:06:22.435" v="5" actId="6549"/>
+          <ac:graphicFrameMkLst>
+            <pc:docMk/>
+            <pc:sldMk cId="0" sldId="274"/>
+            <ac:graphicFrameMk id="110" creationId="{00000000-0000-0000-0000-000000000000}"/>
+          </ac:graphicFrameMkLst>
+        </pc:graphicFrameChg>
+        <pc:picChg chg="del">
+          <ac:chgData name="Matt Carlson" userId="0e792f37f00095d9" providerId="LiveId" clId="{57106D21-825D-4CE8-B8CD-90541349203C}" dt="2020-10-24T09:05:57.137" v="0" actId="478"/>
+          <ac:picMkLst>
+            <pc:docMk/>
+            <pc:sldMk cId="0" sldId="274"/>
+            <ac:picMk id="2" creationId="{92BF1C95-0D7F-4BCD-89C6-094F59FF8EA8}"/>
+          </ac:picMkLst>
+        </pc:picChg>
+        <pc:picChg chg="del">
+          <ac:chgData name="Matt Carlson" userId="0e792f37f00095d9" providerId="LiveId" clId="{57106D21-825D-4CE8-B8CD-90541349203C}" dt="2020-10-24T09:05:57.137" v="0" actId="478"/>
+          <ac:picMkLst>
+            <pc:docMk/>
+            <pc:sldMk cId="0" sldId="274"/>
+            <ac:picMk id="3" creationId="{9383CB45-2241-4F66-BB24-9A1FF6EBA2DE}"/>
+          </ac:picMkLst>
+        </pc:picChg>
+        <pc:picChg chg="add del">
+          <ac:chgData name="Matt Carlson" userId="0e792f37f00095d9" providerId="LiveId" clId="{57106D21-825D-4CE8-B8CD-90541349203C}" dt="2020-10-24T09:06:10.921" v="2" actId="478"/>
+          <ac:picMkLst>
+            <pc:docMk/>
+            <pc:sldMk cId="0" sldId="274"/>
+            <ac:picMk id="7" creationId="{8B4DD275-CF19-4143-BE2F-8268FEA0902A}"/>
+          </ac:picMkLst>
+        </pc:picChg>
+        <pc:picChg chg="add del">
+          <ac:chgData name="Matt Carlson" userId="0e792f37f00095d9" providerId="LiveId" clId="{57106D21-825D-4CE8-B8CD-90541349203C}" dt="2020-10-24T09:06:10.921" v="2" actId="478"/>
+          <ac:picMkLst>
+            <pc:docMk/>
+            <pc:sldMk cId="0" sldId="274"/>
+            <ac:picMk id="8" creationId="{AAA47AF3-2596-4312-82FC-72F9B0ADA44B}"/>
+          </ac:picMkLst>
+        </pc:picChg>
+        <pc:picChg chg="add">
+          <ac:chgData name="Matt Carlson" userId="0e792f37f00095d9" providerId="LiveId" clId="{57106D21-825D-4CE8-B8CD-90541349203C}" dt="2020-10-24T09:06:12.128" v="3" actId="22"/>
+          <ac:picMkLst>
+            <pc:docMk/>
+            <pc:sldMk cId="0" sldId="274"/>
+            <ac:picMk id="9" creationId="{C978B57E-D6A4-4309-9D76-FD8E92E8DBD0}"/>
+          </ac:picMkLst>
+        </pc:picChg>
+        <pc:picChg chg="add">
+          <ac:chgData name="Matt Carlson" userId="0e792f37f00095d9" providerId="LiveId" clId="{57106D21-825D-4CE8-B8CD-90541349203C}" dt="2020-10-24T09:06:12.128" v="3" actId="22"/>
+          <ac:picMkLst>
+            <pc:docMk/>
+            <pc:sldMk cId="0" sldId="274"/>
+            <ac:picMk id="10" creationId="{83C47FB0-438F-4FC9-A80A-C79FDE8E08F9}"/>
+          </ac:picMkLst>
+        </pc:picChg>
+        <pc:picChg chg="add">
+          <ac:chgData name="Matt Carlson" userId="0e792f37f00095d9" providerId="LiveId" clId="{57106D21-825D-4CE8-B8CD-90541349203C}" dt="2020-10-24T09:06:12.128" v="3" actId="22"/>
+          <ac:picMkLst>
+            <pc:docMk/>
+            <pc:sldMk cId="0" sldId="274"/>
+            <ac:picMk id="11" creationId="{0C125D95-4E12-4DA8-BF5D-6768862CDDBE}"/>
+          </ac:picMkLst>
+        </pc:picChg>
+        <pc:picChg chg="add">
+          <ac:chgData name="Matt Carlson" userId="0e792f37f00095d9" providerId="LiveId" clId="{57106D21-825D-4CE8-B8CD-90541349203C}" dt="2020-10-24T09:06:12.128" v="3" actId="22"/>
+          <ac:picMkLst>
+            <pc:docMk/>
+            <pc:sldMk cId="0" sldId="274"/>
+            <ac:picMk id="12" creationId="{0342F02F-936B-46D4-A3E8-53B1DC59F87F}"/>
+          </ac:picMkLst>
+        </pc:picChg>
+      </pc:sldChg>
+    </pc:docChg>
+  </pc:docChgLst>
+  <pc:docChgLst>
+    <pc:chgData name="Matt Carlson" userId="0e792f37f00095d9" providerId="LiveId" clId="{560E01DB-C0ED-43C1-8B3A-367CBEC07B1F}"/>
+    <pc:docChg chg="undo redo custSel addSld delSld modSld">
+      <pc:chgData name="Matt Carlson" userId="0e792f37f00095d9" providerId="LiveId" clId="{560E01DB-C0ED-43C1-8B3A-367CBEC07B1F}" dt="2020-10-24T10:19:53.775" v="343" actId="1076"/>
+      <pc:docMkLst>
+        <pc:docMk/>
+      </pc:docMkLst>
+      <pc:sldChg chg="del">
+        <pc:chgData name="Matt Carlson" userId="0e792f37f00095d9" providerId="LiveId" clId="{560E01DB-C0ED-43C1-8B3A-367CBEC07B1F}" dt="2020-10-24T10:18:53.908" v="335" actId="47"/>
+        <pc:sldMkLst>
+          <pc:docMk/>
+          <pc:sldMk cId="0" sldId="274"/>
+        </pc:sldMkLst>
+      </pc:sldChg>
+      <pc:sldChg chg="del">
+        <pc:chgData name="Matt Carlson" userId="0e792f37f00095d9" providerId="LiveId" clId="{560E01DB-C0ED-43C1-8B3A-367CBEC07B1F}" dt="2020-10-24T10:18:51.287" v="334" actId="47"/>
+        <pc:sldMkLst>
+          <pc:docMk/>
+          <pc:sldMk cId="0" sldId="275"/>
+        </pc:sldMkLst>
+      </pc:sldChg>
+      <pc:sldChg chg="del">
+        <pc:chgData name="Matt Carlson" userId="0e792f37f00095d9" providerId="LiveId" clId="{560E01DB-C0ED-43C1-8B3A-367CBEC07B1F}" dt="2020-10-24T10:18:51.287" v="334" actId="47"/>
+        <pc:sldMkLst>
+          <pc:docMk/>
+          <pc:sldMk cId="0" sldId="276"/>
+        </pc:sldMkLst>
+      </pc:sldChg>
+      <pc:sldChg chg="del">
+        <pc:chgData name="Matt Carlson" userId="0e792f37f00095d9" providerId="LiveId" clId="{560E01DB-C0ED-43C1-8B3A-367CBEC07B1F}" dt="2020-10-24T10:18:51.287" v="334" actId="47"/>
+        <pc:sldMkLst>
+          <pc:docMk/>
+          <pc:sldMk cId="0" sldId="279"/>
+        </pc:sldMkLst>
+      </pc:sldChg>
+      <pc:sldChg chg="del">
+        <pc:chgData name="Matt Carlson" userId="0e792f37f00095d9" providerId="LiveId" clId="{560E01DB-C0ED-43C1-8B3A-367CBEC07B1F}" dt="2020-10-24T10:18:51.287" v="334" actId="47"/>
+        <pc:sldMkLst>
+          <pc:docMk/>
+          <pc:sldMk cId="0" sldId="280"/>
+        </pc:sldMkLst>
+      </pc:sldChg>
+      <pc:sldChg chg="del">
+        <pc:chgData name="Matt Carlson" userId="0e792f37f00095d9" providerId="LiveId" clId="{560E01DB-C0ED-43C1-8B3A-367CBEC07B1F}" dt="2020-10-24T10:18:51.287" v="334" actId="47"/>
+        <pc:sldMkLst>
+          <pc:docMk/>
+          <pc:sldMk cId="0" sldId="281"/>
+        </pc:sldMkLst>
+      </pc:sldChg>
+      <pc:sldChg chg="addSp delSp modSp add mod setBg">
+        <pc:chgData name="Matt Carlson" userId="0e792f37f00095d9" providerId="LiveId" clId="{560E01DB-C0ED-43C1-8B3A-367CBEC07B1F}" dt="2020-10-24T10:19:53.775" v="343" actId="1076"/>
+        <pc:sldMkLst>
+          <pc:docMk/>
+          <pc:sldMk cId="4001422911" sldId="282"/>
+        </pc:sldMkLst>
+        <pc:spChg chg="add mod">
+          <ac:chgData name="Matt Carlson" userId="0e792f37f00095d9" providerId="LiveId" clId="{560E01DB-C0ED-43C1-8B3A-367CBEC07B1F}" dt="2020-10-24T09:23:00.843" v="64" actId="1076"/>
+          <ac:spMkLst>
+            <pc:docMk/>
+            <pc:sldMk cId="4001422911" sldId="282"/>
+            <ac:spMk id="2" creationId="{DE952C0D-DFD1-4DA1-8786-BA29CB3446BB}"/>
+          </ac:spMkLst>
+        </pc:spChg>
+        <pc:spChg chg="add mod">
+          <ac:chgData name="Matt Carlson" userId="0e792f37f00095d9" providerId="LiveId" clId="{560E01DB-C0ED-43C1-8B3A-367CBEC07B1F}" dt="2020-10-24T09:44:29.459" v="173" actId="14100"/>
+          <ac:spMkLst>
+            <pc:docMk/>
+            <pc:sldMk cId="4001422911" sldId="282"/>
+            <ac:spMk id="3" creationId="{6E6173D4-CB84-4BDB-9451-DCFD572A1CE5}"/>
+          </ac:spMkLst>
+        </pc:spChg>
+        <pc:spChg chg="del">
+          <ac:chgData name="Matt Carlson" userId="0e792f37f00095d9" providerId="LiveId" clId="{560E01DB-C0ED-43C1-8B3A-367CBEC07B1F}" dt="2020-10-24T09:11:40.623" v="1" actId="478"/>
+          <ac:spMkLst>
+            <pc:docMk/>
+            <pc:sldMk cId="4001422911" sldId="282"/>
+            <ac:spMk id="4" creationId="{FE9D3208-5A09-41A6-9159-CAB01028C533}"/>
+          </ac:spMkLst>
+        </pc:spChg>
+        <pc:spChg chg="del">
+          <ac:chgData name="Matt Carlson" userId="0e792f37f00095d9" providerId="LiveId" clId="{560E01DB-C0ED-43C1-8B3A-367CBEC07B1F}" dt="2020-10-24T09:11:40.623" v="1" actId="478"/>
+          <ac:spMkLst>
+            <pc:docMk/>
+            <pc:sldMk cId="4001422911" sldId="282"/>
+            <ac:spMk id="5" creationId="{CA2C4368-286F-4D65-9079-5F932E7AAC2E}"/>
+          </ac:spMkLst>
+        </pc:spChg>
+        <pc:spChg chg="del">
+          <ac:chgData name="Matt Carlson" userId="0e792f37f00095d9" providerId="LiveId" clId="{560E01DB-C0ED-43C1-8B3A-367CBEC07B1F}" dt="2020-10-24T09:11:40.623" v="1" actId="478"/>
+          <ac:spMkLst>
+            <pc:docMk/>
+            <pc:sldMk cId="4001422911" sldId="282"/>
+            <ac:spMk id="6" creationId="{B0BCD061-8C2B-4C1A-981C-AEC64F61EC79}"/>
+          </ac:spMkLst>
+        </pc:spChg>
+        <pc:spChg chg="add mod ord">
+          <ac:chgData name="Matt Carlson" userId="0e792f37f00095d9" providerId="LiveId" clId="{560E01DB-C0ED-43C1-8B3A-367CBEC07B1F}" dt="2020-10-24T09:22:14.427" v="59" actId="14100"/>
+          <ac:spMkLst>
+            <pc:docMk/>
+            <pc:sldMk cId="4001422911" sldId="282"/>
+            <ac:spMk id="14" creationId="{79F2B15D-46C3-412E-84D3-79E7D9455B7F}"/>
+          </ac:spMkLst>
+        </pc:spChg>
+        <pc:spChg chg="del">
+          <ac:chgData name="Matt Carlson" userId="0e792f37f00095d9" providerId="LiveId" clId="{560E01DB-C0ED-43C1-8B3A-367CBEC07B1F}" dt="2020-10-24T09:11:40.623" v="1" actId="478"/>
+          <ac:spMkLst>
+            <pc:docMk/>
+            <pc:sldMk cId="4001422911" sldId="282"/>
+            <ac:spMk id="19" creationId="{16F48128-CC0C-49CE-9F73-5765C5C406D8}"/>
+          </ac:spMkLst>
+        </pc:spChg>
+        <pc:spChg chg="del">
+          <ac:chgData name="Matt Carlson" userId="0e792f37f00095d9" providerId="LiveId" clId="{560E01DB-C0ED-43C1-8B3A-367CBEC07B1F}" dt="2020-10-24T09:11:40.623" v="1" actId="478"/>
+          <ac:spMkLst>
+            <pc:docMk/>
+            <pc:sldMk cId="4001422911" sldId="282"/>
+            <ac:spMk id="20" creationId="{43D54E13-A055-4294-81C0-C191A44186A5}"/>
+          </ac:spMkLst>
+        </pc:spChg>
+        <pc:spChg chg="del">
+          <ac:chgData name="Matt Carlson" userId="0e792f37f00095d9" providerId="LiveId" clId="{560E01DB-C0ED-43C1-8B3A-367CBEC07B1F}" dt="2020-10-24T09:11:40.623" v="1" actId="478"/>
+          <ac:spMkLst>
+            <pc:docMk/>
+            <pc:sldMk cId="4001422911" sldId="282"/>
+            <ac:spMk id="21" creationId="{A23BAFBD-B86E-4A39-B9BE-9BFAD6EB5047}"/>
+          </ac:spMkLst>
+        </pc:spChg>
+        <pc:spChg chg="del">
+          <ac:chgData name="Matt Carlson" userId="0e792f37f00095d9" providerId="LiveId" clId="{560E01DB-C0ED-43C1-8B3A-367CBEC07B1F}" dt="2020-10-24T09:11:40.623" v="1" actId="478"/>
+          <ac:spMkLst>
+            <pc:docMk/>
+            <pc:sldMk cId="4001422911" sldId="282"/>
+            <ac:spMk id="22" creationId="{019780B0-1801-4F00-9982-9D046A337DF7}"/>
+          </ac:spMkLst>
+        </pc:spChg>
+        <pc:spChg chg="del">
+          <ac:chgData name="Matt Carlson" userId="0e792f37f00095d9" providerId="LiveId" clId="{560E01DB-C0ED-43C1-8B3A-367CBEC07B1F}" dt="2020-10-24T09:11:40.623" v="1" actId="478"/>
+          <ac:spMkLst>
+            <pc:docMk/>
+            <pc:sldMk cId="4001422911" sldId="282"/>
+            <ac:spMk id="23" creationId="{C31F158A-4D8D-4313-9E42-EA397829CFC2}"/>
+          </ac:spMkLst>
+        </pc:spChg>
+        <pc:spChg chg="del">
+          <ac:chgData name="Matt Carlson" userId="0e792f37f00095d9" providerId="LiveId" clId="{560E01DB-C0ED-43C1-8B3A-367CBEC07B1F}" dt="2020-10-24T09:11:40.623" v="1" actId="478"/>
+          <ac:spMkLst>
+            <pc:docMk/>
+            <pc:sldMk cId="4001422911" sldId="282"/>
+            <ac:spMk id="24" creationId="{443BF047-8799-4564-9703-1521F23B3703}"/>
+          </ac:spMkLst>
+        </pc:spChg>
+        <pc:spChg chg="add mod">
+          <ac:chgData name="Matt Carlson" userId="0e792f37f00095d9" providerId="LiveId" clId="{560E01DB-C0ED-43C1-8B3A-367CBEC07B1F}" dt="2020-10-24T09:27:20.992" v="129" actId="14100"/>
+          <ac:spMkLst>
+            <pc:docMk/>
+            <pc:sldMk cId="4001422911" sldId="282"/>
+            <ac:spMk id="29" creationId="{E94C9492-A160-4BBB-8F61-7D58D20FFBE2}"/>
+          </ac:spMkLst>
+        </pc:spChg>
+        <pc:spChg chg="add mod">
+          <ac:chgData name="Matt Carlson" userId="0e792f37f00095d9" providerId="LiveId" clId="{560E01DB-C0ED-43C1-8B3A-367CBEC07B1F}" dt="2020-10-24T09:37:09.011" v="162" actId="14100"/>
+          <ac:spMkLst>
+            <pc:docMk/>
+            <pc:sldMk cId="4001422911" sldId="282"/>
+            <ac:spMk id="30" creationId="{9335D1B3-D07A-4003-887C-CE5A6D344C86}"/>
+          </ac:spMkLst>
+        </pc:spChg>
+        <pc:spChg chg="add mod ord">
+          <ac:chgData name="Matt Carlson" userId="0e792f37f00095d9" providerId="LiveId" clId="{560E01DB-C0ED-43C1-8B3A-367CBEC07B1F}" dt="2020-10-24T09:29:37.645" v="151" actId="166"/>
+          <ac:spMkLst>
+            <pc:docMk/>
+            <pc:sldMk cId="4001422911" sldId="282"/>
+            <ac:spMk id="33" creationId="{818158D0-A88B-436D-8FEB-68F24F43F38D}"/>
+          </ac:spMkLst>
+        </pc:spChg>
+        <pc:spChg chg="add mod">
+          <ac:chgData name="Matt Carlson" userId="0e792f37f00095d9" providerId="LiveId" clId="{560E01DB-C0ED-43C1-8B3A-367CBEC07B1F}" dt="2020-10-24T10:05:59.094" v="210" actId="14100"/>
+          <ac:spMkLst>
+            <pc:docMk/>
+            <pc:sldMk cId="4001422911" sldId="282"/>
+            <ac:spMk id="35" creationId="{C2924160-6DF0-4D23-A51D-BD43CB48155B}"/>
+          </ac:spMkLst>
+        </pc:spChg>
+        <pc:spChg chg="add del">
+          <ac:chgData name="Matt Carlson" userId="0e792f37f00095d9" providerId="LiveId" clId="{560E01DB-C0ED-43C1-8B3A-367CBEC07B1F}" dt="2020-10-24T10:12:17.175" v="232" actId="22"/>
+          <ac:spMkLst>
+            <pc:docMk/>
+            <pc:sldMk cId="4001422911" sldId="282"/>
+            <ac:spMk id="42" creationId="{CFE26990-778A-4907-B7B3-22BCCC88B68B}"/>
+          </ac:spMkLst>
+        </pc:spChg>
+        <pc:spChg chg="add mod">
+          <ac:chgData name="Matt Carlson" userId="0e792f37f00095d9" providerId="LiveId" clId="{560E01DB-C0ED-43C1-8B3A-367CBEC07B1F}" dt="2020-10-24T10:12:26.182" v="235" actId="14100"/>
+          <ac:spMkLst>
+            <pc:docMk/>
+            <pc:sldMk cId="4001422911" sldId="282"/>
+            <ac:spMk id="43" creationId="{B17B5E3B-DBFE-40B7-A32F-E2800106AC15}"/>
+          </ac:spMkLst>
+        </pc:spChg>
+        <pc:spChg chg="mod">
+          <ac:chgData name="Matt Carlson" userId="0e792f37f00095d9" providerId="LiveId" clId="{560E01DB-C0ED-43C1-8B3A-367CBEC07B1F}" dt="2020-10-24T09:11:57.907" v="3"/>
+          <ac:spMkLst>
+            <pc:docMk/>
+            <pc:sldMk cId="4001422911" sldId="282"/>
+            <ac:spMk id="93" creationId="{D0D2CAB3-1EB5-4B94-A36D-2E6C29AB7C3A}"/>
+          </ac:spMkLst>
+        </pc:spChg>
+        <pc:spChg chg="mod">
+          <ac:chgData name="Matt Carlson" userId="0e792f37f00095d9" providerId="LiveId" clId="{560E01DB-C0ED-43C1-8B3A-367CBEC07B1F}" dt="2020-10-24T09:49:30.522" v="184" actId="1076"/>
+          <ac:spMkLst>
+            <pc:docMk/>
+            <pc:sldMk cId="4001422911" sldId="282"/>
+            <ac:spMk id="94" creationId="{817242DE-9C63-4F85-B837-7102ECD1F436}"/>
+          </ac:spMkLst>
+        </pc:spChg>
+        <pc:spChg chg="del mod">
+          <ac:chgData name="Matt Carlson" userId="0e792f37f00095d9" providerId="LiveId" clId="{560E01DB-C0ED-43C1-8B3A-367CBEC07B1F}" dt="2020-10-24T09:12:02.531" v="5" actId="478"/>
+          <ac:spMkLst>
+            <pc:docMk/>
+            <pc:sldMk cId="4001422911" sldId="282"/>
+            <ac:spMk id="95" creationId="{4892A176-F4A0-4505-990B-DBBA86ED492B}"/>
+          </ac:spMkLst>
+        </pc:spChg>
+        <pc:spChg chg="mod">
+          <ac:chgData name="Matt Carlson" userId="0e792f37f00095d9" providerId="LiveId" clId="{560E01DB-C0ED-43C1-8B3A-367CBEC07B1F}" dt="2020-10-24T09:24:19.032" v="76" actId="1076"/>
+          <ac:spMkLst>
+            <pc:docMk/>
+            <pc:sldMk cId="4001422911" sldId="282"/>
+            <ac:spMk id="101" creationId="{B71B2836-F314-4728-9B85-71C8AB900249}"/>
+          </ac:spMkLst>
+        </pc:spChg>
+        <pc:spChg chg="mod">
+          <ac:chgData name="Matt Carlson" userId="0e792f37f00095d9" providerId="LiveId" clId="{560E01DB-C0ED-43C1-8B3A-367CBEC07B1F}" dt="2020-10-24T09:24:19.032" v="76" actId="1076"/>
+          <ac:spMkLst>
+            <pc:docMk/>
+            <pc:sldMk cId="4001422911" sldId="282"/>
+            <ac:spMk id="102" creationId="{470BF240-99BA-4712-B3EF-541FACFED05E}"/>
+          </ac:spMkLst>
+        </pc:spChg>
+        <pc:spChg chg="mod">
+          <ac:chgData name="Matt Carlson" userId="0e792f37f00095d9" providerId="LiveId" clId="{560E01DB-C0ED-43C1-8B3A-367CBEC07B1F}" dt="2020-10-24T09:24:19.032" v="76" actId="1076"/>
+          <ac:spMkLst>
+            <pc:docMk/>
+            <pc:sldMk cId="4001422911" sldId="282"/>
+            <ac:spMk id="103" creationId="{E430A21D-0E8C-4CD6-9538-1F753DB45035}"/>
+          </ac:spMkLst>
+        </pc:spChg>
+        <pc:spChg chg="mod">
+          <ac:chgData name="Matt Carlson" userId="0e792f37f00095d9" providerId="LiveId" clId="{560E01DB-C0ED-43C1-8B3A-367CBEC07B1F}" dt="2020-10-24T09:24:19.032" v="76" actId="1076"/>
+          <ac:spMkLst>
+            <pc:docMk/>
+            <pc:sldMk cId="4001422911" sldId="282"/>
+            <ac:spMk id="104" creationId="{6FED5BCF-06A8-468C-BB85-7D8A10D5EC27}"/>
+          </ac:spMkLst>
+        </pc:spChg>
+        <pc:spChg chg="mod">
+          <ac:chgData name="Matt Carlson" userId="0e792f37f00095d9" providerId="LiveId" clId="{560E01DB-C0ED-43C1-8B3A-367CBEC07B1F}" dt="2020-10-24T09:24:19.032" v="76" actId="1076"/>
+          <ac:spMkLst>
+            <pc:docMk/>
+            <pc:sldMk cId="4001422911" sldId="282"/>
+            <ac:spMk id="105" creationId="{FD6421A9-7B99-4F41-B5E3-491C3064A8FA}"/>
+          </ac:spMkLst>
+        </pc:spChg>
+        <pc:spChg chg="mod">
+          <ac:chgData name="Matt Carlson" userId="0e792f37f00095d9" providerId="LiveId" clId="{560E01DB-C0ED-43C1-8B3A-367CBEC07B1F}" dt="2020-10-24T09:24:19.032" v="76" actId="1076"/>
+          <ac:spMkLst>
+            <pc:docMk/>
+            <pc:sldMk cId="4001422911" sldId="282"/>
+            <ac:spMk id="106" creationId="{D5F276DA-7E02-4ED6-9019-AA98E385A0FE}"/>
+          </ac:spMkLst>
+        </pc:spChg>
+        <pc:spChg chg="mod">
+          <ac:chgData name="Matt Carlson" userId="0e792f37f00095d9" providerId="LiveId" clId="{560E01DB-C0ED-43C1-8B3A-367CBEC07B1F}" dt="2020-10-24T09:24:19.032" v="76" actId="1076"/>
+          <ac:spMkLst>
+            <pc:docMk/>
+            <pc:sldMk cId="4001422911" sldId="282"/>
+            <ac:spMk id="107" creationId="{E77142C6-BCA8-409E-B111-D89BF8C619B1}"/>
+          </ac:spMkLst>
+        </pc:spChg>
+        <pc:spChg chg="mod">
+          <ac:chgData name="Matt Carlson" userId="0e792f37f00095d9" providerId="LiveId" clId="{560E01DB-C0ED-43C1-8B3A-367CBEC07B1F}" dt="2020-10-24T09:24:19.032" v="76" actId="1076"/>
+          <ac:spMkLst>
+            <pc:docMk/>
+            <pc:sldMk cId="4001422911" sldId="282"/>
+            <ac:spMk id="109" creationId="{332EC314-FF05-427C-A02A-646385E20E52}"/>
+          </ac:spMkLst>
+        </pc:spChg>
+        <pc:spChg chg="mod">
+          <ac:chgData name="Matt Carlson" userId="0e792f37f00095d9" providerId="LiveId" clId="{560E01DB-C0ED-43C1-8B3A-367CBEC07B1F}" dt="2020-10-24T09:24:19.032" v="76" actId="1076"/>
+          <ac:spMkLst>
+            <pc:docMk/>
+            <pc:sldMk cId="4001422911" sldId="282"/>
+            <ac:spMk id="111" creationId="{0D41362A-B179-4AFF-A1CC-27A68E5F2F2F}"/>
+          </ac:spMkLst>
+        </pc:spChg>
+        <pc:spChg chg="mod">
+          <ac:chgData name="Matt Carlson" userId="0e792f37f00095d9" providerId="LiveId" clId="{560E01DB-C0ED-43C1-8B3A-367CBEC07B1F}" dt="2020-10-24T09:24:19.032" v="76" actId="1076"/>
+          <ac:spMkLst>
+            <pc:docMk/>
+            <pc:sldMk cId="4001422911" sldId="282"/>
+            <ac:spMk id="112" creationId="{05A37B09-0D64-41F5-AADB-5F3B705AFF04}"/>
+          </ac:spMkLst>
+        </pc:spChg>
+        <pc:spChg chg="mod">
+          <ac:chgData name="Matt Carlson" userId="0e792f37f00095d9" providerId="LiveId" clId="{560E01DB-C0ED-43C1-8B3A-367CBEC07B1F}" dt="2020-10-24T09:24:19.032" v="76" actId="1076"/>
+          <ac:spMkLst>
+            <pc:docMk/>
+            <pc:sldMk cId="4001422911" sldId="282"/>
+            <ac:spMk id="113" creationId="{9A48B359-B769-49E1-9646-D5215EAF4073}"/>
+          </ac:spMkLst>
+        </pc:spChg>
+        <pc:spChg chg="mod">
+          <ac:chgData name="Matt Carlson" userId="0e792f37f00095d9" providerId="LiveId" clId="{560E01DB-C0ED-43C1-8B3A-367CBEC07B1F}" dt="2020-10-24T09:24:19.032" v="76" actId="1076"/>
+          <ac:spMkLst>
+            <pc:docMk/>
+            <pc:sldMk cId="4001422911" sldId="282"/>
+            <ac:spMk id="114" creationId="{116FA8BA-0D76-4428-B5E2-72EB19711B36}"/>
+          </ac:spMkLst>
+        </pc:spChg>
+        <pc:spChg chg="mod">
+          <ac:chgData name="Matt Carlson" userId="0e792f37f00095d9" providerId="LiveId" clId="{560E01DB-C0ED-43C1-8B3A-367CBEC07B1F}" dt="2020-10-24T09:24:19.032" v="76" actId="1076"/>
+          <ac:spMkLst>
+            <pc:docMk/>
+            <pc:sldMk cId="4001422911" sldId="282"/>
+            <ac:spMk id="115" creationId="{7990F653-0C4E-419D-B04F-E7779A2F4B44}"/>
+          </ac:spMkLst>
+        </pc:spChg>
+        <pc:spChg chg="mod">
+          <ac:chgData name="Matt Carlson" userId="0e792f37f00095d9" providerId="LiveId" clId="{560E01DB-C0ED-43C1-8B3A-367CBEC07B1F}" dt="2020-10-24T09:24:19.032" v="76" actId="1076"/>
+          <ac:spMkLst>
+            <pc:docMk/>
+            <pc:sldMk cId="4001422911" sldId="282"/>
+            <ac:spMk id="116" creationId="{AF61A6FA-1A7C-4424-9339-BE18DF8FE15B}"/>
+          </ac:spMkLst>
+        </pc:spChg>
+        <pc:spChg chg="mod">
+          <ac:chgData name="Matt Carlson" userId="0e792f37f00095d9" providerId="LiveId" clId="{560E01DB-C0ED-43C1-8B3A-367CBEC07B1F}" dt="2020-10-24T09:24:19.032" v="76" actId="1076"/>
+          <ac:spMkLst>
+            <pc:docMk/>
+            <pc:sldMk cId="4001422911" sldId="282"/>
+            <ac:spMk id="118" creationId="{7A7F64DA-76C9-4478-8B50-5F983D83C19A}"/>
+          </ac:spMkLst>
+        </pc:spChg>
+        <pc:spChg chg="mod">
+          <ac:chgData name="Matt Carlson" userId="0e792f37f00095d9" providerId="LiveId" clId="{560E01DB-C0ED-43C1-8B3A-367CBEC07B1F}" dt="2020-10-24T09:24:19.032" v="76" actId="1076"/>
+          <ac:spMkLst>
+            <pc:docMk/>
+            <pc:sldMk cId="4001422911" sldId="282"/>
+            <ac:spMk id="119" creationId="{30BF1274-F16A-4548-B5BB-D1CBDD528AE7}"/>
+          </ac:spMkLst>
+        </pc:spChg>
+        <pc:spChg chg="mod">
+          <ac:chgData name="Matt Carlson" userId="0e792f37f00095d9" providerId="LiveId" clId="{560E01DB-C0ED-43C1-8B3A-367CBEC07B1F}" dt="2020-10-24T09:24:19.032" v="76" actId="1076"/>
+          <ac:spMkLst>
+            <pc:docMk/>
+            <pc:sldMk cId="4001422911" sldId="282"/>
+            <ac:spMk id="120" creationId="{6F533449-5D82-4E5D-BB5C-E40C00691740}"/>
+          </ac:spMkLst>
+        </pc:spChg>
+        <pc:spChg chg="mod">
+          <ac:chgData name="Matt Carlson" userId="0e792f37f00095d9" providerId="LiveId" clId="{560E01DB-C0ED-43C1-8B3A-367CBEC07B1F}" dt="2020-10-24T09:24:19.032" v="76" actId="1076"/>
+          <ac:spMkLst>
+            <pc:docMk/>
+            <pc:sldMk cId="4001422911" sldId="282"/>
+            <ac:spMk id="121" creationId="{A487BB44-1407-4203-AECC-C3618EE5FE4D}"/>
+          </ac:spMkLst>
+        </pc:spChg>
+        <pc:spChg chg="mod">
+          <ac:chgData name="Matt Carlson" userId="0e792f37f00095d9" providerId="LiveId" clId="{560E01DB-C0ED-43C1-8B3A-367CBEC07B1F}" dt="2020-10-24T09:24:19.032" v="76" actId="1076"/>
+          <ac:spMkLst>
+            <pc:docMk/>
+            <pc:sldMk cId="4001422911" sldId="282"/>
+            <ac:spMk id="122" creationId="{A8E4D6D6-DDE6-410B-9B84-BC35AD2852BD}"/>
+          </ac:spMkLst>
+        </pc:spChg>
+        <pc:spChg chg="mod">
+          <ac:chgData name="Matt Carlson" userId="0e792f37f00095d9" providerId="LiveId" clId="{560E01DB-C0ED-43C1-8B3A-367CBEC07B1F}" dt="2020-10-24T09:24:19.032" v="76" actId="1076"/>
+          <ac:spMkLst>
+            <pc:docMk/>
+            <pc:sldMk cId="4001422911" sldId="282"/>
+            <ac:spMk id="123" creationId="{3594088C-1EDF-4947-BA7F-E646609D9B9E}"/>
+          </ac:spMkLst>
+        </pc:spChg>
+        <pc:spChg chg="mod">
+          <ac:chgData name="Matt Carlson" userId="0e792f37f00095d9" providerId="LiveId" clId="{560E01DB-C0ED-43C1-8B3A-367CBEC07B1F}" dt="2020-10-24T09:24:19.032" v="76" actId="1076"/>
+          <ac:spMkLst>
+            <pc:docMk/>
+            <pc:sldMk cId="4001422911" sldId="282"/>
+            <ac:spMk id="124" creationId="{22E402FC-0D1B-48DE-88F8-1CE40F0C7A35}"/>
+          </ac:spMkLst>
+        </pc:spChg>
+        <pc:spChg chg="mod">
+          <ac:chgData name="Matt Carlson" userId="0e792f37f00095d9" providerId="LiveId" clId="{560E01DB-C0ED-43C1-8B3A-367CBEC07B1F}" dt="2020-10-24T09:20:57.739" v="42"/>
+          <ac:spMkLst>
+            <pc:docMk/>
+            <pc:sldMk cId="4001422911" sldId="282"/>
+            <ac:spMk id="126" creationId="{32953315-02C4-4B8A-9F1D-3B050A716762}"/>
+          </ac:spMkLst>
+        </pc:spChg>
+        <pc:spChg chg="mod">
+          <ac:chgData name="Matt Carlson" userId="0e792f37f00095d9" providerId="LiveId" clId="{560E01DB-C0ED-43C1-8B3A-367CBEC07B1F}" dt="2020-10-24T09:20:57.739" v="42"/>
+          <ac:spMkLst>
+            <pc:docMk/>
+            <pc:sldMk cId="4001422911" sldId="282"/>
+            <ac:spMk id="127" creationId="{C5DB7EA0-855A-4DBC-8B26-78C9D0FF39C9}"/>
+          </ac:spMkLst>
+        </pc:spChg>
+        <pc:spChg chg="mod">
+          <ac:chgData name="Matt Carlson" userId="0e792f37f00095d9" providerId="LiveId" clId="{560E01DB-C0ED-43C1-8B3A-367CBEC07B1F}" dt="2020-10-24T09:21:56.199" v="54"/>
+          <ac:spMkLst>
+            <pc:docMk/>
+            <pc:sldMk cId="4001422911" sldId="282"/>
+            <ac:spMk id="135" creationId="{43E01E93-9D87-45BB-A2AB-7556AF81E42C}"/>
+          </ac:spMkLst>
+        </pc:spChg>
+        <pc:spChg chg="mod">
+          <ac:chgData name="Matt Carlson" userId="0e792f37f00095d9" providerId="LiveId" clId="{560E01DB-C0ED-43C1-8B3A-367CBEC07B1F}" dt="2020-10-24T10:16:41.428" v="244" actId="1076"/>
+          <ac:spMkLst>
+            <pc:docMk/>
+            <pc:sldMk cId="4001422911" sldId="282"/>
+            <ac:spMk id="136" creationId="{00A5F534-C8E3-416C-9AD7-C2B68FDECDE9}"/>
+          </ac:spMkLst>
+        </pc:spChg>
+        <pc:spChg chg="mod">
+          <ac:chgData name="Matt Carlson" userId="0e792f37f00095d9" providerId="LiveId" clId="{560E01DB-C0ED-43C1-8B3A-367CBEC07B1F}" dt="2020-10-24T09:21:56.199" v="54"/>
+          <ac:spMkLst>
+            <pc:docMk/>
+            <pc:sldMk cId="4001422911" sldId="282"/>
+            <ac:spMk id="137" creationId="{0A2CE22F-25C9-4E3E-BF5D-705A76235717}"/>
+          </ac:spMkLst>
+        </pc:spChg>
+        <pc:spChg chg="mod">
+          <ac:chgData name="Matt Carlson" userId="0e792f37f00095d9" providerId="LiveId" clId="{560E01DB-C0ED-43C1-8B3A-367CBEC07B1F}" dt="2020-10-24T09:22:04.615" v="56"/>
+          <ac:spMkLst>
+            <pc:docMk/>
+            <pc:sldMk cId="4001422911" sldId="282"/>
+            <ac:spMk id="139" creationId="{C782B6DC-F202-4E5E-B183-7AAB7076BD52}"/>
+          </ac:spMkLst>
+        </pc:spChg>
+        <pc:spChg chg="mod">
+          <ac:chgData name="Matt Carlson" userId="0e792f37f00095d9" providerId="LiveId" clId="{560E01DB-C0ED-43C1-8B3A-367CBEC07B1F}" dt="2020-10-24T09:22:04.615" v="56"/>
+          <ac:spMkLst>
+            <pc:docMk/>
+            <pc:sldMk cId="4001422911" sldId="282"/>
+            <ac:spMk id="140" creationId="{1C09323C-6EE5-4290-A224-4FE29ABEB668}"/>
+          </ac:spMkLst>
+        </pc:spChg>
+        <pc:spChg chg="mod topLvl">
+          <ac:chgData name="Matt Carlson" userId="0e792f37f00095d9" providerId="LiveId" clId="{560E01DB-C0ED-43C1-8B3A-367CBEC07B1F}" dt="2020-10-24T09:22:30.696" v="63" actId="14100"/>
+          <ac:spMkLst>
+            <pc:docMk/>
+            <pc:sldMk cId="4001422911" sldId="282"/>
+            <ac:spMk id="142" creationId="{73B25CBB-9E8D-4A81-9E8A-D36555305AAC}"/>
+          </ac:spMkLst>
+        </pc:spChg>
+        <pc:spChg chg="del mod topLvl">
+          <ac:chgData name="Matt Carlson" userId="0e792f37f00095d9" providerId="LiveId" clId="{560E01DB-C0ED-43C1-8B3A-367CBEC07B1F}" dt="2020-10-24T09:22:27.960" v="62" actId="478"/>
+          <ac:spMkLst>
+            <pc:docMk/>
+            <pc:sldMk cId="4001422911" sldId="282"/>
+            <ac:spMk id="143" creationId="{69DEA4BF-F4BE-4A95-9E9C-2C374CC886D1}"/>
+          </ac:spMkLst>
+        </pc:spChg>
+        <pc:spChg chg="mod">
+          <ac:chgData name="Matt Carlson" userId="0e792f37f00095d9" providerId="LiveId" clId="{560E01DB-C0ED-43C1-8B3A-367CBEC07B1F}" dt="2020-10-24T09:24:26.321" v="78"/>
+          <ac:spMkLst>
+            <pc:docMk/>
+            <pc:sldMk cId="4001422911" sldId="282"/>
+            <ac:spMk id="150" creationId="{C120DA9F-A671-4310-A6DB-DA31BDA82DD5}"/>
+          </ac:spMkLst>
+        </pc:spChg>
+        <pc:spChg chg="mod">
+          <ac:chgData name="Matt Carlson" userId="0e792f37f00095d9" providerId="LiveId" clId="{560E01DB-C0ED-43C1-8B3A-367CBEC07B1F}" dt="2020-10-24T09:24:26.321" v="78"/>
+          <ac:spMkLst>
+            <pc:docMk/>
+            <pc:sldMk cId="4001422911" sldId="282"/>
+            <ac:spMk id="151" creationId="{97C14A4D-D618-49C8-A09F-D3558D6B70E8}"/>
+          </ac:spMkLst>
+        </pc:spChg>
+        <pc:spChg chg="mod">
+          <ac:chgData name="Matt Carlson" userId="0e792f37f00095d9" providerId="LiveId" clId="{560E01DB-C0ED-43C1-8B3A-367CBEC07B1F}" dt="2020-10-24T09:24:26.321" v="78"/>
+          <ac:spMkLst>
+            <pc:docMk/>
+            <pc:sldMk cId="4001422911" sldId="282"/>
+            <ac:spMk id="152" creationId="{81B2D4E6-D933-4692-B8C0-041AB77CC38D}"/>
+          </ac:spMkLst>
+        </pc:spChg>
+        <pc:spChg chg="mod">
+          <ac:chgData name="Matt Carlson" userId="0e792f37f00095d9" providerId="LiveId" clId="{560E01DB-C0ED-43C1-8B3A-367CBEC07B1F}" dt="2020-10-24T09:24:26.321" v="78"/>
+          <ac:spMkLst>
+            <pc:docMk/>
+            <pc:sldMk cId="4001422911" sldId="282"/>
+            <ac:spMk id="153" creationId="{3F3ECCF4-C63B-4484-9D48-435E95A66267}"/>
+          </ac:spMkLst>
+        </pc:spChg>
+        <pc:spChg chg="mod">
+          <ac:chgData name="Matt Carlson" userId="0e792f37f00095d9" providerId="LiveId" clId="{560E01DB-C0ED-43C1-8B3A-367CBEC07B1F}" dt="2020-10-24T09:24:26.321" v="78"/>
+          <ac:spMkLst>
+            <pc:docMk/>
+            <pc:sldMk cId="4001422911" sldId="282"/>
+            <ac:spMk id="154" creationId="{8F55CA41-B065-458A-A214-29FB8003BC6C}"/>
+          </ac:spMkLst>
+        </pc:spChg>
+        <pc:spChg chg="mod">
+          <ac:chgData name="Matt Carlson" userId="0e792f37f00095d9" providerId="LiveId" clId="{560E01DB-C0ED-43C1-8B3A-367CBEC07B1F}" dt="2020-10-24T09:24:45.986" v="80"/>
+          <ac:spMkLst>
+            <pc:docMk/>
+            <pc:sldMk cId="4001422911" sldId="282"/>
+            <ac:spMk id="156" creationId="{8E3A6333-7673-461D-87A9-E09E67E28420}"/>
+          </ac:spMkLst>
+        </pc:spChg>
+        <pc:spChg chg="mod">
+          <ac:chgData name="Matt Carlson" userId="0e792f37f00095d9" providerId="LiveId" clId="{560E01DB-C0ED-43C1-8B3A-367CBEC07B1F}" dt="2020-10-24T09:24:45.986" v="80"/>
+          <ac:spMkLst>
+            <pc:docMk/>
+            <pc:sldMk cId="4001422911" sldId="282"/>
+            <ac:spMk id="157" creationId="{03521ADB-5BED-48F7-BB06-ED64696C3CBF}"/>
+          </ac:spMkLst>
+        </pc:spChg>
+        <pc:spChg chg="mod">
+          <ac:chgData name="Matt Carlson" userId="0e792f37f00095d9" providerId="LiveId" clId="{560E01DB-C0ED-43C1-8B3A-367CBEC07B1F}" dt="2020-10-24T09:24:45.986" v="80"/>
+          <ac:spMkLst>
+            <pc:docMk/>
+            <pc:sldMk cId="4001422911" sldId="282"/>
+            <ac:spMk id="159" creationId="{0835C980-65BC-4331-8FF4-3DAC445AB9F2}"/>
+          </ac:spMkLst>
+        </pc:spChg>
+        <pc:spChg chg="mod">
+          <ac:chgData name="Matt Carlson" userId="0e792f37f00095d9" providerId="LiveId" clId="{560E01DB-C0ED-43C1-8B3A-367CBEC07B1F}" dt="2020-10-24T09:24:45.986" v="80"/>
+          <ac:spMkLst>
+            <pc:docMk/>
+            <pc:sldMk cId="4001422911" sldId="282"/>
+            <ac:spMk id="160" creationId="{8974DF18-C3FF-4F87-94EA-B911C8AB22A3}"/>
+          </ac:spMkLst>
+        </pc:spChg>
+        <pc:spChg chg="mod">
+          <ac:chgData name="Matt Carlson" userId="0e792f37f00095d9" providerId="LiveId" clId="{560E01DB-C0ED-43C1-8B3A-367CBEC07B1F}" dt="2020-10-24T09:24:53.062" v="82"/>
+          <ac:spMkLst>
+            <pc:docMk/>
+            <pc:sldMk cId="4001422911" sldId="282"/>
+            <ac:spMk id="162" creationId="{4C6A7220-14F0-42C6-ABC9-DDD51B2D71DC}"/>
+          </ac:spMkLst>
+        </pc:spChg>
+        <pc:spChg chg="mod">
+          <ac:chgData name="Matt Carlson" userId="0e792f37f00095d9" providerId="LiveId" clId="{560E01DB-C0ED-43C1-8B3A-367CBEC07B1F}" dt="2020-10-24T09:24:53.062" v="82"/>
+          <ac:spMkLst>
+            <pc:docMk/>
+            <pc:sldMk cId="4001422911" sldId="282"/>
+            <ac:spMk id="163" creationId="{A52AF434-598A-4564-B47F-4C039777D5EE}"/>
+          </ac:spMkLst>
+        </pc:spChg>
+        <pc:spChg chg="mod ord">
+          <ac:chgData name="Matt Carlson" userId="0e792f37f00095d9" providerId="LiveId" clId="{560E01DB-C0ED-43C1-8B3A-367CBEC07B1F}" dt="2020-10-24T09:49:54.535" v="193" actId="167"/>
+          <ac:spMkLst>
+            <pc:docMk/>
+            <pc:sldMk cId="4001422911" sldId="282"/>
+            <ac:spMk id="164" creationId="{68362A5E-8DBA-4E26-8FCB-5C217A5D840E}"/>
+          </ac:spMkLst>
+        </pc:spChg>
+        <pc:spChg chg="mod">
+          <ac:chgData name="Matt Carlson" userId="0e792f37f00095d9" providerId="LiveId" clId="{560E01DB-C0ED-43C1-8B3A-367CBEC07B1F}" dt="2020-10-24T09:24:58.614" v="84"/>
+          <ac:spMkLst>
+            <pc:docMk/>
+            <pc:sldMk cId="4001422911" sldId="282"/>
+            <ac:spMk id="166" creationId="{EA5B1BC6-59D8-4151-A880-4E25DB47C4A5}"/>
+          </ac:spMkLst>
+        </pc:spChg>
+        <pc:spChg chg="mod">
+          <ac:chgData name="Matt Carlson" userId="0e792f37f00095d9" providerId="LiveId" clId="{560E01DB-C0ED-43C1-8B3A-367CBEC07B1F}" dt="2020-10-24T09:24:58.614" v="84"/>
+          <ac:spMkLst>
+            <pc:docMk/>
+            <pc:sldMk cId="4001422911" sldId="282"/>
+            <ac:spMk id="167" creationId="{A34AD8F7-5736-434D-9D9E-0142C60ACAAA}"/>
+          </ac:spMkLst>
+        </pc:spChg>
+        <pc:spChg chg="mod">
+          <ac:chgData name="Matt Carlson" userId="0e792f37f00095d9" providerId="LiveId" clId="{560E01DB-C0ED-43C1-8B3A-367CBEC07B1F}" dt="2020-10-24T09:24:58.614" v="84"/>
+          <ac:spMkLst>
+            <pc:docMk/>
+            <pc:sldMk cId="4001422911" sldId="282"/>
+            <ac:spMk id="168" creationId="{DA69D1B2-B697-49E5-BF1B-3018A97A4F5A}"/>
+          </ac:spMkLst>
+        </pc:spChg>
+        <pc:spChg chg="mod">
+          <ac:chgData name="Matt Carlson" userId="0e792f37f00095d9" providerId="LiveId" clId="{560E01DB-C0ED-43C1-8B3A-367CBEC07B1F}" dt="2020-10-24T09:26:18.789" v="114"/>
+          <ac:spMkLst>
+            <pc:docMk/>
+            <pc:sldMk cId="4001422911" sldId="282"/>
+            <ac:spMk id="175" creationId="{B3293FB0-2834-4179-A745-651E0D0D2EA5}"/>
+          </ac:spMkLst>
+        </pc:spChg>
+        <pc:spChg chg="mod">
+          <ac:chgData name="Matt Carlson" userId="0e792f37f00095d9" providerId="LiveId" clId="{560E01DB-C0ED-43C1-8B3A-367CBEC07B1F}" dt="2020-10-24T09:26:18.789" v="114"/>
+          <ac:spMkLst>
+            <pc:docMk/>
+            <pc:sldMk cId="4001422911" sldId="282"/>
+            <ac:spMk id="176" creationId="{F3AB49B2-7A0B-4A70-89D1-BF7B2BDD1D47}"/>
+          </ac:spMkLst>
+        </pc:spChg>
+        <pc:spChg chg="mod">
+          <ac:chgData name="Matt Carlson" userId="0e792f37f00095d9" providerId="LiveId" clId="{560E01DB-C0ED-43C1-8B3A-367CBEC07B1F}" dt="2020-10-24T09:26:46.569" v="119"/>
+          <ac:spMkLst>
+            <pc:docMk/>
+            <pc:sldMk cId="4001422911" sldId="282"/>
+            <ac:spMk id="178" creationId="{7824F87F-31D6-4D83-A4F8-FFF33AAEA681}"/>
+          </ac:spMkLst>
+        </pc:spChg>
+        <pc:spChg chg="mod">
+          <ac:chgData name="Matt Carlson" userId="0e792f37f00095d9" providerId="LiveId" clId="{560E01DB-C0ED-43C1-8B3A-367CBEC07B1F}" dt="2020-10-24T09:26:46.569" v="119"/>
+          <ac:spMkLst>
+            <pc:docMk/>
+            <pc:sldMk cId="4001422911" sldId="282"/>
+            <ac:spMk id="179" creationId="{DF489696-924B-451E-A684-ECDB43570750}"/>
+          </ac:spMkLst>
+        </pc:spChg>
+        <pc:spChg chg="mod">
+          <ac:chgData name="Matt Carlson" userId="0e792f37f00095d9" providerId="LiveId" clId="{560E01DB-C0ED-43C1-8B3A-367CBEC07B1F}" dt="2020-10-24T09:27:04.737" v="127"/>
+          <ac:spMkLst>
+            <pc:docMk/>
+            <pc:sldMk cId="4001422911" sldId="282"/>
+            <ac:spMk id="183" creationId="{7BE3769F-8C18-4588-92CA-5A15B48407A5}"/>
+          </ac:spMkLst>
+        </pc:spChg>
+        <pc:spChg chg="mod">
+          <ac:chgData name="Matt Carlson" userId="0e792f37f00095d9" providerId="LiveId" clId="{560E01DB-C0ED-43C1-8B3A-367CBEC07B1F}" dt="2020-10-24T09:27:04.737" v="127"/>
+          <ac:spMkLst>
+            <pc:docMk/>
+            <pc:sldMk cId="4001422911" sldId="282"/>
+            <ac:spMk id="184" creationId="{9E12DDB5-F4F6-4D0E-A228-6C579D21C4DE}"/>
+          </ac:spMkLst>
+        </pc:spChg>
+        <pc:spChg chg="mod">
+          <ac:chgData name="Matt Carlson" userId="0e792f37f00095d9" providerId="LiveId" clId="{560E01DB-C0ED-43C1-8B3A-367CBEC07B1F}" dt="2020-10-24T09:27:04.737" v="127"/>
+          <ac:spMkLst>
+            <pc:docMk/>
+            <pc:sldMk cId="4001422911" sldId="282"/>
+            <ac:spMk id="185" creationId="{F9118A76-392B-40C1-AC96-E8CB5ACCAA2F}"/>
+          </ac:spMkLst>
+        </pc:spChg>
+        <pc:spChg chg="mod">
+          <ac:chgData name="Matt Carlson" userId="0e792f37f00095d9" providerId="LiveId" clId="{560E01DB-C0ED-43C1-8B3A-367CBEC07B1F}" dt="2020-10-24T09:28:16.076" v="136"/>
+          <ac:spMkLst>
+            <pc:docMk/>
+            <pc:sldMk cId="4001422911" sldId="282"/>
+            <ac:spMk id="191" creationId="{7982D2F8-EE15-4E25-BA5B-947072C7809A}"/>
+          </ac:spMkLst>
+        </pc:spChg>
+        <pc:spChg chg="mod">
+          <ac:chgData name="Matt Carlson" userId="0e792f37f00095d9" providerId="LiveId" clId="{560E01DB-C0ED-43C1-8B3A-367CBEC07B1F}" dt="2020-10-24T09:28:16.076" v="136"/>
+          <ac:spMkLst>
+            <pc:docMk/>
+            <pc:sldMk cId="4001422911" sldId="282"/>
+            <ac:spMk id="192" creationId="{BB1C00BE-087E-415C-A46B-87183E4A2CC4}"/>
+          </ac:spMkLst>
+        </pc:spChg>
+        <pc:spChg chg="mod">
+          <ac:chgData name="Matt Carlson" userId="0e792f37f00095d9" providerId="LiveId" clId="{560E01DB-C0ED-43C1-8B3A-367CBEC07B1F}" dt="2020-10-24T09:28:16.076" v="136"/>
+          <ac:spMkLst>
+            <pc:docMk/>
+            <pc:sldMk cId="4001422911" sldId="282"/>
+            <ac:spMk id="193" creationId="{B4D212E1-C33E-4827-976B-99E0E6870012}"/>
+          </ac:spMkLst>
+        </pc:spChg>
+        <pc:spChg chg="mod">
+          <ac:chgData name="Matt Carlson" userId="0e792f37f00095d9" providerId="LiveId" clId="{560E01DB-C0ED-43C1-8B3A-367CBEC07B1F}" dt="2020-10-24T09:28:38.901" v="139"/>
+          <ac:spMkLst>
+            <pc:docMk/>
+            <pc:sldMk cId="4001422911" sldId="282"/>
+            <ac:spMk id="195" creationId="{5C34D21B-CA8E-4DE0-872D-FC75EF972E48}"/>
+          </ac:spMkLst>
+        </pc:spChg>
+        <pc:spChg chg="mod">
+          <ac:chgData name="Matt Carlson" userId="0e792f37f00095d9" providerId="LiveId" clId="{560E01DB-C0ED-43C1-8B3A-367CBEC07B1F}" dt="2020-10-24T09:28:38.901" v="139"/>
+          <ac:spMkLst>
+            <pc:docMk/>
+            <pc:sldMk cId="4001422911" sldId="282"/>
+            <ac:spMk id="196" creationId="{FF8B2607-1C6B-4DB7-A86C-59C7144323B9}"/>
+          </ac:spMkLst>
+        </pc:spChg>
+        <pc:spChg chg="mod">
+          <ac:chgData name="Matt Carlson" userId="0e792f37f00095d9" providerId="LiveId" clId="{560E01DB-C0ED-43C1-8B3A-367CBEC07B1F}" dt="2020-10-24T09:28:38.901" v="139"/>
+          <ac:spMkLst>
+            <pc:docMk/>
+            <pc:sldMk cId="4001422911" sldId="282"/>
+            <ac:spMk id="197" creationId="{A1E0D67B-DF02-4905-AC08-643EA50B6513}"/>
+          </ac:spMkLst>
+        </pc:spChg>
+        <pc:spChg chg="mod">
+          <ac:chgData name="Matt Carlson" userId="0e792f37f00095d9" providerId="LiveId" clId="{560E01DB-C0ED-43C1-8B3A-367CBEC07B1F}" dt="2020-10-24T09:41:19.180" v="166"/>
+          <ac:spMkLst>
+            <pc:docMk/>
+            <pc:sldMk cId="4001422911" sldId="282"/>
+            <ac:spMk id="230" creationId="{E93FF33E-E67B-4472-9F83-48984CA0AE72}"/>
+          </ac:spMkLst>
+        </pc:spChg>
+        <pc:spChg chg="mod">
+          <ac:chgData name="Matt Carlson" userId="0e792f37f00095d9" providerId="LiveId" clId="{560E01DB-C0ED-43C1-8B3A-367CBEC07B1F}" dt="2020-10-24T09:41:19.180" v="166"/>
+          <ac:spMkLst>
+            <pc:docMk/>
+            <pc:sldMk cId="4001422911" sldId="282"/>
+            <ac:spMk id="239" creationId="{5EC92CF7-6D18-4CD7-9B9A-DF5408232665}"/>
+          </ac:spMkLst>
+        </pc:spChg>
+        <pc:spChg chg="mod">
+          <ac:chgData name="Matt Carlson" userId="0e792f37f00095d9" providerId="LiveId" clId="{560E01DB-C0ED-43C1-8B3A-367CBEC07B1F}" dt="2020-10-24T09:51:53.964" v="199"/>
+          <ac:spMkLst>
+            <pc:docMk/>
+            <pc:sldMk cId="4001422911" sldId="282"/>
+            <ac:spMk id="249" creationId="{8493D7FF-475E-4CCB-A98D-2A6EB299577A}"/>
+          </ac:spMkLst>
+        </pc:spChg>
+        <pc:spChg chg="mod">
+          <ac:chgData name="Matt Carlson" userId="0e792f37f00095d9" providerId="LiveId" clId="{560E01DB-C0ED-43C1-8B3A-367CBEC07B1F}" dt="2020-10-24T09:51:53.964" v="199"/>
+          <ac:spMkLst>
+            <pc:docMk/>
+            <pc:sldMk cId="4001422911" sldId="282"/>
+            <ac:spMk id="250" creationId="{60D8D9B8-FD8A-4D15-B7DF-240DFDB6D733}"/>
+          </ac:spMkLst>
+        </pc:spChg>
+        <pc:spChg chg="mod">
+          <ac:chgData name="Matt Carlson" userId="0e792f37f00095d9" providerId="LiveId" clId="{560E01DB-C0ED-43C1-8B3A-367CBEC07B1F}" dt="2020-10-24T09:51:53.964" v="199"/>
+          <ac:spMkLst>
+            <pc:docMk/>
+            <pc:sldMk cId="4001422911" sldId="282"/>
+            <ac:spMk id="251" creationId="{DD638058-8CA2-4FB8-87BC-0982849B177F}"/>
+          </ac:spMkLst>
+        </pc:spChg>
+        <pc:spChg chg="mod">
+          <ac:chgData name="Matt Carlson" userId="0e792f37f00095d9" providerId="LiveId" clId="{560E01DB-C0ED-43C1-8B3A-367CBEC07B1F}" dt="2020-10-24T10:06:21.960" v="211"/>
+          <ac:spMkLst>
+            <pc:docMk/>
+            <pc:sldMk cId="4001422911" sldId="282"/>
+            <ac:spMk id="273" creationId="{5DD334DA-E8C1-48C9-B486-9C93B7693837}"/>
+          </ac:spMkLst>
+        </pc:spChg>
+        <pc:spChg chg="mod">
+          <ac:chgData name="Matt Carlson" userId="0e792f37f00095d9" providerId="LiveId" clId="{560E01DB-C0ED-43C1-8B3A-367CBEC07B1F}" dt="2020-10-24T10:06:21.960" v="211"/>
+          <ac:spMkLst>
+            <pc:docMk/>
+            <pc:sldMk cId="4001422911" sldId="282"/>
+            <ac:spMk id="274" creationId="{7F58CD6D-88BD-4098-A76E-1FA41693207B}"/>
+          </ac:spMkLst>
+        </pc:spChg>
+        <pc:spChg chg="mod">
+          <ac:chgData name="Matt Carlson" userId="0e792f37f00095d9" providerId="LiveId" clId="{560E01DB-C0ED-43C1-8B3A-367CBEC07B1F}" dt="2020-10-24T10:06:21.960" v="211"/>
+          <ac:spMkLst>
+            <pc:docMk/>
+            <pc:sldMk cId="4001422911" sldId="282"/>
+            <ac:spMk id="287" creationId="{2A08C2B4-3F81-4C5D-94D4-FFDE07FE4E76}"/>
+          </ac:spMkLst>
+        </pc:spChg>
+        <pc:spChg chg="mod">
+          <ac:chgData name="Matt Carlson" userId="0e792f37f00095d9" providerId="LiveId" clId="{560E01DB-C0ED-43C1-8B3A-367CBEC07B1F}" dt="2020-10-24T10:06:21.960" v="211"/>
+          <ac:spMkLst>
+            <pc:docMk/>
+            <pc:sldMk cId="4001422911" sldId="282"/>
+            <ac:spMk id="288" creationId="{C162710D-2EA2-4E9F-91BE-5EDE32DBAB4E}"/>
+          </ac:spMkLst>
+        </pc:spChg>
+        <pc:spChg chg="mod">
+          <ac:chgData name="Matt Carlson" userId="0e792f37f00095d9" providerId="LiveId" clId="{560E01DB-C0ED-43C1-8B3A-367CBEC07B1F}" dt="2020-10-24T10:06:30.543" v="215"/>
+          <ac:spMkLst>
+            <pc:docMk/>
+            <pc:sldMk cId="4001422911" sldId="282"/>
+            <ac:spMk id="290" creationId="{4798964E-473A-49D4-9CC0-76869014D28B}"/>
+          </ac:spMkLst>
+        </pc:spChg>
+        <pc:spChg chg="mod">
+          <ac:chgData name="Matt Carlson" userId="0e792f37f00095d9" providerId="LiveId" clId="{560E01DB-C0ED-43C1-8B3A-367CBEC07B1F}" dt="2020-10-24T10:06:30.543" v="215"/>
+          <ac:spMkLst>
+            <pc:docMk/>
+            <pc:sldMk cId="4001422911" sldId="282"/>
+            <ac:spMk id="291" creationId="{4C37CD27-2E04-4664-802B-16873AD67C38}"/>
+          </ac:spMkLst>
+        </pc:spChg>
+        <pc:spChg chg="mod">
+          <ac:chgData name="Matt Carlson" userId="0e792f37f00095d9" providerId="LiveId" clId="{560E01DB-C0ED-43C1-8B3A-367CBEC07B1F}" dt="2020-10-24T10:06:30.543" v="215"/>
+          <ac:spMkLst>
+            <pc:docMk/>
+            <pc:sldMk cId="4001422911" sldId="282"/>
+            <ac:spMk id="293" creationId="{8384671C-DCD4-4977-A700-6E372E9BC380}"/>
+          </ac:spMkLst>
+        </pc:spChg>
+        <pc:spChg chg="mod">
+          <ac:chgData name="Matt Carlson" userId="0e792f37f00095d9" providerId="LiveId" clId="{560E01DB-C0ED-43C1-8B3A-367CBEC07B1F}" dt="2020-10-24T10:06:30.543" v="215"/>
+          <ac:spMkLst>
+            <pc:docMk/>
+            <pc:sldMk cId="4001422911" sldId="282"/>
+            <ac:spMk id="294" creationId="{3078255F-225A-49BC-8BFD-FD0705897E33}"/>
+          </ac:spMkLst>
+        </pc:spChg>
+        <pc:spChg chg="mod">
+          <ac:chgData name="Matt Carlson" userId="0e792f37f00095d9" providerId="LiveId" clId="{560E01DB-C0ED-43C1-8B3A-367CBEC07B1F}" dt="2020-10-24T10:09:14.443" v="228"/>
+          <ac:spMkLst>
+            <pc:docMk/>
+            <pc:sldMk cId="4001422911" sldId="282"/>
+            <ac:spMk id="297" creationId="{0E7AEB87-398E-4A03-B73E-0D58AB44F1DA}"/>
+          </ac:spMkLst>
+        </pc:spChg>
+        <pc:spChg chg="mod">
+          <ac:chgData name="Matt Carlson" userId="0e792f37f00095d9" providerId="LiveId" clId="{560E01DB-C0ED-43C1-8B3A-367CBEC07B1F}" dt="2020-10-24T10:09:14.443" v="228"/>
+          <ac:spMkLst>
+            <pc:docMk/>
+            <pc:sldMk cId="4001422911" sldId="282"/>
+            <ac:spMk id="298" creationId="{2276C2B6-F054-40E2-BBBA-DD863991EEEF}"/>
+          </ac:spMkLst>
+        </pc:spChg>
+        <pc:spChg chg="mod">
+          <ac:chgData name="Matt Carlson" userId="0e792f37f00095d9" providerId="LiveId" clId="{560E01DB-C0ED-43C1-8B3A-367CBEC07B1F}" dt="2020-10-24T10:09:14.443" v="228"/>
+          <ac:spMkLst>
+            <pc:docMk/>
+            <pc:sldMk cId="4001422911" sldId="282"/>
+            <ac:spMk id="299" creationId="{B067E1A4-A240-4E3B-A38A-1BC34A918DF2}"/>
+          </ac:spMkLst>
+        </pc:spChg>
+        <pc:spChg chg="mod">
+          <ac:chgData name="Matt Carlson" userId="0e792f37f00095d9" providerId="LiveId" clId="{560E01DB-C0ED-43C1-8B3A-367CBEC07B1F}" dt="2020-10-24T10:12:31.596" v="236"/>
+          <ac:spMkLst>
+            <pc:docMk/>
+            <pc:sldMk cId="4001422911" sldId="282"/>
+            <ac:spMk id="303" creationId="{E28484F2-B5CF-4EF9-8517-CAC9C289D873}"/>
+          </ac:spMkLst>
+        </pc:spChg>
+        <pc:spChg chg="mod">
+          <ac:chgData name="Matt Carlson" userId="0e792f37f00095d9" providerId="LiveId" clId="{560E01DB-C0ED-43C1-8B3A-367CBEC07B1F}" dt="2020-10-24T10:12:31.596" v="236"/>
+          <ac:spMkLst>
+            <pc:docMk/>
+            <pc:sldMk cId="4001422911" sldId="282"/>
+            <ac:spMk id="304" creationId="{5382E244-B01B-44FB-98D5-FCE38CC7F4F7}"/>
+          </ac:spMkLst>
+        </pc:spChg>
+        <pc:spChg chg="mod">
+          <ac:chgData name="Matt Carlson" userId="0e792f37f00095d9" providerId="LiveId" clId="{560E01DB-C0ED-43C1-8B3A-367CBEC07B1F}" dt="2020-10-24T10:12:31.596" v="236"/>
+          <ac:spMkLst>
+            <pc:docMk/>
+            <pc:sldMk cId="4001422911" sldId="282"/>
+            <ac:spMk id="305" creationId="{41E1328E-00AF-4523-9B8E-340334CC7F21}"/>
+          </ac:spMkLst>
+        </pc:spChg>
+        <pc:spChg chg="mod">
+          <ac:chgData name="Matt Carlson" userId="0e792f37f00095d9" providerId="LiveId" clId="{560E01DB-C0ED-43C1-8B3A-367CBEC07B1F}" dt="2020-10-24T10:16:08.515" v="239"/>
+          <ac:spMkLst>
+            <pc:docMk/>
+            <pc:sldMk cId="4001422911" sldId="282"/>
+            <ac:spMk id="307" creationId="{2D52E74A-AD4A-4261-A31A-AE4C1F6A63A8}"/>
+          </ac:spMkLst>
+        </pc:spChg>
+        <pc:spChg chg="mod">
+          <ac:chgData name="Matt Carlson" userId="0e792f37f00095d9" providerId="LiveId" clId="{560E01DB-C0ED-43C1-8B3A-367CBEC07B1F}" dt="2020-10-24T10:16:08.515" v="239"/>
+          <ac:spMkLst>
+            <pc:docMk/>
+            <pc:sldMk cId="4001422911" sldId="282"/>
+            <ac:spMk id="308" creationId="{1C785F60-6750-4577-856E-7669699B665F}"/>
+          </ac:spMkLst>
+        </pc:spChg>
+        <pc:spChg chg="mod">
+          <ac:chgData name="Matt Carlson" userId="0e792f37f00095d9" providerId="LiveId" clId="{560E01DB-C0ED-43C1-8B3A-367CBEC07B1F}" dt="2020-10-24T10:16:08.515" v="239"/>
+          <ac:spMkLst>
+            <pc:docMk/>
+            <pc:sldMk cId="4001422911" sldId="282"/>
+            <ac:spMk id="309" creationId="{7D5172DA-EEFD-4741-B4E5-2336D86E1EF5}"/>
+          </ac:spMkLst>
+        </pc:spChg>
+        <pc:spChg chg="mod">
+          <ac:chgData name="Matt Carlson" userId="0e792f37f00095d9" providerId="LiveId" clId="{560E01DB-C0ED-43C1-8B3A-367CBEC07B1F}" dt="2020-10-24T10:16:25.759" v="242"/>
+          <ac:spMkLst>
+            <pc:docMk/>
+            <pc:sldMk cId="4001422911" sldId="282"/>
+            <ac:spMk id="311" creationId="{AFBFCC81-28E0-4576-99FF-4EFC26BD78B6}"/>
+          </ac:spMkLst>
+        </pc:spChg>
+        <pc:spChg chg="mod">
+          <ac:chgData name="Matt Carlson" userId="0e792f37f00095d9" providerId="LiveId" clId="{560E01DB-C0ED-43C1-8B3A-367CBEC07B1F}" dt="2020-10-24T10:16:25.759" v="242"/>
+          <ac:spMkLst>
+            <pc:docMk/>
+            <pc:sldMk cId="4001422911" sldId="282"/>
+            <ac:spMk id="312" creationId="{36D6A11A-965B-483A-82F2-C1DE0121404F}"/>
+          </ac:spMkLst>
+        </pc:spChg>
+        <pc:spChg chg="mod">
+          <ac:chgData name="Matt Carlson" userId="0e792f37f00095d9" providerId="LiveId" clId="{560E01DB-C0ED-43C1-8B3A-367CBEC07B1F}" dt="2020-10-24T10:16:25.759" v="242"/>
+          <ac:spMkLst>
+            <pc:docMk/>
+            <pc:sldMk cId="4001422911" sldId="282"/>
+            <ac:spMk id="313" creationId="{512CC67D-2910-449E-93BD-9CEB4B376B32}"/>
+          </ac:spMkLst>
+        </pc:spChg>
+        <pc:grpChg chg="add mod">
+          <ac:chgData name="Matt Carlson" userId="0e792f37f00095d9" providerId="LiveId" clId="{560E01DB-C0ED-43C1-8B3A-367CBEC07B1F}" dt="2020-10-24T09:49:24.451" v="183" actId="1076"/>
+          <ac:grpSpMkLst>
+            <pc:docMk/>
+            <pc:sldMk cId="4001422911" sldId="282"/>
+            <ac:grpSpMk id="92" creationId="{E920F8B6-4B1C-4DE5-93FD-870607C17869}"/>
+          </ac:grpSpMkLst>
+        </pc:grpChg>
+        <pc:grpChg chg="add mod">
+          <ac:chgData name="Matt Carlson" userId="0e792f37f00095d9" providerId="LiveId" clId="{560E01DB-C0ED-43C1-8B3A-367CBEC07B1F}" dt="2020-10-24T09:24:19.032" v="76" actId="1076"/>
+          <ac:grpSpMkLst>
+            <pc:docMk/>
+            <pc:sldMk cId="4001422911" sldId="282"/>
+            <ac:grpSpMk id="100" creationId="{943C444C-7469-47FB-AF28-DB2F86EE9740}"/>
+          </ac:grpSpMkLst>
+        </pc:grpChg>
+        <pc:grpChg chg="add mod">
+          <ac:chgData name="Matt Carlson" userId="0e792f37f00095d9" providerId="LiveId" clId="{560E01DB-C0ED-43C1-8B3A-367CBEC07B1F}" dt="2020-10-24T09:24:19.032" v="76" actId="1076"/>
+          <ac:grpSpMkLst>
+            <pc:docMk/>
+            <pc:sldMk cId="4001422911" sldId="282"/>
+            <ac:grpSpMk id="108" creationId="{237C4D2F-EDED-4C6F-AB49-4FC518C88F0E}"/>
+          </ac:grpSpMkLst>
+        </pc:grpChg>
+        <pc:grpChg chg="add mod">
+          <ac:chgData name="Matt Carlson" userId="0e792f37f00095d9" providerId="LiveId" clId="{560E01DB-C0ED-43C1-8B3A-367CBEC07B1F}" dt="2020-10-24T09:24:19.032" v="76" actId="1076"/>
+          <ac:grpSpMkLst>
+            <pc:docMk/>
+            <pc:sldMk cId="4001422911" sldId="282"/>
+            <ac:grpSpMk id="117" creationId="{5EFEDA2B-945F-4EB8-9202-D57760CBD5D3}"/>
+          </ac:grpSpMkLst>
+        </pc:grpChg>
+        <pc:grpChg chg="add mod">
+          <ac:chgData name="Matt Carlson" userId="0e792f37f00095d9" providerId="LiveId" clId="{560E01DB-C0ED-43C1-8B3A-367CBEC07B1F}" dt="2020-10-24T09:24:21.138" v="77" actId="1076"/>
+          <ac:grpSpMkLst>
+            <pc:docMk/>
+            <pc:sldMk cId="4001422911" sldId="282"/>
+            <ac:grpSpMk id="125" creationId="{6C922526-A22A-42E2-A240-F9BA4669CA40}"/>
+          </ac:grpSpMkLst>
+        </pc:grpChg>
+        <pc:grpChg chg="add mod">
+          <ac:chgData name="Matt Carlson" userId="0e792f37f00095d9" providerId="LiveId" clId="{560E01DB-C0ED-43C1-8B3A-367CBEC07B1F}" dt="2020-10-24T09:22:04.157" v="55" actId="1076"/>
+          <ac:grpSpMkLst>
+            <pc:docMk/>
+            <pc:sldMk cId="4001422911" sldId="282"/>
+            <ac:grpSpMk id="134" creationId="{31DCB17A-54C7-4BC8-8BBB-DB5CE556DDD1}"/>
+          </ac:grpSpMkLst>
+        </pc:grpChg>
+        <pc:grpChg chg="add mod">
+          <ac:chgData name="Matt Carlson" userId="0e792f37f00095d9" providerId="LiveId" clId="{560E01DB-C0ED-43C1-8B3A-367CBEC07B1F}" dt="2020-10-24T09:22:07.046" v="57" actId="1076"/>
+          <ac:grpSpMkLst>
+            <pc:docMk/>
+            <pc:sldMk cId="4001422911" sldId="282"/>
+            <ac:grpSpMk id="138" creationId="{F8BD77D8-BBB5-4D45-8999-8B9A888909DC}"/>
+          </ac:grpSpMkLst>
+        </pc:grpChg>
+        <pc:grpChg chg="add del mod">
+          <ac:chgData name="Matt Carlson" userId="0e792f37f00095d9" providerId="LiveId" clId="{560E01DB-C0ED-43C1-8B3A-367CBEC07B1F}" dt="2020-10-24T09:22:27.960" v="62" actId="478"/>
+          <ac:grpSpMkLst>
+            <pc:docMk/>
+            <pc:sldMk cId="4001422911" sldId="282"/>
+            <ac:grpSpMk id="141" creationId="{EBE071FD-0D3F-42A3-B5C9-73B8FBB113DE}"/>
+          </ac:grpSpMkLst>
+        </pc:grpChg>
+        <pc:grpChg chg="add del mod">
+          <ac:chgData name="Matt Carlson" userId="0e792f37f00095d9" providerId="LiveId" clId="{560E01DB-C0ED-43C1-8B3A-367CBEC07B1F}" dt="2020-10-24T09:24:28.385" v="79"/>
+          <ac:grpSpMkLst>
+            <pc:docMk/>
+            <pc:sldMk cId="4001422911" sldId="282"/>
+            <ac:grpSpMk id="147" creationId="{27317E38-F341-4700-9551-464DDE029196}"/>
+          </ac:grpSpMkLst>
+        </pc:grpChg>
+        <pc:grpChg chg="mod">
+          <ac:chgData name="Matt Carlson" userId="0e792f37f00095d9" providerId="LiveId" clId="{560E01DB-C0ED-43C1-8B3A-367CBEC07B1F}" dt="2020-10-24T09:24:26.321" v="78"/>
+          <ac:grpSpMkLst>
+            <pc:docMk/>
+            <pc:sldMk cId="4001422911" sldId="282"/>
+            <ac:grpSpMk id="148" creationId="{A16D9330-EAC9-49F0-95C1-30DF918D7CE5}"/>
+          </ac:grpSpMkLst>
+        </pc:grpChg>
+        <pc:grpChg chg="mod">
+          <ac:chgData name="Matt Carlson" userId="0e792f37f00095d9" providerId="LiveId" clId="{560E01DB-C0ED-43C1-8B3A-367CBEC07B1F}" dt="2020-10-24T09:24:26.321" v="78"/>
+          <ac:grpSpMkLst>
+            <pc:docMk/>
+            <pc:sldMk cId="4001422911" sldId="282"/>
+            <ac:grpSpMk id="149" creationId="{74A2C91B-C047-4EF5-8351-59FDC7A31FEB}"/>
+          </ac:grpSpMkLst>
+        </pc:grpChg>
+        <pc:grpChg chg="add mod">
+          <ac:chgData name="Matt Carlson" userId="0e792f37f00095d9" providerId="LiveId" clId="{560E01DB-C0ED-43C1-8B3A-367CBEC07B1F}" dt="2020-10-24T09:26:14.519" v="112" actId="1076"/>
+          <ac:grpSpMkLst>
+            <pc:docMk/>
+            <pc:sldMk cId="4001422911" sldId="282"/>
+            <ac:grpSpMk id="155" creationId="{C449A130-CF3F-4422-B830-9231BDC70425}"/>
+          </ac:grpSpMkLst>
+        </pc:grpChg>
+        <pc:grpChg chg="mod">
+          <ac:chgData name="Matt Carlson" userId="0e792f37f00095d9" providerId="LiveId" clId="{560E01DB-C0ED-43C1-8B3A-367CBEC07B1F}" dt="2020-10-24T09:24:45.986" v="80"/>
+          <ac:grpSpMkLst>
+            <pc:docMk/>
+            <pc:sldMk cId="4001422911" sldId="282"/>
+            <ac:grpSpMk id="158" creationId="{9CD963D9-D3BF-4FFC-ADDE-C70D1EC58A33}"/>
+          </ac:grpSpMkLst>
+        </pc:grpChg>
+        <pc:grpChg chg="add mod ord">
+          <ac:chgData name="Matt Carlson" userId="0e792f37f00095d9" providerId="LiveId" clId="{560E01DB-C0ED-43C1-8B3A-367CBEC07B1F}" dt="2020-10-24T09:51:32.502" v="197" actId="167"/>
+          <ac:grpSpMkLst>
+            <pc:docMk/>
+            <pc:sldMk cId="4001422911" sldId="282"/>
+            <ac:grpSpMk id="161" creationId="{755E4DE3-C297-4D8F-89AE-6082F6F727FC}"/>
+          </ac:grpSpMkLst>
+        </pc:grpChg>
+        <pc:grpChg chg="add mod">
+          <ac:chgData name="Matt Carlson" userId="0e792f37f00095d9" providerId="LiveId" clId="{560E01DB-C0ED-43C1-8B3A-367CBEC07B1F}" dt="2020-10-24T10:16:24.535" v="241" actId="1076"/>
+          <ac:grpSpMkLst>
+            <pc:docMk/>
+            <pc:sldMk cId="4001422911" sldId="282"/>
+            <ac:grpSpMk id="165" creationId="{ED9683E2-6CD7-46FE-B774-A24F4599D46A}"/>
+          </ac:grpSpMkLst>
+        </pc:grpChg>
+        <pc:grpChg chg="add mod ord">
+          <ac:chgData name="Matt Carlson" userId="0e792f37f00095d9" providerId="LiveId" clId="{560E01DB-C0ED-43C1-8B3A-367CBEC07B1F}" dt="2020-10-24T09:52:09.838" v="204" actId="1076"/>
+          <ac:grpSpMkLst>
+            <pc:docMk/>
+            <pc:sldMk cId="4001422911" sldId="282"/>
+            <ac:grpSpMk id="174" creationId="{763E43A8-CE68-4434-B9C3-D2E114BCF070}"/>
+          </ac:grpSpMkLst>
+        </pc:grpChg>
+        <pc:grpChg chg="add del mod">
+          <ac:chgData name="Matt Carlson" userId="0e792f37f00095d9" providerId="LiveId" clId="{560E01DB-C0ED-43C1-8B3A-367CBEC07B1F}" dt="2020-10-24T09:26:50.975" v="122"/>
+          <ac:grpSpMkLst>
+            <pc:docMk/>
+            <pc:sldMk cId="4001422911" sldId="282"/>
+            <ac:grpSpMk id="177" creationId="{E3F36619-7987-485B-87BB-8B3EBEB2C9A7}"/>
+          </ac:grpSpMkLst>
+        </pc:grpChg>
+        <pc:grpChg chg="add mod">
+          <ac:chgData name="Matt Carlson" userId="0e792f37f00095d9" providerId="LiveId" clId="{560E01DB-C0ED-43C1-8B3A-367CBEC07B1F}" dt="2020-10-24T09:27:08.146" v="128" actId="1076"/>
+          <ac:grpSpMkLst>
+            <pc:docMk/>
+            <pc:sldMk cId="4001422911" sldId="282"/>
+            <ac:grpSpMk id="182" creationId="{A6159562-504F-4BE0-8829-5D98620AFB20}"/>
+          </ac:grpSpMkLst>
+        </pc:grpChg>
+        <pc:grpChg chg="add mod">
+          <ac:chgData name="Matt Carlson" userId="0e792f37f00095d9" providerId="LiveId" clId="{560E01DB-C0ED-43C1-8B3A-367CBEC07B1F}" dt="2020-10-24T10:19:29.355" v="342" actId="1076"/>
+          <ac:grpSpMkLst>
+            <pc:docMk/>
+            <pc:sldMk cId="4001422911" sldId="282"/>
+            <ac:grpSpMk id="190" creationId="{5446AA88-FBC5-44E5-A532-231EE1BB5AD3}"/>
+          </ac:grpSpMkLst>
+        </pc:grpChg>
+        <pc:grpChg chg="add mod">
+          <ac:chgData name="Matt Carlson" userId="0e792f37f00095d9" providerId="LiveId" clId="{560E01DB-C0ED-43C1-8B3A-367CBEC07B1F}" dt="2020-10-24T09:28:44.358" v="140" actId="1076"/>
+          <ac:grpSpMkLst>
+            <pc:docMk/>
+            <pc:sldMk cId="4001422911" sldId="282"/>
+            <ac:grpSpMk id="194" creationId="{C1927E89-F052-4965-AD1E-CDC9521DBE88}"/>
+          </ac:grpSpMkLst>
+        </pc:grpChg>
+        <pc:grpChg chg="del">
+          <ac:chgData name="Matt Carlson" userId="0e792f37f00095d9" providerId="LiveId" clId="{560E01DB-C0ED-43C1-8B3A-367CBEC07B1F}" dt="2020-10-24T09:11:40.623" v="1" actId="478"/>
+          <ac:grpSpMkLst>
+            <pc:docMk/>
+            <pc:sldMk cId="4001422911" sldId="282"/>
+            <ac:grpSpMk id="207" creationId="{631053A3-2EE5-42FE-94AF-7AAD36EC5908}"/>
+          </ac:grpSpMkLst>
+        </pc:grpChg>
+        <pc:grpChg chg="del">
+          <ac:chgData name="Matt Carlson" userId="0e792f37f00095d9" providerId="LiveId" clId="{560E01DB-C0ED-43C1-8B3A-367CBEC07B1F}" dt="2020-10-24T09:11:40.623" v="1" actId="478"/>
+          <ac:grpSpMkLst>
+            <pc:docMk/>
+            <pc:sldMk cId="4001422911" sldId="282"/>
+            <ac:grpSpMk id="212" creationId="{5826866E-9815-4FFB-9965-E9795A89593F}"/>
+          </ac:grpSpMkLst>
+        </pc:grpChg>
+        <pc:grpChg chg="del">
+          <ac:chgData name="Matt Carlson" userId="0e792f37f00095d9" providerId="LiveId" clId="{560E01DB-C0ED-43C1-8B3A-367CBEC07B1F}" dt="2020-10-24T09:11:40.623" v="1" actId="478"/>
+          <ac:grpSpMkLst>
+            <pc:docMk/>
+            <pc:sldMk cId="4001422911" sldId="282"/>
+            <ac:grpSpMk id="216" creationId="{89471F71-F5BE-4BB4-AE55-34A0CBB6C4D9}"/>
+          </ac:grpSpMkLst>
+        </pc:grpChg>
+        <pc:grpChg chg="del">
+          <ac:chgData name="Matt Carlson" userId="0e792f37f00095d9" providerId="LiveId" clId="{560E01DB-C0ED-43C1-8B3A-367CBEC07B1F}" dt="2020-10-24T09:11:40.623" v="1" actId="478"/>
+          <ac:grpSpMkLst>
+            <pc:docMk/>
+            <pc:sldMk cId="4001422911" sldId="282"/>
+            <ac:grpSpMk id="220" creationId="{200D3AA7-2306-4411-9CD6-AAA7A018330B}"/>
+          </ac:grpSpMkLst>
+        </pc:grpChg>
+        <pc:grpChg chg="del">
+          <ac:chgData name="Matt Carlson" userId="0e792f37f00095d9" providerId="LiveId" clId="{560E01DB-C0ED-43C1-8B3A-367CBEC07B1F}" dt="2020-10-24T09:11:40.623" v="1" actId="478"/>
+          <ac:grpSpMkLst>
+            <pc:docMk/>
+            <pc:sldMk cId="4001422911" sldId="282"/>
+            <ac:grpSpMk id="224" creationId="{47BEF17B-7909-4A7D-9A95-A7741E2A6DF7}"/>
+          </ac:grpSpMkLst>
+        </pc:grpChg>
+        <pc:grpChg chg="add mod">
+          <ac:chgData name="Matt Carlson" userId="0e792f37f00095d9" providerId="LiveId" clId="{560E01DB-C0ED-43C1-8B3A-367CBEC07B1F}" dt="2020-10-24T10:19:25.368" v="341" actId="1076"/>
+          <ac:grpSpMkLst>
+            <pc:docMk/>
+            <pc:sldMk cId="4001422911" sldId="282"/>
+            <ac:grpSpMk id="229" creationId="{F2470067-731A-4A30-BA38-4B2EA6E93D7A}"/>
+          </ac:grpSpMkLst>
+        </pc:grpChg>
+        <pc:grpChg chg="del">
+          <ac:chgData name="Matt Carlson" userId="0e792f37f00095d9" providerId="LiveId" clId="{560E01DB-C0ED-43C1-8B3A-367CBEC07B1F}" dt="2020-10-24T09:11:40.623" v="1" actId="478"/>
+          <ac:grpSpMkLst>
+            <pc:docMk/>
+            <pc:sldMk cId="4001422911" sldId="282"/>
+            <ac:grpSpMk id="231" creationId="{31444C3C-49DF-4863-B7B6-422D38FDC31B}"/>
+          </ac:grpSpMkLst>
+        </pc:grpChg>
+        <pc:grpChg chg="del">
+          <ac:chgData name="Matt Carlson" userId="0e792f37f00095d9" providerId="LiveId" clId="{560E01DB-C0ED-43C1-8B3A-367CBEC07B1F}" dt="2020-10-24T09:11:40.623" v="1" actId="478"/>
+          <ac:grpSpMkLst>
+            <pc:docMk/>
+            <pc:sldMk cId="4001422911" sldId="282"/>
+            <ac:grpSpMk id="235" creationId="{9133B348-45E7-49B5-B183-75D7028F320D}"/>
+          </ac:grpSpMkLst>
+        </pc:grpChg>
+        <pc:grpChg chg="del">
+          <ac:chgData name="Matt Carlson" userId="0e792f37f00095d9" providerId="LiveId" clId="{560E01DB-C0ED-43C1-8B3A-367CBEC07B1F}" dt="2020-10-24T09:11:40.623" v="1" actId="478"/>
+          <ac:grpSpMkLst>
+            <pc:docMk/>
+            <pc:sldMk cId="4001422911" sldId="282"/>
+            <ac:grpSpMk id="240" creationId="{8637D463-A302-41A0-9BA7-1E7A5BF5F388}"/>
+          </ac:grpSpMkLst>
+        </pc:grpChg>
+        <pc:grpChg chg="del">
+          <ac:chgData name="Matt Carlson" userId="0e792f37f00095d9" providerId="LiveId" clId="{560E01DB-C0ED-43C1-8B3A-367CBEC07B1F}" dt="2020-10-24T09:11:40.623" v="1" actId="478"/>
+          <ac:grpSpMkLst>
+            <pc:docMk/>
+            <pc:sldMk cId="4001422911" sldId="282"/>
+            <ac:grpSpMk id="244" creationId="{1C2DC5E4-42D1-40E1-A179-50493A6E9A2C}"/>
+          </ac:grpSpMkLst>
+        </pc:grpChg>
+        <pc:grpChg chg="add mod ord">
+          <ac:chgData name="Matt Carlson" userId="0e792f37f00095d9" providerId="LiveId" clId="{560E01DB-C0ED-43C1-8B3A-367CBEC07B1F}" dt="2020-10-24T09:52:15.385" v="207" actId="167"/>
+          <ac:grpSpMkLst>
+            <pc:docMk/>
+            <pc:sldMk cId="4001422911" sldId="282"/>
+            <ac:grpSpMk id="248" creationId="{AFD94907-22D8-40AE-92F1-149BD6DD56A3}"/>
+          </ac:grpSpMkLst>
+        </pc:grpChg>
+        <pc:grpChg chg="del">
+          <ac:chgData name="Matt Carlson" userId="0e792f37f00095d9" providerId="LiveId" clId="{560E01DB-C0ED-43C1-8B3A-367CBEC07B1F}" dt="2020-10-24T09:11:40.623" v="1" actId="478"/>
+          <ac:grpSpMkLst>
+            <pc:docMk/>
+            <pc:sldMk cId="4001422911" sldId="282"/>
+            <ac:grpSpMk id="252" creationId="{7BC4007C-0CF0-49FD-8340-4D553580B98C}"/>
+          </ac:grpSpMkLst>
+        </pc:grpChg>
+        <pc:grpChg chg="del">
+          <ac:chgData name="Matt Carlson" userId="0e792f37f00095d9" providerId="LiveId" clId="{560E01DB-C0ED-43C1-8B3A-367CBEC07B1F}" dt="2020-10-24T09:11:40.623" v="1" actId="478"/>
+          <ac:grpSpMkLst>
+            <pc:docMk/>
+            <pc:sldMk cId="4001422911" sldId="282"/>
+            <ac:grpSpMk id="256" creationId="{D84F6F70-D376-4F2F-B06F-DC80A58CEC53}"/>
+          </ac:grpSpMkLst>
+        </pc:grpChg>
+        <pc:grpChg chg="del">
+          <ac:chgData name="Matt Carlson" userId="0e792f37f00095d9" providerId="LiveId" clId="{560E01DB-C0ED-43C1-8B3A-367CBEC07B1F}" dt="2020-10-24T09:11:40.623" v="1" actId="478"/>
+          <ac:grpSpMkLst>
+            <pc:docMk/>
+            <pc:sldMk cId="4001422911" sldId="282"/>
+            <ac:grpSpMk id="260" creationId="{33277367-29FF-4334-A7FD-C32EB1227576}"/>
+          </ac:grpSpMkLst>
+        </pc:grpChg>
+        <pc:grpChg chg="del">
+          <ac:chgData name="Matt Carlson" userId="0e792f37f00095d9" providerId="LiveId" clId="{560E01DB-C0ED-43C1-8B3A-367CBEC07B1F}" dt="2020-10-24T09:11:40.623" v="1" actId="478"/>
+          <ac:grpSpMkLst>
+            <pc:docMk/>
+            <pc:sldMk cId="4001422911" sldId="282"/>
+            <ac:grpSpMk id="264" creationId="{3A720F8D-F8EB-4BA2-9DB0-3F1CD9AAD020}"/>
+          </ac:grpSpMkLst>
+        </pc:grpChg>
+        <pc:grpChg chg="del">
+          <ac:chgData name="Matt Carlson" userId="0e792f37f00095d9" providerId="LiveId" clId="{560E01DB-C0ED-43C1-8B3A-367CBEC07B1F}" dt="2020-10-24T09:11:40.623" v="1" actId="478"/>
+          <ac:grpSpMkLst>
+            <pc:docMk/>
+            <pc:sldMk cId="4001422911" sldId="282"/>
+            <ac:grpSpMk id="268" creationId="{FDF1D763-7C90-4984-909B-9466E028A08D}"/>
+          </ac:grpSpMkLst>
+        </pc:grpChg>
+        <pc:grpChg chg="add mod">
+          <ac:chgData name="Matt Carlson" userId="0e792f37f00095d9" providerId="LiveId" clId="{560E01DB-C0ED-43C1-8B3A-367CBEC07B1F}" dt="2020-10-24T10:06:29.382" v="214" actId="1076"/>
+          <ac:grpSpMkLst>
+            <pc:docMk/>
+            <pc:sldMk cId="4001422911" sldId="282"/>
+            <ac:grpSpMk id="272" creationId="{2B524C78-6CD3-414E-92FB-ED7E39F05CEA}"/>
+          </ac:grpSpMkLst>
+        </pc:grpChg>
+        <pc:grpChg chg="mod">
+          <ac:chgData name="Matt Carlson" userId="0e792f37f00095d9" providerId="LiveId" clId="{560E01DB-C0ED-43C1-8B3A-367CBEC07B1F}" dt="2020-10-24T10:06:21.960" v="211"/>
+          <ac:grpSpMkLst>
+            <pc:docMk/>
+            <pc:sldMk cId="4001422911" sldId="282"/>
+            <ac:grpSpMk id="275" creationId="{9F9995C5-3147-48F9-8A05-CF08D8E41CDF}"/>
+          </ac:grpSpMkLst>
+        </pc:grpChg>
+        <pc:grpChg chg="del">
+          <ac:chgData name="Matt Carlson" userId="0e792f37f00095d9" providerId="LiveId" clId="{560E01DB-C0ED-43C1-8B3A-367CBEC07B1F}" dt="2020-10-24T09:11:40.623" v="1" actId="478"/>
+          <ac:grpSpMkLst>
+            <pc:docMk/>
+            <pc:sldMk cId="4001422911" sldId="282"/>
+            <ac:grpSpMk id="276" creationId="{100F7E9C-E429-4145-B2C0-7785547B3B48}"/>
+          </ac:grpSpMkLst>
+        </pc:grpChg>
+        <pc:grpChg chg="del">
+          <ac:chgData name="Matt Carlson" userId="0e792f37f00095d9" providerId="LiveId" clId="{560E01DB-C0ED-43C1-8B3A-367CBEC07B1F}" dt="2020-10-24T09:11:40.623" v="1" actId="478"/>
+          <ac:grpSpMkLst>
+            <pc:docMk/>
+            <pc:sldMk cId="4001422911" sldId="282"/>
+            <ac:grpSpMk id="280" creationId="{240BBFA4-29E8-44DC-B9A8-C056EA8FFDA8}"/>
+          </ac:grpSpMkLst>
+        </pc:grpChg>
+        <pc:grpChg chg="del">
+          <ac:chgData name="Matt Carlson" userId="0e792f37f00095d9" providerId="LiveId" clId="{560E01DB-C0ED-43C1-8B3A-367CBEC07B1F}" dt="2020-10-24T09:11:40.623" v="1" actId="478"/>
+          <ac:grpSpMkLst>
+            <pc:docMk/>
+            <pc:sldMk cId="4001422911" sldId="282"/>
+            <ac:grpSpMk id="283" creationId="{C0AEA172-5D02-4C4B-A762-224C3574B1E8}"/>
+          </ac:grpSpMkLst>
+        </pc:grpChg>
+        <pc:grpChg chg="add mod">
+          <ac:chgData name="Matt Carlson" userId="0e792f37f00095d9" providerId="LiveId" clId="{560E01DB-C0ED-43C1-8B3A-367CBEC07B1F}" dt="2020-10-24T10:06:33.044" v="216" actId="1076"/>
+          <ac:grpSpMkLst>
+            <pc:docMk/>
+            <pc:sldMk cId="4001422911" sldId="282"/>
+            <ac:grpSpMk id="289" creationId="{61EFE366-7B2A-45CB-BAF4-A69FD283AFE7}"/>
+          </ac:grpSpMkLst>
+        </pc:grpChg>
+        <pc:grpChg chg="mod">
+          <ac:chgData name="Matt Carlson" userId="0e792f37f00095d9" providerId="LiveId" clId="{560E01DB-C0ED-43C1-8B3A-367CBEC07B1F}" dt="2020-10-24T10:06:30.543" v="215"/>
+          <ac:grpSpMkLst>
+            <pc:docMk/>
+            <pc:sldMk cId="4001422911" sldId="282"/>
+            <ac:grpSpMk id="292" creationId="{696FB70D-8D05-447C-82AF-1C4B04DEB456}"/>
+          </ac:grpSpMkLst>
+        </pc:grpChg>
+        <pc:grpChg chg="add mod">
+          <ac:chgData name="Matt Carlson" userId="0e792f37f00095d9" providerId="LiveId" clId="{560E01DB-C0ED-43C1-8B3A-367CBEC07B1F}" dt="2020-10-24T10:19:53.775" v="343" actId="1076"/>
+          <ac:grpSpMkLst>
+            <pc:docMk/>
+            <pc:sldMk cId="4001422911" sldId="282"/>
+            <ac:grpSpMk id="296" creationId="{59097330-E97A-491A-AA59-976F675A129D}"/>
+          </ac:grpSpMkLst>
+        </pc:grpChg>
+        <pc:grpChg chg="add mod">
+          <ac:chgData name="Matt Carlson" userId="0e792f37f00095d9" providerId="LiveId" clId="{560E01DB-C0ED-43C1-8B3A-367CBEC07B1F}" dt="2020-10-24T10:19:09.848" v="337" actId="1076"/>
+          <ac:grpSpMkLst>
+            <pc:docMk/>
+            <pc:sldMk cId="4001422911" sldId="282"/>
+            <ac:grpSpMk id="302" creationId="{B169A1B2-1412-4F2E-825E-0BCF06A5A05C}"/>
+          </ac:grpSpMkLst>
+        </pc:grpChg>
+        <pc:grpChg chg="add mod">
+          <ac:chgData name="Matt Carlson" userId="0e792f37f00095d9" providerId="LiveId" clId="{560E01DB-C0ED-43C1-8B3A-367CBEC07B1F}" dt="2020-10-24T10:16:10.629" v="240" actId="1076"/>
+          <ac:grpSpMkLst>
+            <pc:docMk/>
+            <pc:sldMk cId="4001422911" sldId="282"/>
+            <ac:grpSpMk id="306" creationId="{77F4EFDB-60B8-4CF1-8705-A5E98376192F}"/>
+          </ac:grpSpMkLst>
+        </pc:grpChg>
+        <pc:grpChg chg="add mod">
+          <ac:chgData name="Matt Carlson" userId="0e792f37f00095d9" providerId="LiveId" clId="{560E01DB-C0ED-43C1-8B3A-367CBEC07B1F}" dt="2020-10-24T10:16:29.330" v="243" actId="1076"/>
+          <ac:grpSpMkLst>
+            <pc:docMk/>
+            <pc:sldMk cId="4001422911" sldId="282"/>
+            <ac:grpSpMk id="310" creationId="{D69436E5-13DB-4ABA-8EA1-F540A655F987}"/>
+          </ac:grpSpMkLst>
+        </pc:grpChg>
+        <pc:graphicFrameChg chg="mod modGraphic">
+          <ac:chgData name="Matt Carlson" userId="0e792f37f00095d9" providerId="LiveId" clId="{560E01DB-C0ED-43C1-8B3A-367CBEC07B1F}" dt="2020-10-24T10:18:36.667" v="333" actId="20577"/>
+          <ac:graphicFrameMkLst>
+            <pc:docMk/>
+            <pc:sldMk cId="4001422911" sldId="282"/>
+            <ac:graphicFrameMk id="110" creationId="{00000000-0000-0000-0000-000000000000}"/>
+          </ac:graphicFrameMkLst>
+        </pc:graphicFrameChg>
+        <pc:cxnChg chg="add mod">
+          <ac:chgData name="Matt Carlson" userId="0e792f37f00095d9" providerId="LiveId" clId="{560E01DB-C0ED-43C1-8B3A-367CBEC07B1F}" dt="2020-10-24T09:44:21.286" v="170" actId="14100"/>
+          <ac:cxnSpMkLst>
+            <pc:docMk/>
+            <pc:sldMk cId="4001422911" sldId="282"/>
+            <ac:cxnSpMk id="128" creationId="{B24E2BF5-2D0C-4095-88FB-2B72F132D540}"/>
+          </ac:cxnSpMkLst>
+        </pc:cxnChg>
+        <pc:cxnChg chg="add mod">
+          <ac:chgData name="Matt Carlson" userId="0e792f37f00095d9" providerId="LiveId" clId="{560E01DB-C0ED-43C1-8B3A-367CBEC07B1F}" dt="2020-10-24T09:24:04.392" v="74" actId="14100"/>
+          <ac:cxnSpMkLst>
+            <pc:docMk/>
+            <pc:sldMk cId="4001422911" sldId="282"/>
+            <ac:cxnSpMk id="130" creationId="{825575C6-77DB-4BD7-B0B4-475684BBB079}"/>
+          </ac:cxnSpMkLst>
+        </pc:cxnChg>
+        <pc:cxnChg chg="add del mod">
+          <ac:chgData name="Matt Carlson" userId="0e792f37f00095d9" providerId="LiveId" clId="{560E01DB-C0ED-43C1-8B3A-367CBEC07B1F}" dt="2020-10-24T10:07:02.815" v="223" actId="478"/>
+          <ac:cxnSpMkLst>
+            <pc:docMk/>
+            <pc:sldMk cId="4001422911" sldId="282"/>
+            <ac:cxnSpMk id="172" creationId="{3BB78425-A485-4EE3-89CC-DAF4A62B43F2}"/>
+          </ac:cxnSpMkLst>
+        </pc:cxnChg>
+        <pc:cxnChg chg="mod">
+          <ac:chgData name="Matt Carlson" userId="0e792f37f00095d9" providerId="LiveId" clId="{560E01DB-C0ED-43C1-8B3A-367CBEC07B1F}" dt="2020-10-24T09:25:35.004" v="106" actId="14100"/>
+          <ac:cxnSpMkLst>
+            <pc:docMk/>
+            <pc:sldMk cId="4001422911" sldId="282"/>
+            <ac:cxnSpMk id="188" creationId="{8C0264D6-1235-4CE6-9B44-00C2431614F8}"/>
+          </ac:cxnSpMkLst>
+        </pc:cxnChg>
+        <pc:cxnChg chg="add mod">
+          <ac:chgData name="Matt Carlson" userId="0e792f37f00095d9" providerId="LiveId" clId="{560E01DB-C0ED-43C1-8B3A-367CBEC07B1F}" dt="2020-10-24T09:28:04.566" v="135" actId="14100"/>
+          <ac:cxnSpMkLst>
+            <pc:docMk/>
+            <pc:sldMk cId="4001422911" sldId="282"/>
+            <ac:cxnSpMk id="189" creationId="{1D175138-170D-4DB6-9F39-3AA6059C4263}"/>
+          </ac:cxnSpMkLst>
+        </pc:cxnChg>
+        <pc:cxnChg chg="add mod">
+          <ac:chgData name="Matt Carlson" userId="0e792f37f00095d9" providerId="LiveId" clId="{560E01DB-C0ED-43C1-8B3A-367CBEC07B1F}" dt="2020-10-24T09:37:09.747" v="163" actId="14100"/>
+          <ac:cxnSpMkLst>
+            <pc:docMk/>
+            <pc:sldMk cId="4001422911" sldId="282"/>
+            <ac:cxnSpMk id="198" creationId="{E8C6720D-058C-404C-97BF-A1B19756BFB9}"/>
+          </ac:cxnSpMkLst>
+        </pc:cxnChg>
+        <pc:cxnChg chg="mod">
+          <ac:chgData name="Matt Carlson" userId="0e792f37f00095d9" providerId="LiveId" clId="{560E01DB-C0ED-43C1-8B3A-367CBEC07B1F}" dt="2020-10-24T10:06:58.558" v="221" actId="14100"/>
+          <ac:cxnSpMkLst>
+            <pc:docMk/>
+            <pc:sldMk cId="4001422911" sldId="282"/>
+            <ac:cxnSpMk id="199" creationId="{2CA99E20-2095-4EEF-946B-AB05F0856B0F}"/>
+          </ac:cxnSpMkLst>
+        </pc:cxnChg>
+        <pc:cxnChg chg="del">
+          <ac:chgData name="Matt Carlson" userId="0e792f37f00095d9" providerId="LiveId" clId="{560E01DB-C0ED-43C1-8B3A-367CBEC07B1F}" dt="2020-10-24T09:11:40.623" v="1" actId="478"/>
+          <ac:cxnSpMkLst>
+            <pc:docMk/>
+            <pc:sldMk cId="4001422911" sldId="282"/>
+            <ac:cxnSpMk id="200" creationId="{8BE9CA0C-3C21-455A-849F-A58B5D3B2211}"/>
+          </ac:cxnSpMkLst>
+        </pc:cxnChg>
+        <pc:cxnChg chg="mod">
+          <ac:chgData name="Matt Carlson" userId="0e792f37f00095d9" providerId="LiveId" clId="{560E01DB-C0ED-43C1-8B3A-367CBEC07B1F}" dt="2020-10-24T09:11:44.811" v="2" actId="1076"/>
+          <ac:cxnSpMkLst>
+            <pc:docMk/>
+            <pc:sldMk cId="4001422911" sldId="282"/>
+            <ac:cxnSpMk id="201" creationId="{3E56B92E-844A-4614-9A1A-054F84F46610}"/>
+          </ac:cxnSpMkLst>
+        </pc:cxnChg>
+        <pc:cxnChg chg="del">
+          <ac:chgData name="Matt Carlson" userId="0e792f37f00095d9" providerId="LiveId" clId="{560E01DB-C0ED-43C1-8B3A-367CBEC07B1F}" dt="2020-10-24T09:11:40.623" v="1" actId="478"/>
+          <ac:cxnSpMkLst>
+            <pc:docMk/>
+            <pc:sldMk cId="4001422911" sldId="282"/>
+            <ac:cxnSpMk id="202" creationId="{555F92E3-C861-4B4B-BB20-D7058AB79966}"/>
+          </ac:cxnSpMkLst>
+        </pc:cxnChg>
+        <pc:cxnChg chg="del">
+          <ac:chgData name="Matt Carlson" userId="0e792f37f00095d9" providerId="LiveId" clId="{560E01DB-C0ED-43C1-8B3A-367CBEC07B1F}" dt="2020-10-24T09:11:40.623" v="1" actId="478"/>
+          <ac:cxnSpMkLst>
+            <pc:docMk/>
+            <pc:sldMk cId="4001422911" sldId="282"/>
+            <ac:cxnSpMk id="203" creationId="{39AD62B9-321A-4253-8792-6ADDC9ECAF12}"/>
+          </ac:cxnSpMkLst>
+        </pc:cxnChg>
+        <pc:cxnChg chg="del">
+          <ac:chgData name="Matt Carlson" userId="0e792f37f00095d9" providerId="LiveId" clId="{560E01DB-C0ED-43C1-8B3A-367CBEC07B1F}" dt="2020-10-24T09:11:40.623" v="1" actId="478"/>
+          <ac:cxnSpMkLst>
+            <pc:docMk/>
+            <pc:sldMk cId="4001422911" sldId="282"/>
+            <ac:cxnSpMk id="204" creationId="{5FB62FBD-E17B-4862-B916-F883F1F547C8}"/>
+          </ac:cxnSpMkLst>
+        </pc:cxnChg>
+        <pc:cxnChg chg="del">
+          <ac:chgData name="Matt Carlson" userId="0e792f37f00095d9" providerId="LiveId" clId="{560E01DB-C0ED-43C1-8B3A-367CBEC07B1F}" dt="2020-10-24T09:11:40.623" v="1" actId="478"/>
+          <ac:cxnSpMkLst>
+            <pc:docMk/>
+            <pc:sldMk cId="4001422911" sldId="282"/>
+            <ac:cxnSpMk id="205" creationId="{BAB2DE11-AC16-478F-9A72-0D84C22DB193}"/>
+          </ac:cxnSpMkLst>
+        </pc:cxnChg>
+        <pc:cxnChg chg="add mod">
+          <ac:chgData name="Matt Carlson" userId="0e792f37f00095d9" providerId="LiveId" clId="{560E01DB-C0ED-43C1-8B3A-367CBEC07B1F}" dt="2020-10-24T09:29:33.921" v="150" actId="14100"/>
+          <ac:cxnSpMkLst>
+            <pc:docMk/>
+            <pc:sldMk cId="4001422911" sldId="282"/>
+            <ac:cxnSpMk id="211" creationId="{4580FC8B-497A-4CD6-9EE1-21FB14D52902}"/>
+          </ac:cxnSpMkLst>
+        </pc:cxnChg>
+        <pc:cxnChg chg="add mod">
+          <ac:chgData name="Matt Carlson" userId="0e792f37f00095d9" providerId="LiveId" clId="{560E01DB-C0ED-43C1-8B3A-367CBEC07B1F}" dt="2020-10-24T10:07:00.891" v="222" actId="14100"/>
+          <ac:cxnSpMkLst>
+            <pc:docMk/>
+            <pc:sldMk cId="4001422911" sldId="282"/>
+            <ac:cxnSpMk id="295" creationId="{7ED5F661-41BA-4172-AD9C-C5E2CF642BD5}"/>
+          </ac:cxnSpMkLst>
+        </pc:cxnChg>
+      </pc:sldChg>
+    </pc:docChg>
+  </pc:docChgLst>
+</pc:chgInfo>
+</file>
+
 <file path=ppt/notesMasters/notesMaster1.xml><?xml version="1.0" encoding="utf-8"?>
 <p:notesMaster xmlns:a="http://schemas.openxmlformats.org/drawingml/2006/main" xmlns:r="http://schemas.openxmlformats.org/officeDocument/2006/relationships" xmlns:p="http://schemas.openxmlformats.org/presentationml/2006/main">
   <p:cSld>
@@ -183,13 +2851,7 @@
       </p:grpSpPr>
       <p:sp>
         <p:nvSpPr>
-          <p:cNvPr id="2" name="Header Placeholder 1">
-            <a:extLst>
-              <a:ext uri="{FF2B5EF4-FFF2-40B4-BE49-F238E27FC236}">
-                <a16:creationId xmlns:a16="http://schemas.microsoft.com/office/drawing/2014/main" id="{01AE5834-C093-4A68-81C4-F3C4DAD46769}"/>
-              </a:ext>
-            </a:extLst>
-          </p:cNvPr>
+          <p:cNvPr id="2" name="Header Placeholder 1"/>
           <p:cNvSpPr>
             <a:spLocks noGrp="1"/>
           </p:cNvSpPr>
@@ -200,14 +2862,14 @@
         <p:spPr>
           <a:xfrm>
             <a:off x="0" y="0"/>
-            <a:ext cx="3038475" cy="463550"/>
+            <a:ext cx="3170238" cy="479425"/>
           </a:xfrm>
           <a:prstGeom prst="rect">
             <a:avLst/>
           </a:prstGeom>
         </p:spPr>
         <p:txBody>
-          <a:bodyPr vert="horz" lIns="93146" tIns="46573" rIns="93146" bIns="46573" rtlCol="0"/>
+          <a:bodyPr vert="horz" lIns="96634" tIns="48317" rIns="96634" bIns="48317" rtlCol="0"/>
           <a:lstStyle>
             <a:lvl1pPr algn="l" eaLnBrk="1" hangingPunct="1">
               <a:defRPr sz="1200">
@@ -227,13 +2889,7 @@
       </p:sp>
       <p:sp>
         <p:nvSpPr>
-          <p:cNvPr id="3" name="Date Placeholder 2">
-            <a:extLst>
-              <a:ext uri="{FF2B5EF4-FFF2-40B4-BE49-F238E27FC236}">
-                <a16:creationId xmlns:a16="http://schemas.microsoft.com/office/drawing/2014/main" id="{C6DF0D54-AC7A-4B61-8FFE-15DD7B1E5E4B}"/>
-              </a:ext>
-            </a:extLst>
-          </p:cNvPr>
+          <p:cNvPr id="3" name="Date Placeholder 2"/>
           <p:cNvSpPr>
             <a:spLocks noGrp="1"/>
           </p:cNvSpPr>
@@ -243,15 +2899,15 @@
         </p:nvSpPr>
         <p:spPr>
           <a:xfrm>
-            <a:off x="3970338" y="0"/>
-            <a:ext cx="3038475" cy="463550"/>
+            <a:off x="4143375" y="0"/>
+            <a:ext cx="3170238" cy="479425"/>
           </a:xfrm>
           <a:prstGeom prst="rect">
             <a:avLst/>
           </a:prstGeom>
         </p:spPr>
         <p:txBody>
-          <a:bodyPr vert="horz" lIns="93146" tIns="46573" rIns="93146" bIns="46573" rtlCol="0"/>
+          <a:bodyPr vert="horz" lIns="96634" tIns="48317" rIns="96634" bIns="48317" rtlCol="0"/>
           <a:lstStyle>
             <a:lvl1pPr algn="r" eaLnBrk="1" hangingPunct="1">
               <a:defRPr sz="1200">
@@ -265,12 +2921,12 @@
             <a:pPr>
               <a:defRPr/>
             </a:pPr>
-            <a:fld id="{9C7CABAC-0A43-4741-9B8C-340C737DE443}" type="datetimeFigureOut">
+            <a:fld id="{1D74738F-2DA7-4EF7-B221-36FBB027CA23}" type="datetimeFigureOut">
               <a:rPr lang="en-US"/>
               <a:pPr>
                 <a:defRPr/>
               </a:pPr>
-              <a:t>10/23/2020</a:t>
+              <a:t>10/24/20</a:t>
             </a:fld>
             <a:endParaRPr lang="en-US"/>
           </a:p>
@@ -278,13 +2934,7 @@
       </p:sp>
       <p:sp>
         <p:nvSpPr>
-          <p:cNvPr id="4" name="Slide Image Placeholder 3">
-            <a:extLst>
-              <a:ext uri="{FF2B5EF4-FFF2-40B4-BE49-F238E27FC236}">
-                <a16:creationId xmlns:a16="http://schemas.microsoft.com/office/drawing/2014/main" id="{ADDC64E0-7F25-4221-8224-5E6B872AA847}"/>
-              </a:ext>
-            </a:extLst>
-          </p:cNvPr>
+          <p:cNvPr id="4" name="Slide Image Placeholder 3"/>
           <p:cNvSpPr>
             <a:spLocks noGrp="1" noRot="1" noChangeAspect="1"/>
           </p:cNvSpPr>
@@ -294,8 +2944,8 @@
         </p:nvSpPr>
         <p:spPr>
           <a:xfrm>
-            <a:off x="2178050" y="696913"/>
-            <a:ext cx="2654300" cy="3486150"/>
+            <a:off x="2286000" y="719138"/>
+            <a:ext cx="2743200" cy="3600450"/>
           </a:xfrm>
           <a:prstGeom prst="rect">
             <a:avLst/>
@@ -308,7 +2958,7 @@
           </a:ln>
         </p:spPr>
         <p:txBody>
-          <a:bodyPr vert="horz" lIns="93146" tIns="46573" rIns="93146" bIns="46573" rtlCol="0" anchor="ctr"/>
+          <a:bodyPr vert="horz" lIns="96634" tIns="48317" rIns="96634" bIns="48317" rtlCol="0" anchor="ctr"/>
           <a:lstStyle/>
           <a:p>
             <a:pPr lvl="0"/>
@@ -318,13 +2968,7 @@
       </p:sp>
       <p:sp>
         <p:nvSpPr>
-          <p:cNvPr id="5" name="Notes Placeholder 4">
-            <a:extLst>
-              <a:ext uri="{FF2B5EF4-FFF2-40B4-BE49-F238E27FC236}">
-                <a16:creationId xmlns:a16="http://schemas.microsoft.com/office/drawing/2014/main" id="{7674EFDD-B03A-4058-834D-39972C4AF9DC}"/>
-              </a:ext>
-            </a:extLst>
-          </p:cNvPr>
+          <p:cNvPr id="5" name="Notes Placeholder 4"/>
           <p:cNvSpPr>
             <a:spLocks noGrp="1"/>
           </p:cNvSpPr>
@@ -334,15 +2978,15 @@
         </p:nvSpPr>
         <p:spPr>
           <a:xfrm>
-            <a:off x="701675" y="4416425"/>
-            <a:ext cx="5607050" cy="4181475"/>
+            <a:off x="731838" y="4560888"/>
+            <a:ext cx="5851525" cy="4319587"/>
           </a:xfrm>
           <a:prstGeom prst="rect">
             <a:avLst/>
           </a:prstGeom>
         </p:spPr>
         <p:txBody>
-          <a:bodyPr vert="horz" lIns="93146" tIns="46573" rIns="93146" bIns="46573" rtlCol="0">
+          <a:bodyPr vert="horz" lIns="96634" tIns="48317" rIns="96634" bIns="48317" rtlCol="0">
             <a:normAutofit/>
           </a:bodyPr>
           <a:lstStyle/>
@@ -385,13 +3029,7 @@
       </p:sp>
       <p:sp>
         <p:nvSpPr>
-          <p:cNvPr id="6" name="Footer Placeholder 5">
-            <a:extLst>
-              <a:ext uri="{FF2B5EF4-FFF2-40B4-BE49-F238E27FC236}">
-                <a16:creationId xmlns:a16="http://schemas.microsoft.com/office/drawing/2014/main" id="{6C74CFF9-2CA8-4549-B479-D5F03C426207}"/>
-              </a:ext>
-            </a:extLst>
-          </p:cNvPr>
+          <p:cNvPr id="6" name="Footer Placeholder 5"/>
           <p:cNvSpPr>
             <a:spLocks noGrp="1"/>
           </p:cNvSpPr>
@@ -401,15 +3039,15 @@
         </p:nvSpPr>
         <p:spPr>
           <a:xfrm>
-            <a:off x="0" y="8831263"/>
-            <a:ext cx="3038475" cy="463550"/>
+            <a:off x="0" y="9120188"/>
+            <a:ext cx="3170238" cy="479425"/>
           </a:xfrm>
           <a:prstGeom prst="rect">
             <a:avLst/>
           </a:prstGeom>
         </p:spPr>
         <p:txBody>
-          <a:bodyPr vert="horz" lIns="93146" tIns="46573" rIns="93146" bIns="46573" rtlCol="0" anchor="b"/>
+          <a:bodyPr vert="horz" lIns="96634" tIns="48317" rIns="96634" bIns="48317" rtlCol="0" anchor="b"/>
           <a:lstStyle>
             <a:lvl1pPr algn="l" eaLnBrk="1" hangingPunct="1">
               <a:defRPr sz="1200">
@@ -429,13 +3067,7 @@
       </p:sp>
       <p:sp>
         <p:nvSpPr>
-          <p:cNvPr id="7" name="Slide Number Placeholder 6">
-            <a:extLst>
-              <a:ext uri="{FF2B5EF4-FFF2-40B4-BE49-F238E27FC236}">
-                <a16:creationId xmlns:a16="http://schemas.microsoft.com/office/drawing/2014/main" id="{D1F5B3C4-E057-4B26-AD7E-1537CB35FCEB}"/>
-              </a:ext>
-            </a:extLst>
-          </p:cNvPr>
+          <p:cNvPr id="7" name="Slide Number Placeholder 6"/>
           <p:cNvSpPr>
             <a:spLocks noGrp="1"/>
           </p:cNvSpPr>
@@ -445,15 +3077,15 @@
         </p:nvSpPr>
         <p:spPr>
           <a:xfrm>
-            <a:off x="3970338" y="8831263"/>
-            <a:ext cx="3038475" cy="463550"/>
+            <a:off x="4143375" y="9120188"/>
+            <a:ext cx="3170238" cy="479425"/>
           </a:xfrm>
           <a:prstGeom prst="rect">
             <a:avLst/>
           </a:prstGeom>
         </p:spPr>
         <p:txBody>
-          <a:bodyPr vert="horz" wrap="square" lIns="93146" tIns="46573" rIns="93146" bIns="46573" numCol="1" anchor="b" anchorCtr="0" compatLnSpc="1">
+          <a:bodyPr vert="horz" wrap="square" lIns="96634" tIns="48317" rIns="96634" bIns="48317" numCol="1" anchor="b" anchorCtr="0" compatLnSpc="1">
             <a:prstTxWarp prst="textNoShape">
               <a:avLst/>
             </a:prstTxWarp>
@@ -467,7 +3099,7 @@
             <a:pPr>
               <a:defRPr/>
             </a:pPr>
-            <a:fld id="{4836F459-B59E-4ED0-93A5-BD609C7729EB}" type="slidenum">
+            <a:fld id="{4D250492-C81B-4E2F-A839-DED355525013}" type="slidenum">
               <a:rPr lang="en-US" altLang="en-US"/>
               <a:pPr>
                 <a:defRPr/>
@@ -625,13 +3257,7 @@
       </p:grpSpPr>
       <p:sp>
         <p:nvSpPr>
-          <p:cNvPr id="4098" name="Slide Image Placeholder 1">
-            <a:extLst>
-              <a:ext uri="{FF2B5EF4-FFF2-40B4-BE49-F238E27FC236}">
-                <a16:creationId xmlns:a16="http://schemas.microsoft.com/office/drawing/2014/main" id="{FF989524-BEFD-4279-91A4-29226ADA28B0}"/>
-              </a:ext>
-            </a:extLst>
-          </p:cNvPr>
+          <p:cNvPr id="4098" name="Slide Image Placeholder 1"/>
           <p:cNvSpPr>
             <a:spLocks noGrp="1" noRot="1" noChangeAspect="1" noTextEdit="1"/>
           </p:cNvSpPr>
@@ -662,13 +3288,7 @@
       </p:sp>
       <p:sp>
         <p:nvSpPr>
-          <p:cNvPr id="4099" name="Notes Placeholder 2">
-            <a:extLst>
-              <a:ext uri="{FF2B5EF4-FFF2-40B4-BE49-F238E27FC236}">
-                <a16:creationId xmlns:a16="http://schemas.microsoft.com/office/drawing/2014/main" id="{8F937B6F-729C-460C-9A84-95AD51793C25}"/>
-              </a:ext>
-            </a:extLst>
-          </p:cNvPr>
+          <p:cNvPr id="4099" name="Notes Placeholder 2"/>
           <p:cNvSpPr>
             <a:spLocks noGrp="1"/>
           </p:cNvSpPr>
@@ -711,19 +3331,13 @@
                 <a:spcPct val="0"/>
               </a:spcBef>
             </a:pPr>
-            <a:endParaRPr lang="en-US" altLang="en-US" dirty="0"/>
+            <a:endParaRPr lang="en-US" altLang="en-US"/>
           </a:p>
         </p:txBody>
       </p:sp>
       <p:sp>
         <p:nvSpPr>
-          <p:cNvPr id="4100" name="Slide Number Placeholder 3">
-            <a:extLst>
-              <a:ext uri="{FF2B5EF4-FFF2-40B4-BE49-F238E27FC236}">
-                <a16:creationId xmlns:a16="http://schemas.microsoft.com/office/drawing/2014/main" id="{8ED188AE-0F8E-43B3-BEE2-0D979FCDE4E2}"/>
-              </a:ext>
-            </a:extLst>
-          </p:cNvPr>
+          <p:cNvPr id="4100" name="Slide Number Placeholder 3"/>
           <p:cNvSpPr>
             <a:spLocks noGrp="1"/>
           </p:cNvSpPr>
@@ -767,7 +3381,7 @@
                 <a:latin typeface="Calibri" panose="020F0502020204030204" pitchFamily="34" charset="0"/>
               </a:defRPr>
             </a:lvl1pPr>
-            <a:lvl2pPr marL="715963" indent="-274638">
+            <a:lvl2pPr marL="742950" indent="-285750">
               <a:spcBef>
                 <a:spcPct val="30000"/>
               </a:spcBef>
@@ -778,7 +3392,7 @@
                 <a:latin typeface="Calibri" panose="020F0502020204030204" pitchFamily="34" charset="0"/>
               </a:defRPr>
             </a:lvl2pPr>
-            <a:lvl3pPr marL="1101725" indent="-219075">
+            <a:lvl3pPr marL="1143000" indent="-228600">
               <a:spcBef>
                 <a:spcPct val="30000"/>
               </a:spcBef>
@@ -789,7 +3403,7 @@
                 <a:latin typeface="Calibri" panose="020F0502020204030204" pitchFamily="34" charset="0"/>
               </a:defRPr>
             </a:lvl3pPr>
-            <a:lvl4pPr marL="1541463" indent="-219075">
+            <a:lvl4pPr marL="1600200" indent="-228600">
               <a:spcBef>
                 <a:spcPct val="30000"/>
               </a:spcBef>
@@ -800,7 +3414,7 @@
                 <a:latin typeface="Calibri" panose="020F0502020204030204" pitchFamily="34" charset="0"/>
               </a:defRPr>
             </a:lvl4pPr>
-            <a:lvl5pPr marL="1982788" indent="-219075">
+            <a:lvl5pPr marL="2057400" indent="-228600">
               <a:spcBef>
                 <a:spcPct val="30000"/>
               </a:spcBef>
@@ -811,7 +3425,7 @@
                 <a:latin typeface="Calibri" panose="020F0502020204030204" pitchFamily="34" charset="0"/>
               </a:defRPr>
             </a:lvl5pPr>
-            <a:lvl6pPr marL="2439988" indent="-219075" eaLnBrk="0" fontAlgn="base" hangingPunct="0">
+            <a:lvl6pPr marL="2514600" indent="-228600" eaLnBrk="0" fontAlgn="base" hangingPunct="0">
               <a:spcBef>
                 <a:spcPct val="30000"/>
               </a:spcBef>
@@ -825,7 +3439,7 @@
                 <a:latin typeface="Calibri" panose="020F0502020204030204" pitchFamily="34" charset="0"/>
               </a:defRPr>
             </a:lvl6pPr>
-            <a:lvl7pPr marL="2897188" indent="-219075" eaLnBrk="0" fontAlgn="base" hangingPunct="0">
+            <a:lvl7pPr marL="2971800" indent="-228600" eaLnBrk="0" fontAlgn="base" hangingPunct="0">
               <a:spcBef>
                 <a:spcPct val="30000"/>
               </a:spcBef>
@@ -839,7 +3453,7 @@
                 <a:latin typeface="Calibri" panose="020F0502020204030204" pitchFamily="34" charset="0"/>
               </a:defRPr>
             </a:lvl7pPr>
-            <a:lvl8pPr marL="3354388" indent="-219075" eaLnBrk="0" fontAlgn="base" hangingPunct="0">
+            <a:lvl8pPr marL="3429000" indent="-228600" eaLnBrk="0" fontAlgn="base" hangingPunct="0">
               <a:spcBef>
                 <a:spcPct val="30000"/>
               </a:spcBef>
@@ -853,7 +3467,7 @@
                 <a:latin typeface="Calibri" panose="020F0502020204030204" pitchFamily="34" charset="0"/>
               </a:defRPr>
             </a:lvl8pPr>
-            <a:lvl9pPr marL="3811588" indent="-219075" eaLnBrk="0" fontAlgn="base" hangingPunct="0">
+            <a:lvl9pPr marL="3886200" indent="-228600" eaLnBrk="0" fontAlgn="base" hangingPunct="0">
               <a:spcBef>
                 <a:spcPct val="30000"/>
               </a:spcBef>
@@ -874,7 +3488,7 @@
                 <a:spcPct val="0"/>
               </a:spcBef>
             </a:pPr>
-            <a:fld id="{AEA38CB2-91E9-408D-B572-E4DA1DF0DBAF}" type="slidenum">
+            <a:fld id="{74D847B4-44C5-4AE2-A853-857E5C000287}" type="slidenum">
               <a:rPr lang="en-US" altLang="en-US" smtClean="0">
                 <a:latin typeface="Arial" panose="020B0604020202020204" pitchFamily="34" charset="0"/>
               </a:rPr>
@@ -1009,13 +3623,7 @@
       </p:sp>
       <p:sp>
         <p:nvSpPr>
-          <p:cNvPr id="4" name="Rectangle 4">
-            <a:extLst>
-              <a:ext uri="{FF2B5EF4-FFF2-40B4-BE49-F238E27FC236}">
-                <a16:creationId xmlns:a16="http://schemas.microsoft.com/office/drawing/2014/main" id="{CD9F2010-DA53-4D97-A30F-BF44A78F4B76}"/>
-              </a:ext>
-            </a:extLst>
-          </p:cNvPr>
+          <p:cNvPr id="4" name="Rectangle 4"/>
           <p:cNvSpPr>
             <a:spLocks noGrp="1" noChangeArrowheads="1"/>
           </p:cNvSpPr>
@@ -1043,13 +3651,7 @@
       </p:sp>
       <p:sp>
         <p:nvSpPr>
-          <p:cNvPr id="5" name="Rectangle 5">
-            <a:extLst>
-              <a:ext uri="{FF2B5EF4-FFF2-40B4-BE49-F238E27FC236}">
-                <a16:creationId xmlns:a16="http://schemas.microsoft.com/office/drawing/2014/main" id="{63B7337D-79E9-4061-B230-57E239F4F213}"/>
-              </a:ext>
-            </a:extLst>
-          </p:cNvPr>
+          <p:cNvPr id="5" name="Rectangle 5"/>
           <p:cNvSpPr>
             <a:spLocks noGrp="1" noChangeArrowheads="1"/>
           </p:cNvSpPr>
@@ -1077,13 +3679,7 @@
       </p:sp>
       <p:sp>
         <p:nvSpPr>
-          <p:cNvPr id="6" name="Rectangle 6">
-            <a:extLst>
-              <a:ext uri="{FF2B5EF4-FFF2-40B4-BE49-F238E27FC236}">
-                <a16:creationId xmlns:a16="http://schemas.microsoft.com/office/drawing/2014/main" id="{C0F7071B-513F-4D61-B829-BF4C44C82DDF}"/>
-              </a:ext>
-            </a:extLst>
-          </p:cNvPr>
+          <p:cNvPr id="6" name="Rectangle 6"/>
           <p:cNvSpPr>
             <a:spLocks noGrp="1" noChangeArrowheads="1"/>
           </p:cNvSpPr>
@@ -1105,7 +3701,7 @@
             <a:pPr>
               <a:defRPr/>
             </a:pPr>
-            <a:fld id="{1E100E55-C7D7-4410-B5C5-A0145694606C}" type="slidenum">
+            <a:fld id="{844060F4-D01B-45FA-9121-AEAE65876820}" type="slidenum">
               <a:rPr lang="en-US" altLang="en-US"/>
               <a:pPr>
                 <a:defRPr/>
@@ -1119,7 +3715,7 @@
     </p:spTree>
     <p:extLst>
       <p:ext uri="{BB962C8B-B14F-4D97-AF65-F5344CB8AC3E}">
-        <p14:creationId xmlns:p14="http://schemas.microsoft.com/office/powerpoint/2010/main" val="145180486"/>
+        <p14:creationId xmlns:p14="http://schemas.microsoft.com/office/powerpoint/2010/main" val="2450775867"/>
       </p:ext>
     </p:extLst>
   </p:cSld>
@@ -1221,13 +3817,7 @@
       </p:sp>
       <p:sp>
         <p:nvSpPr>
-          <p:cNvPr id="4" name="Rectangle 4">
-            <a:extLst>
-              <a:ext uri="{FF2B5EF4-FFF2-40B4-BE49-F238E27FC236}">
-                <a16:creationId xmlns:a16="http://schemas.microsoft.com/office/drawing/2014/main" id="{6AC0A464-1BBC-4BAC-8D9E-853201B92674}"/>
-              </a:ext>
-            </a:extLst>
-          </p:cNvPr>
+          <p:cNvPr id="4" name="Rectangle 4"/>
           <p:cNvSpPr>
             <a:spLocks noGrp="1" noChangeArrowheads="1"/>
           </p:cNvSpPr>
@@ -1255,13 +3845,7 @@
       </p:sp>
       <p:sp>
         <p:nvSpPr>
-          <p:cNvPr id="5" name="Rectangle 5">
-            <a:extLst>
-              <a:ext uri="{FF2B5EF4-FFF2-40B4-BE49-F238E27FC236}">
-                <a16:creationId xmlns:a16="http://schemas.microsoft.com/office/drawing/2014/main" id="{3A4BF6A9-3A94-4F3B-BE59-337D429F82BA}"/>
-              </a:ext>
-            </a:extLst>
-          </p:cNvPr>
+          <p:cNvPr id="5" name="Rectangle 5"/>
           <p:cNvSpPr>
             <a:spLocks noGrp="1" noChangeArrowheads="1"/>
           </p:cNvSpPr>
@@ -1289,13 +3873,7 @@
       </p:sp>
       <p:sp>
         <p:nvSpPr>
-          <p:cNvPr id="6" name="Rectangle 6">
-            <a:extLst>
-              <a:ext uri="{FF2B5EF4-FFF2-40B4-BE49-F238E27FC236}">
-                <a16:creationId xmlns:a16="http://schemas.microsoft.com/office/drawing/2014/main" id="{7D75017A-B371-438B-99E6-9556D1AB3E5B}"/>
-              </a:ext>
-            </a:extLst>
-          </p:cNvPr>
+          <p:cNvPr id="6" name="Rectangle 6"/>
           <p:cNvSpPr>
             <a:spLocks noGrp="1" noChangeArrowheads="1"/>
           </p:cNvSpPr>
@@ -1317,7 +3895,7 @@
             <a:pPr>
               <a:defRPr/>
             </a:pPr>
-            <a:fld id="{79755F88-3327-43A2-9337-285A201994C4}" type="slidenum">
+            <a:fld id="{EB12074E-FFDA-481D-AEC8-B9C103929A68}" type="slidenum">
               <a:rPr lang="en-US" altLang="en-US"/>
               <a:pPr>
                 <a:defRPr/>
@@ -1331,7 +3909,7 @@
     </p:spTree>
     <p:extLst>
       <p:ext uri="{BB962C8B-B14F-4D97-AF65-F5344CB8AC3E}">
-        <p14:creationId xmlns:p14="http://schemas.microsoft.com/office/powerpoint/2010/main" val="2283660394"/>
+        <p14:creationId xmlns:p14="http://schemas.microsoft.com/office/powerpoint/2010/main" val="573003854"/>
       </p:ext>
     </p:extLst>
   </p:cSld>
@@ -1443,13 +4021,7 @@
       </p:sp>
       <p:sp>
         <p:nvSpPr>
-          <p:cNvPr id="4" name="Rectangle 4">
-            <a:extLst>
-              <a:ext uri="{FF2B5EF4-FFF2-40B4-BE49-F238E27FC236}">
-                <a16:creationId xmlns:a16="http://schemas.microsoft.com/office/drawing/2014/main" id="{6E431AF6-9AEF-40D6-869F-0B8705F7D233}"/>
-              </a:ext>
-            </a:extLst>
-          </p:cNvPr>
+          <p:cNvPr id="4" name="Rectangle 4"/>
           <p:cNvSpPr>
             <a:spLocks noGrp="1" noChangeArrowheads="1"/>
           </p:cNvSpPr>
@@ -1477,13 +4049,7 @@
       </p:sp>
       <p:sp>
         <p:nvSpPr>
-          <p:cNvPr id="5" name="Rectangle 5">
-            <a:extLst>
-              <a:ext uri="{FF2B5EF4-FFF2-40B4-BE49-F238E27FC236}">
-                <a16:creationId xmlns:a16="http://schemas.microsoft.com/office/drawing/2014/main" id="{6F633AC0-437C-4190-927F-D8549D401B3D}"/>
-              </a:ext>
-            </a:extLst>
-          </p:cNvPr>
+          <p:cNvPr id="5" name="Rectangle 5"/>
           <p:cNvSpPr>
             <a:spLocks noGrp="1" noChangeArrowheads="1"/>
           </p:cNvSpPr>
@@ -1511,13 +4077,7 @@
       </p:sp>
       <p:sp>
         <p:nvSpPr>
-          <p:cNvPr id="6" name="Rectangle 6">
-            <a:extLst>
-              <a:ext uri="{FF2B5EF4-FFF2-40B4-BE49-F238E27FC236}">
-                <a16:creationId xmlns:a16="http://schemas.microsoft.com/office/drawing/2014/main" id="{7AD9BF0B-B652-4E4E-BC24-DF6F5F6AC6FD}"/>
-              </a:ext>
-            </a:extLst>
-          </p:cNvPr>
+          <p:cNvPr id="6" name="Rectangle 6"/>
           <p:cNvSpPr>
             <a:spLocks noGrp="1" noChangeArrowheads="1"/>
           </p:cNvSpPr>
@@ -1539,7 +4099,7 @@
             <a:pPr>
               <a:defRPr/>
             </a:pPr>
-            <a:fld id="{EBC7B96F-F57D-41AD-981E-8B4C54D198B1}" type="slidenum">
+            <a:fld id="{54ED13DC-8316-4943-8675-275499A5E88C}" type="slidenum">
               <a:rPr lang="en-US" altLang="en-US"/>
               <a:pPr>
                 <a:defRPr/>
@@ -1553,7 +4113,7 @@
     </p:spTree>
     <p:extLst>
       <p:ext uri="{BB962C8B-B14F-4D97-AF65-F5344CB8AC3E}">
-        <p14:creationId xmlns:p14="http://schemas.microsoft.com/office/powerpoint/2010/main" val="2329039070"/>
+        <p14:creationId xmlns:p14="http://schemas.microsoft.com/office/powerpoint/2010/main" val="469582278"/>
       </p:ext>
     </p:extLst>
   </p:cSld>
@@ -1655,13 +4215,7 @@
       </p:sp>
       <p:sp>
         <p:nvSpPr>
-          <p:cNvPr id="4" name="Rectangle 4">
-            <a:extLst>
-              <a:ext uri="{FF2B5EF4-FFF2-40B4-BE49-F238E27FC236}">
-                <a16:creationId xmlns:a16="http://schemas.microsoft.com/office/drawing/2014/main" id="{C4BF217B-9067-4774-90C0-D3D58C4431F2}"/>
-              </a:ext>
-            </a:extLst>
-          </p:cNvPr>
+          <p:cNvPr id="4" name="Rectangle 4"/>
           <p:cNvSpPr>
             <a:spLocks noGrp="1" noChangeArrowheads="1"/>
           </p:cNvSpPr>
@@ -1689,13 +4243,7 @@
       </p:sp>
       <p:sp>
         <p:nvSpPr>
-          <p:cNvPr id="5" name="Rectangle 5">
-            <a:extLst>
-              <a:ext uri="{FF2B5EF4-FFF2-40B4-BE49-F238E27FC236}">
-                <a16:creationId xmlns:a16="http://schemas.microsoft.com/office/drawing/2014/main" id="{62932D79-7855-4646-B69D-7146EF49AE3E}"/>
-              </a:ext>
-            </a:extLst>
-          </p:cNvPr>
+          <p:cNvPr id="5" name="Rectangle 5"/>
           <p:cNvSpPr>
             <a:spLocks noGrp="1" noChangeArrowheads="1"/>
           </p:cNvSpPr>
@@ -1723,13 +4271,7 @@
       </p:sp>
       <p:sp>
         <p:nvSpPr>
-          <p:cNvPr id="6" name="Rectangle 6">
-            <a:extLst>
-              <a:ext uri="{FF2B5EF4-FFF2-40B4-BE49-F238E27FC236}">
-                <a16:creationId xmlns:a16="http://schemas.microsoft.com/office/drawing/2014/main" id="{3991D765-AE2B-4574-80FD-1325120CD33F}"/>
-              </a:ext>
-            </a:extLst>
-          </p:cNvPr>
+          <p:cNvPr id="6" name="Rectangle 6"/>
           <p:cNvSpPr>
             <a:spLocks noGrp="1" noChangeArrowheads="1"/>
           </p:cNvSpPr>
@@ -1751,7 +4293,7 @@
             <a:pPr>
               <a:defRPr/>
             </a:pPr>
-            <a:fld id="{541877C4-A7B8-4837-9F7E-9602826BF116}" type="slidenum">
+            <a:fld id="{3F67C6BB-976F-4026-B9CA-A0451E4176DF}" type="slidenum">
               <a:rPr lang="en-US" altLang="en-US"/>
               <a:pPr>
                 <a:defRPr/>
@@ -1765,7 +4307,7 @@
     </p:spTree>
     <p:extLst>
       <p:ext uri="{BB962C8B-B14F-4D97-AF65-F5344CB8AC3E}">
-        <p14:creationId xmlns:p14="http://schemas.microsoft.com/office/powerpoint/2010/main" val="2473697500"/>
+        <p14:creationId xmlns:p14="http://schemas.microsoft.com/office/powerpoint/2010/main" val="2857123366"/>
       </p:ext>
     </p:extLst>
   </p:cSld>
@@ -1890,13 +4432,7 @@
       </p:sp>
       <p:sp>
         <p:nvSpPr>
-          <p:cNvPr id="4" name="Rectangle 4">
-            <a:extLst>
-              <a:ext uri="{FF2B5EF4-FFF2-40B4-BE49-F238E27FC236}">
-                <a16:creationId xmlns:a16="http://schemas.microsoft.com/office/drawing/2014/main" id="{2856CD65-92B9-47DA-99E1-41FC2A1EE299}"/>
-              </a:ext>
-            </a:extLst>
-          </p:cNvPr>
+          <p:cNvPr id="4" name="Rectangle 4"/>
           <p:cNvSpPr>
             <a:spLocks noGrp="1" noChangeArrowheads="1"/>
           </p:cNvSpPr>
@@ -1924,13 +4460,7 @@
       </p:sp>
       <p:sp>
         <p:nvSpPr>
-          <p:cNvPr id="5" name="Rectangle 5">
-            <a:extLst>
-              <a:ext uri="{FF2B5EF4-FFF2-40B4-BE49-F238E27FC236}">
-                <a16:creationId xmlns:a16="http://schemas.microsoft.com/office/drawing/2014/main" id="{C0FD7D03-CAC1-42F4-9AEF-21F19C996BDB}"/>
-              </a:ext>
-            </a:extLst>
-          </p:cNvPr>
+          <p:cNvPr id="5" name="Rectangle 5"/>
           <p:cNvSpPr>
             <a:spLocks noGrp="1" noChangeArrowheads="1"/>
           </p:cNvSpPr>
@@ -1958,13 +4488,7 @@
       </p:sp>
       <p:sp>
         <p:nvSpPr>
-          <p:cNvPr id="6" name="Rectangle 6">
-            <a:extLst>
-              <a:ext uri="{FF2B5EF4-FFF2-40B4-BE49-F238E27FC236}">
-                <a16:creationId xmlns:a16="http://schemas.microsoft.com/office/drawing/2014/main" id="{08294438-6273-4D5C-B12A-7AF14D69DFEC}"/>
-              </a:ext>
-            </a:extLst>
-          </p:cNvPr>
+          <p:cNvPr id="6" name="Rectangle 6"/>
           <p:cNvSpPr>
             <a:spLocks noGrp="1" noChangeArrowheads="1"/>
           </p:cNvSpPr>
@@ -1986,7 +4510,7 @@
             <a:pPr>
               <a:defRPr/>
             </a:pPr>
-            <a:fld id="{A0860D1D-E16E-43C8-9CC8-C03E6946CCE0}" type="slidenum">
+            <a:fld id="{CB9500C4-DA73-4525-A43B-FBFC790C75EE}" type="slidenum">
               <a:rPr lang="en-US" altLang="en-US"/>
               <a:pPr>
                 <a:defRPr/>
@@ -2000,7 +4524,7 @@
     </p:spTree>
     <p:extLst>
       <p:ext uri="{BB962C8B-B14F-4D97-AF65-F5344CB8AC3E}">
-        <p14:creationId xmlns:p14="http://schemas.microsoft.com/office/powerpoint/2010/main" val="781837707"/>
+        <p14:creationId xmlns:p14="http://schemas.microsoft.com/office/powerpoint/2010/main" val="2983626220"/>
       </p:ext>
     </p:extLst>
   </p:cSld>
@@ -2219,13 +4743,7 @@
       </p:sp>
       <p:sp>
         <p:nvSpPr>
-          <p:cNvPr id="5" name="Rectangle 4">
-            <a:extLst>
-              <a:ext uri="{FF2B5EF4-FFF2-40B4-BE49-F238E27FC236}">
-                <a16:creationId xmlns:a16="http://schemas.microsoft.com/office/drawing/2014/main" id="{CF27A318-8504-4BB1-AE1D-9E2263C1FDDD}"/>
-              </a:ext>
-            </a:extLst>
-          </p:cNvPr>
+          <p:cNvPr id="5" name="Rectangle 4"/>
           <p:cNvSpPr>
             <a:spLocks noGrp="1" noChangeArrowheads="1"/>
           </p:cNvSpPr>
@@ -2253,13 +4771,7 @@
       </p:sp>
       <p:sp>
         <p:nvSpPr>
-          <p:cNvPr id="6" name="Rectangle 5">
-            <a:extLst>
-              <a:ext uri="{FF2B5EF4-FFF2-40B4-BE49-F238E27FC236}">
-                <a16:creationId xmlns:a16="http://schemas.microsoft.com/office/drawing/2014/main" id="{BA00EEB8-8B60-4FE9-BADB-B351B292FEEE}"/>
-              </a:ext>
-            </a:extLst>
-          </p:cNvPr>
+          <p:cNvPr id="6" name="Rectangle 5"/>
           <p:cNvSpPr>
             <a:spLocks noGrp="1" noChangeArrowheads="1"/>
           </p:cNvSpPr>
@@ -2287,13 +4799,7 @@
       </p:sp>
       <p:sp>
         <p:nvSpPr>
-          <p:cNvPr id="7" name="Rectangle 6">
-            <a:extLst>
-              <a:ext uri="{FF2B5EF4-FFF2-40B4-BE49-F238E27FC236}">
-                <a16:creationId xmlns:a16="http://schemas.microsoft.com/office/drawing/2014/main" id="{664C5882-3824-4CB0-8E63-3AA8A6F5AD27}"/>
-              </a:ext>
-            </a:extLst>
-          </p:cNvPr>
+          <p:cNvPr id="7" name="Rectangle 6"/>
           <p:cNvSpPr>
             <a:spLocks noGrp="1" noChangeArrowheads="1"/>
           </p:cNvSpPr>
@@ -2315,7 +4821,7 @@
             <a:pPr>
               <a:defRPr/>
             </a:pPr>
-            <a:fld id="{0AB87066-03F6-4A5F-8926-0F8861609BED}" type="slidenum">
+            <a:fld id="{87307886-F779-4433-808F-7B27EAF68A03}" type="slidenum">
               <a:rPr lang="en-US" altLang="en-US"/>
               <a:pPr>
                 <a:defRPr/>
@@ -2329,7 +4835,7 @@
     </p:spTree>
     <p:extLst>
       <p:ext uri="{BB962C8B-B14F-4D97-AF65-F5344CB8AC3E}">
-        <p14:creationId xmlns:p14="http://schemas.microsoft.com/office/powerpoint/2010/main" val="4235654868"/>
+        <p14:creationId xmlns:p14="http://schemas.microsoft.com/office/powerpoint/2010/main" val="3874462398"/>
       </p:ext>
     </p:extLst>
   </p:cSld>
@@ -2687,13 +5193,7 @@
       </p:sp>
       <p:sp>
         <p:nvSpPr>
-          <p:cNvPr id="7" name="Rectangle 4">
-            <a:extLst>
-              <a:ext uri="{FF2B5EF4-FFF2-40B4-BE49-F238E27FC236}">
-                <a16:creationId xmlns:a16="http://schemas.microsoft.com/office/drawing/2014/main" id="{2E8C2053-5A3D-40EB-B9AC-3BD8A909423D}"/>
-              </a:ext>
-            </a:extLst>
-          </p:cNvPr>
+          <p:cNvPr id="7" name="Rectangle 4"/>
           <p:cNvSpPr>
             <a:spLocks noGrp="1" noChangeArrowheads="1"/>
           </p:cNvSpPr>
@@ -2721,13 +5221,7 @@
       </p:sp>
       <p:sp>
         <p:nvSpPr>
-          <p:cNvPr id="8" name="Rectangle 5">
-            <a:extLst>
-              <a:ext uri="{FF2B5EF4-FFF2-40B4-BE49-F238E27FC236}">
-                <a16:creationId xmlns:a16="http://schemas.microsoft.com/office/drawing/2014/main" id="{5605EEB6-8CA6-4D59-9143-0F40D808003A}"/>
-              </a:ext>
-            </a:extLst>
-          </p:cNvPr>
+          <p:cNvPr id="8" name="Rectangle 5"/>
           <p:cNvSpPr>
             <a:spLocks noGrp="1" noChangeArrowheads="1"/>
           </p:cNvSpPr>
@@ -2755,13 +5249,7 @@
       </p:sp>
       <p:sp>
         <p:nvSpPr>
-          <p:cNvPr id="9" name="Rectangle 6">
-            <a:extLst>
-              <a:ext uri="{FF2B5EF4-FFF2-40B4-BE49-F238E27FC236}">
-                <a16:creationId xmlns:a16="http://schemas.microsoft.com/office/drawing/2014/main" id="{AB0A8F04-D998-49E7-B076-ABF67E1F5E89}"/>
-              </a:ext>
-            </a:extLst>
-          </p:cNvPr>
+          <p:cNvPr id="9" name="Rectangle 6"/>
           <p:cNvSpPr>
             <a:spLocks noGrp="1" noChangeArrowheads="1"/>
           </p:cNvSpPr>
@@ -2783,7 +5271,7 @@
             <a:pPr>
               <a:defRPr/>
             </a:pPr>
-            <a:fld id="{3E33353E-9B0F-40F5-8CBF-0F094636E2A9}" type="slidenum">
+            <a:fld id="{3EE84C29-56C0-44BD-8074-F04574D373B4}" type="slidenum">
               <a:rPr lang="en-US" altLang="en-US"/>
               <a:pPr>
                 <a:defRPr/>
@@ -2797,7 +5285,7 @@
     </p:spTree>
     <p:extLst>
       <p:ext uri="{BB962C8B-B14F-4D97-AF65-F5344CB8AC3E}">
-        <p14:creationId xmlns:p14="http://schemas.microsoft.com/office/powerpoint/2010/main" val="991105417"/>
+        <p14:creationId xmlns:p14="http://schemas.microsoft.com/office/powerpoint/2010/main" val="1199474208"/>
       </p:ext>
     </p:extLst>
   </p:cSld>
@@ -2848,13 +5336,7 @@
       </p:sp>
       <p:sp>
         <p:nvSpPr>
-          <p:cNvPr id="3" name="Rectangle 4">
-            <a:extLst>
-              <a:ext uri="{FF2B5EF4-FFF2-40B4-BE49-F238E27FC236}">
-                <a16:creationId xmlns:a16="http://schemas.microsoft.com/office/drawing/2014/main" id="{45F2995E-A961-4296-A56C-DF889AF6EBEF}"/>
-              </a:ext>
-            </a:extLst>
-          </p:cNvPr>
+          <p:cNvPr id="3" name="Rectangle 4"/>
           <p:cNvSpPr>
             <a:spLocks noGrp="1" noChangeArrowheads="1"/>
           </p:cNvSpPr>
@@ -2882,13 +5364,7 @@
       </p:sp>
       <p:sp>
         <p:nvSpPr>
-          <p:cNvPr id="4" name="Rectangle 5">
-            <a:extLst>
-              <a:ext uri="{FF2B5EF4-FFF2-40B4-BE49-F238E27FC236}">
-                <a16:creationId xmlns:a16="http://schemas.microsoft.com/office/drawing/2014/main" id="{78298FBC-B67D-4462-9D05-1A1EEECB2433}"/>
-              </a:ext>
-            </a:extLst>
-          </p:cNvPr>
+          <p:cNvPr id="4" name="Rectangle 5"/>
           <p:cNvSpPr>
             <a:spLocks noGrp="1" noChangeArrowheads="1"/>
           </p:cNvSpPr>
@@ -2916,13 +5392,7 @@
       </p:sp>
       <p:sp>
         <p:nvSpPr>
-          <p:cNvPr id="5" name="Rectangle 6">
-            <a:extLst>
-              <a:ext uri="{FF2B5EF4-FFF2-40B4-BE49-F238E27FC236}">
-                <a16:creationId xmlns:a16="http://schemas.microsoft.com/office/drawing/2014/main" id="{9D76F3D0-6CDF-4046-980A-DAB155C2B6CF}"/>
-              </a:ext>
-            </a:extLst>
-          </p:cNvPr>
+          <p:cNvPr id="5" name="Rectangle 6"/>
           <p:cNvSpPr>
             <a:spLocks noGrp="1" noChangeArrowheads="1"/>
           </p:cNvSpPr>
@@ -2944,7 +5414,7 @@
             <a:pPr>
               <a:defRPr/>
             </a:pPr>
-            <a:fld id="{7143E293-550B-410D-A83D-DF66DEFB104E}" type="slidenum">
+            <a:fld id="{70D929BA-790B-4E3C-B4D0-EEEB79864D71}" type="slidenum">
               <a:rPr lang="en-US" altLang="en-US"/>
               <a:pPr>
                 <a:defRPr/>
@@ -2958,7 +5428,7 @@
     </p:spTree>
     <p:extLst>
       <p:ext uri="{BB962C8B-B14F-4D97-AF65-F5344CB8AC3E}">
-        <p14:creationId xmlns:p14="http://schemas.microsoft.com/office/powerpoint/2010/main" val="459874089"/>
+        <p14:creationId xmlns:p14="http://schemas.microsoft.com/office/powerpoint/2010/main" val="1374823143"/>
       </p:ext>
     </p:extLst>
   </p:cSld>
@@ -2987,13 +5457,7 @@
       </p:grpSpPr>
       <p:sp>
         <p:nvSpPr>
-          <p:cNvPr id="2" name="Rectangle 4">
-            <a:extLst>
-              <a:ext uri="{FF2B5EF4-FFF2-40B4-BE49-F238E27FC236}">
-                <a16:creationId xmlns:a16="http://schemas.microsoft.com/office/drawing/2014/main" id="{76CBF49D-A42C-4A67-B56D-7B72934E1F3E}"/>
-              </a:ext>
-            </a:extLst>
-          </p:cNvPr>
+          <p:cNvPr id="2" name="Rectangle 4"/>
           <p:cNvSpPr>
             <a:spLocks noGrp="1" noChangeArrowheads="1"/>
           </p:cNvSpPr>
@@ -3021,13 +5485,7 @@
       </p:sp>
       <p:sp>
         <p:nvSpPr>
-          <p:cNvPr id="3" name="Rectangle 5">
-            <a:extLst>
-              <a:ext uri="{FF2B5EF4-FFF2-40B4-BE49-F238E27FC236}">
-                <a16:creationId xmlns:a16="http://schemas.microsoft.com/office/drawing/2014/main" id="{43A5E313-561B-4E25-8934-FA69B9D2890A}"/>
-              </a:ext>
-            </a:extLst>
-          </p:cNvPr>
+          <p:cNvPr id="3" name="Rectangle 5"/>
           <p:cNvSpPr>
             <a:spLocks noGrp="1" noChangeArrowheads="1"/>
           </p:cNvSpPr>
@@ -3055,13 +5513,7 @@
       </p:sp>
       <p:sp>
         <p:nvSpPr>
-          <p:cNvPr id="4" name="Rectangle 6">
-            <a:extLst>
-              <a:ext uri="{FF2B5EF4-FFF2-40B4-BE49-F238E27FC236}">
-                <a16:creationId xmlns:a16="http://schemas.microsoft.com/office/drawing/2014/main" id="{5BE82DD1-A59B-4590-9FB1-4742215E755D}"/>
-              </a:ext>
-            </a:extLst>
-          </p:cNvPr>
+          <p:cNvPr id="4" name="Rectangle 6"/>
           <p:cNvSpPr>
             <a:spLocks noGrp="1" noChangeArrowheads="1"/>
           </p:cNvSpPr>
@@ -3083,7 +5535,7 @@
             <a:pPr>
               <a:defRPr/>
             </a:pPr>
-            <a:fld id="{2A7BEC8D-8C90-4EA9-A81B-355F03AFE0D3}" type="slidenum">
+            <a:fld id="{C8F72B92-B3C0-4605-9B1F-7B2FA5CABE4E}" type="slidenum">
               <a:rPr lang="en-US" altLang="en-US"/>
               <a:pPr>
                 <a:defRPr/>
@@ -3097,7 +5549,7 @@
     </p:spTree>
     <p:extLst>
       <p:ext uri="{BB962C8B-B14F-4D97-AF65-F5344CB8AC3E}">
-        <p14:creationId xmlns:p14="http://schemas.microsoft.com/office/powerpoint/2010/main" val="3740483240"/>
+        <p14:creationId xmlns:p14="http://schemas.microsoft.com/office/powerpoint/2010/main" val="4040731189"/>
       </p:ext>
     </p:extLst>
   </p:cSld>
@@ -3306,13 +5758,7 @@
       </p:sp>
       <p:sp>
         <p:nvSpPr>
-          <p:cNvPr id="5" name="Rectangle 4">
-            <a:extLst>
-              <a:ext uri="{FF2B5EF4-FFF2-40B4-BE49-F238E27FC236}">
-                <a16:creationId xmlns:a16="http://schemas.microsoft.com/office/drawing/2014/main" id="{78101BC1-0B77-4CBF-A615-B4B0ED8E1E0A}"/>
-              </a:ext>
-            </a:extLst>
-          </p:cNvPr>
+          <p:cNvPr id="5" name="Rectangle 4"/>
           <p:cNvSpPr>
             <a:spLocks noGrp="1" noChangeArrowheads="1"/>
           </p:cNvSpPr>
@@ -3340,13 +5786,7 @@
       </p:sp>
       <p:sp>
         <p:nvSpPr>
-          <p:cNvPr id="6" name="Rectangle 5">
-            <a:extLst>
-              <a:ext uri="{FF2B5EF4-FFF2-40B4-BE49-F238E27FC236}">
-                <a16:creationId xmlns:a16="http://schemas.microsoft.com/office/drawing/2014/main" id="{6BDADE1C-F1F9-414A-B0FD-B25627474692}"/>
-              </a:ext>
-            </a:extLst>
-          </p:cNvPr>
+          <p:cNvPr id="6" name="Rectangle 5"/>
           <p:cNvSpPr>
             <a:spLocks noGrp="1" noChangeArrowheads="1"/>
           </p:cNvSpPr>
@@ -3374,13 +5814,7 @@
       </p:sp>
       <p:sp>
         <p:nvSpPr>
-          <p:cNvPr id="7" name="Rectangle 6">
-            <a:extLst>
-              <a:ext uri="{FF2B5EF4-FFF2-40B4-BE49-F238E27FC236}">
-                <a16:creationId xmlns:a16="http://schemas.microsoft.com/office/drawing/2014/main" id="{70E2F06C-BD4B-4836-93AE-2EBE705DE6E9}"/>
-              </a:ext>
-            </a:extLst>
-          </p:cNvPr>
+          <p:cNvPr id="7" name="Rectangle 6"/>
           <p:cNvSpPr>
             <a:spLocks noGrp="1" noChangeArrowheads="1"/>
           </p:cNvSpPr>
@@ -3402,7 +5836,7 @@
             <a:pPr>
               <a:defRPr/>
             </a:pPr>
-            <a:fld id="{DDD0EE21-7F0C-44D2-A709-62DF70E8FE62}" type="slidenum">
+            <a:fld id="{61474EEC-9AAE-4D28-87F4-2A4F91C3DF51}" type="slidenum">
               <a:rPr lang="en-US" altLang="en-US"/>
               <a:pPr>
                 <a:defRPr/>
@@ -3416,7 +5850,7 @@
     </p:spTree>
     <p:extLst>
       <p:ext uri="{BB962C8B-B14F-4D97-AF65-F5344CB8AC3E}">
-        <p14:creationId xmlns:p14="http://schemas.microsoft.com/office/powerpoint/2010/main" val="4224872174"/>
+        <p14:creationId xmlns:p14="http://schemas.microsoft.com/office/powerpoint/2010/main" val="2423357994"/>
       </p:ext>
     </p:extLst>
   </p:cSld>
@@ -3603,13 +6037,7 @@
       </p:sp>
       <p:sp>
         <p:nvSpPr>
-          <p:cNvPr id="5" name="Rectangle 4">
-            <a:extLst>
-              <a:ext uri="{FF2B5EF4-FFF2-40B4-BE49-F238E27FC236}">
-                <a16:creationId xmlns:a16="http://schemas.microsoft.com/office/drawing/2014/main" id="{43691415-D4E8-4248-8E87-C9A7D463415D}"/>
-              </a:ext>
-            </a:extLst>
-          </p:cNvPr>
+          <p:cNvPr id="5" name="Rectangle 4"/>
           <p:cNvSpPr>
             <a:spLocks noGrp="1" noChangeArrowheads="1"/>
           </p:cNvSpPr>
@@ -3637,13 +6065,7 @@
       </p:sp>
       <p:sp>
         <p:nvSpPr>
-          <p:cNvPr id="6" name="Rectangle 5">
-            <a:extLst>
-              <a:ext uri="{FF2B5EF4-FFF2-40B4-BE49-F238E27FC236}">
-                <a16:creationId xmlns:a16="http://schemas.microsoft.com/office/drawing/2014/main" id="{D5524184-192A-4B59-94F2-A1B69B255115}"/>
-              </a:ext>
-            </a:extLst>
-          </p:cNvPr>
+          <p:cNvPr id="6" name="Rectangle 5"/>
           <p:cNvSpPr>
             <a:spLocks noGrp="1" noChangeArrowheads="1"/>
           </p:cNvSpPr>
@@ -3671,13 +6093,7 @@
       </p:sp>
       <p:sp>
         <p:nvSpPr>
-          <p:cNvPr id="7" name="Rectangle 6">
-            <a:extLst>
-              <a:ext uri="{FF2B5EF4-FFF2-40B4-BE49-F238E27FC236}">
-                <a16:creationId xmlns:a16="http://schemas.microsoft.com/office/drawing/2014/main" id="{95901427-8F9C-4648-B151-5459CA19762A}"/>
-              </a:ext>
-            </a:extLst>
-          </p:cNvPr>
+          <p:cNvPr id="7" name="Rectangle 6"/>
           <p:cNvSpPr>
             <a:spLocks noGrp="1" noChangeArrowheads="1"/>
           </p:cNvSpPr>
@@ -3699,7 +6115,7 @@
             <a:pPr>
               <a:defRPr/>
             </a:pPr>
-            <a:fld id="{C19CF99D-4E64-410D-BF61-EE8B29D3B7DA}" type="slidenum">
+            <a:fld id="{4EB9DFCF-4B14-419F-AFB2-B8A090D541E6}" type="slidenum">
               <a:rPr lang="en-US" altLang="en-US"/>
               <a:pPr>
                 <a:defRPr/>
@@ -3713,7 +6129,7 @@
     </p:spTree>
     <p:extLst>
       <p:ext uri="{BB962C8B-B14F-4D97-AF65-F5344CB8AC3E}">
-        <p14:creationId xmlns:p14="http://schemas.microsoft.com/office/powerpoint/2010/main" val="446750263"/>
+        <p14:creationId xmlns:p14="http://schemas.microsoft.com/office/powerpoint/2010/main" val="1675978946"/>
       </p:ext>
     </p:extLst>
   </p:cSld>
@@ -3750,13 +6166,7 @@
       </p:grpSpPr>
       <p:sp>
         <p:nvSpPr>
-          <p:cNvPr id="1026" name="Rectangle 2">
-            <a:extLst>
-              <a:ext uri="{FF2B5EF4-FFF2-40B4-BE49-F238E27FC236}">
-                <a16:creationId xmlns:a16="http://schemas.microsoft.com/office/drawing/2014/main" id="{1022983D-15BD-46FA-B538-EE4118AC9DB6}"/>
-              </a:ext>
-            </a:extLst>
-          </p:cNvPr>
+          <p:cNvPr id="1026" name="Rectangle 2"/>
           <p:cNvSpPr>
             <a:spLocks noGrp="1" noChangeArrowheads="1"/>
           </p:cNvSpPr>
@@ -3814,13 +6224,7 @@
       </p:sp>
       <p:sp>
         <p:nvSpPr>
-          <p:cNvPr id="1027" name="Rectangle 3">
-            <a:extLst>
-              <a:ext uri="{FF2B5EF4-FFF2-40B4-BE49-F238E27FC236}">
-                <a16:creationId xmlns:a16="http://schemas.microsoft.com/office/drawing/2014/main" id="{AB0348C4-0994-44EA-8AF9-D6FFBE130F85}"/>
-              </a:ext>
-            </a:extLst>
-          </p:cNvPr>
+          <p:cNvPr id="1027" name="Rectangle 3"/>
           <p:cNvSpPr>
             <a:spLocks noGrp="1" noChangeArrowheads="1"/>
           </p:cNvSpPr>
@@ -3906,13 +6310,7 @@
       </p:sp>
       <p:sp>
         <p:nvSpPr>
-          <p:cNvPr id="1028" name="Rectangle 4">
-            <a:extLst>
-              <a:ext uri="{FF2B5EF4-FFF2-40B4-BE49-F238E27FC236}">
-                <a16:creationId xmlns:a16="http://schemas.microsoft.com/office/drawing/2014/main" id="{1974F34E-072D-45DC-A2AA-B45DA6DA456D}"/>
-              </a:ext>
-            </a:extLst>
-          </p:cNvPr>
+          <p:cNvPr id="1028" name="Rectangle 4"/>
           <p:cNvSpPr>
             <a:spLocks noGrp="1" noChangeArrowheads="1"/>
           </p:cNvSpPr>
@@ -3962,13 +6360,7 @@
       </p:sp>
       <p:sp>
         <p:nvSpPr>
-          <p:cNvPr id="1029" name="Rectangle 5">
-            <a:extLst>
-              <a:ext uri="{FF2B5EF4-FFF2-40B4-BE49-F238E27FC236}">
-                <a16:creationId xmlns:a16="http://schemas.microsoft.com/office/drawing/2014/main" id="{E56453D8-EFBA-4EB4-BFA1-F0F9C2146E0E}"/>
-              </a:ext>
-            </a:extLst>
-          </p:cNvPr>
+          <p:cNvPr id="1029" name="Rectangle 5"/>
           <p:cNvSpPr>
             <a:spLocks noGrp="1" noChangeArrowheads="1"/>
           </p:cNvSpPr>
@@ -4018,13 +6410,7 @@
       </p:sp>
       <p:sp>
         <p:nvSpPr>
-          <p:cNvPr id="1030" name="Rectangle 6">
-            <a:extLst>
-              <a:ext uri="{FF2B5EF4-FFF2-40B4-BE49-F238E27FC236}">
-                <a16:creationId xmlns:a16="http://schemas.microsoft.com/office/drawing/2014/main" id="{CF45C809-7177-4A43-9F81-36645AA8403E}"/>
-              </a:ext>
-            </a:extLst>
-          </p:cNvPr>
+          <p:cNvPr id="1030" name="Rectangle 6"/>
           <p:cNvSpPr>
             <a:spLocks noGrp="1" noChangeArrowheads="1"/>
           </p:cNvSpPr>
@@ -4064,7 +6450,7 @@
             <a:pPr>
               <a:defRPr/>
             </a:pPr>
-            <a:fld id="{BE4D73B5-92E7-4BD9-B04F-9B04C5521A7F}" type="slidenum">
+            <a:fld id="{E5262C48-1226-44F2-9E37-833E3973C7B7}" type="slidenum">
               <a:rPr lang="en-US" altLang="en-US"/>
               <a:pPr>
                 <a:defRPr/>
@@ -4483,14 +6869,6 @@
 <file path=ppt/slides/slide1.xml><?xml version="1.0" encoding="utf-8"?>
 <p:sld xmlns:a="http://schemas.openxmlformats.org/drawingml/2006/main" xmlns:r="http://schemas.openxmlformats.org/officeDocument/2006/relationships" xmlns:p="http://schemas.openxmlformats.org/presentationml/2006/main">
   <p:cSld>
-    <p:bg>
-      <p:bgPr>
-        <a:solidFill>
-          <a:schemeClr val="bg1"/>
-        </a:solidFill>
-        <a:effectLst/>
-      </p:bgPr>
-    </p:bg>
     <p:spTree>
       <p:nvGrpSpPr>
         <p:cNvPr id="1" name=""/>
@@ -4505,12 +6883,1260 @@
           <a:chExt cx="0" cy="0"/>
         </a:xfrm>
       </p:grpSpPr>
+      <p:graphicFrame>
+        <p:nvGraphicFramePr>
+          <p:cNvPr id="110" name="Group 29"/>
+          <p:cNvGraphicFramePr>
+            <a:graphicFrameLocks noGrp="1"/>
+          </p:cNvGraphicFramePr>
+          <p:nvPr/>
+        </p:nvGraphicFramePr>
+        <p:xfrm>
+          <a:off x="177800" y="165100"/>
+          <a:ext cx="6997700" cy="3143988"/>
+        </p:xfrm>
+        <a:graphic>
+          <a:graphicData uri="http://schemas.openxmlformats.org/drawingml/2006/table">
+            <a:tbl>
+              <a:tblPr/>
+              <a:tblGrid>
+                <a:gridCol w="1041400">
+                  <a:extLst>
+                    <a:ext uri="{9D8B030D-6E8A-4147-A177-3AD203B41FA5}">
+                      <a16:colId xmlns:a16="http://schemas.microsoft.com/office/drawing/2014/main" val="20000"/>
+                    </a:ext>
+                  </a:extLst>
+                </a:gridCol>
+                <a:gridCol w="2527300">
+                  <a:extLst>
+                    <a:ext uri="{9D8B030D-6E8A-4147-A177-3AD203B41FA5}">
+                      <a16:colId xmlns:a16="http://schemas.microsoft.com/office/drawing/2014/main" val="20001"/>
+                    </a:ext>
+                  </a:extLst>
+                </a:gridCol>
+                <a:gridCol w="2425700">
+                  <a:extLst>
+                    <a:ext uri="{9D8B030D-6E8A-4147-A177-3AD203B41FA5}">
+                      <a16:colId xmlns:a16="http://schemas.microsoft.com/office/drawing/2014/main" val="20002"/>
+                    </a:ext>
+                  </a:extLst>
+                </a:gridCol>
+                <a:gridCol w="1003300">
+                  <a:extLst>
+                    <a:ext uri="{9D8B030D-6E8A-4147-A177-3AD203B41FA5}">
+                      <a16:colId xmlns:a16="http://schemas.microsoft.com/office/drawing/2014/main" val="20003"/>
+                    </a:ext>
+                  </a:extLst>
+                </a:gridCol>
+              </a:tblGrid>
+              <a:tr h="987465">
+                <a:tc>
+                  <a:txBody>
+                    <a:bodyPr/>
+                    <a:lstStyle/>
+                    <a:p>
+                      <a:pPr marL="0" marR="0" lvl="0" indent="0" algn="l" defTabSz="966788" rtl="0" eaLnBrk="1" fontAlgn="base" latinLnBrk="0" hangingPunct="1">
+                        <a:lnSpc>
+                          <a:spcPct val="100000"/>
+                        </a:lnSpc>
+                        <a:spcBef>
+                          <a:spcPct val="20000"/>
+                        </a:spcBef>
+                        <a:spcAft>
+                          <a:spcPct val="0"/>
+                        </a:spcAft>
+                        <a:buClrTx/>
+                        <a:buSzTx/>
+                        <a:buFontTx/>
+                        <a:buNone/>
+                        <a:tabLst/>
+                      </a:pPr>
+                      <a:endParaRPr kumimoji="0" lang="en-US" sz="3000" b="0" i="0" u="none" strike="noStrike" cap="none" normalizeH="0" baseline="0" dirty="0">
+                        <a:ln>
+                          <a:noFill/>
+                        </a:ln>
+                        <a:solidFill>
+                          <a:schemeClr val="tx1"/>
+                        </a:solidFill>
+                        <a:effectLst/>
+                        <a:latin typeface="Arial" charset="0"/>
+                      </a:endParaRPr>
+                    </a:p>
+                  </a:txBody>
+                  <a:tcPr marT="45716" marB="45716" horzOverflow="overflow">
+                    <a:lnL cap="flat">
+                      <a:noFill/>
+                    </a:lnL>
+                    <a:lnR w="28575" cap="flat" cmpd="sng" algn="ctr">
+                      <a:solidFill>
+                        <a:schemeClr val="tx1"/>
+                      </a:solidFill>
+                      <a:prstDash val="solid"/>
+                      <a:round/>
+                      <a:headEnd type="none" w="med" len="med"/>
+                      <a:tailEnd type="none" w="med" len="med"/>
+                    </a:lnR>
+                    <a:lnT cap="flat">
+                      <a:noFill/>
+                    </a:lnT>
+                    <a:lnB w="28575" cap="flat" cmpd="sng" algn="ctr">
+                      <a:solidFill>
+                        <a:schemeClr val="tx1"/>
+                      </a:solidFill>
+                      <a:prstDash val="solid"/>
+                      <a:round/>
+                      <a:headEnd type="none" w="med" len="med"/>
+                      <a:tailEnd type="none" w="med" len="med"/>
+                    </a:lnB>
+                    <a:lnTlToBr>
+                      <a:noFill/>
+                    </a:lnTlToBr>
+                    <a:lnBlToTr>
+                      <a:noFill/>
+                    </a:lnBlToTr>
+                    <a:solidFill>
+                      <a:schemeClr val="bg1"/>
+                    </a:solidFill>
+                  </a:tcPr>
+                </a:tc>
+                <a:tc gridSpan="2">
+                  <a:txBody>
+                    <a:bodyPr/>
+                    <a:lstStyle/>
+                    <a:p>
+                      <a:pPr marL="0" marR="0" lvl="0" indent="0" algn="ctr" defTabSz="966788" rtl="0" eaLnBrk="1" fontAlgn="base" latinLnBrk="0" hangingPunct="1">
+                        <a:lnSpc>
+                          <a:spcPct val="100000"/>
+                        </a:lnSpc>
+                        <a:spcBef>
+                          <a:spcPct val="20000"/>
+                        </a:spcBef>
+                        <a:spcAft>
+                          <a:spcPct val="0"/>
+                        </a:spcAft>
+                        <a:buClrTx/>
+                        <a:buSzTx/>
+                        <a:buFontTx/>
+                        <a:buNone/>
+                        <a:tabLst/>
+                        <a:defRPr/>
+                      </a:pPr>
+                      <a:r>
+                        <a:rPr kumimoji="0" lang="en-US" sz="2000" b="1" i="0" u="none" strike="noStrike" kern="1200" cap="none" spc="0" normalizeH="0" baseline="0" noProof="0" dirty="0">
+                          <a:ln>
+                            <a:noFill/>
+                          </a:ln>
+                          <a:solidFill>
+                            <a:srgbClr val="000000"/>
+                          </a:solidFill>
+                          <a:effectLst/>
+                          <a:uLnTx/>
+                          <a:uFillTx/>
+                          <a:latin typeface="Arial" charset="0"/>
+                          <a:ea typeface="+mn-ea"/>
+                          <a:cs typeface="Times New Roman" charset="0"/>
+                        </a:rPr>
+                        <a:t>Trigger Treat</a:t>
+                      </a:r>
+                    </a:p>
+                    <a:p>
+                      <a:pPr marL="0" marR="0" lvl="0" indent="0" algn="ctr" defTabSz="966788" rtl="0" eaLnBrk="1" fontAlgn="base" latinLnBrk="0" hangingPunct="1">
+                        <a:lnSpc>
+                          <a:spcPct val="100000"/>
+                        </a:lnSpc>
+                        <a:spcBef>
+                          <a:spcPct val="20000"/>
+                        </a:spcBef>
+                        <a:spcAft>
+                          <a:spcPct val="0"/>
+                        </a:spcAft>
+                        <a:buClrTx/>
+                        <a:buSzTx/>
+                        <a:buFontTx/>
+                        <a:buNone/>
+                        <a:tabLst/>
+                        <a:defRPr/>
+                      </a:pPr>
+                      <a:r>
+                        <a:rPr kumimoji="0" lang="en-US" sz="2800" b="1" i="0" u="none" strike="noStrike" kern="1200" cap="none" spc="0" normalizeH="0" baseline="0" noProof="0" dirty="0">
+                          <a:ln>
+                            <a:noFill/>
+                          </a:ln>
+                          <a:solidFill>
+                            <a:srgbClr val="000000"/>
+                          </a:solidFill>
+                          <a:effectLst/>
+                          <a:uLnTx/>
+                          <a:uFillTx/>
+                          <a:latin typeface="Arial" charset="0"/>
+                          <a:ea typeface="+mn-ea"/>
+                          <a:cs typeface="Times New Roman" charset="0"/>
+                        </a:rPr>
+                        <a:t>Bay 5</a:t>
+                      </a:r>
+                    </a:p>
+                    <a:p>
+                      <a:pPr marL="0" marR="0" lvl="0" indent="0" algn="ctr" defTabSz="966788" rtl="0" eaLnBrk="1" fontAlgn="base" latinLnBrk="0" hangingPunct="1">
+                        <a:lnSpc>
+                          <a:spcPct val="100000"/>
+                        </a:lnSpc>
+                        <a:spcBef>
+                          <a:spcPct val="20000"/>
+                        </a:spcBef>
+                        <a:spcAft>
+                          <a:spcPct val="0"/>
+                        </a:spcAft>
+                        <a:buClrTx/>
+                        <a:buSzTx/>
+                        <a:buFontTx/>
+                        <a:buNone/>
+                        <a:tabLst/>
+                        <a:defRPr/>
+                      </a:pPr>
+                      <a:r>
+                        <a:rPr kumimoji="0" lang="en-US" sz="2000" b="1" i="0" u="none" strike="noStrike" kern="1200" cap="none" spc="0" normalizeH="0" baseline="0" noProof="0" dirty="0">
+                          <a:ln>
+                            <a:noFill/>
+                          </a:ln>
+                          <a:solidFill>
+                            <a:srgbClr val="000000"/>
+                          </a:solidFill>
+                          <a:effectLst/>
+                          <a:uLnTx/>
+                          <a:uFillTx/>
+                          <a:latin typeface="Arial" charset="0"/>
+                          <a:ea typeface="+mn-ea"/>
+                          <a:cs typeface="Times New Roman" charset="0"/>
+                        </a:rPr>
+                        <a:t>More Penguin Zombies</a:t>
+                      </a:r>
+                      <a:endParaRPr kumimoji="0" lang="en-US" sz="2000" b="1" i="0" u="none" strike="noStrike" kern="1200" cap="none" spc="0" normalizeH="0" baseline="0" noProof="0" dirty="0">
+                        <a:ln>
+                          <a:noFill/>
+                        </a:ln>
+                        <a:solidFill>
+                          <a:srgbClr val="000000"/>
+                        </a:solidFill>
+                        <a:effectLst/>
+                        <a:uLnTx/>
+                        <a:uFillTx/>
+                        <a:latin typeface="Arial" charset="0"/>
+                        <a:ea typeface="+mn-ea"/>
+                        <a:cs typeface="+mn-cs"/>
+                      </a:endParaRPr>
+                    </a:p>
+                    <a:p>
+                      <a:pPr marL="0" marR="0" lvl="0" indent="0" algn="ctr" defTabSz="966788" rtl="0" eaLnBrk="1" fontAlgn="base" latinLnBrk="0" hangingPunct="1">
+                        <a:lnSpc>
+                          <a:spcPct val="100000"/>
+                        </a:lnSpc>
+                        <a:spcBef>
+                          <a:spcPct val="35000"/>
+                        </a:spcBef>
+                        <a:spcAft>
+                          <a:spcPct val="0"/>
+                        </a:spcAft>
+                        <a:buClrTx/>
+                        <a:buSzTx/>
+                        <a:buFontTx/>
+                        <a:buNone/>
+                        <a:tabLst/>
+                        <a:defRPr/>
+                      </a:pPr>
+                      <a:r>
+                        <a:rPr kumimoji="0" lang="en-US" sz="1200" b="1" i="0" u="none" strike="noStrike" kern="1200" cap="none" spc="0" normalizeH="0" baseline="0" noProof="0" dirty="0">
+                          <a:ln>
+                            <a:noFill/>
+                          </a:ln>
+                          <a:solidFill>
+                            <a:srgbClr val="000000"/>
+                          </a:solidFill>
+                          <a:effectLst/>
+                          <a:uLnTx/>
+                          <a:uFillTx/>
+                          <a:latin typeface="Arial" charset="0"/>
+                          <a:ea typeface="+mn-ea"/>
+                          <a:cs typeface="+mn-cs"/>
+                        </a:rPr>
+                        <a:t>Course Designer: Dave McClure</a:t>
+                      </a:r>
+                    </a:p>
+                  </a:txBody>
+                  <a:tcPr marL="45720" marR="45720" marT="45716" marB="45716" anchor="ctr" horzOverflow="overflow">
+                    <a:lnL w="28575" cap="flat" cmpd="sng" algn="ctr">
+                      <a:solidFill>
+                        <a:schemeClr val="tx1"/>
+                      </a:solidFill>
+                      <a:prstDash val="solid"/>
+                      <a:round/>
+                      <a:headEnd type="none" w="med" len="med"/>
+                      <a:tailEnd type="none" w="med" len="med"/>
+                    </a:lnL>
+                    <a:lnR w="28575" cap="flat" cmpd="sng" algn="ctr">
+                      <a:solidFill>
+                        <a:schemeClr val="tx1"/>
+                      </a:solidFill>
+                      <a:prstDash val="solid"/>
+                      <a:round/>
+                      <a:headEnd type="none" w="med" len="med"/>
+                      <a:tailEnd type="none" w="med" len="med"/>
+                    </a:lnR>
+                    <a:lnT w="28575" cap="flat" cmpd="sng" algn="ctr">
+                      <a:solidFill>
+                        <a:schemeClr val="tx1"/>
+                      </a:solidFill>
+                      <a:prstDash val="solid"/>
+                      <a:round/>
+                      <a:headEnd type="none" w="med" len="med"/>
+                      <a:tailEnd type="none" w="med" len="med"/>
+                    </a:lnT>
+                    <a:lnB w="28575" cap="flat" cmpd="sng" algn="ctr">
+                      <a:solidFill>
+                        <a:schemeClr val="tx1"/>
+                      </a:solidFill>
+                      <a:prstDash val="solid"/>
+                      <a:round/>
+                      <a:headEnd type="none" w="med" len="med"/>
+                      <a:tailEnd type="none" w="med" len="med"/>
+                    </a:lnB>
+                    <a:lnTlToBr>
+                      <a:noFill/>
+                    </a:lnTlToBr>
+                    <a:lnBlToTr>
+                      <a:noFill/>
+                    </a:lnBlToTr>
+                    <a:solidFill>
+                      <a:schemeClr val="bg1"/>
+                    </a:solidFill>
+                  </a:tcPr>
+                </a:tc>
+                <a:tc hMerge="1">
+                  <a:txBody>
+                    <a:bodyPr/>
+                    <a:lstStyle/>
+                    <a:p>
+                      <a:endParaRPr lang="en-US"/>
+                    </a:p>
+                  </a:txBody>
+                  <a:tcPr/>
+                </a:tc>
+                <a:tc>
+                  <a:txBody>
+                    <a:bodyPr/>
+                    <a:lstStyle/>
+                    <a:p>
+                      <a:pPr marL="0" marR="0" lvl="0" indent="0" algn="l" defTabSz="966788" rtl="0" eaLnBrk="1" fontAlgn="base" latinLnBrk="0" hangingPunct="1">
+                        <a:lnSpc>
+                          <a:spcPct val="100000"/>
+                        </a:lnSpc>
+                        <a:spcBef>
+                          <a:spcPct val="20000"/>
+                        </a:spcBef>
+                        <a:spcAft>
+                          <a:spcPct val="0"/>
+                        </a:spcAft>
+                        <a:buClrTx/>
+                        <a:buSzTx/>
+                        <a:buFontTx/>
+                        <a:buNone/>
+                        <a:tabLst/>
+                      </a:pPr>
+                      <a:endParaRPr kumimoji="0" lang="en-US" sz="3000" b="0" i="0" u="none" strike="noStrike" cap="none" normalizeH="0" baseline="0" dirty="0">
+                        <a:ln>
+                          <a:noFill/>
+                        </a:ln>
+                        <a:solidFill>
+                          <a:schemeClr val="tx1"/>
+                        </a:solidFill>
+                        <a:effectLst/>
+                        <a:latin typeface="Arial" charset="0"/>
+                      </a:endParaRPr>
+                    </a:p>
+                  </a:txBody>
+                  <a:tcPr marT="45716" marB="45716" horzOverflow="overflow">
+                    <a:lnL w="28575" cap="flat" cmpd="sng" algn="ctr">
+                      <a:solidFill>
+                        <a:schemeClr val="tx1"/>
+                      </a:solidFill>
+                      <a:prstDash val="solid"/>
+                      <a:round/>
+                      <a:headEnd type="none" w="med" len="med"/>
+                      <a:tailEnd type="none" w="med" len="med"/>
+                    </a:lnL>
+                    <a:lnR cap="flat">
+                      <a:noFill/>
+                    </a:lnR>
+                    <a:lnT cap="flat">
+                      <a:noFill/>
+                    </a:lnT>
+                    <a:lnB w="28575" cap="flat" cmpd="sng" algn="ctr">
+                      <a:solidFill>
+                        <a:schemeClr val="tx1"/>
+                      </a:solidFill>
+                      <a:prstDash val="solid"/>
+                      <a:round/>
+                      <a:headEnd type="none" w="med" len="med"/>
+                      <a:tailEnd type="none" w="med" len="med"/>
+                    </a:lnB>
+                    <a:lnTlToBr>
+                      <a:noFill/>
+                    </a:lnTlToBr>
+                    <a:lnBlToTr>
+                      <a:noFill/>
+                    </a:lnBlToTr>
+                    <a:solidFill>
+                      <a:schemeClr val="bg1"/>
+                    </a:solidFill>
+                  </a:tcPr>
+                </a:tc>
+                <a:extLst>
+                  <a:ext uri="{0D108BD9-81ED-4DB2-BD59-A6C34878D82A}">
+                    <a16:rowId xmlns:a16="http://schemas.microsoft.com/office/drawing/2014/main" val="10000"/>
+                  </a:ext>
+                </a:extLst>
+              </a:tr>
+              <a:tr h="341282">
+                <a:tc gridSpan="4">
+                  <a:txBody>
+                    <a:bodyPr/>
+                    <a:lstStyle/>
+                    <a:p>
+                      <a:pPr marL="0" marR="0" lvl="0" indent="0" algn="l" defTabSz="966788" rtl="0" eaLnBrk="1" fontAlgn="base" latinLnBrk="0" hangingPunct="1">
+                        <a:lnSpc>
+                          <a:spcPct val="90000"/>
+                        </a:lnSpc>
+                        <a:spcBef>
+                          <a:spcPct val="10000"/>
+                        </a:spcBef>
+                        <a:spcAft>
+                          <a:spcPct val="0"/>
+                        </a:spcAft>
+                        <a:buClrTx/>
+                        <a:buSzTx/>
+                        <a:buFontTx/>
+                        <a:buNone/>
+                        <a:tabLst/>
+                      </a:pPr>
+                      <a:r>
+                        <a:rPr kumimoji="0" lang="en-US" sz="1100" b="1" i="0" u="none" strike="noStrike" cap="none" normalizeH="0" baseline="0" dirty="0">
+                          <a:ln>
+                            <a:noFill/>
+                          </a:ln>
+                          <a:solidFill>
+                            <a:schemeClr val="tx1"/>
+                          </a:solidFill>
+                          <a:effectLst/>
+                          <a:latin typeface="Arial" charset="0"/>
+                          <a:cs typeface="Times New Roman" charset="0"/>
+                        </a:rPr>
+                        <a:t>START POSITION:</a:t>
+                      </a:r>
+                      <a:r>
+                        <a:rPr kumimoji="0" lang="en-US" sz="1100" b="0" i="0" u="none" strike="noStrike" cap="none" normalizeH="0" baseline="0" dirty="0">
+                          <a:ln>
+                            <a:noFill/>
+                          </a:ln>
+                          <a:solidFill>
+                            <a:schemeClr val="tx1"/>
+                          </a:solidFill>
+                          <a:effectLst/>
+                          <a:latin typeface="Arial" charset="0"/>
+                          <a:cs typeface="Times New Roman" charset="0"/>
+                        </a:rPr>
+                        <a:t> Standing outside the shooting area, toes touching marks, </a:t>
+                      </a:r>
+                      <a:r>
+                        <a:rPr lang="en-US" sz="1100" dirty="0"/>
+                        <a:t>wrists below belt</a:t>
+                      </a:r>
+                      <a:r>
+                        <a:rPr kumimoji="0" lang="en-US" sz="1100" b="0" i="0" u="none" strike="noStrike" cap="none" normalizeH="0" baseline="0" dirty="0">
+                          <a:ln>
+                            <a:noFill/>
+                          </a:ln>
+                          <a:solidFill>
+                            <a:schemeClr val="tx1"/>
+                          </a:solidFill>
+                          <a:effectLst/>
+                          <a:latin typeface="Arial" charset="0"/>
+                          <a:cs typeface="Times New Roman" charset="0"/>
+                        </a:rPr>
+                        <a:t>, facing anywhere downrange. Gun loaded and holstered.</a:t>
+                      </a:r>
+                    </a:p>
+                    <a:p>
+                      <a:pPr marL="0" marR="0" lvl="0" indent="0" algn="l" defTabSz="966788" rtl="0" eaLnBrk="1" fontAlgn="base" latinLnBrk="0" hangingPunct="1">
+                        <a:lnSpc>
+                          <a:spcPct val="90000"/>
+                        </a:lnSpc>
+                        <a:spcBef>
+                          <a:spcPct val="10000"/>
+                        </a:spcBef>
+                        <a:spcAft>
+                          <a:spcPct val="0"/>
+                        </a:spcAft>
+                        <a:buClrTx/>
+                        <a:buSzTx/>
+                        <a:buFontTx/>
+                        <a:buNone/>
+                        <a:tabLst/>
+                      </a:pPr>
+                      <a:endParaRPr kumimoji="0" lang="en-US" sz="1100" b="0" i="0" u="none" strike="noStrike" cap="none" normalizeH="0" baseline="0" dirty="0">
+                        <a:ln>
+                          <a:noFill/>
+                        </a:ln>
+                        <a:solidFill>
+                          <a:schemeClr val="tx1"/>
+                        </a:solidFill>
+                        <a:effectLst/>
+                        <a:latin typeface="Arial" charset="0"/>
+                        <a:cs typeface="Times New Roman" charset="0"/>
+                      </a:endParaRPr>
+                    </a:p>
+                    <a:p>
+                      <a:pPr marL="0" marR="0" lvl="0" indent="0" algn="l" defTabSz="966788" rtl="0" eaLnBrk="1" fontAlgn="base" latinLnBrk="0" hangingPunct="1">
+                        <a:lnSpc>
+                          <a:spcPct val="90000"/>
+                        </a:lnSpc>
+                        <a:spcBef>
+                          <a:spcPct val="10000"/>
+                        </a:spcBef>
+                        <a:spcAft>
+                          <a:spcPct val="0"/>
+                        </a:spcAft>
+                        <a:buClrTx/>
+                        <a:buSzTx/>
+                        <a:buFontTx/>
+                        <a:buNone/>
+                        <a:tabLst/>
+                        <a:defRPr/>
+                      </a:pPr>
+                      <a:r>
+                        <a:rPr kumimoji="0" lang="en-US" sz="1100" b="1" i="0" u="none" strike="noStrike" cap="none" normalizeH="0" baseline="0" dirty="0">
+                          <a:ln>
+                            <a:noFill/>
+                          </a:ln>
+                          <a:solidFill>
+                            <a:schemeClr val="tx1"/>
+                          </a:solidFill>
+                          <a:effectLst/>
+                          <a:latin typeface="Arial" charset="0"/>
+                          <a:cs typeface="Times New Roman" charset="0"/>
+                        </a:rPr>
+                        <a:t>PCC: </a:t>
+                      </a:r>
+                      <a:r>
+                        <a:rPr kumimoji="0" lang="en-US" sz="1100" b="0" i="0" u="none" strike="noStrike" cap="none" normalizeH="0" baseline="0" dirty="0">
+                          <a:ln>
+                            <a:noFill/>
+                          </a:ln>
+                          <a:solidFill>
+                            <a:schemeClr val="tx1"/>
+                          </a:solidFill>
+                          <a:effectLst/>
+                          <a:latin typeface="Arial" charset="0"/>
+                          <a:cs typeface="Times New Roman" charset="0"/>
+                        </a:rPr>
+                        <a:t>Standing outside the shooting area, toes touching marks, facing anywhere downrange. Gun loaded, stock touching belt, muzzle pointed anywhere downrange.</a:t>
+                      </a:r>
+                    </a:p>
+                  </a:txBody>
+                  <a:tcPr marL="18288" marR="18288" marT="36572" marB="36572" horzOverflow="overflow">
+                    <a:lnL w="28575" cap="flat" cmpd="sng" algn="ctr">
+                      <a:solidFill>
+                        <a:schemeClr val="tx1"/>
+                      </a:solidFill>
+                      <a:prstDash val="solid"/>
+                      <a:round/>
+                      <a:headEnd type="none" w="med" len="med"/>
+                      <a:tailEnd type="none" w="med" len="med"/>
+                    </a:lnL>
+                    <a:lnR w="28575" cap="flat" cmpd="sng" algn="ctr">
+                      <a:solidFill>
+                        <a:schemeClr val="tx1"/>
+                      </a:solidFill>
+                      <a:prstDash val="solid"/>
+                      <a:round/>
+                      <a:headEnd type="none" w="med" len="med"/>
+                      <a:tailEnd type="none" w="med" len="med"/>
+                    </a:lnR>
+                    <a:lnT w="28575" cap="flat" cmpd="sng" algn="ctr">
+                      <a:solidFill>
+                        <a:schemeClr val="tx1"/>
+                      </a:solidFill>
+                      <a:prstDash val="solid"/>
+                      <a:round/>
+                      <a:headEnd type="none" w="med" len="med"/>
+                      <a:tailEnd type="none" w="med" len="med"/>
+                    </a:lnT>
+                    <a:lnB w="28575" cap="flat" cmpd="sng" algn="ctr">
+                      <a:solidFill>
+                        <a:schemeClr val="tx1"/>
+                      </a:solidFill>
+                      <a:prstDash val="solid"/>
+                      <a:round/>
+                      <a:headEnd type="none" w="med" len="med"/>
+                      <a:tailEnd type="none" w="med" len="med"/>
+                    </a:lnB>
+                    <a:lnTlToBr>
+                      <a:noFill/>
+                    </a:lnTlToBr>
+                    <a:lnBlToTr>
+                      <a:noFill/>
+                    </a:lnBlToTr>
+                    <a:solidFill>
+                      <a:schemeClr val="bg1"/>
+                    </a:solidFill>
+                  </a:tcPr>
+                </a:tc>
+                <a:tc hMerge="1">
+                  <a:txBody>
+                    <a:bodyPr/>
+                    <a:lstStyle/>
+                    <a:p>
+                      <a:endParaRPr lang="en-US"/>
+                    </a:p>
+                  </a:txBody>
+                  <a:tcPr/>
+                </a:tc>
+                <a:tc hMerge="1">
+                  <a:txBody>
+                    <a:bodyPr/>
+                    <a:lstStyle/>
+                    <a:p>
+                      <a:endParaRPr lang="en-US"/>
+                    </a:p>
+                  </a:txBody>
+                  <a:tcPr/>
+                </a:tc>
+                <a:tc hMerge="1">
+                  <a:txBody>
+                    <a:bodyPr/>
+                    <a:lstStyle/>
+                    <a:p>
+                      <a:endParaRPr lang="en-US"/>
+                    </a:p>
+                  </a:txBody>
+                  <a:tcPr/>
+                </a:tc>
+                <a:extLst>
+                  <a:ext uri="{0D108BD9-81ED-4DB2-BD59-A6C34878D82A}">
+                    <a16:rowId xmlns:a16="http://schemas.microsoft.com/office/drawing/2014/main" val="10001"/>
+                  </a:ext>
+                </a:extLst>
+              </a:tr>
+              <a:tr h="761991">
+                <a:tc gridSpan="2">
+                  <a:txBody>
+                    <a:bodyPr/>
+                    <a:lstStyle/>
+                    <a:p>
+                      <a:pPr marL="0" marR="0" lvl="0" indent="0" algn="l" defTabSz="966788" rtl="0" eaLnBrk="1" fontAlgn="base" latinLnBrk="0" hangingPunct="1">
+                        <a:lnSpc>
+                          <a:spcPct val="100000"/>
+                        </a:lnSpc>
+                        <a:spcBef>
+                          <a:spcPct val="20000"/>
+                        </a:spcBef>
+                        <a:spcAft>
+                          <a:spcPct val="0"/>
+                        </a:spcAft>
+                        <a:buClrTx/>
+                        <a:buSzTx/>
+                        <a:buFontTx/>
+                        <a:buNone/>
+                        <a:tabLst/>
+                      </a:pPr>
+                      <a:r>
+                        <a:rPr kumimoji="0" lang="en-US" sz="1100" b="1" i="0" u="none" strike="noStrike" cap="none" normalizeH="0" baseline="0" dirty="0">
+                          <a:ln>
+                            <a:noFill/>
+                          </a:ln>
+                          <a:solidFill>
+                            <a:schemeClr val="tx1"/>
+                          </a:solidFill>
+                          <a:effectLst/>
+                          <a:latin typeface="Arial" charset="0"/>
+                          <a:cs typeface="Times New Roman" charset="0"/>
+                        </a:rPr>
+                        <a:t>STAGE PROCEDURE: </a:t>
+                      </a:r>
+                      <a:r>
+                        <a:rPr kumimoji="0" lang="en-US" sz="1100" b="0" i="0" u="none" strike="noStrike" cap="none" normalizeH="0" baseline="0" dirty="0">
+                          <a:ln>
+                            <a:noFill/>
+                          </a:ln>
+                          <a:solidFill>
+                            <a:schemeClr val="tx1"/>
+                          </a:solidFill>
+                          <a:effectLst/>
+                          <a:latin typeface="Arial" charset="0"/>
+                          <a:cs typeface="Times New Roman" charset="0"/>
+                        </a:rPr>
+                        <a:t>At start signal, engage targets as they become visible from within the shooting area.</a:t>
+                      </a:r>
+                    </a:p>
+                  </a:txBody>
+                  <a:tcPr marL="45720" marR="45720" marT="45716" marB="45716" horzOverflow="overflow">
+                    <a:lnL w="28575" cap="flat" cmpd="sng" algn="ctr">
+                      <a:solidFill>
+                        <a:schemeClr val="tx1"/>
+                      </a:solidFill>
+                      <a:prstDash val="solid"/>
+                      <a:round/>
+                      <a:headEnd type="none" w="med" len="med"/>
+                      <a:tailEnd type="none" w="med" len="med"/>
+                    </a:lnL>
+                    <a:lnR w="28575" cap="flat" cmpd="sng" algn="ctr">
+                      <a:solidFill>
+                        <a:schemeClr val="tx1"/>
+                      </a:solidFill>
+                      <a:prstDash val="solid"/>
+                      <a:round/>
+                      <a:headEnd type="none" w="med" len="med"/>
+                      <a:tailEnd type="none" w="med" len="med"/>
+                    </a:lnR>
+                    <a:lnT w="28575" cap="flat" cmpd="sng" algn="ctr">
+                      <a:solidFill>
+                        <a:schemeClr val="tx1"/>
+                      </a:solidFill>
+                      <a:prstDash val="solid"/>
+                      <a:round/>
+                      <a:headEnd type="none" w="med" len="med"/>
+                      <a:tailEnd type="none" w="med" len="med"/>
+                    </a:lnT>
+                    <a:lnB w="28575" cap="flat" cmpd="sng" algn="ctr">
+                      <a:solidFill>
+                        <a:schemeClr val="tx1"/>
+                      </a:solidFill>
+                      <a:prstDash val="solid"/>
+                      <a:round/>
+                      <a:headEnd type="none" w="med" len="med"/>
+                      <a:tailEnd type="none" w="med" len="med"/>
+                    </a:lnB>
+                    <a:lnTlToBr>
+                      <a:noFill/>
+                    </a:lnTlToBr>
+                    <a:lnBlToTr>
+                      <a:noFill/>
+                    </a:lnBlToTr>
+                    <a:solidFill>
+                      <a:schemeClr val="bg1"/>
+                    </a:solidFill>
+                  </a:tcPr>
+                </a:tc>
+                <a:tc hMerge="1">
+                  <a:txBody>
+                    <a:bodyPr/>
+                    <a:lstStyle/>
+                    <a:p>
+                      <a:endParaRPr lang="en-US"/>
+                    </a:p>
+                  </a:txBody>
+                  <a:tcPr/>
+                </a:tc>
+                <a:tc gridSpan="2">
+                  <a:txBody>
+                    <a:bodyPr/>
+                    <a:lstStyle/>
+                    <a:p>
+                      <a:pPr marL="0" marR="0" lvl="0" indent="0" algn="l" defTabSz="966788" rtl="0" eaLnBrk="0" fontAlgn="base" latinLnBrk="0" hangingPunct="0">
+                        <a:lnSpc>
+                          <a:spcPct val="100000"/>
+                        </a:lnSpc>
+                        <a:spcBef>
+                          <a:spcPct val="0"/>
+                        </a:spcBef>
+                        <a:spcAft>
+                          <a:spcPct val="0"/>
+                        </a:spcAft>
+                        <a:buClrTx/>
+                        <a:buSzTx/>
+                        <a:buFontTx/>
+                        <a:buNone/>
+                        <a:tabLst/>
+                      </a:pPr>
+                      <a:r>
+                        <a:rPr kumimoji="0" lang="en-US" sz="1100" b="1" i="0" u="none" strike="noStrike" cap="none" normalizeH="0" baseline="0" dirty="0">
+                          <a:ln>
+                            <a:noFill/>
+                          </a:ln>
+                          <a:solidFill>
+                            <a:schemeClr val="tx1"/>
+                          </a:solidFill>
+                          <a:effectLst/>
+                          <a:latin typeface="Arial" charset="0"/>
+                          <a:cs typeface="Times New Roman" charset="0"/>
+                        </a:rPr>
+                        <a:t>SCORING:          </a:t>
+                      </a:r>
+                      <a:r>
+                        <a:rPr kumimoji="0" lang="en-US" sz="1100" b="0" i="0" u="none" strike="noStrike" cap="none" normalizeH="0" baseline="0" dirty="0">
+                          <a:ln>
+                            <a:noFill/>
+                          </a:ln>
+                          <a:solidFill>
+                            <a:schemeClr val="tx1"/>
+                          </a:solidFill>
+                          <a:effectLst/>
+                          <a:latin typeface="Arial" charset="0"/>
+                          <a:cs typeface="Times New Roman" charset="0"/>
+                        </a:rPr>
+                        <a:t>Comstock, </a:t>
+                      </a:r>
+                      <a:r>
+                        <a:rPr kumimoji="0" lang="en-US" sz="1100" b="0" i="0" u="none" strike="noStrike" cap="none" normalizeH="0" baseline="0">
+                          <a:ln>
+                            <a:noFill/>
+                          </a:ln>
+                          <a:solidFill>
+                            <a:schemeClr val="tx1"/>
+                          </a:solidFill>
+                          <a:effectLst/>
+                          <a:latin typeface="Arial" charset="0"/>
+                          <a:cs typeface="Times New Roman" charset="0"/>
+                        </a:rPr>
+                        <a:t>28 rounds, 140 points</a:t>
+                      </a:r>
+                      <a:endParaRPr kumimoji="0" lang="en-US" sz="1100" b="0" i="0" u="none" strike="noStrike" cap="none" normalizeH="0" baseline="0" dirty="0">
+                        <a:ln>
+                          <a:noFill/>
+                        </a:ln>
+                        <a:solidFill>
+                          <a:schemeClr val="tx1"/>
+                        </a:solidFill>
+                        <a:effectLst/>
+                        <a:latin typeface="Arial" charset="0"/>
+                        <a:cs typeface="Times New Roman" charset="0"/>
+                      </a:endParaRPr>
+                    </a:p>
+                    <a:p>
+                      <a:pPr marL="0" marR="0" lvl="0" indent="0" algn="l" defTabSz="966788" rtl="0" eaLnBrk="0" fontAlgn="base" latinLnBrk="0" hangingPunct="0">
+                        <a:lnSpc>
+                          <a:spcPct val="100000"/>
+                        </a:lnSpc>
+                        <a:spcBef>
+                          <a:spcPct val="0"/>
+                        </a:spcBef>
+                        <a:spcAft>
+                          <a:spcPct val="0"/>
+                        </a:spcAft>
+                        <a:buClrTx/>
+                        <a:buSzTx/>
+                        <a:buFontTx/>
+                        <a:buNone/>
+                        <a:tabLst/>
+                      </a:pPr>
+                      <a:r>
+                        <a:rPr kumimoji="0" lang="en-US" sz="1100" b="1" i="0" u="none" strike="noStrike" cap="none" normalizeH="0" baseline="0" dirty="0">
+                          <a:ln>
+                            <a:noFill/>
+                          </a:ln>
+                          <a:solidFill>
+                            <a:schemeClr val="tx1"/>
+                          </a:solidFill>
+                          <a:effectLst/>
+                          <a:latin typeface="Arial" charset="0"/>
+                          <a:cs typeface="Times New Roman" charset="0"/>
+                        </a:rPr>
+                        <a:t>TARGETS:</a:t>
+                      </a:r>
+                      <a:r>
+                        <a:rPr kumimoji="0" lang="en-US" sz="1100" b="0" i="0" u="none" strike="noStrike" cap="none" normalizeH="0" baseline="0" dirty="0">
+                          <a:ln>
+                            <a:noFill/>
+                          </a:ln>
+                          <a:solidFill>
+                            <a:schemeClr val="tx1"/>
+                          </a:solidFill>
+                          <a:effectLst/>
+                          <a:latin typeface="Arial" charset="0"/>
+                          <a:cs typeface="Times New Roman" charset="0"/>
+                        </a:rPr>
+                        <a:t>	   14 metric</a:t>
+                      </a:r>
+                    </a:p>
+                    <a:p>
+                      <a:pPr marL="0" marR="0" lvl="0" indent="0" algn="l" defTabSz="966788" rtl="0" eaLnBrk="0" fontAlgn="base" latinLnBrk="0" hangingPunct="0">
+                        <a:lnSpc>
+                          <a:spcPct val="100000"/>
+                        </a:lnSpc>
+                        <a:spcBef>
+                          <a:spcPct val="0"/>
+                        </a:spcBef>
+                        <a:spcAft>
+                          <a:spcPct val="0"/>
+                        </a:spcAft>
+                        <a:buClrTx/>
+                        <a:buSzTx/>
+                        <a:buFontTx/>
+                        <a:buNone/>
+                        <a:tabLst/>
+                      </a:pPr>
+                      <a:r>
+                        <a:rPr kumimoji="0" lang="en-US" sz="1100" b="1" i="0" u="none" strike="noStrike" cap="none" normalizeH="0" baseline="0" dirty="0">
+                          <a:ln>
+                            <a:noFill/>
+                          </a:ln>
+                          <a:solidFill>
+                            <a:schemeClr val="tx1"/>
+                          </a:solidFill>
+                          <a:effectLst/>
+                          <a:latin typeface="Arial" charset="0"/>
+                          <a:cs typeface="Times New Roman" charset="0"/>
+                        </a:rPr>
+                        <a:t>SCORED HITS:  </a:t>
+                      </a:r>
+                      <a:r>
+                        <a:rPr kumimoji="0" lang="en-US" sz="1100" b="0" i="0" u="none" strike="noStrike" cap="none" normalizeH="0" baseline="0" dirty="0">
+                          <a:ln>
+                            <a:noFill/>
+                          </a:ln>
+                          <a:solidFill>
+                            <a:schemeClr val="tx1"/>
+                          </a:solidFill>
+                          <a:effectLst/>
+                          <a:latin typeface="Arial" charset="0"/>
+                          <a:cs typeface="Times New Roman" charset="0"/>
+                        </a:rPr>
+                        <a:t>Best 2 per paper</a:t>
+                      </a:r>
+                    </a:p>
+                    <a:p>
+                      <a:pPr marL="0" marR="0" lvl="0" indent="0" algn="l" defTabSz="966788" rtl="0" eaLnBrk="0" fontAlgn="base" latinLnBrk="0" hangingPunct="0">
+                        <a:lnSpc>
+                          <a:spcPct val="100000"/>
+                        </a:lnSpc>
+                        <a:spcBef>
+                          <a:spcPct val="0"/>
+                        </a:spcBef>
+                        <a:spcAft>
+                          <a:spcPct val="0"/>
+                        </a:spcAft>
+                        <a:buClrTx/>
+                        <a:buSzTx/>
+                        <a:buFontTx/>
+                        <a:buNone/>
+                        <a:tabLst/>
+                      </a:pPr>
+                      <a:r>
+                        <a:rPr kumimoji="0" lang="en-US" sz="1100" b="1" i="0" u="none" strike="noStrike" cap="none" normalizeH="0" baseline="0" dirty="0">
+                          <a:ln>
+                            <a:noFill/>
+                          </a:ln>
+                          <a:solidFill>
+                            <a:schemeClr val="tx1"/>
+                          </a:solidFill>
+                          <a:effectLst/>
+                          <a:latin typeface="Arial" charset="0"/>
+                          <a:cs typeface="Times New Roman" charset="0"/>
+                        </a:rPr>
+                        <a:t>START-STOP:    </a:t>
+                      </a:r>
+                      <a:r>
+                        <a:rPr kumimoji="0" lang="en-US" sz="1100" b="0" i="0" u="none" strike="noStrike" cap="none" normalizeH="0" baseline="0" dirty="0">
+                          <a:ln>
+                            <a:noFill/>
+                          </a:ln>
+                          <a:solidFill>
+                            <a:schemeClr val="tx1"/>
+                          </a:solidFill>
+                          <a:effectLst/>
+                          <a:latin typeface="Arial" charset="0"/>
+                          <a:cs typeface="Times New Roman" charset="0"/>
+                        </a:rPr>
+                        <a:t>Audible - Last shot</a:t>
+                      </a:r>
+                    </a:p>
+                  </a:txBody>
+                  <a:tcPr marL="45720" marR="45720" marT="45716" marB="45716" horzOverflow="overflow">
+                    <a:lnL w="28575" cap="flat" cmpd="sng" algn="ctr">
+                      <a:solidFill>
+                        <a:schemeClr val="tx1"/>
+                      </a:solidFill>
+                      <a:prstDash val="solid"/>
+                      <a:round/>
+                      <a:headEnd type="none" w="med" len="med"/>
+                      <a:tailEnd type="none" w="med" len="med"/>
+                    </a:lnL>
+                    <a:lnR w="28575" cap="flat" cmpd="sng" algn="ctr">
+                      <a:solidFill>
+                        <a:schemeClr val="tx1"/>
+                      </a:solidFill>
+                      <a:prstDash val="solid"/>
+                      <a:round/>
+                      <a:headEnd type="none" w="med" len="med"/>
+                      <a:tailEnd type="none" w="med" len="med"/>
+                    </a:lnR>
+                    <a:lnT w="28575" cap="flat" cmpd="sng" algn="ctr">
+                      <a:solidFill>
+                        <a:schemeClr val="tx1"/>
+                      </a:solidFill>
+                      <a:prstDash val="solid"/>
+                      <a:round/>
+                      <a:headEnd type="none" w="med" len="med"/>
+                      <a:tailEnd type="none" w="med" len="med"/>
+                    </a:lnT>
+                    <a:lnB w="28575" cap="flat" cmpd="sng" algn="ctr">
+                      <a:solidFill>
+                        <a:schemeClr val="tx1"/>
+                      </a:solidFill>
+                      <a:prstDash val="solid"/>
+                      <a:round/>
+                      <a:headEnd type="none" w="med" len="med"/>
+                      <a:tailEnd type="none" w="med" len="med"/>
+                    </a:lnB>
+                    <a:lnTlToBr>
+                      <a:noFill/>
+                    </a:lnTlToBr>
+                    <a:lnBlToTr>
+                      <a:noFill/>
+                    </a:lnBlToTr>
+                    <a:solidFill>
+                      <a:schemeClr val="bg1"/>
+                    </a:solidFill>
+                  </a:tcPr>
+                </a:tc>
+                <a:tc hMerge="1">
+                  <a:txBody>
+                    <a:bodyPr/>
+                    <a:lstStyle/>
+                    <a:p>
+                      <a:endParaRPr lang="en-US"/>
+                    </a:p>
+                  </a:txBody>
+                  <a:tcPr/>
+                </a:tc>
+                <a:extLst>
+                  <a:ext uri="{0D108BD9-81ED-4DB2-BD59-A6C34878D82A}">
+                    <a16:rowId xmlns:a16="http://schemas.microsoft.com/office/drawing/2014/main" val="10002"/>
+                  </a:ext>
+                </a:extLst>
+              </a:tr>
+            </a:tbl>
+          </a:graphicData>
+        </a:graphic>
+      </p:graphicFrame>
+      <p:pic>
+        <p:nvPicPr>
+          <p:cNvPr id="9" name="Picture 2" descr="Headstone grave clipart image">
+            <a:extLst>
+              <a:ext uri="{FF2B5EF4-FFF2-40B4-BE49-F238E27FC236}">
+                <a16:creationId xmlns:a16="http://schemas.microsoft.com/office/drawing/2014/main" id="{C978B57E-D6A4-4309-9D76-FD8E92E8DBD0}"/>
+              </a:ext>
+            </a:extLst>
+          </p:cNvPr>
+          <p:cNvPicPr>
+            <a:picLocks noChangeAspect="1" noChangeArrowheads="1"/>
+          </p:cNvPicPr>
+          <p:nvPr/>
+        </p:nvPicPr>
+        <p:blipFill>
+          <a:blip r:embed="rId3">
+            <a:extLst>
+              <a:ext uri="{28A0092B-C50C-407E-A947-70E740481C1C}">
+                <a14:useLocalDpi xmlns:a14="http://schemas.microsoft.com/office/drawing/2010/main" val="0"/>
+              </a:ext>
+            </a:extLst>
+          </a:blip>
+          <a:srcRect/>
+          <a:stretch>
+            <a:fillRect/>
+          </a:stretch>
+        </p:blipFill>
+        <p:spPr bwMode="auto">
+          <a:xfrm flipH="1">
+            <a:off x="177800" y="341471"/>
+            <a:ext cx="938289" cy="940412"/>
+          </a:xfrm>
+          <a:prstGeom prst="rect">
+            <a:avLst/>
+          </a:prstGeom>
+          <a:noFill/>
+          <a:extLst>
+            <a:ext uri="{909E8E84-426E-40DD-AFC4-6F175D3DCCD1}">
+              <a14:hiddenFill xmlns:a14="http://schemas.microsoft.com/office/drawing/2010/main">
+                <a:solidFill>
+                  <a:srgbClr val="FFFFFF"/>
+                </a:solidFill>
+              </a14:hiddenFill>
+            </a:ext>
+          </a:extLst>
+        </p:spPr>
+      </p:pic>
+      <p:pic>
+        <p:nvPicPr>
+          <p:cNvPr id="10" name="Picture 24" descr="C:\Documents and Settings\All Users\Documents\TAPS Files\dvc1.gif">
+            <a:extLst>
+              <a:ext uri="{FF2B5EF4-FFF2-40B4-BE49-F238E27FC236}">
+                <a16:creationId xmlns:a16="http://schemas.microsoft.com/office/drawing/2014/main" id="{83C47FB0-438F-4FC9-A80A-C79FDE8E08F9}"/>
+              </a:ext>
+            </a:extLst>
+          </p:cNvPr>
+          <p:cNvPicPr>
+            <a:picLocks noChangeAspect="1" noChangeArrowheads="1"/>
+          </p:cNvPicPr>
+          <p:nvPr/>
+        </p:nvPicPr>
+        <p:blipFill>
+          <a:blip r:embed="rId4">
+            <a:extLst>
+              <a:ext uri="{28A0092B-C50C-407E-A947-70E740481C1C}">
+                <a14:useLocalDpi xmlns:a14="http://schemas.microsoft.com/office/drawing/2010/main" val="0"/>
+              </a:ext>
+            </a:extLst>
+          </a:blip>
+          <a:srcRect/>
+          <a:stretch>
+            <a:fillRect/>
+          </a:stretch>
+        </p:blipFill>
+        <p:spPr bwMode="auto">
+          <a:xfrm>
+            <a:off x="495296" y="625845"/>
+            <a:ext cx="337518" cy="295455"/>
+          </a:xfrm>
+          <a:prstGeom prst="rect">
+            <a:avLst/>
+          </a:prstGeom>
+          <a:noFill/>
+          <a:ln>
+            <a:noFill/>
+          </a:ln>
+          <a:extLst>
+            <a:ext uri="{909E8E84-426E-40DD-AFC4-6F175D3DCCD1}">
+              <a14:hiddenFill xmlns:a14="http://schemas.microsoft.com/office/drawing/2010/main">
+                <a:solidFill>
+                  <a:srgbClr val="FFFFFF"/>
+                </a:solidFill>
+              </a14:hiddenFill>
+            </a:ext>
+            <a:ext uri="{91240B29-F687-4F45-9708-019B960494DF}">
+              <a14:hiddenLine xmlns:a14="http://schemas.microsoft.com/office/drawing/2010/main" w="9525">
+                <a:solidFill>
+                  <a:srgbClr val="000000"/>
+                </a:solidFill>
+                <a:miter lim="800000"/>
+                <a:headEnd/>
+                <a:tailEnd/>
+              </a14:hiddenLine>
+            </a:ext>
+          </a:extLst>
+        </p:spPr>
+      </p:pic>
+      <p:pic>
+        <p:nvPicPr>
+          <p:cNvPr id="11" name="Picture 2" descr="Headstone grave clipart image">
+            <a:extLst>
+              <a:ext uri="{FF2B5EF4-FFF2-40B4-BE49-F238E27FC236}">
+                <a16:creationId xmlns:a16="http://schemas.microsoft.com/office/drawing/2014/main" id="{0C125D95-4E12-4DA8-BF5D-6768862CDDBE}"/>
+              </a:ext>
+            </a:extLst>
+          </p:cNvPr>
+          <p:cNvPicPr>
+            <a:picLocks noChangeAspect="1" noChangeArrowheads="1"/>
+          </p:cNvPicPr>
+          <p:nvPr/>
+        </p:nvPicPr>
+        <p:blipFill>
+          <a:blip r:embed="rId3">
+            <a:extLst>
+              <a:ext uri="{28A0092B-C50C-407E-A947-70E740481C1C}">
+                <a14:useLocalDpi xmlns:a14="http://schemas.microsoft.com/office/drawing/2010/main" val="0"/>
+              </a:ext>
+            </a:extLst>
+          </a:blip>
+          <a:srcRect/>
+          <a:stretch>
+            <a:fillRect/>
+          </a:stretch>
+        </p:blipFill>
+        <p:spPr bwMode="auto">
+          <a:xfrm>
+            <a:off x="6241082" y="341471"/>
+            <a:ext cx="938289" cy="940412"/>
+          </a:xfrm>
+          <a:prstGeom prst="rect">
+            <a:avLst/>
+          </a:prstGeom>
+          <a:noFill/>
+          <a:extLst>
+            <a:ext uri="{909E8E84-426E-40DD-AFC4-6F175D3DCCD1}">
+              <a14:hiddenFill xmlns:a14="http://schemas.microsoft.com/office/drawing/2010/main">
+                <a:solidFill>
+                  <a:srgbClr val="FFFFFF"/>
+                </a:solidFill>
+              </a14:hiddenFill>
+            </a:ext>
+          </a:extLst>
+        </p:spPr>
+      </p:pic>
+      <p:pic>
+        <p:nvPicPr>
+          <p:cNvPr id="12" name="Picture 24" descr="C:\Documents and Settings\All Users\Documents\TAPS Files\dvc1.gif">
+            <a:extLst>
+              <a:ext uri="{FF2B5EF4-FFF2-40B4-BE49-F238E27FC236}">
+                <a16:creationId xmlns:a16="http://schemas.microsoft.com/office/drawing/2014/main" id="{0342F02F-936B-46D4-A3E8-53B1DC59F87F}"/>
+              </a:ext>
+            </a:extLst>
+          </p:cNvPr>
+          <p:cNvPicPr>
+            <a:picLocks noChangeAspect="1" noChangeArrowheads="1"/>
+          </p:cNvPicPr>
+          <p:nvPr/>
+        </p:nvPicPr>
+        <p:blipFill>
+          <a:blip r:embed="rId4">
+            <a:extLst>
+              <a:ext uri="{28A0092B-C50C-407E-A947-70E740481C1C}">
+                <a14:useLocalDpi xmlns:a14="http://schemas.microsoft.com/office/drawing/2010/main" val="0"/>
+              </a:ext>
+            </a:extLst>
+          </a:blip>
+          <a:srcRect/>
+          <a:stretch>
+            <a:fillRect/>
+          </a:stretch>
+        </p:blipFill>
+        <p:spPr bwMode="auto">
+          <a:xfrm>
+            <a:off x="6523918" y="581182"/>
+            <a:ext cx="337518" cy="295455"/>
+          </a:xfrm>
+          <a:prstGeom prst="rect">
+            <a:avLst/>
+          </a:prstGeom>
+          <a:noFill/>
+          <a:ln>
+            <a:noFill/>
+          </a:ln>
+          <a:extLst>
+            <a:ext uri="{909E8E84-426E-40DD-AFC4-6F175D3DCCD1}">
+              <a14:hiddenFill xmlns:a14="http://schemas.microsoft.com/office/drawing/2010/main">
+                <a:solidFill>
+                  <a:srgbClr val="FFFFFF"/>
+                </a:solidFill>
+              </a14:hiddenFill>
+            </a:ext>
+            <a:ext uri="{91240B29-F687-4F45-9708-019B960494DF}">
+              <a14:hiddenLine xmlns:a14="http://schemas.microsoft.com/office/drawing/2010/main" w="9525">
+                <a:solidFill>
+                  <a:srgbClr val="000000"/>
+                </a:solidFill>
+                <a:miter lim="800000"/>
+                <a:headEnd/>
+                <a:tailEnd/>
+              </a14:hiddenLine>
+            </a:ext>
+          </a:extLst>
+        </p:spPr>
+      </p:pic>
       <p:grpSp>
         <p:nvGrpSpPr>
-          <p:cNvPr id="209" name="Group 44">
+          <p:cNvPr id="92" name="Group 44">
             <a:extLst>
               <a:ext uri="{FF2B5EF4-FFF2-40B4-BE49-F238E27FC236}">
-                <a16:creationId xmlns:a16="http://schemas.microsoft.com/office/drawing/2014/main" id="{C9984DE2-848B-4574-9E91-59B986FCA138}"/>
+                <a16:creationId xmlns:a16="http://schemas.microsoft.com/office/drawing/2014/main" id="{7ABCEAB2-6952-4B06-A0D2-42785188D67F}"/>
               </a:ext>
             </a:extLst>
           </p:cNvPr>
@@ -4521,7 +8147,7 @@
         </p:nvGrpSpPr>
         <p:grpSpPr bwMode="auto">
           <a:xfrm>
-            <a:off x="4430681" y="4789368"/>
+            <a:off x="4114800" y="4495800"/>
             <a:ext cx="287338" cy="787400"/>
             <a:chOff x="1756" y="2113"/>
             <a:chExt cx="181" cy="499"/>
@@ -4529,10 +8155,10 @@
         </p:grpSpPr>
         <p:sp>
           <p:nvSpPr>
-            <p:cNvPr id="210" name="Line 45">
+            <p:cNvPr id="93" name="Line 45">
               <a:extLst>
                 <a:ext uri="{FF2B5EF4-FFF2-40B4-BE49-F238E27FC236}">
-                  <a16:creationId xmlns:a16="http://schemas.microsoft.com/office/drawing/2014/main" id="{0BCD8589-2F4F-48A8-B542-A2BA782F4CC8}"/>
+                  <a16:creationId xmlns:a16="http://schemas.microsoft.com/office/drawing/2014/main" id="{E9ED6D48-FE75-4949-A4A0-EB32BCA05FCD}"/>
                 </a:ext>
               </a:extLst>
             </p:cNvPr>
@@ -4576,10 +8202,10 @@
         </p:sp>
         <p:sp>
           <p:nvSpPr>
-            <p:cNvPr id="211" name="Line 46">
+            <p:cNvPr id="94" name="Line 46">
               <a:extLst>
                 <a:ext uri="{FF2B5EF4-FFF2-40B4-BE49-F238E27FC236}">
-                  <a16:creationId xmlns:a16="http://schemas.microsoft.com/office/drawing/2014/main" id="{50033936-8702-4A2A-A028-B3CE768EB99C}"/>
+                  <a16:creationId xmlns:a16="http://schemas.microsoft.com/office/drawing/2014/main" id="{C9F07859-C8A5-4390-BFFA-4C51EA646315}"/>
                 </a:ext>
               </a:extLst>
             </p:cNvPr>
@@ -4623,10 +8249,10 @@
         </p:sp>
         <p:grpSp>
           <p:nvGrpSpPr>
-            <p:cNvPr id="212" name="Group 47">
+            <p:cNvPr id="95" name="Group 47">
               <a:extLst>
                 <a:ext uri="{FF2B5EF4-FFF2-40B4-BE49-F238E27FC236}">
-                  <a16:creationId xmlns:a16="http://schemas.microsoft.com/office/drawing/2014/main" id="{7645051A-B4A5-4577-BFA1-9CC8B6BDEEDF}"/>
+                  <a16:creationId xmlns:a16="http://schemas.microsoft.com/office/drawing/2014/main" id="{FF828B1C-2898-42EB-A7B7-1C7CC41F1CE7}"/>
                 </a:ext>
               </a:extLst>
             </p:cNvPr>
@@ -4645,10 +8271,10 @@
           </p:grpSpPr>
           <p:sp>
             <p:nvSpPr>
-              <p:cNvPr id="213" name="Freeform 48">
+              <p:cNvPr id="96" name="Freeform 48">
                 <a:extLst>
                   <a:ext uri="{FF2B5EF4-FFF2-40B4-BE49-F238E27FC236}">
-                    <a16:creationId xmlns:a16="http://schemas.microsoft.com/office/drawing/2014/main" id="{40BFCB7C-BEF9-427A-9528-75B48EF15E2F}"/>
+                    <a16:creationId xmlns:a16="http://schemas.microsoft.com/office/drawing/2014/main" id="{4B942117-A75D-4FAD-B987-844DD17E13E4}"/>
                   </a:ext>
                 </a:extLst>
               </p:cNvPr>
@@ -4818,10 +8444,10 @@
           </p:sp>
           <p:sp>
             <p:nvSpPr>
-              <p:cNvPr id="214" name="Freeform 49">
+              <p:cNvPr id="97" name="Freeform 49">
                 <a:extLst>
                   <a:ext uri="{FF2B5EF4-FFF2-40B4-BE49-F238E27FC236}">
-                    <a16:creationId xmlns:a16="http://schemas.microsoft.com/office/drawing/2014/main" id="{0939AA87-997A-48BC-97E6-403846A4BB53}"/>
+                    <a16:creationId xmlns:a16="http://schemas.microsoft.com/office/drawing/2014/main" id="{CE6311A4-1ADC-4276-9F4F-FCF83EE63D0B}"/>
                   </a:ext>
                 </a:extLst>
               </p:cNvPr>
@@ -4938,10 +8564,10 @@
           </p:sp>
           <p:sp>
             <p:nvSpPr>
-              <p:cNvPr id="215" name="Freeform 50">
+              <p:cNvPr id="98" name="Freeform 50">
                 <a:extLst>
                   <a:ext uri="{FF2B5EF4-FFF2-40B4-BE49-F238E27FC236}">
-                    <a16:creationId xmlns:a16="http://schemas.microsoft.com/office/drawing/2014/main" id="{EC13F86C-839B-46B2-B499-3E4BD4EE9227}"/>
+                    <a16:creationId xmlns:a16="http://schemas.microsoft.com/office/drawing/2014/main" id="{CD47ED0C-492A-4D26-97F9-E67986E80745}"/>
                   </a:ext>
                 </a:extLst>
               </p:cNvPr>
@@ -5060,10 +8686,10 @@
       </p:grpSp>
       <p:grpSp>
         <p:nvGrpSpPr>
-          <p:cNvPr id="216" name="Group 44">
+          <p:cNvPr id="99" name="Group 44">
             <a:extLst>
               <a:ext uri="{FF2B5EF4-FFF2-40B4-BE49-F238E27FC236}">
-                <a16:creationId xmlns:a16="http://schemas.microsoft.com/office/drawing/2014/main" id="{BAEAD2F0-AAB4-4C87-A824-29F4A88EA82E}"/>
+                <a16:creationId xmlns:a16="http://schemas.microsoft.com/office/drawing/2014/main" id="{0632529A-CCEE-4BAF-A141-6683E6B07831}"/>
               </a:ext>
             </a:extLst>
           </p:cNvPr>
@@ -5074,7 +8700,7 @@
         </p:nvGrpSpPr>
         <p:grpSpPr bwMode="auto">
           <a:xfrm>
-            <a:off x="5609532" y="4759085"/>
+            <a:off x="5293651" y="4465517"/>
             <a:ext cx="287338" cy="787400"/>
             <a:chOff x="1756" y="2113"/>
             <a:chExt cx="181" cy="499"/>
@@ -5082,10 +8708,10 @@
         </p:grpSpPr>
         <p:sp>
           <p:nvSpPr>
-            <p:cNvPr id="217" name="Line 45">
+            <p:cNvPr id="100" name="Line 45">
               <a:extLst>
                 <a:ext uri="{FF2B5EF4-FFF2-40B4-BE49-F238E27FC236}">
-                  <a16:creationId xmlns:a16="http://schemas.microsoft.com/office/drawing/2014/main" id="{025FBB51-4D80-4336-A5A4-11896E28A1CE}"/>
+                  <a16:creationId xmlns:a16="http://schemas.microsoft.com/office/drawing/2014/main" id="{8E288EC6-2E61-4B9D-AB9B-DFFAE9CF3F3F}"/>
                 </a:ext>
               </a:extLst>
             </p:cNvPr>
@@ -5129,10 +8755,10 @@
         </p:sp>
         <p:sp>
           <p:nvSpPr>
-            <p:cNvPr id="218" name="Line 46">
+            <p:cNvPr id="101" name="Line 46">
               <a:extLst>
                 <a:ext uri="{FF2B5EF4-FFF2-40B4-BE49-F238E27FC236}">
-                  <a16:creationId xmlns:a16="http://schemas.microsoft.com/office/drawing/2014/main" id="{E84E9E7B-FCFB-4109-9A59-81D96D11E540}"/>
+                  <a16:creationId xmlns:a16="http://schemas.microsoft.com/office/drawing/2014/main" id="{BCAF0749-69B1-46EF-94DB-464EEB5BEDC3}"/>
                 </a:ext>
               </a:extLst>
             </p:cNvPr>
@@ -5176,10 +8802,10 @@
         </p:sp>
         <p:grpSp>
           <p:nvGrpSpPr>
-            <p:cNvPr id="219" name="Group 47">
+            <p:cNvPr id="102" name="Group 47">
               <a:extLst>
                 <a:ext uri="{FF2B5EF4-FFF2-40B4-BE49-F238E27FC236}">
-                  <a16:creationId xmlns:a16="http://schemas.microsoft.com/office/drawing/2014/main" id="{621A01F5-047B-42DE-8B9F-9DF56CB29C70}"/>
+                  <a16:creationId xmlns:a16="http://schemas.microsoft.com/office/drawing/2014/main" id="{30780371-91DB-4E20-8B76-8847EE05889B}"/>
                 </a:ext>
               </a:extLst>
             </p:cNvPr>
@@ -5198,10 +8824,10 @@
           </p:grpSpPr>
           <p:sp>
             <p:nvSpPr>
-              <p:cNvPr id="220" name="Freeform 48">
+              <p:cNvPr id="103" name="Freeform 48">
                 <a:extLst>
                   <a:ext uri="{FF2B5EF4-FFF2-40B4-BE49-F238E27FC236}">
-                    <a16:creationId xmlns:a16="http://schemas.microsoft.com/office/drawing/2014/main" id="{CC64A194-3F1B-4386-B6CE-930A506929E7}"/>
+                    <a16:creationId xmlns:a16="http://schemas.microsoft.com/office/drawing/2014/main" id="{3D82BEFD-C327-4DEC-8D80-1FA93F44C4E1}"/>
                   </a:ext>
                 </a:extLst>
               </p:cNvPr>
@@ -5371,10 +8997,10 @@
           </p:sp>
           <p:sp>
             <p:nvSpPr>
-              <p:cNvPr id="221" name="Freeform 49">
+              <p:cNvPr id="104" name="Freeform 49">
                 <a:extLst>
                   <a:ext uri="{FF2B5EF4-FFF2-40B4-BE49-F238E27FC236}">
-                    <a16:creationId xmlns:a16="http://schemas.microsoft.com/office/drawing/2014/main" id="{9700A49C-8F32-453C-9D00-5EA4E16490AD}"/>
+                    <a16:creationId xmlns:a16="http://schemas.microsoft.com/office/drawing/2014/main" id="{4E658798-5C26-4A1D-9075-9A92B53FFEF2}"/>
                   </a:ext>
                 </a:extLst>
               </p:cNvPr>
@@ -5491,10 +9117,10 @@
           </p:sp>
           <p:sp>
             <p:nvSpPr>
-              <p:cNvPr id="222" name="Freeform 50">
+              <p:cNvPr id="105" name="Freeform 50">
                 <a:extLst>
                   <a:ext uri="{FF2B5EF4-FFF2-40B4-BE49-F238E27FC236}">
-                    <a16:creationId xmlns:a16="http://schemas.microsoft.com/office/drawing/2014/main" id="{297306D2-71FE-45F3-93A4-83DD603F2465}"/>
+                    <a16:creationId xmlns:a16="http://schemas.microsoft.com/office/drawing/2014/main" id="{ED9758A3-914C-4BC4-A871-463EF4A7A932}"/>
                   </a:ext>
                 </a:extLst>
               </p:cNvPr>
@@ -5613,10 +9239,10 @@
       </p:grpSp>
       <p:cxnSp>
         <p:nvCxnSpPr>
-          <p:cNvPr id="141" name="Straight Connector 140">
+          <p:cNvPr id="106" name="Straight Connector 105">
             <a:extLst>
               <a:ext uri="{FF2B5EF4-FFF2-40B4-BE49-F238E27FC236}">
-                <a16:creationId xmlns:a16="http://schemas.microsoft.com/office/drawing/2014/main" id="{AB517283-0DA7-4F2A-BEF8-A2694B393FE8}"/>
+                <a16:creationId xmlns:a16="http://schemas.microsoft.com/office/drawing/2014/main" id="{77A52E0C-4122-448E-9C72-C124A6895B31}"/>
               </a:ext>
             </a:extLst>
           </p:cNvPr>
@@ -5627,7 +9253,7 @@
         </p:nvCxnSpPr>
         <p:spPr>
           <a:xfrm>
-            <a:off x="2211388" y="6843713"/>
+            <a:off x="1895507" y="6550145"/>
             <a:ext cx="347662" cy="788987"/>
           </a:xfrm>
           <a:prstGeom prst="line">
@@ -5651,10 +9277,10 @@
       </p:cxnSp>
       <p:cxnSp>
         <p:nvCxnSpPr>
-          <p:cNvPr id="142" name="Straight Connector 141">
+          <p:cNvPr id="107" name="Straight Connector 106">
             <a:extLst>
               <a:ext uri="{FF2B5EF4-FFF2-40B4-BE49-F238E27FC236}">
-                <a16:creationId xmlns:a16="http://schemas.microsoft.com/office/drawing/2014/main" id="{38DFCE9B-8853-4B2C-B5DD-6E5BA26CFCD0}"/>
+                <a16:creationId xmlns:a16="http://schemas.microsoft.com/office/drawing/2014/main" id="{750D7DE2-B160-4D3C-B8C2-9139BDE6256A}"/>
               </a:ext>
             </a:extLst>
           </p:cNvPr>
@@ -5663,7 +9289,7 @@
         </p:nvCxnSpPr>
         <p:spPr>
           <a:xfrm flipV="1">
-            <a:off x="1801813" y="5834063"/>
+            <a:off x="1485932" y="5540495"/>
             <a:ext cx="1982787" cy="0"/>
           </a:xfrm>
           <a:prstGeom prst="line">
@@ -5687,10 +9313,10 @@
       </p:cxnSp>
       <p:grpSp>
         <p:nvGrpSpPr>
-          <p:cNvPr id="3079" name="Group 9">
+          <p:cNvPr id="108" name="Group 9">
             <a:extLst>
               <a:ext uri="{FF2B5EF4-FFF2-40B4-BE49-F238E27FC236}">
-                <a16:creationId xmlns:a16="http://schemas.microsoft.com/office/drawing/2014/main" id="{77745CA9-9682-465A-A3E9-691069097AE5}"/>
+                <a16:creationId xmlns:a16="http://schemas.microsoft.com/office/drawing/2014/main" id="{C11A3521-C9A4-45EB-BF2D-1798B28B92C0}"/>
               </a:ext>
             </a:extLst>
           </p:cNvPr>
@@ -5701,7 +9327,7 @@
         </p:nvGrpSpPr>
         <p:grpSpPr bwMode="auto">
           <a:xfrm>
-            <a:off x="3057525" y="4802188"/>
+            <a:off x="2741644" y="4508620"/>
             <a:ext cx="325438" cy="996950"/>
             <a:chOff x="2876552" y="4773034"/>
             <a:chExt cx="324455" cy="997319"/>
@@ -5709,10 +9335,10 @@
         </p:grpSpPr>
         <p:sp>
           <p:nvSpPr>
-            <p:cNvPr id="3183" name="AutoShape 28">
+            <p:cNvPr id="109" name="AutoShape 28">
               <a:extLst>
                 <a:ext uri="{FF2B5EF4-FFF2-40B4-BE49-F238E27FC236}">
-                  <a16:creationId xmlns:a16="http://schemas.microsoft.com/office/drawing/2014/main" id="{51F33383-DC09-41A0-AE75-8BB78E66C7E1}"/>
+                  <a16:creationId xmlns:a16="http://schemas.microsoft.com/office/drawing/2014/main" id="{6C405E10-82B4-4208-97B0-F893D97D4D4A}"/>
                 </a:ext>
               </a:extLst>
             </p:cNvPr>
@@ -5890,10 +9516,10 @@
         </p:sp>
         <p:sp>
           <p:nvSpPr>
-            <p:cNvPr id="3184" name="AutoShape 28">
+            <p:cNvPr id="111" name="AutoShape 28">
               <a:extLst>
                 <a:ext uri="{FF2B5EF4-FFF2-40B4-BE49-F238E27FC236}">
-                  <a16:creationId xmlns:a16="http://schemas.microsoft.com/office/drawing/2014/main" id="{9114D0B0-8468-43DC-B67E-2DF823CA9E41}"/>
+                  <a16:creationId xmlns:a16="http://schemas.microsoft.com/office/drawing/2014/main" id="{0ED87EB9-6633-481C-9FD8-992C8EF98C77}"/>
                 </a:ext>
               </a:extLst>
             </p:cNvPr>
@@ -6072,10 +9698,10 @@
       </p:grpSp>
       <p:cxnSp>
         <p:nvCxnSpPr>
-          <p:cNvPr id="169" name="Straight Connector 168">
+          <p:cNvPr id="112" name="Straight Connector 111">
             <a:extLst>
               <a:ext uri="{FF2B5EF4-FFF2-40B4-BE49-F238E27FC236}">
-                <a16:creationId xmlns:a16="http://schemas.microsoft.com/office/drawing/2014/main" id="{353E9175-AB7A-4809-B249-BBCA2D7AEA0D}"/>
+                <a16:creationId xmlns:a16="http://schemas.microsoft.com/office/drawing/2014/main" id="{911DC9E3-5C72-4378-B592-EBDDA83E299E}"/>
               </a:ext>
             </a:extLst>
           </p:cNvPr>
@@ -6084,7 +9710,7 @@
         </p:nvCxnSpPr>
         <p:spPr>
           <a:xfrm>
-            <a:off x="4046538" y="7218363"/>
+            <a:off x="3730657" y="6924795"/>
             <a:ext cx="1949450" cy="0"/>
           </a:xfrm>
           <a:prstGeom prst="line">
@@ -6108,10 +9734,10 @@
       </p:cxnSp>
       <p:cxnSp>
         <p:nvCxnSpPr>
-          <p:cNvPr id="199" name="Straight Connector 198">
+          <p:cNvPr id="113" name="Straight Connector 112">
             <a:extLst>
               <a:ext uri="{FF2B5EF4-FFF2-40B4-BE49-F238E27FC236}">
-                <a16:creationId xmlns:a16="http://schemas.microsoft.com/office/drawing/2014/main" id="{CC3D1760-A6C3-42F5-B0BD-000C6892A018}"/>
+                <a16:creationId xmlns:a16="http://schemas.microsoft.com/office/drawing/2014/main" id="{9B0A188B-A90D-40DB-AFFB-BE575C2F7B8E}"/>
               </a:ext>
             </a:extLst>
           </p:cNvPr>
@@ -6122,7 +9748,7 @@
         </p:nvCxnSpPr>
         <p:spPr>
           <a:xfrm>
-            <a:off x="2592388" y="8413750"/>
+            <a:off x="2276507" y="8120182"/>
             <a:ext cx="3708400" cy="423863"/>
           </a:xfrm>
           <a:prstGeom prst="line">
@@ -6146,10 +9772,10 @@
       </p:cxnSp>
       <p:cxnSp>
         <p:nvCxnSpPr>
-          <p:cNvPr id="201" name="Straight Connector 200">
+          <p:cNvPr id="114" name="Straight Connector 113">
             <a:extLst>
               <a:ext uri="{FF2B5EF4-FFF2-40B4-BE49-F238E27FC236}">
-                <a16:creationId xmlns:a16="http://schemas.microsoft.com/office/drawing/2014/main" id="{FBC68500-C2FD-4759-A1B7-7171FC291D02}"/>
+                <a16:creationId xmlns:a16="http://schemas.microsoft.com/office/drawing/2014/main" id="{BB819B95-7A1A-414A-BE7A-7A4E2DB67675}"/>
               </a:ext>
             </a:extLst>
           </p:cNvPr>
@@ -6158,7 +9784,7 @@
         </p:nvCxnSpPr>
         <p:spPr>
           <a:xfrm>
-            <a:off x="5989638" y="7202488"/>
+            <a:off x="5673757" y="6908920"/>
             <a:ext cx="312737" cy="1619250"/>
           </a:xfrm>
           <a:prstGeom prst="line">
@@ -6182,10 +9808,10 @@
       </p:cxnSp>
       <p:sp>
         <p:nvSpPr>
-          <p:cNvPr id="3088" name="TextBox 201">
+          <p:cNvPr id="115" name="TextBox 201">
             <a:extLst>
               <a:ext uri="{FF2B5EF4-FFF2-40B4-BE49-F238E27FC236}">
-                <a16:creationId xmlns:a16="http://schemas.microsoft.com/office/drawing/2014/main" id="{F84D5FC1-E40C-4958-AC96-FCD95CA0C8E6}"/>
+                <a16:creationId xmlns:a16="http://schemas.microsoft.com/office/drawing/2014/main" id="{5EDDEB19-8C25-4F1A-A6CE-83719C7AC96C}"/>
               </a:ext>
             </a:extLst>
           </p:cNvPr>
@@ -6196,7 +9822,7 @@
         </p:nvSpPr>
         <p:spPr bwMode="auto">
           <a:xfrm>
-            <a:off x="3694113" y="8648700"/>
+            <a:off x="3378232" y="8355132"/>
             <a:ext cx="677862" cy="307975"/>
           </a:xfrm>
           <a:prstGeom prst="rect">
@@ -6348,10 +9974,10 @@
       </p:sp>
       <p:grpSp>
         <p:nvGrpSpPr>
-          <p:cNvPr id="3089" name="Group 7">
+          <p:cNvPr id="116" name="Group 7">
             <a:extLst>
               <a:ext uri="{FF2B5EF4-FFF2-40B4-BE49-F238E27FC236}">
-                <a16:creationId xmlns:a16="http://schemas.microsoft.com/office/drawing/2014/main" id="{354110EC-868E-4244-ACE0-9B23ADA1BB38}"/>
+                <a16:creationId xmlns:a16="http://schemas.microsoft.com/office/drawing/2014/main" id="{A197391D-9ECE-4137-BFCD-2D63BF5DA2AE}"/>
               </a:ext>
             </a:extLst>
           </p:cNvPr>
@@ -6362,7 +9988,7 @@
         </p:nvGrpSpPr>
         <p:grpSpPr bwMode="auto">
           <a:xfrm>
-            <a:off x="5334000" y="4702175"/>
+            <a:off x="5018119" y="4408607"/>
             <a:ext cx="323850" cy="998537"/>
             <a:chOff x="4627274" y="5027579"/>
             <a:chExt cx="323850" cy="998537"/>
@@ -6370,10 +9996,10 @@
         </p:grpSpPr>
         <p:sp>
           <p:nvSpPr>
-            <p:cNvPr id="3158" name="AutoShape 28">
+            <p:cNvPr id="117" name="AutoShape 28">
               <a:extLst>
                 <a:ext uri="{FF2B5EF4-FFF2-40B4-BE49-F238E27FC236}">
-                  <a16:creationId xmlns:a16="http://schemas.microsoft.com/office/drawing/2014/main" id="{248B6095-44A3-4E64-AD19-E02C3B6FB8C7}"/>
+                  <a16:creationId xmlns:a16="http://schemas.microsoft.com/office/drawing/2014/main" id="{6FED5339-6377-4833-AA6D-A617E3D8E820}"/>
                 </a:ext>
               </a:extLst>
             </p:cNvPr>
@@ -6553,10 +10179,10 @@
         </p:sp>
         <p:sp>
           <p:nvSpPr>
-            <p:cNvPr id="3159" name="AutoShape 28">
+            <p:cNvPr id="118" name="AutoShape 28">
               <a:extLst>
                 <a:ext uri="{FF2B5EF4-FFF2-40B4-BE49-F238E27FC236}">
-                  <a16:creationId xmlns:a16="http://schemas.microsoft.com/office/drawing/2014/main" id="{B2AE0EA6-7D75-4F10-B4E7-48F63CF29641}"/>
+                  <a16:creationId xmlns:a16="http://schemas.microsoft.com/office/drawing/2014/main" id="{7D226D73-0FC2-429A-BF1A-5D89926EBBC9}"/>
                 </a:ext>
               </a:extLst>
             </p:cNvPr>
@@ -6735,1980 +10361,12 @@
           </p:txBody>
         </p:sp>
       </p:grpSp>
-      <p:graphicFrame>
-        <p:nvGraphicFramePr>
-          <p:cNvPr id="206" name="Group 29">
+      <p:cxnSp>
+        <p:nvCxnSpPr>
+          <p:cNvPr id="119" name="Straight Connector 118">
             <a:extLst>
               <a:ext uri="{FF2B5EF4-FFF2-40B4-BE49-F238E27FC236}">
-                <a16:creationId xmlns:a16="http://schemas.microsoft.com/office/drawing/2014/main" id="{CAA50756-0676-4A47-8B59-314EBCE9E17B}"/>
-              </a:ext>
-            </a:extLst>
-          </p:cNvPr>
-          <p:cNvGraphicFramePr>
-            <a:graphicFrameLocks noGrp="1"/>
-          </p:cNvGraphicFramePr>
-          <p:nvPr>
-            <p:extLst>
-              <p:ext uri="{D42A27DB-BD31-4B8C-83A1-F6EECF244321}">
-                <p14:modId xmlns:p14="http://schemas.microsoft.com/office/powerpoint/2010/main" val="647081025"/>
-              </p:ext>
-            </p:extLst>
-          </p:nvPr>
-        </p:nvGraphicFramePr>
-        <p:xfrm>
-          <a:off x="0" y="1"/>
-          <a:ext cx="7324711" cy="2843953"/>
-        </p:xfrm>
-        <a:graphic>
-          <a:graphicData uri="http://schemas.openxmlformats.org/drawingml/2006/table">
-            <a:tbl>
-              <a:tblPr/>
-              <a:tblGrid>
-                <a:gridCol w="1044711">
-                  <a:extLst>
-                    <a:ext uri="{9D8B030D-6E8A-4147-A177-3AD203B41FA5}">
-                      <a16:colId xmlns:a16="http://schemas.microsoft.com/office/drawing/2014/main" val="20000"/>
-                    </a:ext>
-                  </a:extLst>
-                </a:gridCol>
-                <a:gridCol w="2255434">
-                  <a:extLst>
-                    <a:ext uri="{9D8B030D-6E8A-4147-A177-3AD203B41FA5}">
-                      <a16:colId xmlns:a16="http://schemas.microsoft.com/office/drawing/2014/main" val="20001"/>
-                    </a:ext>
-                  </a:extLst>
-                </a:gridCol>
-                <a:gridCol w="2966441">
-                  <a:extLst>
-                    <a:ext uri="{9D8B030D-6E8A-4147-A177-3AD203B41FA5}">
-                      <a16:colId xmlns:a16="http://schemas.microsoft.com/office/drawing/2014/main" val="20002"/>
-                    </a:ext>
-                  </a:extLst>
-                </a:gridCol>
-                <a:gridCol w="1058125">
-                  <a:extLst>
-                    <a:ext uri="{9D8B030D-6E8A-4147-A177-3AD203B41FA5}">
-                      <a16:colId xmlns:a16="http://schemas.microsoft.com/office/drawing/2014/main" val="20003"/>
-                    </a:ext>
-                  </a:extLst>
-                </a:gridCol>
-              </a:tblGrid>
-              <a:tr h="966749">
-                <a:tc>
-                  <a:txBody>
-                    <a:bodyPr/>
-                    <a:lstStyle>
-                      <a:lvl1pPr defTabSz="966788" eaLnBrk="0" hangingPunct="0">
-                        <a:spcBef>
-                          <a:spcPct val="20000"/>
-                        </a:spcBef>
-                        <a:defRPr sz="3000">
-                          <a:solidFill>
-                            <a:schemeClr val="tx1"/>
-                          </a:solidFill>
-                          <a:latin typeface="Arial" panose="020B0604020202020204" pitchFamily="34" charset="0"/>
-                          <a:ea typeface="ＭＳ Ｐゴシック" panose="020B0600070205080204" pitchFamily="34" charset="-128"/>
-                        </a:defRPr>
-                      </a:lvl1pPr>
-                      <a:lvl2pPr marL="742950" indent="-285750" defTabSz="966788" eaLnBrk="0" hangingPunct="0">
-                        <a:spcBef>
-                          <a:spcPct val="20000"/>
-                        </a:spcBef>
-                        <a:defRPr sz="2600">
-                          <a:solidFill>
-                            <a:schemeClr val="tx1"/>
-                          </a:solidFill>
-                          <a:latin typeface="Arial" panose="020B0604020202020204" pitchFamily="34" charset="0"/>
-                          <a:ea typeface="ＭＳ Ｐゴシック" panose="020B0600070205080204" pitchFamily="34" charset="-128"/>
-                        </a:defRPr>
-                      </a:lvl2pPr>
-                      <a:lvl3pPr marL="1143000" indent="-228600" defTabSz="966788" eaLnBrk="0" hangingPunct="0">
-                        <a:spcBef>
-                          <a:spcPct val="20000"/>
-                        </a:spcBef>
-                        <a:defRPr sz="2100">
-                          <a:solidFill>
-                            <a:schemeClr val="tx1"/>
-                          </a:solidFill>
-                          <a:latin typeface="Arial" panose="020B0604020202020204" pitchFamily="34" charset="0"/>
-                          <a:ea typeface="ＭＳ Ｐゴシック" panose="020B0600070205080204" pitchFamily="34" charset="-128"/>
-                        </a:defRPr>
-                      </a:lvl3pPr>
-                      <a:lvl4pPr marL="1600200" indent="-228600" defTabSz="966788" eaLnBrk="0" hangingPunct="0">
-                        <a:spcBef>
-                          <a:spcPct val="20000"/>
-                        </a:spcBef>
-                        <a:defRPr sz="1900">
-                          <a:solidFill>
-                            <a:schemeClr val="tx1"/>
-                          </a:solidFill>
-                          <a:latin typeface="Arial" panose="020B0604020202020204" pitchFamily="34" charset="0"/>
-                          <a:ea typeface="ＭＳ Ｐゴシック" panose="020B0600070205080204" pitchFamily="34" charset="-128"/>
-                        </a:defRPr>
-                      </a:lvl4pPr>
-                      <a:lvl5pPr marL="2057400" indent="-228600" defTabSz="966788" eaLnBrk="0" hangingPunct="0">
-                        <a:spcBef>
-                          <a:spcPct val="20000"/>
-                        </a:spcBef>
-                        <a:defRPr sz="1900">
-                          <a:solidFill>
-                            <a:schemeClr val="tx1"/>
-                          </a:solidFill>
-                          <a:latin typeface="Arial" panose="020B0604020202020204" pitchFamily="34" charset="0"/>
-                          <a:ea typeface="ＭＳ Ｐゴシック" panose="020B0600070205080204" pitchFamily="34" charset="-128"/>
-                        </a:defRPr>
-                      </a:lvl5pPr>
-                      <a:lvl6pPr marL="2514600" indent="-228600" defTabSz="966788" eaLnBrk="0" fontAlgn="base" hangingPunct="0">
-                        <a:spcBef>
-                          <a:spcPct val="20000"/>
-                        </a:spcBef>
-                        <a:spcAft>
-                          <a:spcPct val="0"/>
-                        </a:spcAft>
-                        <a:defRPr sz="1900">
-                          <a:solidFill>
-                            <a:schemeClr val="tx1"/>
-                          </a:solidFill>
-                          <a:latin typeface="Arial" panose="020B0604020202020204" pitchFamily="34" charset="0"/>
-                          <a:ea typeface="ＭＳ Ｐゴシック" panose="020B0600070205080204" pitchFamily="34" charset="-128"/>
-                        </a:defRPr>
-                      </a:lvl6pPr>
-                      <a:lvl7pPr marL="2971800" indent="-228600" defTabSz="966788" eaLnBrk="0" fontAlgn="base" hangingPunct="0">
-                        <a:spcBef>
-                          <a:spcPct val="20000"/>
-                        </a:spcBef>
-                        <a:spcAft>
-                          <a:spcPct val="0"/>
-                        </a:spcAft>
-                        <a:defRPr sz="1900">
-                          <a:solidFill>
-                            <a:schemeClr val="tx1"/>
-                          </a:solidFill>
-                          <a:latin typeface="Arial" panose="020B0604020202020204" pitchFamily="34" charset="0"/>
-                          <a:ea typeface="ＭＳ Ｐゴシック" panose="020B0600070205080204" pitchFamily="34" charset="-128"/>
-                        </a:defRPr>
-                      </a:lvl7pPr>
-                      <a:lvl8pPr marL="3429000" indent="-228600" defTabSz="966788" eaLnBrk="0" fontAlgn="base" hangingPunct="0">
-                        <a:spcBef>
-                          <a:spcPct val="20000"/>
-                        </a:spcBef>
-                        <a:spcAft>
-                          <a:spcPct val="0"/>
-                        </a:spcAft>
-                        <a:defRPr sz="1900">
-                          <a:solidFill>
-                            <a:schemeClr val="tx1"/>
-                          </a:solidFill>
-                          <a:latin typeface="Arial" panose="020B0604020202020204" pitchFamily="34" charset="0"/>
-                          <a:ea typeface="ＭＳ Ｐゴシック" panose="020B0600070205080204" pitchFamily="34" charset="-128"/>
-                        </a:defRPr>
-                      </a:lvl8pPr>
-                      <a:lvl9pPr marL="3886200" indent="-228600" defTabSz="966788" eaLnBrk="0" fontAlgn="base" hangingPunct="0">
-                        <a:spcBef>
-                          <a:spcPct val="20000"/>
-                        </a:spcBef>
-                        <a:spcAft>
-                          <a:spcPct val="0"/>
-                        </a:spcAft>
-                        <a:defRPr sz="1900">
-                          <a:solidFill>
-                            <a:schemeClr val="tx1"/>
-                          </a:solidFill>
-                          <a:latin typeface="Arial" panose="020B0604020202020204" pitchFamily="34" charset="0"/>
-                          <a:ea typeface="ＭＳ Ｐゴシック" panose="020B0600070205080204" pitchFamily="34" charset="-128"/>
-                        </a:defRPr>
-                      </a:lvl9pPr>
-                    </a:lstStyle>
-                    <a:p>
-                      <a:pPr marL="0" marR="0" lvl="0" indent="0" algn="l" defTabSz="966788" rtl="0" eaLnBrk="1" fontAlgn="base" latinLnBrk="0" hangingPunct="1">
-                        <a:lnSpc>
-                          <a:spcPct val="100000"/>
-                        </a:lnSpc>
-                        <a:spcBef>
-                          <a:spcPct val="20000"/>
-                        </a:spcBef>
-                        <a:spcAft>
-                          <a:spcPct val="0"/>
-                        </a:spcAft>
-                        <a:buClrTx/>
-                        <a:buSzTx/>
-                        <a:buFontTx/>
-                        <a:buNone/>
-                        <a:tabLst/>
-                      </a:pPr>
-                      <a:endParaRPr kumimoji="0" lang="en-US" altLang="en-US" sz="2800" b="0" i="0" u="none" strike="noStrike" cap="none" normalizeH="0" baseline="0" dirty="0">
-                        <a:ln>
-                          <a:noFill/>
-                        </a:ln>
-                        <a:solidFill>
-                          <a:schemeClr val="tx1"/>
-                        </a:solidFill>
-                        <a:effectLst/>
-                        <a:latin typeface="Arial" panose="020B0604020202020204" pitchFamily="34" charset="0"/>
-                        <a:ea typeface="ＭＳ Ｐゴシック" panose="020B0600070205080204" pitchFamily="34" charset="-128"/>
-                      </a:endParaRPr>
-                    </a:p>
-                  </a:txBody>
-                  <a:tcPr marL="85725" marR="85725" marT="42854" marB="42854" horzOverflow="overflow">
-                    <a:lnL>
-                      <a:noFill/>
-                    </a:lnL>
-                    <a:lnR w="28575" cap="flat" cmpd="sng" algn="ctr">
-                      <a:solidFill>
-                        <a:schemeClr val="tx1"/>
-                      </a:solidFill>
-                      <a:prstDash val="solid"/>
-                      <a:round/>
-                      <a:headEnd type="none" w="med" len="med"/>
-                      <a:tailEnd type="none" w="med" len="med"/>
-                    </a:lnR>
-                    <a:lnT>
-                      <a:noFill/>
-                    </a:lnT>
-                    <a:lnB w="28575" cap="flat" cmpd="sng" algn="ctr">
-                      <a:solidFill>
-                        <a:schemeClr val="tx1"/>
-                      </a:solidFill>
-                      <a:prstDash val="solid"/>
-                      <a:round/>
-                      <a:headEnd type="none" w="med" len="med"/>
-                      <a:tailEnd type="none" w="med" len="med"/>
-                    </a:lnB>
-                    <a:lnTlToBr>
-                      <a:noFill/>
-                    </a:lnTlToBr>
-                    <a:lnBlToTr>
-                      <a:noFill/>
-                    </a:lnBlToTr>
-                    <a:solidFill>
-                      <a:schemeClr val="bg1"/>
-                    </a:solidFill>
-                  </a:tcPr>
-                </a:tc>
-                <a:tc gridSpan="2">
-                  <a:txBody>
-                    <a:bodyPr/>
-                    <a:lstStyle>
-                      <a:lvl1pPr defTabSz="966788" eaLnBrk="0" hangingPunct="0">
-                        <a:spcBef>
-                          <a:spcPct val="20000"/>
-                        </a:spcBef>
-                        <a:defRPr sz="3000">
-                          <a:solidFill>
-                            <a:schemeClr val="tx1"/>
-                          </a:solidFill>
-                          <a:latin typeface="Arial" panose="020B0604020202020204" pitchFamily="34" charset="0"/>
-                          <a:ea typeface="ＭＳ Ｐゴシック" panose="020B0600070205080204" pitchFamily="34" charset="-128"/>
-                        </a:defRPr>
-                      </a:lvl1pPr>
-                      <a:lvl2pPr marL="742950" indent="-285750" defTabSz="966788" eaLnBrk="0" hangingPunct="0">
-                        <a:spcBef>
-                          <a:spcPct val="20000"/>
-                        </a:spcBef>
-                        <a:defRPr sz="2600">
-                          <a:solidFill>
-                            <a:schemeClr val="tx1"/>
-                          </a:solidFill>
-                          <a:latin typeface="Arial" panose="020B0604020202020204" pitchFamily="34" charset="0"/>
-                          <a:ea typeface="ＭＳ Ｐゴシック" panose="020B0600070205080204" pitchFamily="34" charset="-128"/>
-                        </a:defRPr>
-                      </a:lvl2pPr>
-                      <a:lvl3pPr marL="1143000" indent="-228600" defTabSz="966788" eaLnBrk="0" hangingPunct="0">
-                        <a:spcBef>
-                          <a:spcPct val="20000"/>
-                        </a:spcBef>
-                        <a:defRPr sz="2100">
-                          <a:solidFill>
-                            <a:schemeClr val="tx1"/>
-                          </a:solidFill>
-                          <a:latin typeface="Arial" panose="020B0604020202020204" pitchFamily="34" charset="0"/>
-                          <a:ea typeface="ＭＳ Ｐゴシック" panose="020B0600070205080204" pitchFamily="34" charset="-128"/>
-                        </a:defRPr>
-                      </a:lvl3pPr>
-                      <a:lvl4pPr marL="1600200" indent="-228600" defTabSz="966788" eaLnBrk="0" hangingPunct="0">
-                        <a:spcBef>
-                          <a:spcPct val="20000"/>
-                        </a:spcBef>
-                        <a:defRPr sz="1900">
-                          <a:solidFill>
-                            <a:schemeClr val="tx1"/>
-                          </a:solidFill>
-                          <a:latin typeface="Arial" panose="020B0604020202020204" pitchFamily="34" charset="0"/>
-                          <a:ea typeface="ＭＳ Ｐゴシック" panose="020B0600070205080204" pitchFamily="34" charset="-128"/>
-                        </a:defRPr>
-                      </a:lvl4pPr>
-                      <a:lvl5pPr marL="2057400" indent="-228600" defTabSz="966788" eaLnBrk="0" hangingPunct="0">
-                        <a:spcBef>
-                          <a:spcPct val="20000"/>
-                        </a:spcBef>
-                        <a:defRPr sz="1900">
-                          <a:solidFill>
-                            <a:schemeClr val="tx1"/>
-                          </a:solidFill>
-                          <a:latin typeface="Arial" panose="020B0604020202020204" pitchFamily="34" charset="0"/>
-                          <a:ea typeface="ＭＳ Ｐゴシック" panose="020B0600070205080204" pitchFamily="34" charset="-128"/>
-                        </a:defRPr>
-                      </a:lvl5pPr>
-                      <a:lvl6pPr marL="2514600" indent="-228600" defTabSz="966788" eaLnBrk="0" fontAlgn="base" hangingPunct="0">
-                        <a:spcBef>
-                          <a:spcPct val="20000"/>
-                        </a:spcBef>
-                        <a:spcAft>
-                          <a:spcPct val="0"/>
-                        </a:spcAft>
-                        <a:defRPr sz="1900">
-                          <a:solidFill>
-                            <a:schemeClr val="tx1"/>
-                          </a:solidFill>
-                          <a:latin typeface="Arial" panose="020B0604020202020204" pitchFamily="34" charset="0"/>
-                          <a:ea typeface="ＭＳ Ｐゴシック" panose="020B0600070205080204" pitchFamily="34" charset="-128"/>
-                        </a:defRPr>
-                      </a:lvl6pPr>
-                      <a:lvl7pPr marL="2971800" indent="-228600" defTabSz="966788" eaLnBrk="0" fontAlgn="base" hangingPunct="0">
-                        <a:spcBef>
-                          <a:spcPct val="20000"/>
-                        </a:spcBef>
-                        <a:spcAft>
-                          <a:spcPct val="0"/>
-                        </a:spcAft>
-                        <a:defRPr sz="1900">
-                          <a:solidFill>
-                            <a:schemeClr val="tx1"/>
-                          </a:solidFill>
-                          <a:latin typeface="Arial" panose="020B0604020202020204" pitchFamily="34" charset="0"/>
-                          <a:ea typeface="ＭＳ Ｐゴシック" panose="020B0600070205080204" pitchFamily="34" charset="-128"/>
-                        </a:defRPr>
-                      </a:lvl7pPr>
-                      <a:lvl8pPr marL="3429000" indent="-228600" defTabSz="966788" eaLnBrk="0" fontAlgn="base" hangingPunct="0">
-                        <a:spcBef>
-                          <a:spcPct val="20000"/>
-                        </a:spcBef>
-                        <a:spcAft>
-                          <a:spcPct val="0"/>
-                        </a:spcAft>
-                        <a:defRPr sz="1900">
-                          <a:solidFill>
-                            <a:schemeClr val="tx1"/>
-                          </a:solidFill>
-                          <a:latin typeface="Arial" panose="020B0604020202020204" pitchFamily="34" charset="0"/>
-                          <a:ea typeface="ＭＳ Ｐゴシック" panose="020B0600070205080204" pitchFamily="34" charset="-128"/>
-                        </a:defRPr>
-                      </a:lvl8pPr>
-                      <a:lvl9pPr marL="3886200" indent="-228600" defTabSz="966788" eaLnBrk="0" fontAlgn="base" hangingPunct="0">
-                        <a:spcBef>
-                          <a:spcPct val="20000"/>
-                        </a:spcBef>
-                        <a:spcAft>
-                          <a:spcPct val="0"/>
-                        </a:spcAft>
-                        <a:defRPr sz="1900">
-                          <a:solidFill>
-                            <a:schemeClr val="tx1"/>
-                          </a:solidFill>
-                          <a:latin typeface="Arial" panose="020B0604020202020204" pitchFamily="34" charset="0"/>
-                          <a:ea typeface="ＭＳ Ｐゴシック" panose="020B0600070205080204" pitchFamily="34" charset="-128"/>
-                        </a:defRPr>
-                      </a:lvl9pPr>
-                    </a:lstStyle>
-                    <a:p>
-                      <a:pPr marL="0" marR="0" lvl="0" indent="0" algn="ctr" defTabSz="966788" rtl="0" eaLnBrk="1" fontAlgn="base" latinLnBrk="0" hangingPunct="1">
-                        <a:lnSpc>
-                          <a:spcPct val="100000"/>
-                        </a:lnSpc>
-                        <a:spcBef>
-                          <a:spcPct val="20000"/>
-                        </a:spcBef>
-                        <a:spcAft>
-                          <a:spcPct val="0"/>
-                        </a:spcAft>
-                        <a:buClrTx/>
-                        <a:buSzTx/>
-                        <a:buFontTx/>
-                        <a:buNone/>
-                        <a:tabLst/>
-                      </a:pPr>
-                      <a:r>
-                        <a:rPr kumimoji="0" lang="en-US" altLang="en-US" sz="1100" b="1" i="0" u="none" strike="noStrike" cap="none" normalizeH="0" baseline="0" dirty="0">
-                          <a:ln>
-                            <a:noFill/>
-                          </a:ln>
-                          <a:solidFill>
-                            <a:schemeClr val="tx1"/>
-                          </a:solidFill>
-                          <a:effectLst/>
-                          <a:latin typeface="Arial" panose="020B0604020202020204" pitchFamily="34" charset="0"/>
-                          <a:ea typeface="ＭＳ Ｐゴシック" panose="020B0600070205080204" pitchFamily="34" charset="-128"/>
-                        </a:rPr>
-                        <a:t>Renton Fish &amp; Game Club USPSA</a:t>
-                      </a:r>
-                    </a:p>
-                    <a:p>
-                      <a:pPr marL="0" marR="0" lvl="0" indent="0" algn="ctr" defTabSz="966788" rtl="0" eaLnBrk="1" fontAlgn="base" latinLnBrk="0" hangingPunct="1">
-                        <a:lnSpc>
-                          <a:spcPct val="100000"/>
-                        </a:lnSpc>
-                        <a:spcBef>
-                          <a:spcPct val="20000"/>
-                        </a:spcBef>
-                        <a:spcAft>
-                          <a:spcPct val="0"/>
-                        </a:spcAft>
-                        <a:buClrTx/>
-                        <a:buSzTx/>
-                        <a:buFontTx/>
-                        <a:buNone/>
-                        <a:tabLst/>
-                      </a:pPr>
-                      <a:r>
-                        <a:rPr kumimoji="0" lang="en-US" altLang="en-US" sz="1400" b="1" i="0" u="none" strike="noStrike" cap="none" normalizeH="0" baseline="0" dirty="0">
-                          <a:ln>
-                            <a:noFill/>
-                          </a:ln>
-                          <a:solidFill>
-                            <a:schemeClr val="tx1"/>
-                          </a:solidFill>
-                          <a:effectLst/>
-                          <a:latin typeface="Arial" panose="020B0604020202020204" pitchFamily="34" charset="0"/>
-                          <a:ea typeface="ＭＳ Ｐゴシック" panose="020B0600070205080204" pitchFamily="34" charset="-128"/>
-                          <a:cs typeface="Times New Roman" panose="02020603050405020304" pitchFamily="18" charset="0"/>
-                        </a:rPr>
-                        <a:t>Bay 5</a:t>
-                      </a:r>
-                    </a:p>
-                    <a:p>
-                      <a:pPr marL="0" marR="0" lvl="0" indent="0" algn="ctr" defTabSz="966788" rtl="0" eaLnBrk="1" fontAlgn="base" latinLnBrk="0" hangingPunct="1">
-                        <a:lnSpc>
-                          <a:spcPct val="100000"/>
-                        </a:lnSpc>
-                        <a:spcBef>
-                          <a:spcPct val="20000"/>
-                        </a:spcBef>
-                        <a:spcAft>
-                          <a:spcPct val="0"/>
-                        </a:spcAft>
-                        <a:buClrTx/>
-                        <a:buSzTx/>
-                        <a:buFontTx/>
-                        <a:buNone/>
-                        <a:tabLst/>
-                      </a:pPr>
-                      <a:r>
-                        <a:rPr kumimoji="0" lang="en-US" altLang="en-US" sz="1400" b="1" i="0" u="none" strike="noStrike" cap="none" normalizeH="0" baseline="0">
-                          <a:ln>
-                            <a:noFill/>
-                          </a:ln>
-                          <a:solidFill>
-                            <a:schemeClr val="tx1"/>
-                          </a:solidFill>
-                          <a:effectLst/>
-                          <a:latin typeface="Arial" panose="020B0604020202020204" pitchFamily="34" charset="0"/>
-                          <a:ea typeface="ＭＳ Ｐゴシック" panose="020B0600070205080204" pitchFamily="34" charset="-128"/>
-                          <a:cs typeface="Times New Roman" panose="02020603050405020304" pitchFamily="18" charset="0"/>
-                        </a:rPr>
-                        <a:t>More Penguin </a:t>
-                      </a:r>
-                      <a:r>
-                        <a:rPr kumimoji="0" lang="en-US" altLang="en-US" sz="1400" b="1" i="0" u="none" strike="noStrike" cap="none" normalizeH="0" baseline="0" dirty="0">
-                          <a:ln>
-                            <a:noFill/>
-                          </a:ln>
-                          <a:solidFill>
-                            <a:schemeClr val="tx1"/>
-                          </a:solidFill>
-                          <a:effectLst/>
-                          <a:latin typeface="Arial" panose="020B0604020202020204" pitchFamily="34" charset="0"/>
-                          <a:ea typeface="ＭＳ Ｐゴシック" panose="020B0600070205080204" pitchFamily="34" charset="-128"/>
-                          <a:cs typeface="Times New Roman" panose="02020603050405020304" pitchFamily="18" charset="0"/>
-                        </a:rPr>
-                        <a:t>Zombies</a:t>
-                      </a:r>
-                    </a:p>
-                    <a:p>
-                      <a:pPr marL="0" marR="0" lvl="0" indent="0" algn="ctr" defTabSz="966788" rtl="0" eaLnBrk="1" fontAlgn="base" latinLnBrk="0" hangingPunct="1">
-                        <a:lnSpc>
-                          <a:spcPct val="100000"/>
-                        </a:lnSpc>
-                        <a:spcBef>
-                          <a:spcPct val="35000"/>
-                        </a:spcBef>
-                        <a:spcAft>
-                          <a:spcPct val="0"/>
-                        </a:spcAft>
-                        <a:buClrTx/>
-                        <a:buSzTx/>
-                        <a:buFontTx/>
-                        <a:buNone/>
-                        <a:tabLst/>
-                      </a:pPr>
-                      <a:r>
-                        <a:rPr kumimoji="0" lang="en-US" altLang="en-US" sz="1100" b="1" i="0" u="none" strike="noStrike" cap="none" normalizeH="0" baseline="0" dirty="0">
-                          <a:ln>
-                            <a:noFill/>
-                          </a:ln>
-                          <a:solidFill>
-                            <a:schemeClr val="tx1"/>
-                          </a:solidFill>
-                          <a:effectLst/>
-                          <a:latin typeface="Arial" panose="020B0604020202020204" pitchFamily="34" charset="0"/>
-                          <a:ea typeface="ＭＳ Ｐゴシック" panose="020B0600070205080204" pitchFamily="34" charset="-128"/>
-                          <a:cs typeface="Times New Roman" panose="02020603050405020304" pitchFamily="18" charset="0"/>
-                        </a:rPr>
-                        <a:t>Course Designer: Dave McClure</a:t>
-                      </a:r>
-                    </a:p>
-                  </a:txBody>
-                  <a:tcPr marL="42863" marR="42863" marT="42854" marB="42854" anchor="ctr" horzOverflow="overflow">
-                    <a:lnL w="28575" cap="flat" cmpd="sng" algn="ctr">
-                      <a:solidFill>
-                        <a:schemeClr val="tx1"/>
-                      </a:solidFill>
-                      <a:prstDash val="solid"/>
-                      <a:round/>
-                      <a:headEnd type="none" w="med" len="med"/>
-                      <a:tailEnd type="none" w="med" len="med"/>
-                    </a:lnL>
-                    <a:lnR w="28575" cap="flat" cmpd="sng" algn="ctr">
-                      <a:solidFill>
-                        <a:schemeClr val="tx1"/>
-                      </a:solidFill>
-                      <a:prstDash val="solid"/>
-                      <a:round/>
-                      <a:headEnd type="none" w="med" len="med"/>
-                      <a:tailEnd type="none" w="med" len="med"/>
-                    </a:lnR>
-                    <a:lnT w="28575" cap="flat" cmpd="sng" algn="ctr">
-                      <a:solidFill>
-                        <a:schemeClr val="tx1"/>
-                      </a:solidFill>
-                      <a:prstDash val="solid"/>
-                      <a:round/>
-                      <a:headEnd type="none" w="med" len="med"/>
-                      <a:tailEnd type="none" w="med" len="med"/>
-                    </a:lnT>
-                    <a:lnB w="28575" cap="flat" cmpd="sng" algn="ctr">
-                      <a:solidFill>
-                        <a:schemeClr val="tx1"/>
-                      </a:solidFill>
-                      <a:prstDash val="solid"/>
-                      <a:round/>
-                      <a:headEnd type="none" w="med" len="med"/>
-                      <a:tailEnd type="none" w="med" len="med"/>
-                    </a:lnB>
-                    <a:lnTlToBr>
-                      <a:noFill/>
-                    </a:lnTlToBr>
-                    <a:lnBlToTr>
-                      <a:noFill/>
-                    </a:lnBlToTr>
-                    <a:solidFill>
-                      <a:schemeClr val="bg1"/>
-                    </a:solidFill>
-                  </a:tcPr>
-                </a:tc>
-                <a:tc hMerge="1">
-                  <a:txBody>
-                    <a:bodyPr/>
-                    <a:lstStyle/>
-                    <a:p>
-                      <a:endParaRPr lang="en-US"/>
-                    </a:p>
-                  </a:txBody>
-                  <a:tcPr/>
-                </a:tc>
-                <a:tc>
-                  <a:txBody>
-                    <a:bodyPr/>
-                    <a:lstStyle>
-                      <a:lvl1pPr defTabSz="966788" eaLnBrk="0" hangingPunct="0">
-                        <a:spcBef>
-                          <a:spcPct val="20000"/>
-                        </a:spcBef>
-                        <a:defRPr sz="3000">
-                          <a:solidFill>
-                            <a:schemeClr val="tx1"/>
-                          </a:solidFill>
-                          <a:latin typeface="Arial" panose="020B0604020202020204" pitchFamily="34" charset="0"/>
-                          <a:ea typeface="ＭＳ Ｐゴシック" panose="020B0600070205080204" pitchFamily="34" charset="-128"/>
-                        </a:defRPr>
-                      </a:lvl1pPr>
-                      <a:lvl2pPr marL="742950" indent="-285750" defTabSz="966788" eaLnBrk="0" hangingPunct="0">
-                        <a:spcBef>
-                          <a:spcPct val="20000"/>
-                        </a:spcBef>
-                        <a:defRPr sz="2600">
-                          <a:solidFill>
-                            <a:schemeClr val="tx1"/>
-                          </a:solidFill>
-                          <a:latin typeface="Arial" panose="020B0604020202020204" pitchFamily="34" charset="0"/>
-                          <a:ea typeface="ＭＳ Ｐゴシック" panose="020B0600070205080204" pitchFamily="34" charset="-128"/>
-                        </a:defRPr>
-                      </a:lvl2pPr>
-                      <a:lvl3pPr marL="1143000" indent="-228600" defTabSz="966788" eaLnBrk="0" hangingPunct="0">
-                        <a:spcBef>
-                          <a:spcPct val="20000"/>
-                        </a:spcBef>
-                        <a:defRPr sz="2100">
-                          <a:solidFill>
-                            <a:schemeClr val="tx1"/>
-                          </a:solidFill>
-                          <a:latin typeface="Arial" panose="020B0604020202020204" pitchFamily="34" charset="0"/>
-                          <a:ea typeface="ＭＳ Ｐゴシック" panose="020B0600070205080204" pitchFamily="34" charset="-128"/>
-                        </a:defRPr>
-                      </a:lvl3pPr>
-                      <a:lvl4pPr marL="1600200" indent="-228600" defTabSz="966788" eaLnBrk="0" hangingPunct="0">
-                        <a:spcBef>
-                          <a:spcPct val="20000"/>
-                        </a:spcBef>
-                        <a:defRPr sz="1900">
-                          <a:solidFill>
-                            <a:schemeClr val="tx1"/>
-                          </a:solidFill>
-                          <a:latin typeface="Arial" panose="020B0604020202020204" pitchFamily="34" charset="0"/>
-                          <a:ea typeface="ＭＳ Ｐゴシック" panose="020B0600070205080204" pitchFamily="34" charset="-128"/>
-                        </a:defRPr>
-                      </a:lvl4pPr>
-                      <a:lvl5pPr marL="2057400" indent="-228600" defTabSz="966788" eaLnBrk="0" hangingPunct="0">
-                        <a:spcBef>
-                          <a:spcPct val="20000"/>
-                        </a:spcBef>
-                        <a:defRPr sz="1900">
-                          <a:solidFill>
-                            <a:schemeClr val="tx1"/>
-                          </a:solidFill>
-                          <a:latin typeface="Arial" panose="020B0604020202020204" pitchFamily="34" charset="0"/>
-                          <a:ea typeface="ＭＳ Ｐゴシック" panose="020B0600070205080204" pitchFamily="34" charset="-128"/>
-                        </a:defRPr>
-                      </a:lvl5pPr>
-                      <a:lvl6pPr marL="2514600" indent="-228600" defTabSz="966788" eaLnBrk="0" fontAlgn="base" hangingPunct="0">
-                        <a:spcBef>
-                          <a:spcPct val="20000"/>
-                        </a:spcBef>
-                        <a:spcAft>
-                          <a:spcPct val="0"/>
-                        </a:spcAft>
-                        <a:defRPr sz="1900">
-                          <a:solidFill>
-                            <a:schemeClr val="tx1"/>
-                          </a:solidFill>
-                          <a:latin typeface="Arial" panose="020B0604020202020204" pitchFamily="34" charset="0"/>
-                          <a:ea typeface="ＭＳ Ｐゴシック" panose="020B0600070205080204" pitchFamily="34" charset="-128"/>
-                        </a:defRPr>
-                      </a:lvl6pPr>
-                      <a:lvl7pPr marL="2971800" indent="-228600" defTabSz="966788" eaLnBrk="0" fontAlgn="base" hangingPunct="0">
-                        <a:spcBef>
-                          <a:spcPct val="20000"/>
-                        </a:spcBef>
-                        <a:spcAft>
-                          <a:spcPct val="0"/>
-                        </a:spcAft>
-                        <a:defRPr sz="1900">
-                          <a:solidFill>
-                            <a:schemeClr val="tx1"/>
-                          </a:solidFill>
-                          <a:latin typeface="Arial" panose="020B0604020202020204" pitchFamily="34" charset="0"/>
-                          <a:ea typeface="ＭＳ Ｐゴシック" panose="020B0600070205080204" pitchFamily="34" charset="-128"/>
-                        </a:defRPr>
-                      </a:lvl7pPr>
-                      <a:lvl8pPr marL="3429000" indent="-228600" defTabSz="966788" eaLnBrk="0" fontAlgn="base" hangingPunct="0">
-                        <a:spcBef>
-                          <a:spcPct val="20000"/>
-                        </a:spcBef>
-                        <a:spcAft>
-                          <a:spcPct val="0"/>
-                        </a:spcAft>
-                        <a:defRPr sz="1900">
-                          <a:solidFill>
-                            <a:schemeClr val="tx1"/>
-                          </a:solidFill>
-                          <a:latin typeface="Arial" panose="020B0604020202020204" pitchFamily="34" charset="0"/>
-                          <a:ea typeface="ＭＳ Ｐゴシック" panose="020B0600070205080204" pitchFamily="34" charset="-128"/>
-                        </a:defRPr>
-                      </a:lvl8pPr>
-                      <a:lvl9pPr marL="3886200" indent="-228600" defTabSz="966788" eaLnBrk="0" fontAlgn="base" hangingPunct="0">
-                        <a:spcBef>
-                          <a:spcPct val="20000"/>
-                        </a:spcBef>
-                        <a:spcAft>
-                          <a:spcPct val="0"/>
-                        </a:spcAft>
-                        <a:defRPr sz="1900">
-                          <a:solidFill>
-                            <a:schemeClr val="tx1"/>
-                          </a:solidFill>
-                          <a:latin typeface="Arial" panose="020B0604020202020204" pitchFamily="34" charset="0"/>
-                          <a:ea typeface="ＭＳ Ｐゴシック" panose="020B0600070205080204" pitchFamily="34" charset="-128"/>
-                        </a:defRPr>
-                      </a:lvl9pPr>
-                    </a:lstStyle>
-                    <a:p>
-                      <a:pPr marL="0" marR="0" lvl="0" indent="0" algn="l" defTabSz="966788" rtl="0" eaLnBrk="1" fontAlgn="base" latinLnBrk="0" hangingPunct="1">
-                        <a:lnSpc>
-                          <a:spcPct val="100000"/>
-                        </a:lnSpc>
-                        <a:spcBef>
-                          <a:spcPct val="20000"/>
-                        </a:spcBef>
-                        <a:spcAft>
-                          <a:spcPct val="0"/>
-                        </a:spcAft>
-                        <a:buClrTx/>
-                        <a:buSzTx/>
-                        <a:buFontTx/>
-                        <a:buNone/>
-                        <a:tabLst/>
-                      </a:pPr>
-                      <a:endParaRPr kumimoji="0" lang="en-US" altLang="en-US" sz="2800" b="0" i="0" u="none" strike="noStrike" cap="none" normalizeH="0" baseline="0">
-                        <a:ln>
-                          <a:noFill/>
-                        </a:ln>
-                        <a:solidFill>
-                          <a:schemeClr val="tx1"/>
-                        </a:solidFill>
-                        <a:effectLst/>
-                        <a:latin typeface="Arial" panose="020B0604020202020204" pitchFamily="34" charset="0"/>
-                        <a:ea typeface="ＭＳ Ｐゴシック" panose="020B0600070205080204" pitchFamily="34" charset="-128"/>
-                      </a:endParaRPr>
-                    </a:p>
-                  </a:txBody>
-                  <a:tcPr marL="85725" marR="85725" marT="42854" marB="42854" horzOverflow="overflow">
-                    <a:lnL w="28575" cap="flat" cmpd="sng" algn="ctr">
-                      <a:solidFill>
-                        <a:schemeClr val="tx1"/>
-                      </a:solidFill>
-                      <a:prstDash val="solid"/>
-                      <a:round/>
-                      <a:headEnd type="none" w="med" len="med"/>
-                      <a:tailEnd type="none" w="med" len="med"/>
-                    </a:lnL>
-                    <a:lnR>
-                      <a:noFill/>
-                    </a:lnR>
-                    <a:lnT>
-                      <a:noFill/>
-                    </a:lnT>
-                    <a:lnB w="28575" cap="flat" cmpd="sng" algn="ctr">
-                      <a:solidFill>
-                        <a:schemeClr val="tx1"/>
-                      </a:solidFill>
-                      <a:prstDash val="solid"/>
-                      <a:round/>
-                      <a:headEnd type="none" w="med" len="med"/>
-                      <a:tailEnd type="none" w="med" len="med"/>
-                    </a:lnB>
-                    <a:lnTlToBr>
-                      <a:noFill/>
-                    </a:lnTlToBr>
-                    <a:lnBlToTr>
-                      <a:noFill/>
-                    </a:lnBlToTr>
-                    <a:solidFill>
-                      <a:schemeClr val="bg1"/>
-                    </a:solidFill>
-                  </a:tcPr>
-                </a:tc>
-                <a:extLst>
-                  <a:ext uri="{0D108BD9-81ED-4DB2-BD59-A6C34878D82A}">
-                    <a16:rowId xmlns:a16="http://schemas.microsoft.com/office/drawing/2014/main" val="10000"/>
-                  </a:ext>
-                </a:extLst>
-              </a:tr>
-              <a:tr h="585562">
-                <a:tc gridSpan="4">
-                  <a:txBody>
-                    <a:bodyPr/>
-                    <a:lstStyle>
-                      <a:lvl1pPr defTabSz="966788" eaLnBrk="0" hangingPunct="0">
-                        <a:spcBef>
-                          <a:spcPct val="20000"/>
-                        </a:spcBef>
-                        <a:defRPr sz="3000">
-                          <a:solidFill>
-                            <a:schemeClr val="tx1"/>
-                          </a:solidFill>
-                          <a:latin typeface="Arial" panose="020B0604020202020204" pitchFamily="34" charset="0"/>
-                          <a:ea typeface="ＭＳ Ｐゴシック" panose="020B0600070205080204" pitchFamily="34" charset="-128"/>
-                        </a:defRPr>
-                      </a:lvl1pPr>
-                      <a:lvl2pPr marL="742950" indent="-285750" defTabSz="966788" eaLnBrk="0" hangingPunct="0">
-                        <a:spcBef>
-                          <a:spcPct val="20000"/>
-                        </a:spcBef>
-                        <a:defRPr sz="2600">
-                          <a:solidFill>
-                            <a:schemeClr val="tx1"/>
-                          </a:solidFill>
-                          <a:latin typeface="Arial" panose="020B0604020202020204" pitchFamily="34" charset="0"/>
-                          <a:ea typeface="ＭＳ Ｐゴシック" panose="020B0600070205080204" pitchFamily="34" charset="-128"/>
-                        </a:defRPr>
-                      </a:lvl2pPr>
-                      <a:lvl3pPr marL="1143000" indent="-228600" defTabSz="966788" eaLnBrk="0" hangingPunct="0">
-                        <a:spcBef>
-                          <a:spcPct val="20000"/>
-                        </a:spcBef>
-                        <a:defRPr sz="2100">
-                          <a:solidFill>
-                            <a:schemeClr val="tx1"/>
-                          </a:solidFill>
-                          <a:latin typeface="Arial" panose="020B0604020202020204" pitchFamily="34" charset="0"/>
-                          <a:ea typeface="ＭＳ Ｐゴシック" panose="020B0600070205080204" pitchFamily="34" charset="-128"/>
-                        </a:defRPr>
-                      </a:lvl3pPr>
-                      <a:lvl4pPr marL="1600200" indent="-228600" defTabSz="966788" eaLnBrk="0" hangingPunct="0">
-                        <a:spcBef>
-                          <a:spcPct val="20000"/>
-                        </a:spcBef>
-                        <a:defRPr sz="1900">
-                          <a:solidFill>
-                            <a:schemeClr val="tx1"/>
-                          </a:solidFill>
-                          <a:latin typeface="Arial" panose="020B0604020202020204" pitchFamily="34" charset="0"/>
-                          <a:ea typeface="ＭＳ Ｐゴシック" panose="020B0600070205080204" pitchFamily="34" charset="-128"/>
-                        </a:defRPr>
-                      </a:lvl4pPr>
-                      <a:lvl5pPr marL="2057400" indent="-228600" defTabSz="966788" eaLnBrk="0" hangingPunct="0">
-                        <a:spcBef>
-                          <a:spcPct val="20000"/>
-                        </a:spcBef>
-                        <a:defRPr sz="1900">
-                          <a:solidFill>
-                            <a:schemeClr val="tx1"/>
-                          </a:solidFill>
-                          <a:latin typeface="Arial" panose="020B0604020202020204" pitchFamily="34" charset="0"/>
-                          <a:ea typeface="ＭＳ Ｐゴシック" panose="020B0600070205080204" pitchFamily="34" charset="-128"/>
-                        </a:defRPr>
-                      </a:lvl5pPr>
-                      <a:lvl6pPr marL="2514600" indent="-228600" defTabSz="966788" eaLnBrk="0" fontAlgn="base" hangingPunct="0">
-                        <a:spcBef>
-                          <a:spcPct val="20000"/>
-                        </a:spcBef>
-                        <a:spcAft>
-                          <a:spcPct val="0"/>
-                        </a:spcAft>
-                        <a:defRPr sz="1900">
-                          <a:solidFill>
-                            <a:schemeClr val="tx1"/>
-                          </a:solidFill>
-                          <a:latin typeface="Arial" panose="020B0604020202020204" pitchFamily="34" charset="0"/>
-                          <a:ea typeface="ＭＳ Ｐゴシック" panose="020B0600070205080204" pitchFamily="34" charset="-128"/>
-                        </a:defRPr>
-                      </a:lvl6pPr>
-                      <a:lvl7pPr marL="2971800" indent="-228600" defTabSz="966788" eaLnBrk="0" fontAlgn="base" hangingPunct="0">
-                        <a:spcBef>
-                          <a:spcPct val="20000"/>
-                        </a:spcBef>
-                        <a:spcAft>
-                          <a:spcPct val="0"/>
-                        </a:spcAft>
-                        <a:defRPr sz="1900">
-                          <a:solidFill>
-                            <a:schemeClr val="tx1"/>
-                          </a:solidFill>
-                          <a:latin typeface="Arial" panose="020B0604020202020204" pitchFamily="34" charset="0"/>
-                          <a:ea typeface="ＭＳ Ｐゴシック" panose="020B0600070205080204" pitchFamily="34" charset="-128"/>
-                        </a:defRPr>
-                      </a:lvl7pPr>
-                      <a:lvl8pPr marL="3429000" indent="-228600" defTabSz="966788" eaLnBrk="0" fontAlgn="base" hangingPunct="0">
-                        <a:spcBef>
-                          <a:spcPct val="20000"/>
-                        </a:spcBef>
-                        <a:spcAft>
-                          <a:spcPct val="0"/>
-                        </a:spcAft>
-                        <a:defRPr sz="1900">
-                          <a:solidFill>
-                            <a:schemeClr val="tx1"/>
-                          </a:solidFill>
-                          <a:latin typeface="Arial" panose="020B0604020202020204" pitchFamily="34" charset="0"/>
-                          <a:ea typeface="ＭＳ Ｐゴシック" panose="020B0600070205080204" pitchFamily="34" charset="-128"/>
-                        </a:defRPr>
-                      </a:lvl8pPr>
-                      <a:lvl9pPr marL="3886200" indent="-228600" defTabSz="966788" eaLnBrk="0" fontAlgn="base" hangingPunct="0">
-                        <a:spcBef>
-                          <a:spcPct val="20000"/>
-                        </a:spcBef>
-                        <a:spcAft>
-                          <a:spcPct val="0"/>
-                        </a:spcAft>
-                        <a:defRPr sz="1900">
-                          <a:solidFill>
-                            <a:schemeClr val="tx1"/>
-                          </a:solidFill>
-                          <a:latin typeface="Arial" panose="020B0604020202020204" pitchFamily="34" charset="0"/>
-                          <a:ea typeface="ＭＳ Ｐゴシック" panose="020B0600070205080204" pitchFamily="34" charset="-128"/>
-                        </a:defRPr>
-                      </a:lvl9pPr>
-                    </a:lstStyle>
-                    <a:p>
-                      <a:pPr marL="0" marR="0" lvl="0" indent="0" algn="l" defTabSz="966788" rtl="0" eaLnBrk="1" fontAlgn="base" latinLnBrk="0" hangingPunct="1">
-                        <a:lnSpc>
-                          <a:spcPct val="90000"/>
-                        </a:lnSpc>
-                        <a:spcBef>
-                          <a:spcPct val="10000"/>
-                        </a:spcBef>
-                        <a:spcAft>
-                          <a:spcPct val="0"/>
-                        </a:spcAft>
-                        <a:buClrTx/>
-                        <a:buSzTx/>
-                        <a:buFontTx/>
-                        <a:buNone/>
-                        <a:tabLst/>
-                        <a:defRPr/>
-                      </a:pPr>
-                      <a:r>
-                        <a:rPr kumimoji="0" lang="en-US" altLang="en-US" sz="1000" b="1" i="0" u="none" strike="noStrike" cap="none" normalizeH="0" baseline="0" dirty="0">
-                          <a:ln>
-                            <a:noFill/>
-                          </a:ln>
-                          <a:solidFill>
-                            <a:schemeClr val="tx1"/>
-                          </a:solidFill>
-                          <a:effectLst/>
-                          <a:latin typeface="Arial" panose="020B0604020202020204" pitchFamily="34" charset="0"/>
-                          <a:ea typeface="ＭＳ Ｐゴシック" panose="020B0600070205080204" pitchFamily="34" charset="-128"/>
-                          <a:cs typeface="Times New Roman" panose="02020603050405020304" pitchFamily="18" charset="0"/>
-                        </a:rPr>
-                        <a:t>START POSITION:  Starting with toes touching XXs, gun loaded and holstered.</a:t>
-                      </a:r>
-                    </a:p>
-                    <a:p>
-                      <a:pPr marL="0" marR="0" lvl="0" indent="0" algn="l" defTabSz="966788" rtl="0" eaLnBrk="1" fontAlgn="base" latinLnBrk="0" hangingPunct="1">
-                        <a:lnSpc>
-                          <a:spcPct val="90000"/>
-                        </a:lnSpc>
-                        <a:spcBef>
-                          <a:spcPct val="10000"/>
-                        </a:spcBef>
-                        <a:spcAft>
-                          <a:spcPct val="0"/>
-                        </a:spcAft>
-                        <a:buClrTx/>
-                        <a:buSzTx/>
-                        <a:buFontTx/>
-                        <a:buNone/>
-                        <a:tabLst/>
-                        <a:defRPr/>
-                      </a:pPr>
-                      <a:endParaRPr kumimoji="0" lang="en-US" altLang="en-US" sz="1000" b="1" i="0" u="none" strike="noStrike" cap="none" normalizeH="0" baseline="0" dirty="0">
-                        <a:ln>
-                          <a:noFill/>
-                        </a:ln>
-                        <a:solidFill>
-                          <a:schemeClr val="tx1"/>
-                        </a:solidFill>
-                        <a:effectLst/>
-                        <a:latin typeface="Arial" panose="020B0604020202020204" pitchFamily="34" charset="0"/>
-                        <a:ea typeface="ＭＳ Ｐゴシック" panose="020B0600070205080204" pitchFamily="34" charset="-128"/>
-                        <a:cs typeface="Times New Roman" panose="02020603050405020304" pitchFamily="18" charset="0"/>
-                      </a:endParaRPr>
-                    </a:p>
-                    <a:p>
-                      <a:pPr marL="0" marR="0" lvl="0" indent="0" algn="l" defTabSz="966788" rtl="0" eaLnBrk="1" fontAlgn="base" latinLnBrk="0" hangingPunct="1">
-                        <a:lnSpc>
-                          <a:spcPct val="90000"/>
-                        </a:lnSpc>
-                        <a:spcBef>
-                          <a:spcPct val="10000"/>
-                        </a:spcBef>
-                        <a:spcAft>
-                          <a:spcPct val="0"/>
-                        </a:spcAft>
-                        <a:buClrTx/>
-                        <a:buSzTx/>
-                        <a:buFontTx/>
-                        <a:buNone/>
-                        <a:tabLst/>
-                        <a:defRPr/>
-                      </a:pPr>
-                      <a:endParaRPr kumimoji="0" lang="en-US" altLang="en-US" sz="1000" b="1" i="0" u="none" strike="noStrike" cap="none" normalizeH="0" baseline="0" dirty="0">
-                        <a:ln>
-                          <a:noFill/>
-                        </a:ln>
-                        <a:solidFill>
-                          <a:schemeClr val="tx1"/>
-                        </a:solidFill>
-                        <a:effectLst/>
-                        <a:latin typeface="Arial" panose="020B0604020202020204" pitchFamily="34" charset="0"/>
-                        <a:ea typeface="ＭＳ Ｐゴシック" panose="020B0600070205080204" pitchFamily="34" charset="-128"/>
-                        <a:cs typeface="Times New Roman" panose="02020603050405020304" pitchFamily="18" charset="0"/>
-                      </a:endParaRPr>
-                    </a:p>
-                    <a:p>
-                      <a:pPr marL="0" marR="0" lvl="0" indent="0" algn="l" defTabSz="966788" rtl="0" eaLnBrk="1" fontAlgn="base" latinLnBrk="0" hangingPunct="1">
-                        <a:lnSpc>
-                          <a:spcPct val="90000"/>
-                        </a:lnSpc>
-                        <a:spcBef>
-                          <a:spcPct val="10000"/>
-                        </a:spcBef>
-                        <a:spcAft>
-                          <a:spcPct val="0"/>
-                        </a:spcAft>
-                        <a:buClrTx/>
-                        <a:buSzTx/>
-                        <a:buFontTx/>
-                        <a:buNone/>
-                        <a:tabLst/>
-                      </a:pPr>
-                      <a:r>
-                        <a:rPr kumimoji="0" lang="en-US" altLang="en-US" sz="1000" b="1" i="0" u="none" strike="noStrike" cap="none" normalizeH="0" baseline="0" dirty="0">
-                          <a:ln>
-                            <a:noFill/>
-                          </a:ln>
-                          <a:solidFill>
-                            <a:schemeClr val="tx1"/>
-                          </a:solidFill>
-                          <a:effectLst/>
-                          <a:latin typeface="Arial" panose="020B0604020202020204" pitchFamily="34" charset="0"/>
-                          <a:ea typeface="ＭＳ Ｐゴシック" panose="020B0600070205080204" pitchFamily="34" charset="-128"/>
-                          <a:cs typeface="Times New Roman" panose="02020603050405020304" pitchFamily="18" charset="0"/>
-                        </a:rPr>
-                        <a:t>PCC:  Starting with toes touching XXs, gun loaded, gun stock touching belt, muzzle pointed downrange</a:t>
-                      </a:r>
-                    </a:p>
-                  </a:txBody>
-                  <a:tcPr marL="17145" marR="17145" marT="34283" marB="34283" horzOverflow="overflow">
-                    <a:lnL w="28575" cap="flat" cmpd="sng" algn="ctr">
-                      <a:solidFill>
-                        <a:schemeClr val="tx1"/>
-                      </a:solidFill>
-                      <a:prstDash val="solid"/>
-                      <a:round/>
-                      <a:headEnd type="none" w="med" len="med"/>
-                      <a:tailEnd type="none" w="med" len="med"/>
-                    </a:lnL>
-                    <a:lnR w="28575" cap="flat" cmpd="sng" algn="ctr">
-                      <a:solidFill>
-                        <a:schemeClr val="tx1"/>
-                      </a:solidFill>
-                      <a:prstDash val="solid"/>
-                      <a:round/>
-                      <a:headEnd type="none" w="med" len="med"/>
-                      <a:tailEnd type="none" w="med" len="med"/>
-                    </a:lnR>
-                    <a:lnT w="28575" cap="flat" cmpd="sng" algn="ctr">
-                      <a:solidFill>
-                        <a:schemeClr val="tx1"/>
-                      </a:solidFill>
-                      <a:prstDash val="solid"/>
-                      <a:round/>
-                      <a:headEnd type="none" w="med" len="med"/>
-                      <a:tailEnd type="none" w="med" len="med"/>
-                    </a:lnT>
-                    <a:lnB w="28575" cap="flat" cmpd="sng" algn="ctr">
-                      <a:solidFill>
-                        <a:schemeClr val="tx1"/>
-                      </a:solidFill>
-                      <a:prstDash val="solid"/>
-                      <a:round/>
-                      <a:headEnd type="none" w="med" len="med"/>
-                      <a:tailEnd type="none" w="med" len="med"/>
-                    </a:lnB>
-                    <a:lnTlToBr>
-                      <a:noFill/>
-                    </a:lnTlToBr>
-                    <a:lnBlToTr>
-                      <a:noFill/>
-                    </a:lnBlToTr>
-                    <a:solidFill>
-                      <a:schemeClr val="bg1"/>
-                    </a:solidFill>
-                  </a:tcPr>
-                </a:tc>
-                <a:tc hMerge="1">
-                  <a:txBody>
-                    <a:bodyPr/>
-                    <a:lstStyle/>
-                    <a:p>
-                      <a:endParaRPr lang="en-US"/>
-                    </a:p>
-                  </a:txBody>
-                  <a:tcPr/>
-                </a:tc>
-                <a:tc hMerge="1">
-                  <a:txBody>
-                    <a:bodyPr/>
-                    <a:lstStyle/>
-                    <a:p>
-                      <a:endParaRPr lang="en-US"/>
-                    </a:p>
-                  </a:txBody>
-                  <a:tcPr/>
-                </a:tc>
-                <a:tc hMerge="1">
-                  <a:txBody>
-                    <a:bodyPr/>
-                    <a:lstStyle/>
-                    <a:p>
-                      <a:endParaRPr lang="en-US"/>
-                    </a:p>
-                  </a:txBody>
-                  <a:tcPr/>
-                </a:tc>
-                <a:extLst>
-                  <a:ext uri="{0D108BD9-81ED-4DB2-BD59-A6C34878D82A}">
-                    <a16:rowId xmlns:a16="http://schemas.microsoft.com/office/drawing/2014/main" val="10001"/>
-                  </a:ext>
-                </a:extLst>
-              </a:tr>
-              <a:tr h="402576">
-                <a:tc gridSpan="2">
-                  <a:txBody>
-                    <a:bodyPr/>
-                    <a:lstStyle>
-                      <a:lvl1pPr defTabSz="966788" eaLnBrk="0" hangingPunct="0">
-                        <a:spcBef>
-                          <a:spcPct val="20000"/>
-                        </a:spcBef>
-                        <a:defRPr sz="3000">
-                          <a:solidFill>
-                            <a:schemeClr val="tx1"/>
-                          </a:solidFill>
-                          <a:latin typeface="Arial" panose="020B0604020202020204" pitchFamily="34" charset="0"/>
-                          <a:ea typeface="ＭＳ Ｐゴシック" panose="020B0600070205080204" pitchFamily="34" charset="-128"/>
-                        </a:defRPr>
-                      </a:lvl1pPr>
-                      <a:lvl2pPr marL="742950" indent="-285750" defTabSz="966788" eaLnBrk="0" hangingPunct="0">
-                        <a:spcBef>
-                          <a:spcPct val="20000"/>
-                        </a:spcBef>
-                        <a:defRPr sz="2600">
-                          <a:solidFill>
-                            <a:schemeClr val="tx1"/>
-                          </a:solidFill>
-                          <a:latin typeface="Arial" panose="020B0604020202020204" pitchFamily="34" charset="0"/>
-                          <a:ea typeface="ＭＳ Ｐゴシック" panose="020B0600070205080204" pitchFamily="34" charset="-128"/>
-                        </a:defRPr>
-                      </a:lvl2pPr>
-                      <a:lvl3pPr marL="1143000" indent="-228600" defTabSz="966788" eaLnBrk="0" hangingPunct="0">
-                        <a:spcBef>
-                          <a:spcPct val="20000"/>
-                        </a:spcBef>
-                        <a:defRPr sz="2100">
-                          <a:solidFill>
-                            <a:schemeClr val="tx1"/>
-                          </a:solidFill>
-                          <a:latin typeface="Arial" panose="020B0604020202020204" pitchFamily="34" charset="0"/>
-                          <a:ea typeface="ＭＳ Ｐゴシック" panose="020B0600070205080204" pitchFamily="34" charset="-128"/>
-                        </a:defRPr>
-                      </a:lvl3pPr>
-                      <a:lvl4pPr marL="1600200" indent="-228600" defTabSz="966788" eaLnBrk="0" hangingPunct="0">
-                        <a:spcBef>
-                          <a:spcPct val="20000"/>
-                        </a:spcBef>
-                        <a:defRPr sz="1900">
-                          <a:solidFill>
-                            <a:schemeClr val="tx1"/>
-                          </a:solidFill>
-                          <a:latin typeface="Arial" panose="020B0604020202020204" pitchFamily="34" charset="0"/>
-                          <a:ea typeface="ＭＳ Ｐゴシック" panose="020B0600070205080204" pitchFamily="34" charset="-128"/>
-                        </a:defRPr>
-                      </a:lvl4pPr>
-                      <a:lvl5pPr marL="2057400" indent="-228600" defTabSz="966788" eaLnBrk="0" hangingPunct="0">
-                        <a:spcBef>
-                          <a:spcPct val="20000"/>
-                        </a:spcBef>
-                        <a:defRPr sz="1900">
-                          <a:solidFill>
-                            <a:schemeClr val="tx1"/>
-                          </a:solidFill>
-                          <a:latin typeface="Arial" panose="020B0604020202020204" pitchFamily="34" charset="0"/>
-                          <a:ea typeface="ＭＳ Ｐゴシック" panose="020B0600070205080204" pitchFamily="34" charset="-128"/>
-                        </a:defRPr>
-                      </a:lvl5pPr>
-                      <a:lvl6pPr marL="2514600" indent="-228600" defTabSz="966788" eaLnBrk="0" fontAlgn="base" hangingPunct="0">
-                        <a:spcBef>
-                          <a:spcPct val="20000"/>
-                        </a:spcBef>
-                        <a:spcAft>
-                          <a:spcPct val="0"/>
-                        </a:spcAft>
-                        <a:defRPr sz="1900">
-                          <a:solidFill>
-                            <a:schemeClr val="tx1"/>
-                          </a:solidFill>
-                          <a:latin typeface="Arial" panose="020B0604020202020204" pitchFamily="34" charset="0"/>
-                          <a:ea typeface="ＭＳ Ｐゴシック" panose="020B0600070205080204" pitchFamily="34" charset="-128"/>
-                        </a:defRPr>
-                      </a:lvl6pPr>
-                      <a:lvl7pPr marL="2971800" indent="-228600" defTabSz="966788" eaLnBrk="0" fontAlgn="base" hangingPunct="0">
-                        <a:spcBef>
-                          <a:spcPct val="20000"/>
-                        </a:spcBef>
-                        <a:spcAft>
-                          <a:spcPct val="0"/>
-                        </a:spcAft>
-                        <a:defRPr sz="1900">
-                          <a:solidFill>
-                            <a:schemeClr val="tx1"/>
-                          </a:solidFill>
-                          <a:latin typeface="Arial" panose="020B0604020202020204" pitchFamily="34" charset="0"/>
-                          <a:ea typeface="ＭＳ Ｐゴシック" panose="020B0600070205080204" pitchFamily="34" charset="-128"/>
-                        </a:defRPr>
-                      </a:lvl7pPr>
-                      <a:lvl8pPr marL="3429000" indent="-228600" defTabSz="966788" eaLnBrk="0" fontAlgn="base" hangingPunct="0">
-                        <a:spcBef>
-                          <a:spcPct val="20000"/>
-                        </a:spcBef>
-                        <a:spcAft>
-                          <a:spcPct val="0"/>
-                        </a:spcAft>
-                        <a:defRPr sz="1900">
-                          <a:solidFill>
-                            <a:schemeClr val="tx1"/>
-                          </a:solidFill>
-                          <a:latin typeface="Arial" panose="020B0604020202020204" pitchFamily="34" charset="0"/>
-                          <a:ea typeface="ＭＳ Ｐゴシック" panose="020B0600070205080204" pitchFamily="34" charset="-128"/>
-                        </a:defRPr>
-                      </a:lvl8pPr>
-                      <a:lvl9pPr marL="3886200" indent="-228600" defTabSz="966788" eaLnBrk="0" fontAlgn="base" hangingPunct="0">
-                        <a:spcBef>
-                          <a:spcPct val="20000"/>
-                        </a:spcBef>
-                        <a:spcAft>
-                          <a:spcPct val="0"/>
-                        </a:spcAft>
-                        <a:defRPr sz="1900">
-                          <a:solidFill>
-                            <a:schemeClr val="tx1"/>
-                          </a:solidFill>
-                          <a:latin typeface="Arial" panose="020B0604020202020204" pitchFamily="34" charset="0"/>
-                          <a:ea typeface="ＭＳ Ｐゴシック" panose="020B0600070205080204" pitchFamily="34" charset="-128"/>
-                        </a:defRPr>
-                      </a:lvl9pPr>
-                    </a:lstStyle>
-                    <a:p>
-                      <a:pPr marL="0" marR="0" lvl="0" indent="0" algn="l" defTabSz="966788" rtl="0" eaLnBrk="1" fontAlgn="base" latinLnBrk="0" hangingPunct="1">
-                        <a:lnSpc>
-                          <a:spcPct val="100000"/>
-                        </a:lnSpc>
-                        <a:spcBef>
-                          <a:spcPct val="20000"/>
-                        </a:spcBef>
-                        <a:spcAft>
-                          <a:spcPct val="0"/>
-                        </a:spcAft>
-                        <a:buClrTx/>
-                        <a:buSzTx/>
-                        <a:buFontTx/>
-                        <a:buNone/>
-                        <a:tabLst/>
-                      </a:pPr>
-                      <a:r>
-                        <a:rPr kumimoji="0" lang="en-US" altLang="en-US" sz="1000" b="1" i="0" u="none" strike="noStrike" cap="none" normalizeH="0" baseline="0" dirty="0">
-                          <a:ln>
-                            <a:noFill/>
-                          </a:ln>
-                          <a:solidFill>
-                            <a:schemeClr val="tx1"/>
-                          </a:solidFill>
-                          <a:effectLst/>
-                          <a:latin typeface="Arial" panose="020B0604020202020204" pitchFamily="34" charset="0"/>
-                          <a:ea typeface="ＭＳ Ｐゴシック" panose="020B0600070205080204" pitchFamily="34" charset="-128"/>
-                          <a:cs typeface="Times New Roman" panose="02020603050405020304" pitchFamily="18" charset="0"/>
-                        </a:rPr>
-                        <a:t>STAGE PROCEDURE:  Engage targets as they become visible from within the shooting area.</a:t>
-                      </a:r>
-                    </a:p>
-                  </a:txBody>
-                  <a:tcPr marL="17145" marR="17145" marT="25712" marB="25712" horzOverflow="overflow">
-                    <a:lnL w="28575" cap="flat" cmpd="sng" algn="ctr">
-                      <a:solidFill>
-                        <a:schemeClr val="tx1"/>
-                      </a:solidFill>
-                      <a:prstDash val="solid"/>
-                      <a:round/>
-                      <a:headEnd type="none" w="med" len="med"/>
-                      <a:tailEnd type="none" w="med" len="med"/>
-                    </a:lnL>
-                    <a:lnR w="28575" cap="flat" cmpd="sng" algn="ctr">
-                      <a:solidFill>
-                        <a:schemeClr val="tx1"/>
-                      </a:solidFill>
-                      <a:prstDash val="solid"/>
-                      <a:round/>
-                      <a:headEnd type="none" w="med" len="med"/>
-                      <a:tailEnd type="none" w="med" len="med"/>
-                    </a:lnR>
-                    <a:lnT w="28575" cap="flat" cmpd="sng" algn="ctr">
-                      <a:solidFill>
-                        <a:schemeClr val="tx1"/>
-                      </a:solidFill>
-                      <a:prstDash val="solid"/>
-                      <a:round/>
-                      <a:headEnd type="none" w="med" len="med"/>
-                      <a:tailEnd type="none" w="med" len="med"/>
-                    </a:lnT>
-                    <a:lnB w="28575" cap="flat" cmpd="sng" algn="ctr">
-                      <a:solidFill>
-                        <a:schemeClr val="tx1"/>
-                      </a:solidFill>
-                      <a:prstDash val="solid"/>
-                      <a:round/>
-                      <a:headEnd type="none" w="med" len="med"/>
-                      <a:tailEnd type="none" w="med" len="med"/>
-                    </a:lnB>
-                    <a:lnTlToBr>
-                      <a:noFill/>
-                    </a:lnTlToBr>
-                    <a:lnBlToTr>
-                      <a:noFill/>
-                    </a:lnBlToTr>
-                    <a:solidFill>
-                      <a:schemeClr val="bg1"/>
-                    </a:solidFill>
-                  </a:tcPr>
-                </a:tc>
-                <a:tc hMerge="1">
-                  <a:txBody>
-                    <a:bodyPr/>
-                    <a:lstStyle/>
-                    <a:p>
-                      <a:endParaRPr lang="en-US"/>
-                    </a:p>
-                  </a:txBody>
-                  <a:tcPr/>
-                </a:tc>
-                <a:tc rowSpan="2" gridSpan="2">
-                  <a:txBody>
-                    <a:bodyPr/>
-                    <a:lstStyle>
-                      <a:lvl1pPr defTabSz="966788" eaLnBrk="0" hangingPunct="0">
-                        <a:spcBef>
-                          <a:spcPct val="20000"/>
-                        </a:spcBef>
-                        <a:defRPr sz="3000">
-                          <a:solidFill>
-                            <a:schemeClr val="tx1"/>
-                          </a:solidFill>
-                          <a:latin typeface="Arial" panose="020B0604020202020204" pitchFamily="34" charset="0"/>
-                          <a:ea typeface="ＭＳ Ｐゴシック" panose="020B0600070205080204" pitchFamily="34" charset="-128"/>
-                        </a:defRPr>
-                      </a:lvl1pPr>
-                      <a:lvl2pPr marL="742950" indent="-285750" defTabSz="966788" eaLnBrk="0" hangingPunct="0">
-                        <a:spcBef>
-                          <a:spcPct val="20000"/>
-                        </a:spcBef>
-                        <a:defRPr sz="2600">
-                          <a:solidFill>
-                            <a:schemeClr val="tx1"/>
-                          </a:solidFill>
-                          <a:latin typeface="Arial" panose="020B0604020202020204" pitchFamily="34" charset="0"/>
-                          <a:ea typeface="ＭＳ Ｐゴシック" panose="020B0600070205080204" pitchFamily="34" charset="-128"/>
-                        </a:defRPr>
-                      </a:lvl2pPr>
-                      <a:lvl3pPr marL="1143000" indent="-228600" defTabSz="966788" eaLnBrk="0" hangingPunct="0">
-                        <a:spcBef>
-                          <a:spcPct val="20000"/>
-                        </a:spcBef>
-                        <a:defRPr sz="2100">
-                          <a:solidFill>
-                            <a:schemeClr val="tx1"/>
-                          </a:solidFill>
-                          <a:latin typeface="Arial" panose="020B0604020202020204" pitchFamily="34" charset="0"/>
-                          <a:ea typeface="ＭＳ Ｐゴシック" panose="020B0600070205080204" pitchFamily="34" charset="-128"/>
-                        </a:defRPr>
-                      </a:lvl3pPr>
-                      <a:lvl4pPr marL="1600200" indent="-228600" defTabSz="966788" eaLnBrk="0" hangingPunct="0">
-                        <a:spcBef>
-                          <a:spcPct val="20000"/>
-                        </a:spcBef>
-                        <a:defRPr sz="1900">
-                          <a:solidFill>
-                            <a:schemeClr val="tx1"/>
-                          </a:solidFill>
-                          <a:latin typeface="Arial" panose="020B0604020202020204" pitchFamily="34" charset="0"/>
-                          <a:ea typeface="ＭＳ Ｐゴシック" panose="020B0600070205080204" pitchFamily="34" charset="-128"/>
-                        </a:defRPr>
-                      </a:lvl4pPr>
-                      <a:lvl5pPr marL="2057400" indent="-228600" defTabSz="966788" eaLnBrk="0" hangingPunct="0">
-                        <a:spcBef>
-                          <a:spcPct val="20000"/>
-                        </a:spcBef>
-                        <a:defRPr sz="1900">
-                          <a:solidFill>
-                            <a:schemeClr val="tx1"/>
-                          </a:solidFill>
-                          <a:latin typeface="Arial" panose="020B0604020202020204" pitchFamily="34" charset="0"/>
-                          <a:ea typeface="ＭＳ Ｐゴシック" panose="020B0600070205080204" pitchFamily="34" charset="-128"/>
-                        </a:defRPr>
-                      </a:lvl5pPr>
-                      <a:lvl6pPr marL="2514600" indent="-228600" defTabSz="966788" eaLnBrk="0" fontAlgn="base" hangingPunct="0">
-                        <a:spcBef>
-                          <a:spcPct val="20000"/>
-                        </a:spcBef>
-                        <a:spcAft>
-                          <a:spcPct val="0"/>
-                        </a:spcAft>
-                        <a:defRPr sz="1900">
-                          <a:solidFill>
-                            <a:schemeClr val="tx1"/>
-                          </a:solidFill>
-                          <a:latin typeface="Arial" panose="020B0604020202020204" pitchFamily="34" charset="0"/>
-                          <a:ea typeface="ＭＳ Ｐゴシック" panose="020B0600070205080204" pitchFamily="34" charset="-128"/>
-                        </a:defRPr>
-                      </a:lvl6pPr>
-                      <a:lvl7pPr marL="2971800" indent="-228600" defTabSz="966788" eaLnBrk="0" fontAlgn="base" hangingPunct="0">
-                        <a:spcBef>
-                          <a:spcPct val="20000"/>
-                        </a:spcBef>
-                        <a:spcAft>
-                          <a:spcPct val="0"/>
-                        </a:spcAft>
-                        <a:defRPr sz="1900">
-                          <a:solidFill>
-                            <a:schemeClr val="tx1"/>
-                          </a:solidFill>
-                          <a:latin typeface="Arial" panose="020B0604020202020204" pitchFamily="34" charset="0"/>
-                          <a:ea typeface="ＭＳ Ｐゴシック" panose="020B0600070205080204" pitchFamily="34" charset="-128"/>
-                        </a:defRPr>
-                      </a:lvl7pPr>
-                      <a:lvl8pPr marL="3429000" indent="-228600" defTabSz="966788" eaLnBrk="0" fontAlgn="base" hangingPunct="0">
-                        <a:spcBef>
-                          <a:spcPct val="20000"/>
-                        </a:spcBef>
-                        <a:spcAft>
-                          <a:spcPct val="0"/>
-                        </a:spcAft>
-                        <a:defRPr sz="1900">
-                          <a:solidFill>
-                            <a:schemeClr val="tx1"/>
-                          </a:solidFill>
-                          <a:latin typeface="Arial" panose="020B0604020202020204" pitchFamily="34" charset="0"/>
-                          <a:ea typeface="ＭＳ Ｐゴシック" panose="020B0600070205080204" pitchFamily="34" charset="-128"/>
-                        </a:defRPr>
-                      </a:lvl8pPr>
-                      <a:lvl9pPr marL="3886200" indent="-228600" defTabSz="966788" eaLnBrk="0" fontAlgn="base" hangingPunct="0">
-                        <a:spcBef>
-                          <a:spcPct val="20000"/>
-                        </a:spcBef>
-                        <a:spcAft>
-                          <a:spcPct val="0"/>
-                        </a:spcAft>
-                        <a:defRPr sz="1900">
-                          <a:solidFill>
-                            <a:schemeClr val="tx1"/>
-                          </a:solidFill>
-                          <a:latin typeface="Arial" panose="020B0604020202020204" pitchFamily="34" charset="0"/>
-                          <a:ea typeface="ＭＳ Ｐゴシック" panose="020B0600070205080204" pitchFamily="34" charset="-128"/>
-                        </a:defRPr>
-                      </a:lvl9pPr>
-                    </a:lstStyle>
-                    <a:p>
-                      <a:pPr marL="0" marR="0" lvl="0" indent="0" algn="l" defTabSz="966788" rtl="0" eaLnBrk="0" fontAlgn="base" latinLnBrk="0" hangingPunct="0">
-                        <a:lnSpc>
-                          <a:spcPct val="100000"/>
-                        </a:lnSpc>
-                        <a:spcBef>
-                          <a:spcPct val="0"/>
-                        </a:spcBef>
-                        <a:spcAft>
-                          <a:spcPct val="0"/>
-                        </a:spcAft>
-                        <a:buClrTx/>
-                        <a:buSzTx/>
-                        <a:buFontTx/>
-                        <a:buNone/>
-                        <a:tabLst/>
-                      </a:pPr>
-                      <a:r>
-                        <a:rPr kumimoji="0" lang="en-US" altLang="en-US" sz="1000" b="1" i="0" u="none" strike="noStrike" cap="none" normalizeH="0" baseline="0" dirty="0">
-                          <a:ln>
-                            <a:noFill/>
-                          </a:ln>
-                          <a:solidFill>
-                            <a:schemeClr val="tx1"/>
-                          </a:solidFill>
-                          <a:effectLst/>
-                          <a:latin typeface="Arial" panose="020B0604020202020204" pitchFamily="34" charset="0"/>
-                          <a:ea typeface="ＭＳ Ｐゴシック" panose="020B0600070205080204" pitchFamily="34" charset="-128"/>
-                          <a:cs typeface="Times New Roman" panose="02020603050405020304" pitchFamily="18" charset="0"/>
-                        </a:rPr>
-                        <a:t>STRINGS:                 1</a:t>
-                      </a:r>
-                    </a:p>
-                    <a:p>
-                      <a:pPr marL="0" marR="0" lvl="0" indent="0" algn="l" defTabSz="966788" rtl="0" eaLnBrk="0" fontAlgn="base" latinLnBrk="0" hangingPunct="0">
-                        <a:lnSpc>
-                          <a:spcPct val="100000"/>
-                        </a:lnSpc>
-                        <a:spcBef>
-                          <a:spcPct val="0"/>
-                        </a:spcBef>
-                        <a:spcAft>
-                          <a:spcPct val="0"/>
-                        </a:spcAft>
-                        <a:buClrTx/>
-                        <a:buSzTx/>
-                        <a:buFontTx/>
-                        <a:buNone/>
-                        <a:tabLst/>
-                      </a:pPr>
-                      <a:r>
-                        <a:rPr kumimoji="0" lang="en-US" altLang="en-US" sz="1000" b="1" i="0" u="none" strike="noStrike" cap="none" normalizeH="0" baseline="0" dirty="0">
-                          <a:ln>
-                            <a:noFill/>
-                          </a:ln>
-                          <a:solidFill>
-                            <a:schemeClr val="tx1"/>
-                          </a:solidFill>
-                          <a:effectLst/>
-                          <a:latin typeface="Arial" panose="020B0604020202020204" pitchFamily="34" charset="0"/>
-                          <a:ea typeface="ＭＳ Ｐゴシック" panose="020B0600070205080204" pitchFamily="34" charset="-128"/>
-                          <a:cs typeface="Times New Roman" panose="02020603050405020304" pitchFamily="18" charset="0"/>
-                        </a:rPr>
-                        <a:t>SCORING:                28 rounds, 140 points, Comstock</a:t>
-                      </a:r>
-                    </a:p>
-                    <a:p>
-                      <a:pPr marL="0" marR="0" lvl="0" indent="0" algn="l" defTabSz="966788" rtl="0" eaLnBrk="0" fontAlgn="base" latinLnBrk="0" hangingPunct="0">
-                        <a:lnSpc>
-                          <a:spcPct val="100000"/>
-                        </a:lnSpc>
-                        <a:spcBef>
-                          <a:spcPct val="0"/>
-                        </a:spcBef>
-                        <a:spcAft>
-                          <a:spcPct val="0"/>
-                        </a:spcAft>
-                        <a:buClrTx/>
-                        <a:buSzTx/>
-                        <a:buFontTx/>
-                        <a:buNone/>
-                        <a:tabLst/>
-                      </a:pPr>
-                      <a:r>
-                        <a:rPr kumimoji="0" lang="en-US" altLang="en-US" sz="1000" b="1" i="0" u="none" strike="noStrike" cap="none" normalizeH="0" baseline="0" dirty="0">
-                          <a:ln>
-                            <a:noFill/>
-                          </a:ln>
-                          <a:solidFill>
-                            <a:schemeClr val="tx1"/>
-                          </a:solidFill>
-                          <a:effectLst/>
-                          <a:latin typeface="Arial" panose="020B0604020202020204" pitchFamily="34" charset="0"/>
-                          <a:ea typeface="ＭＳ Ｐゴシック" panose="020B0600070205080204" pitchFamily="34" charset="-128"/>
-                          <a:cs typeface="Times New Roman" panose="02020603050405020304" pitchFamily="18" charset="0"/>
-                        </a:rPr>
-                        <a:t>TARGETS:	      14 Metric, 1 steel</a:t>
-                      </a:r>
-                    </a:p>
-                    <a:p>
-                      <a:pPr marL="0" marR="0" lvl="0" indent="0" algn="l" defTabSz="966788" rtl="0" eaLnBrk="0" fontAlgn="base" latinLnBrk="0" hangingPunct="0">
-                        <a:lnSpc>
-                          <a:spcPct val="100000"/>
-                        </a:lnSpc>
-                        <a:spcBef>
-                          <a:spcPct val="0"/>
-                        </a:spcBef>
-                        <a:spcAft>
-                          <a:spcPct val="0"/>
-                        </a:spcAft>
-                        <a:buClrTx/>
-                        <a:buSzTx/>
-                        <a:buFontTx/>
-                        <a:buNone/>
-                        <a:tabLst/>
-                      </a:pPr>
-                      <a:r>
-                        <a:rPr kumimoji="0" lang="en-US" altLang="en-US" sz="1000" b="1" i="0" u="none" strike="noStrike" cap="none" normalizeH="0" baseline="0" dirty="0">
-                          <a:ln>
-                            <a:noFill/>
-                          </a:ln>
-                          <a:solidFill>
-                            <a:schemeClr val="tx1"/>
-                          </a:solidFill>
-                          <a:effectLst/>
-                          <a:latin typeface="Arial" panose="020B0604020202020204" pitchFamily="34" charset="0"/>
-                          <a:ea typeface="ＭＳ Ｐゴシック" panose="020B0600070205080204" pitchFamily="34" charset="-128"/>
-                          <a:cs typeface="Times New Roman" panose="02020603050405020304" pitchFamily="18" charset="0"/>
-                        </a:rPr>
-                        <a:t>SCORED HITS:        Best 2 </a:t>
-                      </a:r>
-                    </a:p>
-                    <a:p>
-                      <a:pPr marL="0" marR="0" lvl="0" indent="0" algn="l" defTabSz="966788" rtl="0" eaLnBrk="0" fontAlgn="base" latinLnBrk="0" hangingPunct="0">
-                        <a:lnSpc>
-                          <a:spcPct val="100000"/>
-                        </a:lnSpc>
-                        <a:spcBef>
-                          <a:spcPct val="0"/>
-                        </a:spcBef>
-                        <a:spcAft>
-                          <a:spcPct val="0"/>
-                        </a:spcAft>
-                        <a:buClrTx/>
-                        <a:buSzTx/>
-                        <a:buFontTx/>
-                        <a:buNone/>
-                        <a:tabLst/>
-                      </a:pPr>
-                      <a:r>
-                        <a:rPr kumimoji="0" lang="en-US" altLang="en-US" sz="1000" b="1" i="0" u="none" strike="noStrike" cap="none" normalizeH="0" baseline="0" dirty="0">
-                          <a:ln>
-                            <a:noFill/>
-                          </a:ln>
-                          <a:solidFill>
-                            <a:schemeClr val="tx1"/>
-                          </a:solidFill>
-                          <a:effectLst/>
-                          <a:latin typeface="Arial" panose="020B0604020202020204" pitchFamily="34" charset="0"/>
-                          <a:ea typeface="ＭＳ Ｐゴシック" panose="020B0600070205080204" pitchFamily="34" charset="-128"/>
-                          <a:cs typeface="Times New Roman" panose="02020603050405020304" pitchFamily="18" charset="0"/>
-                        </a:rPr>
-                        <a:t>START-STOP:          Audible - Last shot</a:t>
-                      </a:r>
-                    </a:p>
-                    <a:p>
-                      <a:pPr marL="0" marR="0" lvl="0" indent="0" algn="l" defTabSz="966788" rtl="0" eaLnBrk="0" fontAlgn="base" latinLnBrk="0" hangingPunct="0">
-                        <a:lnSpc>
-                          <a:spcPct val="100000"/>
-                        </a:lnSpc>
-                        <a:spcBef>
-                          <a:spcPct val="0"/>
-                        </a:spcBef>
-                        <a:spcAft>
-                          <a:spcPct val="0"/>
-                        </a:spcAft>
-                        <a:buClrTx/>
-                        <a:buSzTx/>
-                        <a:buFontTx/>
-                        <a:buNone/>
-                        <a:tabLst/>
-                      </a:pPr>
-                      <a:r>
-                        <a:rPr kumimoji="0" lang="en-US" altLang="en-US" sz="1000" b="1" i="0" u="none" strike="noStrike" cap="none" normalizeH="0" baseline="0" dirty="0">
-                          <a:ln>
-                            <a:noFill/>
-                          </a:ln>
-                          <a:solidFill>
-                            <a:schemeClr val="tx1"/>
-                          </a:solidFill>
-                          <a:effectLst/>
-                          <a:latin typeface="Arial" panose="020B0604020202020204" pitchFamily="34" charset="0"/>
-                          <a:ea typeface="ＭＳ Ｐゴシック" panose="020B0600070205080204" pitchFamily="34" charset="-128"/>
-                          <a:cs typeface="Times New Roman" panose="02020603050405020304" pitchFamily="18" charset="0"/>
-                        </a:rPr>
-                        <a:t>RULES:	       Current USPSA Rulebook</a:t>
-                      </a:r>
-                    </a:p>
-                  </a:txBody>
-                  <a:tcPr marL="42863" marR="42863" marT="42854" marB="42854" horzOverflow="overflow">
-                    <a:lnL w="28575" cap="flat" cmpd="sng" algn="ctr">
-                      <a:solidFill>
-                        <a:schemeClr val="tx1"/>
-                      </a:solidFill>
-                      <a:prstDash val="solid"/>
-                      <a:round/>
-                      <a:headEnd type="none" w="med" len="med"/>
-                      <a:tailEnd type="none" w="med" len="med"/>
-                    </a:lnL>
-                    <a:lnR w="28575" cap="flat" cmpd="sng" algn="ctr">
-                      <a:solidFill>
-                        <a:schemeClr val="tx1"/>
-                      </a:solidFill>
-                      <a:prstDash val="solid"/>
-                      <a:round/>
-                      <a:headEnd type="none" w="med" len="med"/>
-                      <a:tailEnd type="none" w="med" len="med"/>
-                    </a:lnR>
-                    <a:lnT w="28575" cap="flat" cmpd="sng" algn="ctr">
-                      <a:solidFill>
-                        <a:schemeClr val="tx1"/>
-                      </a:solidFill>
-                      <a:prstDash val="solid"/>
-                      <a:round/>
-                      <a:headEnd type="none" w="med" len="med"/>
-                      <a:tailEnd type="none" w="med" len="med"/>
-                    </a:lnT>
-                    <a:lnB w="28575" cap="flat" cmpd="sng" algn="ctr">
-                      <a:solidFill>
-                        <a:schemeClr val="tx1"/>
-                      </a:solidFill>
-                      <a:prstDash val="solid"/>
-                      <a:round/>
-                      <a:headEnd type="none" w="med" len="med"/>
-                      <a:tailEnd type="none" w="med" len="med"/>
-                    </a:lnB>
-                    <a:lnTlToBr>
-                      <a:noFill/>
-                    </a:lnTlToBr>
-                    <a:lnBlToTr>
-                      <a:noFill/>
-                    </a:lnBlToTr>
-                    <a:solidFill>
-                      <a:schemeClr val="bg1"/>
-                    </a:solidFill>
-                  </a:tcPr>
-                </a:tc>
-                <a:tc rowSpan="2" hMerge="1">
-                  <a:txBody>
-                    <a:bodyPr/>
-                    <a:lstStyle/>
-                    <a:p>
-                      <a:endParaRPr lang="en-US"/>
-                    </a:p>
-                  </a:txBody>
-                  <a:tcPr/>
-                </a:tc>
-                <a:extLst>
-                  <a:ext uri="{0D108BD9-81ED-4DB2-BD59-A6C34878D82A}">
-                    <a16:rowId xmlns:a16="http://schemas.microsoft.com/office/drawing/2014/main" val="10002"/>
-                  </a:ext>
-                </a:extLst>
-              </a:tr>
-              <a:tr h="786725">
-                <a:tc gridSpan="2">
-                  <a:txBody>
-                    <a:bodyPr/>
-                    <a:lstStyle>
-                      <a:lvl1pPr defTabSz="966788" eaLnBrk="0" hangingPunct="0">
-                        <a:spcBef>
-                          <a:spcPct val="20000"/>
-                        </a:spcBef>
-                        <a:defRPr sz="3000">
-                          <a:solidFill>
-                            <a:schemeClr val="tx1"/>
-                          </a:solidFill>
-                          <a:latin typeface="Arial" panose="020B0604020202020204" pitchFamily="34" charset="0"/>
-                          <a:ea typeface="ＭＳ Ｐゴシック" panose="020B0600070205080204" pitchFamily="34" charset="-128"/>
-                        </a:defRPr>
-                      </a:lvl1pPr>
-                      <a:lvl2pPr marL="742950" indent="-285750" defTabSz="966788" eaLnBrk="0" hangingPunct="0">
-                        <a:spcBef>
-                          <a:spcPct val="20000"/>
-                        </a:spcBef>
-                        <a:defRPr sz="2600">
-                          <a:solidFill>
-                            <a:schemeClr val="tx1"/>
-                          </a:solidFill>
-                          <a:latin typeface="Arial" panose="020B0604020202020204" pitchFamily="34" charset="0"/>
-                          <a:ea typeface="ＭＳ Ｐゴシック" panose="020B0600070205080204" pitchFamily="34" charset="-128"/>
-                        </a:defRPr>
-                      </a:lvl2pPr>
-                      <a:lvl3pPr marL="1143000" indent="-228600" defTabSz="966788" eaLnBrk="0" hangingPunct="0">
-                        <a:spcBef>
-                          <a:spcPct val="20000"/>
-                        </a:spcBef>
-                        <a:defRPr sz="2100">
-                          <a:solidFill>
-                            <a:schemeClr val="tx1"/>
-                          </a:solidFill>
-                          <a:latin typeface="Arial" panose="020B0604020202020204" pitchFamily="34" charset="0"/>
-                          <a:ea typeface="ＭＳ Ｐゴシック" panose="020B0600070205080204" pitchFamily="34" charset="-128"/>
-                        </a:defRPr>
-                      </a:lvl3pPr>
-                      <a:lvl4pPr marL="1600200" indent="-228600" defTabSz="966788" eaLnBrk="0" hangingPunct="0">
-                        <a:spcBef>
-                          <a:spcPct val="20000"/>
-                        </a:spcBef>
-                        <a:defRPr sz="1900">
-                          <a:solidFill>
-                            <a:schemeClr val="tx1"/>
-                          </a:solidFill>
-                          <a:latin typeface="Arial" panose="020B0604020202020204" pitchFamily="34" charset="0"/>
-                          <a:ea typeface="ＭＳ Ｐゴシック" panose="020B0600070205080204" pitchFamily="34" charset="-128"/>
-                        </a:defRPr>
-                      </a:lvl4pPr>
-                      <a:lvl5pPr marL="2057400" indent="-228600" defTabSz="966788" eaLnBrk="0" hangingPunct="0">
-                        <a:spcBef>
-                          <a:spcPct val="20000"/>
-                        </a:spcBef>
-                        <a:defRPr sz="1900">
-                          <a:solidFill>
-                            <a:schemeClr val="tx1"/>
-                          </a:solidFill>
-                          <a:latin typeface="Arial" panose="020B0604020202020204" pitchFamily="34" charset="0"/>
-                          <a:ea typeface="ＭＳ Ｐゴシック" panose="020B0600070205080204" pitchFamily="34" charset="-128"/>
-                        </a:defRPr>
-                      </a:lvl5pPr>
-                      <a:lvl6pPr marL="2514600" indent="-228600" defTabSz="966788" eaLnBrk="0" fontAlgn="base" hangingPunct="0">
-                        <a:spcBef>
-                          <a:spcPct val="20000"/>
-                        </a:spcBef>
-                        <a:spcAft>
-                          <a:spcPct val="0"/>
-                        </a:spcAft>
-                        <a:defRPr sz="1900">
-                          <a:solidFill>
-                            <a:schemeClr val="tx1"/>
-                          </a:solidFill>
-                          <a:latin typeface="Arial" panose="020B0604020202020204" pitchFamily="34" charset="0"/>
-                          <a:ea typeface="ＭＳ Ｐゴシック" panose="020B0600070205080204" pitchFamily="34" charset="-128"/>
-                        </a:defRPr>
-                      </a:lvl6pPr>
-                      <a:lvl7pPr marL="2971800" indent="-228600" defTabSz="966788" eaLnBrk="0" fontAlgn="base" hangingPunct="0">
-                        <a:spcBef>
-                          <a:spcPct val="20000"/>
-                        </a:spcBef>
-                        <a:spcAft>
-                          <a:spcPct val="0"/>
-                        </a:spcAft>
-                        <a:defRPr sz="1900">
-                          <a:solidFill>
-                            <a:schemeClr val="tx1"/>
-                          </a:solidFill>
-                          <a:latin typeface="Arial" panose="020B0604020202020204" pitchFamily="34" charset="0"/>
-                          <a:ea typeface="ＭＳ Ｐゴシック" panose="020B0600070205080204" pitchFamily="34" charset="-128"/>
-                        </a:defRPr>
-                      </a:lvl7pPr>
-                      <a:lvl8pPr marL="3429000" indent="-228600" defTabSz="966788" eaLnBrk="0" fontAlgn="base" hangingPunct="0">
-                        <a:spcBef>
-                          <a:spcPct val="20000"/>
-                        </a:spcBef>
-                        <a:spcAft>
-                          <a:spcPct val="0"/>
-                        </a:spcAft>
-                        <a:defRPr sz="1900">
-                          <a:solidFill>
-                            <a:schemeClr val="tx1"/>
-                          </a:solidFill>
-                          <a:latin typeface="Arial" panose="020B0604020202020204" pitchFamily="34" charset="0"/>
-                          <a:ea typeface="ＭＳ Ｐゴシック" panose="020B0600070205080204" pitchFamily="34" charset="-128"/>
-                        </a:defRPr>
-                      </a:lvl8pPr>
-                      <a:lvl9pPr marL="3886200" indent="-228600" defTabSz="966788" eaLnBrk="0" fontAlgn="base" hangingPunct="0">
-                        <a:spcBef>
-                          <a:spcPct val="20000"/>
-                        </a:spcBef>
-                        <a:spcAft>
-                          <a:spcPct val="0"/>
-                        </a:spcAft>
-                        <a:defRPr sz="1900">
-                          <a:solidFill>
-                            <a:schemeClr val="tx1"/>
-                          </a:solidFill>
-                          <a:latin typeface="Arial" panose="020B0604020202020204" pitchFamily="34" charset="0"/>
-                          <a:ea typeface="ＭＳ Ｐゴシック" panose="020B0600070205080204" pitchFamily="34" charset="-128"/>
-                        </a:defRPr>
-                      </a:lvl9pPr>
-                    </a:lstStyle>
-                    <a:p>
-                      <a:pPr marL="0" marR="0" lvl="0" indent="0" algn="l" defTabSz="966788" rtl="0" eaLnBrk="1" fontAlgn="base" latinLnBrk="0" hangingPunct="1">
-                        <a:lnSpc>
-                          <a:spcPct val="100000"/>
-                        </a:lnSpc>
-                        <a:spcBef>
-                          <a:spcPct val="20000"/>
-                        </a:spcBef>
-                        <a:spcAft>
-                          <a:spcPct val="0"/>
-                        </a:spcAft>
-                        <a:buClrTx/>
-                        <a:buSzTx/>
-                        <a:buFontTx/>
-                        <a:buNone/>
-                        <a:tabLst/>
-                      </a:pPr>
-                      <a:endParaRPr kumimoji="0" lang="en-US" altLang="en-US" sz="1000" b="1" i="0" u="none" strike="noStrike" cap="none" normalizeH="0" baseline="0" dirty="0">
-                        <a:ln>
-                          <a:noFill/>
-                        </a:ln>
-                        <a:solidFill>
-                          <a:schemeClr val="tx1"/>
-                        </a:solidFill>
-                        <a:effectLst/>
-                        <a:latin typeface="Arial" panose="020B0604020202020204" pitchFamily="34" charset="0"/>
-                        <a:ea typeface="ＭＳ Ｐゴシック" panose="020B0600070205080204" pitchFamily="34" charset="-128"/>
-                        <a:cs typeface="Times New Roman" panose="02020603050405020304" pitchFamily="18" charset="0"/>
-                      </a:endParaRPr>
-                    </a:p>
-                  </a:txBody>
-                  <a:tcPr marL="42863" marR="42863" marT="42854" marB="42854" horzOverflow="overflow">
-                    <a:lnL w="28575" cap="flat" cmpd="sng" algn="ctr">
-                      <a:solidFill>
-                        <a:schemeClr val="tx1"/>
-                      </a:solidFill>
-                      <a:prstDash val="solid"/>
-                      <a:round/>
-                      <a:headEnd type="none" w="med" len="med"/>
-                      <a:tailEnd type="none" w="med" len="med"/>
-                    </a:lnL>
-                    <a:lnR w="28575" cap="flat" cmpd="sng" algn="ctr">
-                      <a:solidFill>
-                        <a:schemeClr val="tx1"/>
-                      </a:solidFill>
-                      <a:prstDash val="solid"/>
-                      <a:round/>
-                      <a:headEnd type="none" w="med" len="med"/>
-                      <a:tailEnd type="none" w="med" len="med"/>
-                    </a:lnR>
-                    <a:lnT w="28575" cap="flat" cmpd="sng" algn="ctr">
-                      <a:solidFill>
-                        <a:schemeClr val="tx1"/>
-                      </a:solidFill>
-                      <a:prstDash val="solid"/>
-                      <a:round/>
-                      <a:headEnd type="none" w="med" len="med"/>
-                      <a:tailEnd type="none" w="med" len="med"/>
-                    </a:lnT>
-                    <a:lnB w="28575" cap="flat" cmpd="sng" algn="ctr">
-                      <a:solidFill>
-                        <a:schemeClr val="tx1"/>
-                      </a:solidFill>
-                      <a:prstDash val="solid"/>
-                      <a:round/>
-                      <a:headEnd type="none" w="med" len="med"/>
-                      <a:tailEnd type="none" w="med" len="med"/>
-                    </a:lnB>
-                    <a:lnTlToBr>
-                      <a:noFill/>
-                    </a:lnTlToBr>
-                    <a:lnBlToTr>
-                      <a:noFill/>
-                    </a:lnBlToTr>
-                    <a:solidFill>
-                      <a:schemeClr val="bg1"/>
-                    </a:solidFill>
-                  </a:tcPr>
-                </a:tc>
-                <a:tc hMerge="1">
-                  <a:txBody>
-                    <a:bodyPr/>
-                    <a:lstStyle/>
-                    <a:p>
-                      <a:endParaRPr lang="en-US"/>
-                    </a:p>
-                  </a:txBody>
-                  <a:tcPr/>
-                </a:tc>
-                <a:tc gridSpan="2" vMerge="1">
-                  <a:txBody>
-                    <a:bodyPr/>
-                    <a:lstStyle/>
-                    <a:p>
-                      <a:endParaRPr lang="en-US"/>
-                    </a:p>
-                  </a:txBody>
-                  <a:tcPr/>
-                </a:tc>
-                <a:tc hMerge="1" vMerge="1">
-                  <a:txBody>
-                    <a:bodyPr/>
-                    <a:lstStyle/>
-                    <a:p>
-                      <a:endParaRPr lang="en-US"/>
-                    </a:p>
-                  </a:txBody>
-                  <a:tcPr/>
-                </a:tc>
-                <a:extLst>
-                  <a:ext uri="{0D108BD9-81ED-4DB2-BD59-A6C34878D82A}">
-                    <a16:rowId xmlns:a16="http://schemas.microsoft.com/office/drawing/2014/main" val="10003"/>
-                  </a:ext>
-                </a:extLst>
-              </a:tr>
-            </a:tbl>
-          </a:graphicData>
-        </a:graphic>
-      </p:graphicFrame>
-      <p:cxnSp>
-        <p:nvCxnSpPr>
-          <p:cNvPr id="103" name="Straight Connector 102">
-            <a:extLst>
-              <a:ext uri="{FF2B5EF4-FFF2-40B4-BE49-F238E27FC236}">
-                <a16:creationId xmlns:a16="http://schemas.microsoft.com/office/drawing/2014/main" id="{7EC0F2DE-9CB3-47AE-B929-6DC4600D3D40}"/>
+                <a16:creationId xmlns:a16="http://schemas.microsoft.com/office/drawing/2014/main" id="{47351638-65EC-4A0C-B159-C2ECB8166B7B}"/>
               </a:ext>
             </a:extLst>
           </p:cNvPr>
@@ -8717,7 +10375,7 @@
         </p:nvCxnSpPr>
         <p:spPr>
           <a:xfrm>
-            <a:off x="4052888" y="6521450"/>
+            <a:off x="3737007" y="6227882"/>
             <a:ext cx="4762" cy="692150"/>
           </a:xfrm>
           <a:prstGeom prst="line">
@@ -8742,10 +10400,10 @@
       </p:cxnSp>
       <p:cxnSp>
         <p:nvCxnSpPr>
-          <p:cNvPr id="104" name="Straight Connector 103">
+          <p:cNvPr id="120" name="Straight Connector 119">
             <a:extLst>
               <a:ext uri="{FF2B5EF4-FFF2-40B4-BE49-F238E27FC236}">
-                <a16:creationId xmlns:a16="http://schemas.microsoft.com/office/drawing/2014/main" id="{FEA6857B-4E26-499E-B74E-B63778C6E220}"/>
+                <a16:creationId xmlns:a16="http://schemas.microsoft.com/office/drawing/2014/main" id="{AAF1476F-8D18-4349-AD3B-52EE5734A0BA}"/>
               </a:ext>
             </a:extLst>
           </p:cNvPr>
@@ -8754,7 +10412,7 @@
         </p:nvCxnSpPr>
         <p:spPr>
           <a:xfrm>
-            <a:off x="3886200" y="5892800"/>
+            <a:off x="3570319" y="5599232"/>
             <a:ext cx="4763" cy="693738"/>
           </a:xfrm>
           <a:prstGeom prst="line">
@@ -8779,10 +10437,10 @@
       </p:cxnSp>
       <p:cxnSp>
         <p:nvCxnSpPr>
-          <p:cNvPr id="105" name="Straight Connector 104">
+          <p:cNvPr id="121" name="Straight Connector 120">
             <a:extLst>
               <a:ext uri="{FF2B5EF4-FFF2-40B4-BE49-F238E27FC236}">
-                <a16:creationId xmlns:a16="http://schemas.microsoft.com/office/drawing/2014/main" id="{B89DA1BD-2183-4E66-8E78-BD6A5A08A85A}"/>
+                <a16:creationId xmlns:a16="http://schemas.microsoft.com/office/drawing/2014/main" id="{782EC5E7-6FBC-4A30-854C-D90F08AE2CD1}"/>
               </a:ext>
             </a:extLst>
           </p:cNvPr>
@@ -8791,7 +10449,7 @@
         </p:nvCxnSpPr>
         <p:spPr>
           <a:xfrm>
-            <a:off x="3776663" y="5148263"/>
+            <a:off x="3460782" y="4854695"/>
             <a:ext cx="4762" cy="692150"/>
           </a:xfrm>
           <a:prstGeom prst="line">
@@ -8816,10 +10474,10 @@
       </p:cxnSp>
       <p:sp>
         <p:nvSpPr>
-          <p:cNvPr id="3111" name="Freeform 55">
+          <p:cNvPr id="122" name="Freeform 55">
             <a:extLst>
               <a:ext uri="{FF2B5EF4-FFF2-40B4-BE49-F238E27FC236}">
-                <a16:creationId xmlns:a16="http://schemas.microsoft.com/office/drawing/2014/main" id="{3F17478C-38FB-4BC9-A475-D7C0C82520F6}"/>
+                <a16:creationId xmlns:a16="http://schemas.microsoft.com/office/drawing/2014/main" id="{C177055B-8AE5-4D1F-A972-A5C1210C7227}"/>
               </a:ext>
             </a:extLst>
           </p:cNvPr>
@@ -8830,7 +10488,7 @@
         </p:nvSpPr>
         <p:spPr bwMode="auto">
           <a:xfrm>
-            <a:off x="3779838" y="4799013"/>
+            <a:off x="3463957" y="4505445"/>
             <a:ext cx="104775" cy="1333500"/>
           </a:xfrm>
           <a:custGeom>
@@ -8920,10 +10578,10 @@
       </p:sp>
       <p:sp>
         <p:nvSpPr>
-          <p:cNvPr id="3112" name="Freeform 55">
+          <p:cNvPr id="123" name="Freeform 55">
             <a:extLst>
               <a:ext uri="{FF2B5EF4-FFF2-40B4-BE49-F238E27FC236}">
-                <a16:creationId xmlns:a16="http://schemas.microsoft.com/office/drawing/2014/main" id="{E3F5F390-9EB0-4213-B449-0DF507899981}"/>
+                <a16:creationId xmlns:a16="http://schemas.microsoft.com/office/drawing/2014/main" id="{1064D714-758C-4D48-B91E-DAD3D9E46169}"/>
               </a:ext>
             </a:extLst>
           </p:cNvPr>
@@ -8934,7 +10592,7 @@
         </p:nvSpPr>
         <p:spPr bwMode="auto">
           <a:xfrm>
-            <a:off x="3890963" y="5022850"/>
+            <a:off x="3575082" y="4729282"/>
             <a:ext cx="169862" cy="1798638"/>
           </a:xfrm>
           <a:custGeom>
@@ -9024,10 +10682,10 @@
       </p:sp>
       <p:sp>
         <p:nvSpPr>
-          <p:cNvPr id="3" name="Rectangle 2">
+          <p:cNvPr id="124" name="Rectangle 123">
             <a:extLst>
               <a:ext uri="{FF2B5EF4-FFF2-40B4-BE49-F238E27FC236}">
-                <a16:creationId xmlns:a16="http://schemas.microsoft.com/office/drawing/2014/main" id="{C01732C0-BB83-4BB7-8604-27F79D686121}"/>
+                <a16:creationId xmlns:a16="http://schemas.microsoft.com/office/drawing/2014/main" id="{E1D9CFF5-F640-4737-B8B5-4574D3B29BB5}"/>
               </a:ext>
             </a:extLst>
           </p:cNvPr>
@@ -9036,7 +10694,7 @@
         </p:nvSpPr>
         <p:spPr>
           <a:xfrm>
-            <a:off x="2562225" y="7632700"/>
+            <a:off x="2246344" y="7339132"/>
             <a:ext cx="820738" cy="719138"/>
           </a:xfrm>
           <a:prstGeom prst="rect">
@@ -9077,10 +10735,10 @@
       </p:sp>
       <p:grpSp>
         <p:nvGrpSpPr>
-          <p:cNvPr id="3114" name="Group 10">
+          <p:cNvPr id="125" name="Group 10">
             <a:extLst>
               <a:ext uri="{FF2B5EF4-FFF2-40B4-BE49-F238E27FC236}">
-                <a16:creationId xmlns:a16="http://schemas.microsoft.com/office/drawing/2014/main" id="{EB8CA229-12C6-40DB-8BDD-476CAC223FD4}"/>
+                <a16:creationId xmlns:a16="http://schemas.microsoft.com/office/drawing/2014/main" id="{2B5C65C6-014F-43D4-9AE6-5443E37B8D26}"/>
               </a:ext>
             </a:extLst>
           </p:cNvPr>
@@ -9091,7 +10749,7 @@
         </p:nvGrpSpPr>
         <p:grpSpPr bwMode="auto">
           <a:xfrm>
-            <a:off x="2298700" y="5335588"/>
+            <a:off x="1982819" y="5042020"/>
             <a:ext cx="1147763" cy="1266825"/>
             <a:chOff x="2075542" y="5335870"/>
             <a:chExt cx="1488135" cy="1266952"/>
@@ -9099,10 +10757,10 @@
         </p:grpSpPr>
         <p:cxnSp>
           <p:nvCxnSpPr>
-            <p:cNvPr id="98" name="Straight Connector 97">
+            <p:cNvPr id="126" name="Straight Connector 125">
               <a:extLst>
                 <a:ext uri="{FF2B5EF4-FFF2-40B4-BE49-F238E27FC236}">
-                  <a16:creationId xmlns:a16="http://schemas.microsoft.com/office/drawing/2014/main" id="{E808B161-5D6C-4186-B6EA-00AE1CB28862}"/>
+                  <a16:creationId xmlns:a16="http://schemas.microsoft.com/office/drawing/2014/main" id="{2A840D64-BF4A-469A-8559-ED0707FE5ABF}"/>
                 </a:ext>
               </a:extLst>
             </p:cNvPr>
@@ -9136,10 +10794,10 @@
         </p:cxnSp>
         <p:cxnSp>
           <p:nvCxnSpPr>
-            <p:cNvPr id="101" name="Straight Connector 100">
+            <p:cNvPr id="127" name="Straight Connector 126">
               <a:extLst>
                 <a:ext uri="{FF2B5EF4-FFF2-40B4-BE49-F238E27FC236}">
-                  <a16:creationId xmlns:a16="http://schemas.microsoft.com/office/drawing/2014/main" id="{7BFA4953-4A6C-4910-9955-A07384901F70}"/>
+                  <a16:creationId xmlns:a16="http://schemas.microsoft.com/office/drawing/2014/main" id="{742A77F4-5A13-4D27-83EC-36E9B9C5A162}"/>
                 </a:ext>
               </a:extLst>
             </p:cNvPr>
@@ -9173,10 +10831,10 @@
         </p:cxnSp>
         <p:sp>
           <p:nvSpPr>
-            <p:cNvPr id="3157" name="Freeform 6">
+            <p:cNvPr id="128" name="Freeform 6">
               <a:extLst>
                 <a:ext uri="{FF2B5EF4-FFF2-40B4-BE49-F238E27FC236}">
-                  <a16:creationId xmlns:a16="http://schemas.microsoft.com/office/drawing/2014/main" id="{09AEC6B2-E65A-4886-9717-8363328D06BB}"/>
+                  <a16:creationId xmlns:a16="http://schemas.microsoft.com/office/drawing/2014/main" id="{CAAEE17F-8337-4C61-B3CA-E995824F3689}"/>
                 </a:ext>
               </a:extLst>
             </p:cNvPr>
@@ -9278,10 +10936,10 @@
       </p:grpSp>
       <p:sp>
         <p:nvSpPr>
-          <p:cNvPr id="107" name="Rectangle 106">
+          <p:cNvPr id="129" name="Rectangle 128">
             <a:extLst>
               <a:ext uri="{FF2B5EF4-FFF2-40B4-BE49-F238E27FC236}">
-                <a16:creationId xmlns:a16="http://schemas.microsoft.com/office/drawing/2014/main" id="{5B5D4C71-73F7-4858-97A5-EC8D6CF5BA63}"/>
+                <a16:creationId xmlns:a16="http://schemas.microsoft.com/office/drawing/2014/main" id="{4C56B4FE-9CAB-41BB-ACC0-AFFFA0D3455D}"/>
               </a:ext>
             </a:extLst>
           </p:cNvPr>
@@ -9290,7 +10948,7 @@
         </p:nvSpPr>
         <p:spPr>
           <a:xfrm>
-            <a:off x="2182813" y="6165850"/>
+            <a:off x="1866932" y="5872282"/>
             <a:ext cx="819150" cy="719138"/>
           </a:xfrm>
           <a:prstGeom prst="rect">
@@ -9331,10 +10989,10 @@
       </p:sp>
       <p:grpSp>
         <p:nvGrpSpPr>
-          <p:cNvPr id="3119" name="Group 387">
+          <p:cNvPr id="130" name="Group 387">
             <a:extLst>
               <a:ext uri="{FF2B5EF4-FFF2-40B4-BE49-F238E27FC236}">
-                <a16:creationId xmlns:a16="http://schemas.microsoft.com/office/drawing/2014/main" id="{23E1F133-C410-41E6-9959-AF0682705AA8}"/>
+                <a16:creationId xmlns:a16="http://schemas.microsoft.com/office/drawing/2014/main" id="{9DAEC69E-FA09-424C-A31A-A32837645FD0}"/>
               </a:ext>
             </a:extLst>
           </p:cNvPr>
@@ -9345,7 +11003,7 @@
         </p:nvGrpSpPr>
         <p:grpSpPr bwMode="auto">
           <a:xfrm flipH="1">
-            <a:off x="6078538" y="6555745"/>
+            <a:off x="5762657" y="6262177"/>
             <a:ext cx="228600" cy="862013"/>
             <a:chOff x="1680" y="768"/>
             <a:chExt cx="144" cy="543"/>
@@ -9353,10 +11011,10 @@
         </p:grpSpPr>
         <p:sp>
           <p:nvSpPr>
-            <p:cNvPr id="3134" name="Line 388">
+            <p:cNvPr id="131" name="Line 388">
               <a:extLst>
                 <a:ext uri="{FF2B5EF4-FFF2-40B4-BE49-F238E27FC236}">
-                  <a16:creationId xmlns:a16="http://schemas.microsoft.com/office/drawing/2014/main" id="{B2025BC1-BD60-4F70-9829-7AC98E7FD363}"/>
+                  <a16:creationId xmlns:a16="http://schemas.microsoft.com/office/drawing/2014/main" id="{826460BE-7E03-4C77-B339-BEF32BC421BD}"/>
                 </a:ext>
               </a:extLst>
             </p:cNvPr>
@@ -9400,10 +11058,10 @@
         </p:sp>
         <p:sp>
           <p:nvSpPr>
-            <p:cNvPr id="3135" name="Line 389">
+            <p:cNvPr id="132" name="Line 389">
               <a:extLst>
                 <a:ext uri="{FF2B5EF4-FFF2-40B4-BE49-F238E27FC236}">
-                  <a16:creationId xmlns:a16="http://schemas.microsoft.com/office/drawing/2014/main" id="{DDD12F87-57D1-46DF-9253-7418176302FF}"/>
+                  <a16:creationId xmlns:a16="http://schemas.microsoft.com/office/drawing/2014/main" id="{E12E076F-8553-48D6-A921-8F121D638DE6}"/>
                 </a:ext>
               </a:extLst>
             </p:cNvPr>
@@ -9447,10 +11105,10 @@
         </p:sp>
         <p:grpSp>
           <p:nvGrpSpPr>
-            <p:cNvPr id="3136" name="Group 390">
+            <p:cNvPr id="133" name="Group 390">
               <a:extLst>
                 <a:ext uri="{FF2B5EF4-FFF2-40B4-BE49-F238E27FC236}">
-                  <a16:creationId xmlns:a16="http://schemas.microsoft.com/office/drawing/2014/main" id="{2F9528F3-639F-4CAE-A70D-E838FAADF9A1}"/>
+                  <a16:creationId xmlns:a16="http://schemas.microsoft.com/office/drawing/2014/main" id="{A7B3D939-BE4A-4D40-BF19-C1F8901CD2B9}"/>
                 </a:ext>
               </a:extLst>
             </p:cNvPr>
@@ -9469,10 +11127,10 @@
           </p:grpSpPr>
           <p:sp>
             <p:nvSpPr>
-              <p:cNvPr id="3137" name="Freeform 391">
+              <p:cNvPr id="134" name="Freeform 391">
                 <a:extLst>
                   <a:ext uri="{FF2B5EF4-FFF2-40B4-BE49-F238E27FC236}">
-                    <a16:creationId xmlns:a16="http://schemas.microsoft.com/office/drawing/2014/main" id="{2099087E-FB70-440A-932D-761C7D598CEF}"/>
+                    <a16:creationId xmlns:a16="http://schemas.microsoft.com/office/drawing/2014/main" id="{5E660402-567E-482D-A56F-3A6FEEE1772E}"/>
                   </a:ext>
                 </a:extLst>
               </p:cNvPr>
@@ -9642,10 +11300,10 @@
           </p:sp>
           <p:sp>
             <p:nvSpPr>
-              <p:cNvPr id="3138" name="Freeform 392">
+              <p:cNvPr id="135" name="Freeform 392">
                 <a:extLst>
                   <a:ext uri="{FF2B5EF4-FFF2-40B4-BE49-F238E27FC236}">
-                    <a16:creationId xmlns:a16="http://schemas.microsoft.com/office/drawing/2014/main" id="{663873D0-7ED7-4C5E-AF86-E55D90D7B07D}"/>
+                    <a16:creationId xmlns:a16="http://schemas.microsoft.com/office/drawing/2014/main" id="{0BEF28FB-D0F5-4161-85B3-0BAD2BCA3D3E}"/>
                   </a:ext>
                 </a:extLst>
               </p:cNvPr>
@@ -9762,10 +11420,10 @@
           </p:sp>
           <p:sp>
             <p:nvSpPr>
-              <p:cNvPr id="3139" name="Freeform 393">
+              <p:cNvPr id="137" name="Freeform 393">
                 <a:extLst>
                   <a:ext uri="{FF2B5EF4-FFF2-40B4-BE49-F238E27FC236}">
-                    <a16:creationId xmlns:a16="http://schemas.microsoft.com/office/drawing/2014/main" id="{6BBDE1F2-9460-41BC-A920-7D81592B0F61}"/>
+                    <a16:creationId xmlns:a16="http://schemas.microsoft.com/office/drawing/2014/main" id="{F46A416F-C8D8-4F20-851E-CFDF01CA3DF6}"/>
                   </a:ext>
                 </a:extLst>
               </p:cNvPr>
@@ -9882,72 +11540,12 @@
           </p:sp>
         </p:grpSp>
       </p:grpSp>
-      <p:pic>
-        <p:nvPicPr>
-          <p:cNvPr id="113" name="Picture 24" descr="C:\Documents and Settings\All Users\Documents\TAPS Files\dvc1.gif">
+      <p:sp>
+        <p:nvSpPr>
+          <p:cNvPr id="138" name="AutoShape 28">
             <a:extLst>
               <a:ext uri="{FF2B5EF4-FFF2-40B4-BE49-F238E27FC236}">
-                <a16:creationId xmlns:a16="http://schemas.microsoft.com/office/drawing/2014/main" id="{672346EF-F078-4A94-808F-716B21777CA8}"/>
-              </a:ext>
-            </a:extLst>
-          </p:cNvPr>
-          <p:cNvPicPr>
-            <a:picLocks noChangeAspect="1" noChangeArrowheads="1"/>
-          </p:cNvPicPr>
-          <p:nvPr/>
-        </p:nvPicPr>
-        <p:blipFill>
-          <a:blip r:embed="rId3">
-            <a:extLst>
-              <a:ext uri="{28A0092B-C50C-407E-A947-70E740481C1C}">
-                <a14:useLocalDpi xmlns:a14="http://schemas.microsoft.com/office/drawing/2010/main" val="0"/>
-              </a:ext>
-            </a:extLst>
-          </a:blip>
-          <a:srcRect/>
-          <a:stretch>
-            <a:fillRect/>
-          </a:stretch>
-        </p:blipFill>
-        <p:spPr bwMode="auto">
-          <a:xfrm>
-            <a:off x="6281458" y="22412"/>
-            <a:ext cx="1057275" cy="925513"/>
-          </a:xfrm>
-          <a:prstGeom prst="rect">
-            <a:avLst/>
-          </a:prstGeom>
-          <a:noFill/>
-          <a:ln>
-            <a:noFill/>
-          </a:ln>
-          <a:extLst>
-            <a:ext uri="{909E8E84-426E-40DD-AFC4-6F175D3DCCD1}">
-              <a14:hiddenFill xmlns:a14="http://schemas.microsoft.com/office/drawing/2010/main">
-                <a:solidFill>
-                  <a:srgbClr val="FFFFFF"/>
-                </a:solidFill>
-              </a14:hiddenFill>
-            </a:ext>
-            <a:ext uri="{91240B29-F687-4F45-9708-019B960494DF}">
-              <a14:hiddenLine xmlns:a14="http://schemas.microsoft.com/office/drawing/2010/main" w="9525">
-                <a:solidFill>
-                  <a:srgbClr val="000000"/>
-                </a:solidFill>
-                <a:miter lim="800000"/>
-                <a:headEnd/>
-                <a:tailEnd/>
-              </a14:hiddenLine>
-            </a:ext>
-          </a:extLst>
-        </p:spPr>
-      </p:pic>
-      <p:sp>
-        <p:nvSpPr>
-          <p:cNvPr id="114" name="AutoShape 28">
-            <a:extLst>
-              <a:ext uri="{FF2B5EF4-FFF2-40B4-BE49-F238E27FC236}">
-                <a16:creationId xmlns:a16="http://schemas.microsoft.com/office/drawing/2014/main" id="{DAADADBA-F23F-497A-9DCF-2FFC6FF4B90A}"/>
+                <a16:creationId xmlns:a16="http://schemas.microsoft.com/office/drawing/2014/main" id="{DB76D166-8D77-4FAD-875A-191E7CA663F2}"/>
               </a:ext>
             </a:extLst>
           </p:cNvPr>
@@ -9958,7 +11556,7 @@
         </p:nvSpPr>
         <p:spPr bwMode="auto">
           <a:xfrm>
-            <a:off x="5880101" y="7910513"/>
+            <a:off x="5564220" y="7616945"/>
             <a:ext cx="323850" cy="568325"/>
           </a:xfrm>
           <a:prstGeom prst="can">
@@ -10127,10 +11725,10 @@
       </p:sp>
       <p:grpSp>
         <p:nvGrpSpPr>
-          <p:cNvPr id="115" name="Group 387">
+          <p:cNvPr id="139" name="Group 387">
             <a:extLst>
               <a:ext uri="{FF2B5EF4-FFF2-40B4-BE49-F238E27FC236}">
-                <a16:creationId xmlns:a16="http://schemas.microsoft.com/office/drawing/2014/main" id="{748BCCF3-E082-4ED9-884D-2CC0F18FE219}"/>
+                <a16:creationId xmlns:a16="http://schemas.microsoft.com/office/drawing/2014/main" id="{DCF23533-9A63-47A6-BAF1-EFB8E6D1172F}"/>
               </a:ext>
             </a:extLst>
           </p:cNvPr>
@@ -10141,7 +11739,7 @@
         </p:nvGrpSpPr>
         <p:grpSpPr bwMode="auto">
           <a:xfrm flipH="1">
-            <a:off x="6156660" y="7096289"/>
+            <a:off x="5840779" y="6802721"/>
             <a:ext cx="228600" cy="862013"/>
             <a:chOff x="1680" y="768"/>
             <a:chExt cx="144" cy="543"/>
@@ -10149,10 +11747,10 @@
         </p:grpSpPr>
         <p:sp>
           <p:nvSpPr>
-            <p:cNvPr id="116" name="Line 388">
+            <p:cNvPr id="140" name="Line 388">
               <a:extLst>
                 <a:ext uri="{FF2B5EF4-FFF2-40B4-BE49-F238E27FC236}">
-                  <a16:creationId xmlns:a16="http://schemas.microsoft.com/office/drawing/2014/main" id="{C96FF731-DF90-4DBB-A559-B31BB2D21847}"/>
+                  <a16:creationId xmlns:a16="http://schemas.microsoft.com/office/drawing/2014/main" id="{37A613A5-29F6-442B-8DA0-22DB835267DC}"/>
                 </a:ext>
               </a:extLst>
             </p:cNvPr>
@@ -10196,10 +11794,10 @@
         </p:sp>
         <p:sp>
           <p:nvSpPr>
-            <p:cNvPr id="117" name="Line 389">
+            <p:cNvPr id="141" name="Line 389">
               <a:extLst>
                 <a:ext uri="{FF2B5EF4-FFF2-40B4-BE49-F238E27FC236}">
-                  <a16:creationId xmlns:a16="http://schemas.microsoft.com/office/drawing/2014/main" id="{8F98AB80-B451-449B-8684-8AE86F963609}"/>
+                  <a16:creationId xmlns:a16="http://schemas.microsoft.com/office/drawing/2014/main" id="{2574B4CC-FE14-43C0-BD17-081A3ABCA8EC}"/>
                 </a:ext>
               </a:extLst>
             </p:cNvPr>
@@ -10243,10 +11841,10 @@
         </p:sp>
         <p:grpSp>
           <p:nvGrpSpPr>
-            <p:cNvPr id="118" name="Group 390">
+            <p:cNvPr id="142" name="Group 390">
               <a:extLst>
                 <a:ext uri="{FF2B5EF4-FFF2-40B4-BE49-F238E27FC236}">
-                  <a16:creationId xmlns:a16="http://schemas.microsoft.com/office/drawing/2014/main" id="{2B9F7BA2-7D7D-4221-A1BE-DBBDF18E713C}"/>
+                  <a16:creationId xmlns:a16="http://schemas.microsoft.com/office/drawing/2014/main" id="{7B12DE25-C2AF-4338-BD86-E73EAF017EB1}"/>
                 </a:ext>
               </a:extLst>
             </p:cNvPr>
@@ -10265,10 +11863,10 @@
           </p:grpSpPr>
           <p:sp>
             <p:nvSpPr>
-              <p:cNvPr id="119" name="Freeform 391">
+              <p:cNvPr id="143" name="Freeform 391">
                 <a:extLst>
                   <a:ext uri="{FF2B5EF4-FFF2-40B4-BE49-F238E27FC236}">
-                    <a16:creationId xmlns:a16="http://schemas.microsoft.com/office/drawing/2014/main" id="{5BF35559-26C1-4B4E-821F-EB538C33F0C0}"/>
+                    <a16:creationId xmlns:a16="http://schemas.microsoft.com/office/drawing/2014/main" id="{FBFD75C2-E6EC-42DD-B60F-5E69A7AC4889}"/>
                   </a:ext>
                 </a:extLst>
               </p:cNvPr>
@@ -10438,10 +12036,10 @@
           </p:sp>
           <p:sp>
             <p:nvSpPr>
-              <p:cNvPr id="120" name="Freeform 392">
+              <p:cNvPr id="144" name="Freeform 392">
                 <a:extLst>
                   <a:ext uri="{FF2B5EF4-FFF2-40B4-BE49-F238E27FC236}">
-                    <a16:creationId xmlns:a16="http://schemas.microsoft.com/office/drawing/2014/main" id="{CE8CD56F-A5FD-4C1D-9D17-B785D79FB83A}"/>
+                    <a16:creationId xmlns:a16="http://schemas.microsoft.com/office/drawing/2014/main" id="{BCB13589-1997-405C-BB21-6EC0191F1C06}"/>
                   </a:ext>
                 </a:extLst>
               </p:cNvPr>
@@ -10558,10 +12156,10 @@
           </p:sp>
           <p:sp>
             <p:nvSpPr>
-              <p:cNvPr id="121" name="Freeform 393">
+              <p:cNvPr id="145" name="Freeform 393">
                 <a:extLst>
                   <a:ext uri="{FF2B5EF4-FFF2-40B4-BE49-F238E27FC236}">
-                    <a16:creationId xmlns:a16="http://schemas.microsoft.com/office/drawing/2014/main" id="{C638A9D9-AEB1-41A4-8177-B36815AD9858}"/>
+                    <a16:creationId xmlns:a16="http://schemas.microsoft.com/office/drawing/2014/main" id="{0A9FC5FC-B4BE-4D75-8A44-C45462A18620}"/>
                   </a:ext>
                 </a:extLst>
               </p:cNvPr>
@@ -10680,10 +12278,10 @@
       </p:grpSp>
       <p:grpSp>
         <p:nvGrpSpPr>
-          <p:cNvPr id="122" name="Group 387">
+          <p:cNvPr id="146" name="Group 387">
             <a:extLst>
               <a:ext uri="{FF2B5EF4-FFF2-40B4-BE49-F238E27FC236}">
-                <a16:creationId xmlns:a16="http://schemas.microsoft.com/office/drawing/2014/main" id="{54CD2942-EB67-41E2-AAD0-B7988C459279}"/>
+                <a16:creationId xmlns:a16="http://schemas.microsoft.com/office/drawing/2014/main" id="{1D7668E1-70E0-4062-B789-20BF320E90A3}"/>
               </a:ext>
             </a:extLst>
           </p:cNvPr>
@@ -10694,7 +12292,7 @@
         </p:nvGrpSpPr>
         <p:grpSpPr bwMode="auto">
           <a:xfrm flipH="1">
-            <a:off x="6282073" y="7604382"/>
+            <a:off x="5966192" y="7310814"/>
             <a:ext cx="228600" cy="862013"/>
             <a:chOff x="1680" y="768"/>
             <a:chExt cx="144" cy="543"/>
@@ -10702,10 +12300,10 @@
         </p:grpSpPr>
         <p:sp>
           <p:nvSpPr>
-            <p:cNvPr id="123" name="Line 388">
+            <p:cNvPr id="147" name="Line 388">
               <a:extLst>
                 <a:ext uri="{FF2B5EF4-FFF2-40B4-BE49-F238E27FC236}">
-                  <a16:creationId xmlns:a16="http://schemas.microsoft.com/office/drawing/2014/main" id="{AFCA779B-95E6-40C4-AFEF-83DF07995F39}"/>
+                  <a16:creationId xmlns:a16="http://schemas.microsoft.com/office/drawing/2014/main" id="{93CC1C9E-05A3-447F-BCB1-A605FCB710C2}"/>
                 </a:ext>
               </a:extLst>
             </p:cNvPr>
@@ -10749,10 +12347,10 @@
         </p:sp>
         <p:sp>
           <p:nvSpPr>
-            <p:cNvPr id="124" name="Line 389">
+            <p:cNvPr id="148" name="Line 389">
               <a:extLst>
                 <a:ext uri="{FF2B5EF4-FFF2-40B4-BE49-F238E27FC236}">
-                  <a16:creationId xmlns:a16="http://schemas.microsoft.com/office/drawing/2014/main" id="{41BF6A44-0CD3-4A99-8297-19C2B472A605}"/>
+                  <a16:creationId xmlns:a16="http://schemas.microsoft.com/office/drawing/2014/main" id="{F2CAB970-DD21-449F-837E-F5D73F0CC3A6}"/>
                 </a:ext>
               </a:extLst>
             </p:cNvPr>
@@ -10796,10 +12394,10 @@
         </p:sp>
         <p:grpSp>
           <p:nvGrpSpPr>
-            <p:cNvPr id="125" name="Group 390">
+            <p:cNvPr id="149" name="Group 390">
               <a:extLst>
                 <a:ext uri="{FF2B5EF4-FFF2-40B4-BE49-F238E27FC236}">
-                  <a16:creationId xmlns:a16="http://schemas.microsoft.com/office/drawing/2014/main" id="{4390C024-08E9-4A88-932A-92070F06BF38}"/>
+                  <a16:creationId xmlns:a16="http://schemas.microsoft.com/office/drawing/2014/main" id="{1D011409-E1B9-47E2-BD0A-47E564AFB6C1}"/>
                 </a:ext>
               </a:extLst>
             </p:cNvPr>
@@ -10818,10 +12416,10 @@
           </p:grpSpPr>
           <p:sp>
             <p:nvSpPr>
-              <p:cNvPr id="126" name="Freeform 391">
+              <p:cNvPr id="150" name="Freeform 391">
                 <a:extLst>
                   <a:ext uri="{FF2B5EF4-FFF2-40B4-BE49-F238E27FC236}">
-                    <a16:creationId xmlns:a16="http://schemas.microsoft.com/office/drawing/2014/main" id="{B51F0DA6-F9B9-409E-A543-F6198E484435}"/>
+                    <a16:creationId xmlns:a16="http://schemas.microsoft.com/office/drawing/2014/main" id="{77A6B924-9226-4125-85DF-2F28D5F18D6F}"/>
                   </a:ext>
                 </a:extLst>
               </p:cNvPr>
@@ -10991,10 +12589,10 @@
           </p:sp>
           <p:sp>
             <p:nvSpPr>
-              <p:cNvPr id="127" name="Freeform 392">
+              <p:cNvPr id="151" name="Freeform 392">
                 <a:extLst>
                   <a:ext uri="{FF2B5EF4-FFF2-40B4-BE49-F238E27FC236}">
-                    <a16:creationId xmlns:a16="http://schemas.microsoft.com/office/drawing/2014/main" id="{C99CC320-2EF7-41B3-8860-41041EC2C72A}"/>
+                    <a16:creationId xmlns:a16="http://schemas.microsoft.com/office/drawing/2014/main" id="{EB83A1C8-D822-4C65-8012-D4115556C9DD}"/>
                   </a:ext>
                 </a:extLst>
               </p:cNvPr>
@@ -11111,10 +12709,10 @@
           </p:sp>
           <p:sp>
             <p:nvSpPr>
-              <p:cNvPr id="128" name="Freeform 393">
+              <p:cNvPr id="152" name="Freeform 393">
                 <a:extLst>
                   <a:ext uri="{FF2B5EF4-FFF2-40B4-BE49-F238E27FC236}">
-                    <a16:creationId xmlns:a16="http://schemas.microsoft.com/office/drawing/2014/main" id="{26140AFF-E66D-41A1-9DDF-CD05C7BD15A1}"/>
+                    <a16:creationId xmlns:a16="http://schemas.microsoft.com/office/drawing/2014/main" id="{73335DB0-5414-45D5-919F-3ABB029BAFC4}"/>
                   </a:ext>
                 </a:extLst>
               </p:cNvPr>
@@ -11233,10 +12831,10 @@
       </p:grpSp>
       <p:sp>
         <p:nvSpPr>
-          <p:cNvPr id="129" name="AutoShape 28">
+          <p:cNvPr id="153" name="AutoShape 28">
             <a:extLst>
               <a:ext uri="{FF2B5EF4-FFF2-40B4-BE49-F238E27FC236}">
-                <a16:creationId xmlns:a16="http://schemas.microsoft.com/office/drawing/2014/main" id="{B5285FD9-23E7-43FC-8FA5-DC74861CA107}"/>
+                <a16:creationId xmlns:a16="http://schemas.microsoft.com/office/drawing/2014/main" id="{81BDFF85-6CDF-43F1-9503-5A8CC690046F}"/>
               </a:ext>
             </a:extLst>
           </p:cNvPr>
@@ -11247,7 +12845,7 @@
         </p:nvSpPr>
         <p:spPr bwMode="auto">
           <a:xfrm>
-            <a:off x="5880101" y="7292596"/>
+            <a:off x="5564220" y="6999028"/>
             <a:ext cx="323850" cy="568325"/>
           </a:xfrm>
           <a:prstGeom prst="can">
@@ -11416,10 +13014,10 @@
       </p:sp>
       <p:sp>
         <p:nvSpPr>
-          <p:cNvPr id="130" name="AutoShape 28">
+          <p:cNvPr id="154" name="AutoShape 28">
             <a:extLst>
               <a:ext uri="{FF2B5EF4-FFF2-40B4-BE49-F238E27FC236}">
-                <a16:creationId xmlns:a16="http://schemas.microsoft.com/office/drawing/2014/main" id="{F5DA1CC2-80E5-4DBF-B6FB-3E523E636312}"/>
+                <a16:creationId xmlns:a16="http://schemas.microsoft.com/office/drawing/2014/main" id="{3A5BB557-0F20-4545-86F6-6882CE85A0FC}"/>
               </a:ext>
             </a:extLst>
           </p:cNvPr>
@@ -11430,7 +13028,7 @@
         </p:nvSpPr>
         <p:spPr bwMode="auto">
           <a:xfrm>
-            <a:off x="5735303" y="6863242"/>
+            <a:off x="5419422" y="6569674"/>
             <a:ext cx="323850" cy="568325"/>
           </a:xfrm>
           <a:prstGeom prst="can">
@@ -11599,10 +13197,10 @@
       </p:sp>
       <p:grpSp>
         <p:nvGrpSpPr>
-          <p:cNvPr id="131" name="Group 380">
+          <p:cNvPr id="155" name="Group 380">
             <a:extLst>
               <a:ext uri="{FF2B5EF4-FFF2-40B4-BE49-F238E27FC236}">
-                <a16:creationId xmlns:a16="http://schemas.microsoft.com/office/drawing/2014/main" id="{21196196-4E71-4149-AD81-F5CF2688422B}"/>
+                <a16:creationId xmlns:a16="http://schemas.microsoft.com/office/drawing/2014/main" id="{F1622A4B-F2DB-4AE6-81DC-441552E92494}"/>
               </a:ext>
             </a:extLst>
           </p:cNvPr>
@@ -11613,7 +13211,7 @@
         </p:nvGrpSpPr>
         <p:grpSpPr bwMode="auto">
           <a:xfrm>
-            <a:off x="1772111" y="6944971"/>
+            <a:off x="1456230" y="6651403"/>
             <a:ext cx="228600" cy="862013"/>
             <a:chOff x="1680" y="768"/>
             <a:chExt cx="144" cy="543"/>
@@ -11621,10 +13219,10 @@
         </p:grpSpPr>
         <p:sp>
           <p:nvSpPr>
-            <p:cNvPr id="132" name="Line 381">
+            <p:cNvPr id="156" name="Line 381">
               <a:extLst>
                 <a:ext uri="{FF2B5EF4-FFF2-40B4-BE49-F238E27FC236}">
-                  <a16:creationId xmlns:a16="http://schemas.microsoft.com/office/drawing/2014/main" id="{21A33BA4-376C-4253-B66F-CB5C6C972619}"/>
+                  <a16:creationId xmlns:a16="http://schemas.microsoft.com/office/drawing/2014/main" id="{FCBC1775-51C1-4B61-B28A-E206E59AA825}"/>
                 </a:ext>
               </a:extLst>
             </p:cNvPr>
@@ -11668,10 +13266,10 @@
         </p:sp>
         <p:sp>
           <p:nvSpPr>
-            <p:cNvPr id="133" name="Line 382">
+            <p:cNvPr id="157" name="Line 382">
               <a:extLst>
                 <a:ext uri="{FF2B5EF4-FFF2-40B4-BE49-F238E27FC236}">
-                  <a16:creationId xmlns:a16="http://schemas.microsoft.com/office/drawing/2014/main" id="{956F289A-7E2C-4E1A-AA29-0B1575FF6328}"/>
+                  <a16:creationId xmlns:a16="http://schemas.microsoft.com/office/drawing/2014/main" id="{3B637B7A-6551-4EBA-8C09-58F1C86CDF19}"/>
                 </a:ext>
               </a:extLst>
             </p:cNvPr>
@@ -11715,10 +13313,10 @@
         </p:sp>
         <p:grpSp>
           <p:nvGrpSpPr>
-            <p:cNvPr id="134" name="Group 383">
+            <p:cNvPr id="158" name="Group 383">
               <a:extLst>
                 <a:ext uri="{FF2B5EF4-FFF2-40B4-BE49-F238E27FC236}">
-                  <a16:creationId xmlns:a16="http://schemas.microsoft.com/office/drawing/2014/main" id="{D21F863A-5128-4B3B-977B-74A7B8748108}"/>
+                  <a16:creationId xmlns:a16="http://schemas.microsoft.com/office/drawing/2014/main" id="{3E2AB8BC-10D0-4DE0-9BA3-9ACADBA16B83}"/>
                 </a:ext>
               </a:extLst>
             </p:cNvPr>
@@ -11737,10 +13335,10 @@
           </p:grpSpPr>
           <p:sp>
             <p:nvSpPr>
-              <p:cNvPr id="135" name="Freeform 384">
+              <p:cNvPr id="159" name="Freeform 384">
                 <a:extLst>
                   <a:ext uri="{FF2B5EF4-FFF2-40B4-BE49-F238E27FC236}">
-                    <a16:creationId xmlns:a16="http://schemas.microsoft.com/office/drawing/2014/main" id="{7536BD09-606A-40C1-9622-317B4C17E94F}"/>
+                    <a16:creationId xmlns:a16="http://schemas.microsoft.com/office/drawing/2014/main" id="{50D57273-72E7-4E82-8031-0226BD91E000}"/>
                   </a:ext>
                 </a:extLst>
               </p:cNvPr>
@@ -11910,10 +13508,10 @@
           </p:sp>
           <p:sp>
             <p:nvSpPr>
-              <p:cNvPr id="136" name="Freeform 385">
+              <p:cNvPr id="160" name="Freeform 385">
                 <a:extLst>
                   <a:ext uri="{FF2B5EF4-FFF2-40B4-BE49-F238E27FC236}">
-                    <a16:creationId xmlns:a16="http://schemas.microsoft.com/office/drawing/2014/main" id="{62875813-E51C-42A1-B491-4E0104A94E81}"/>
+                    <a16:creationId xmlns:a16="http://schemas.microsoft.com/office/drawing/2014/main" id="{CDD90F63-F2CD-43A8-AB43-41C348A01E60}"/>
                   </a:ext>
                 </a:extLst>
               </p:cNvPr>
@@ -12030,10 +13628,10 @@
           </p:sp>
           <p:sp>
             <p:nvSpPr>
-              <p:cNvPr id="137" name="Freeform 386">
+              <p:cNvPr id="161" name="Freeform 386">
                 <a:extLst>
                   <a:ext uri="{FF2B5EF4-FFF2-40B4-BE49-F238E27FC236}">
-                    <a16:creationId xmlns:a16="http://schemas.microsoft.com/office/drawing/2014/main" id="{AE20783D-7280-4C26-882C-3274AF7E0D28}"/>
+                    <a16:creationId xmlns:a16="http://schemas.microsoft.com/office/drawing/2014/main" id="{C3A17B5F-AD50-4112-8F92-780FFE52A5F5}"/>
                   </a:ext>
                 </a:extLst>
               </p:cNvPr>
@@ -12152,10 +13750,10 @@
       </p:grpSp>
       <p:grpSp>
         <p:nvGrpSpPr>
-          <p:cNvPr id="139" name="Group 44">
+          <p:cNvPr id="162" name="Group 44">
             <a:extLst>
               <a:ext uri="{FF2B5EF4-FFF2-40B4-BE49-F238E27FC236}">
-                <a16:creationId xmlns:a16="http://schemas.microsoft.com/office/drawing/2014/main" id="{A9D4ED63-D606-4D0E-AD80-B58CF5601A77}"/>
+                <a16:creationId xmlns:a16="http://schemas.microsoft.com/office/drawing/2014/main" id="{EE69D10F-6FBA-4133-9D37-07A2C0CA54C4}"/>
               </a:ext>
             </a:extLst>
           </p:cNvPr>
@@ -12166,7 +13764,7 @@
         </p:nvGrpSpPr>
         <p:grpSpPr bwMode="auto">
           <a:xfrm>
-            <a:off x="5156199" y="4727680"/>
+            <a:off x="4840318" y="4434112"/>
             <a:ext cx="287338" cy="787400"/>
             <a:chOff x="1756" y="2113"/>
             <a:chExt cx="181" cy="499"/>
@@ -12174,10 +13772,10 @@
         </p:grpSpPr>
         <p:sp>
           <p:nvSpPr>
-            <p:cNvPr id="140" name="Line 45">
+            <p:cNvPr id="163" name="Line 45">
               <a:extLst>
                 <a:ext uri="{FF2B5EF4-FFF2-40B4-BE49-F238E27FC236}">
-                  <a16:creationId xmlns:a16="http://schemas.microsoft.com/office/drawing/2014/main" id="{99535E9F-07E8-434F-8E47-5BB813D162E7}"/>
+                  <a16:creationId xmlns:a16="http://schemas.microsoft.com/office/drawing/2014/main" id="{71874FEC-20F2-4E8B-A296-182D4CA8BE5E}"/>
                 </a:ext>
               </a:extLst>
             </p:cNvPr>
@@ -12221,10 +13819,10 @@
         </p:sp>
         <p:sp>
           <p:nvSpPr>
-            <p:cNvPr id="143" name="Line 46">
+            <p:cNvPr id="164" name="Line 46">
               <a:extLst>
                 <a:ext uri="{FF2B5EF4-FFF2-40B4-BE49-F238E27FC236}">
-                  <a16:creationId xmlns:a16="http://schemas.microsoft.com/office/drawing/2014/main" id="{F6EC0FE9-7F19-4A37-B597-616D662B3675}"/>
+                  <a16:creationId xmlns:a16="http://schemas.microsoft.com/office/drawing/2014/main" id="{964D69EB-2A51-4FCE-9BAD-D4C906EEDF39}"/>
                 </a:ext>
               </a:extLst>
             </p:cNvPr>
@@ -12268,10 +13866,10 @@
         </p:sp>
         <p:grpSp>
           <p:nvGrpSpPr>
-            <p:cNvPr id="144" name="Group 47">
+            <p:cNvPr id="165" name="Group 47">
               <a:extLst>
                 <a:ext uri="{FF2B5EF4-FFF2-40B4-BE49-F238E27FC236}">
-                  <a16:creationId xmlns:a16="http://schemas.microsoft.com/office/drawing/2014/main" id="{92106A7F-50FE-4FE0-87EF-7A7E0B794650}"/>
+                  <a16:creationId xmlns:a16="http://schemas.microsoft.com/office/drawing/2014/main" id="{4A1851F0-517F-4C9E-BD0D-CAAA5CFBBCD5}"/>
                 </a:ext>
               </a:extLst>
             </p:cNvPr>
@@ -12290,10 +13888,10 @@
           </p:grpSpPr>
           <p:sp>
             <p:nvSpPr>
-              <p:cNvPr id="145" name="Freeform 48">
+              <p:cNvPr id="166" name="Freeform 48">
                 <a:extLst>
                   <a:ext uri="{FF2B5EF4-FFF2-40B4-BE49-F238E27FC236}">
-                    <a16:creationId xmlns:a16="http://schemas.microsoft.com/office/drawing/2014/main" id="{4B3956B6-2431-4B56-9E8E-72A69FFAF422}"/>
+                    <a16:creationId xmlns:a16="http://schemas.microsoft.com/office/drawing/2014/main" id="{F470ACDA-1481-4850-A010-7CB610C96C98}"/>
                   </a:ext>
                 </a:extLst>
               </p:cNvPr>
@@ -12463,10 +14061,10 @@
           </p:sp>
           <p:sp>
             <p:nvSpPr>
-              <p:cNvPr id="146" name="Freeform 49">
+              <p:cNvPr id="167" name="Freeform 49">
                 <a:extLst>
                   <a:ext uri="{FF2B5EF4-FFF2-40B4-BE49-F238E27FC236}">
-                    <a16:creationId xmlns:a16="http://schemas.microsoft.com/office/drawing/2014/main" id="{9562173D-6A83-4C2F-B594-AD67E9C170AD}"/>
+                    <a16:creationId xmlns:a16="http://schemas.microsoft.com/office/drawing/2014/main" id="{1EEED331-ECFE-4617-A39E-60CE2F8AC8A7}"/>
                   </a:ext>
                 </a:extLst>
               </p:cNvPr>
@@ -12583,10 +14181,10 @@
           </p:sp>
           <p:sp>
             <p:nvSpPr>
-              <p:cNvPr id="147" name="Freeform 50">
+              <p:cNvPr id="168" name="Freeform 50">
                 <a:extLst>
                   <a:ext uri="{FF2B5EF4-FFF2-40B4-BE49-F238E27FC236}">
-                    <a16:creationId xmlns:a16="http://schemas.microsoft.com/office/drawing/2014/main" id="{CC0F1EC2-3044-45F3-84C6-FF0915E53187}"/>
+                    <a16:creationId xmlns:a16="http://schemas.microsoft.com/office/drawing/2014/main" id="{7E8EE9C6-D93D-4885-AE2F-B3EFB36FC651}"/>
                   </a:ext>
                 </a:extLst>
               </p:cNvPr>
@@ -12705,10 +14303,10 @@
       </p:grpSp>
       <p:grpSp>
         <p:nvGrpSpPr>
-          <p:cNvPr id="148" name="Group 44">
+          <p:cNvPr id="169" name="Group 44">
             <a:extLst>
               <a:ext uri="{FF2B5EF4-FFF2-40B4-BE49-F238E27FC236}">
-                <a16:creationId xmlns:a16="http://schemas.microsoft.com/office/drawing/2014/main" id="{6B1FECEC-1050-48B0-B7B2-F5A9C2A54AEC}"/>
+                <a16:creationId xmlns:a16="http://schemas.microsoft.com/office/drawing/2014/main" id="{8A33F940-179B-4B5C-9B63-3C6E3246650E}"/>
               </a:ext>
             </a:extLst>
           </p:cNvPr>
@@ -12719,7 +14317,7 @@
         </p:nvGrpSpPr>
         <p:grpSpPr bwMode="auto">
           <a:xfrm>
-            <a:off x="3991537" y="4745458"/>
+            <a:off x="3675656" y="4451890"/>
             <a:ext cx="287338" cy="787400"/>
             <a:chOff x="1756" y="2113"/>
             <a:chExt cx="181" cy="499"/>
@@ -12727,10 +14325,10 @@
         </p:grpSpPr>
         <p:sp>
           <p:nvSpPr>
-            <p:cNvPr id="149" name="Line 45">
+            <p:cNvPr id="170" name="Line 45">
               <a:extLst>
                 <a:ext uri="{FF2B5EF4-FFF2-40B4-BE49-F238E27FC236}">
-                  <a16:creationId xmlns:a16="http://schemas.microsoft.com/office/drawing/2014/main" id="{732AD549-6F24-42C6-B5AE-F891FD25E680}"/>
+                  <a16:creationId xmlns:a16="http://schemas.microsoft.com/office/drawing/2014/main" id="{A289896D-D73C-4F5A-B0B9-D8B7B2E06BA3}"/>
                 </a:ext>
               </a:extLst>
             </p:cNvPr>
@@ -12774,10 +14372,10 @@
         </p:sp>
         <p:sp>
           <p:nvSpPr>
-            <p:cNvPr id="150" name="Line 46">
+            <p:cNvPr id="171" name="Line 46">
               <a:extLst>
                 <a:ext uri="{FF2B5EF4-FFF2-40B4-BE49-F238E27FC236}">
-                  <a16:creationId xmlns:a16="http://schemas.microsoft.com/office/drawing/2014/main" id="{C6873947-6CF6-4554-BB46-78C441BBEB53}"/>
+                  <a16:creationId xmlns:a16="http://schemas.microsoft.com/office/drawing/2014/main" id="{C4787F40-229E-492C-9195-F9AD3660EA50}"/>
                 </a:ext>
               </a:extLst>
             </p:cNvPr>
@@ -12821,10 +14419,10 @@
         </p:sp>
         <p:grpSp>
           <p:nvGrpSpPr>
-            <p:cNvPr id="151" name="Group 47">
+            <p:cNvPr id="172" name="Group 47">
               <a:extLst>
                 <a:ext uri="{FF2B5EF4-FFF2-40B4-BE49-F238E27FC236}">
-                  <a16:creationId xmlns:a16="http://schemas.microsoft.com/office/drawing/2014/main" id="{F9E369C1-6DED-4973-A85C-546BB70C2097}"/>
+                  <a16:creationId xmlns:a16="http://schemas.microsoft.com/office/drawing/2014/main" id="{FE146728-224C-408D-BC83-425C26BE7DB8}"/>
                 </a:ext>
               </a:extLst>
             </p:cNvPr>
@@ -12843,10 +14441,10 @@
           </p:grpSpPr>
           <p:sp>
             <p:nvSpPr>
-              <p:cNvPr id="152" name="Freeform 48">
+              <p:cNvPr id="173" name="Freeform 48">
                 <a:extLst>
                   <a:ext uri="{FF2B5EF4-FFF2-40B4-BE49-F238E27FC236}">
-                    <a16:creationId xmlns:a16="http://schemas.microsoft.com/office/drawing/2014/main" id="{7FCD8E18-2728-44F7-9F68-2253153F3ECB}"/>
+                    <a16:creationId xmlns:a16="http://schemas.microsoft.com/office/drawing/2014/main" id="{09A53B72-47A8-443D-A949-78E2F03128DB}"/>
                   </a:ext>
                 </a:extLst>
               </p:cNvPr>
@@ -13016,10 +14614,10 @@
           </p:sp>
           <p:sp>
             <p:nvSpPr>
-              <p:cNvPr id="153" name="Freeform 49">
+              <p:cNvPr id="174" name="Freeform 49">
                 <a:extLst>
                   <a:ext uri="{FF2B5EF4-FFF2-40B4-BE49-F238E27FC236}">
-                    <a16:creationId xmlns:a16="http://schemas.microsoft.com/office/drawing/2014/main" id="{1C763096-972A-4748-B40C-567452691869}"/>
+                    <a16:creationId xmlns:a16="http://schemas.microsoft.com/office/drawing/2014/main" id="{D4992535-FB0E-47F1-BE51-D6E30EB06A1A}"/>
                   </a:ext>
                 </a:extLst>
               </p:cNvPr>
@@ -13136,10 +14734,10 @@
           </p:sp>
           <p:sp>
             <p:nvSpPr>
-              <p:cNvPr id="154" name="Freeform 50">
+              <p:cNvPr id="175" name="Freeform 50">
                 <a:extLst>
                   <a:ext uri="{FF2B5EF4-FFF2-40B4-BE49-F238E27FC236}">
-                    <a16:creationId xmlns:a16="http://schemas.microsoft.com/office/drawing/2014/main" id="{870FC0E2-44C2-4FB7-BBFB-6EB596C75EDB}"/>
+                    <a16:creationId xmlns:a16="http://schemas.microsoft.com/office/drawing/2014/main" id="{518D3DF5-8FEA-4F75-BECE-32CC6753BC73}"/>
                   </a:ext>
                 </a:extLst>
               </p:cNvPr>
@@ -13258,10 +14856,10 @@
       </p:grpSp>
       <p:grpSp>
         <p:nvGrpSpPr>
-          <p:cNvPr id="155" name="Group 7">
+          <p:cNvPr id="176" name="Group 7">
             <a:extLst>
               <a:ext uri="{FF2B5EF4-FFF2-40B4-BE49-F238E27FC236}">
-                <a16:creationId xmlns:a16="http://schemas.microsoft.com/office/drawing/2014/main" id="{B81F5AEB-C712-4DA0-9E82-2F72434760D4}"/>
+                <a16:creationId xmlns:a16="http://schemas.microsoft.com/office/drawing/2014/main" id="{2EAC9757-2B0B-4F90-AA9C-06B74E3AD67F}"/>
               </a:ext>
             </a:extLst>
           </p:cNvPr>
@@ -13272,7 +14870,7 @@
         </p:nvGrpSpPr>
         <p:grpSpPr bwMode="auto">
           <a:xfrm>
-            <a:off x="4206082" y="4600604"/>
+            <a:off x="3890201" y="4307036"/>
             <a:ext cx="323850" cy="998537"/>
             <a:chOff x="4627274" y="5027579"/>
             <a:chExt cx="323850" cy="998537"/>
@@ -13280,10 +14878,10 @@
         </p:grpSpPr>
         <p:sp>
           <p:nvSpPr>
-            <p:cNvPr id="156" name="AutoShape 28">
+            <p:cNvPr id="177" name="AutoShape 28">
               <a:extLst>
                 <a:ext uri="{FF2B5EF4-FFF2-40B4-BE49-F238E27FC236}">
-                  <a16:creationId xmlns:a16="http://schemas.microsoft.com/office/drawing/2014/main" id="{D794E92E-9C48-47A2-B8CB-2912BA755B53}"/>
+                  <a16:creationId xmlns:a16="http://schemas.microsoft.com/office/drawing/2014/main" id="{EDA9371F-E5D9-4EB5-B6B2-E0925F223AAC}"/>
                 </a:ext>
               </a:extLst>
             </p:cNvPr>
@@ -13463,10 +15061,10 @@
         </p:sp>
         <p:sp>
           <p:nvSpPr>
-            <p:cNvPr id="157" name="AutoShape 28">
+            <p:cNvPr id="178" name="AutoShape 28">
               <a:extLst>
                 <a:ext uri="{FF2B5EF4-FFF2-40B4-BE49-F238E27FC236}">
-                  <a16:creationId xmlns:a16="http://schemas.microsoft.com/office/drawing/2014/main" id="{ED508C77-B9EC-46B8-9F4F-9763448F4627}"/>
+                  <a16:creationId xmlns:a16="http://schemas.microsoft.com/office/drawing/2014/main" id="{A8FD7645-0157-4933-91F4-17C8A89C5288}"/>
                 </a:ext>
               </a:extLst>
             </p:cNvPr>
@@ -13647,10 +15245,10 @@
       </p:grpSp>
       <p:grpSp>
         <p:nvGrpSpPr>
-          <p:cNvPr id="158" name="Group 380">
+          <p:cNvPr id="179" name="Group 380">
             <a:extLst>
               <a:ext uri="{FF2B5EF4-FFF2-40B4-BE49-F238E27FC236}">
-                <a16:creationId xmlns:a16="http://schemas.microsoft.com/office/drawing/2014/main" id="{B44C3D4E-13C1-4A96-A028-6BAFC96DE1B8}"/>
+                <a16:creationId xmlns:a16="http://schemas.microsoft.com/office/drawing/2014/main" id="{D415C487-976D-4B7B-AC37-F7DD4BD56539}"/>
               </a:ext>
             </a:extLst>
           </p:cNvPr>
@@ -13661,7 +15259,7 @@
         </p:nvGrpSpPr>
         <p:grpSpPr bwMode="auto">
           <a:xfrm>
-            <a:off x="1599406" y="4901450"/>
+            <a:off x="1283525" y="4607882"/>
             <a:ext cx="228600" cy="862013"/>
             <a:chOff x="1680" y="768"/>
             <a:chExt cx="144" cy="543"/>
@@ -13669,10 +15267,10 @@
         </p:grpSpPr>
         <p:sp>
           <p:nvSpPr>
-            <p:cNvPr id="159" name="Line 381">
+            <p:cNvPr id="180" name="Line 381">
               <a:extLst>
                 <a:ext uri="{FF2B5EF4-FFF2-40B4-BE49-F238E27FC236}">
-                  <a16:creationId xmlns:a16="http://schemas.microsoft.com/office/drawing/2014/main" id="{203E4281-FD60-4747-A30E-3809D9FFA4F0}"/>
+                  <a16:creationId xmlns:a16="http://schemas.microsoft.com/office/drawing/2014/main" id="{580C537E-22DE-41CA-A0C8-4296188280BF}"/>
                 </a:ext>
               </a:extLst>
             </p:cNvPr>
@@ -13716,10 +15314,10 @@
         </p:sp>
         <p:sp>
           <p:nvSpPr>
-            <p:cNvPr id="160" name="Line 382">
+            <p:cNvPr id="181" name="Line 382">
               <a:extLst>
                 <a:ext uri="{FF2B5EF4-FFF2-40B4-BE49-F238E27FC236}">
-                  <a16:creationId xmlns:a16="http://schemas.microsoft.com/office/drawing/2014/main" id="{64433297-B160-4EF1-A323-CE2860DD9F2D}"/>
+                  <a16:creationId xmlns:a16="http://schemas.microsoft.com/office/drawing/2014/main" id="{59D8CF98-BA87-4128-8877-956D55F2DCD0}"/>
                 </a:ext>
               </a:extLst>
             </p:cNvPr>
@@ -13763,10 +15361,10 @@
         </p:sp>
         <p:grpSp>
           <p:nvGrpSpPr>
-            <p:cNvPr id="161" name="Group 383">
+            <p:cNvPr id="182" name="Group 383">
               <a:extLst>
                 <a:ext uri="{FF2B5EF4-FFF2-40B4-BE49-F238E27FC236}">
-                  <a16:creationId xmlns:a16="http://schemas.microsoft.com/office/drawing/2014/main" id="{B8082008-9F60-44FF-8741-936FAC1DE2A2}"/>
+                  <a16:creationId xmlns:a16="http://schemas.microsoft.com/office/drawing/2014/main" id="{A80CDED1-2857-4E12-8DFB-EEB06D9D1E2D}"/>
                 </a:ext>
               </a:extLst>
             </p:cNvPr>
@@ -13785,10 +15383,10 @@
           </p:grpSpPr>
           <p:sp>
             <p:nvSpPr>
-              <p:cNvPr id="162" name="Freeform 384">
+              <p:cNvPr id="183" name="Freeform 384">
                 <a:extLst>
                   <a:ext uri="{FF2B5EF4-FFF2-40B4-BE49-F238E27FC236}">
-                    <a16:creationId xmlns:a16="http://schemas.microsoft.com/office/drawing/2014/main" id="{80995803-6619-4B10-9775-33AB02210627}"/>
+                    <a16:creationId xmlns:a16="http://schemas.microsoft.com/office/drawing/2014/main" id="{18861790-7D47-4213-8D39-DAD3C1AA9C3C}"/>
                   </a:ext>
                 </a:extLst>
               </p:cNvPr>
@@ -13958,10 +15556,10 @@
           </p:sp>
           <p:sp>
             <p:nvSpPr>
-              <p:cNvPr id="163" name="Freeform 385">
+              <p:cNvPr id="184" name="Freeform 385">
                 <a:extLst>
                   <a:ext uri="{FF2B5EF4-FFF2-40B4-BE49-F238E27FC236}">
-                    <a16:creationId xmlns:a16="http://schemas.microsoft.com/office/drawing/2014/main" id="{83B88FF2-DACE-4237-B943-180EC68ECB8F}"/>
+                    <a16:creationId xmlns:a16="http://schemas.microsoft.com/office/drawing/2014/main" id="{96C8816F-DB75-431C-B7D8-19917E7BE062}"/>
                   </a:ext>
                 </a:extLst>
               </p:cNvPr>
@@ -14078,10 +15676,10 @@
           </p:sp>
           <p:sp>
             <p:nvSpPr>
-              <p:cNvPr id="164" name="Freeform 386">
+              <p:cNvPr id="185" name="Freeform 386">
                 <a:extLst>
                   <a:ext uri="{FF2B5EF4-FFF2-40B4-BE49-F238E27FC236}">
-                    <a16:creationId xmlns:a16="http://schemas.microsoft.com/office/drawing/2014/main" id="{956683F4-79B6-4B3A-8402-25858E797E51}"/>
+                    <a16:creationId xmlns:a16="http://schemas.microsoft.com/office/drawing/2014/main" id="{5690D415-2C17-423F-80FB-D7CDD1925DC3}"/>
                   </a:ext>
                 </a:extLst>
               </p:cNvPr>
@@ -14200,10 +15798,10 @@
       </p:grpSp>
       <p:grpSp>
         <p:nvGrpSpPr>
-          <p:cNvPr id="170" name="Group 44">
+          <p:cNvPr id="186" name="Group 44">
             <a:extLst>
               <a:ext uri="{FF2B5EF4-FFF2-40B4-BE49-F238E27FC236}">
-                <a16:creationId xmlns:a16="http://schemas.microsoft.com/office/drawing/2014/main" id="{BC65851B-69CB-493F-B441-13193A7791BC}"/>
+                <a16:creationId xmlns:a16="http://schemas.microsoft.com/office/drawing/2014/main" id="{969FDF86-6798-4627-9049-F55ADD8A80A8}"/>
               </a:ext>
             </a:extLst>
           </p:cNvPr>
@@ -14214,7 +15812,7 @@
         </p:nvGrpSpPr>
         <p:grpSpPr bwMode="auto">
           <a:xfrm>
-            <a:off x="2745431" y="4799013"/>
+            <a:off x="2429550" y="4505445"/>
             <a:ext cx="287338" cy="787400"/>
             <a:chOff x="1756" y="2113"/>
             <a:chExt cx="181" cy="499"/>
@@ -14222,10 +15820,10 @@
         </p:grpSpPr>
         <p:sp>
           <p:nvSpPr>
-            <p:cNvPr id="171" name="Line 45">
+            <p:cNvPr id="187" name="Line 45">
               <a:extLst>
                 <a:ext uri="{FF2B5EF4-FFF2-40B4-BE49-F238E27FC236}">
-                  <a16:creationId xmlns:a16="http://schemas.microsoft.com/office/drawing/2014/main" id="{BFCF58D9-2C8A-46C7-AEB5-BBD6BDF468D4}"/>
+                  <a16:creationId xmlns:a16="http://schemas.microsoft.com/office/drawing/2014/main" id="{8A65AC57-94D8-42D3-BC2F-97D17A870C1C}"/>
                 </a:ext>
               </a:extLst>
             </p:cNvPr>
@@ -14269,10 +15867,10 @@
         </p:sp>
         <p:sp>
           <p:nvSpPr>
-            <p:cNvPr id="172" name="Line 46">
+            <p:cNvPr id="189" name="Line 46">
               <a:extLst>
                 <a:ext uri="{FF2B5EF4-FFF2-40B4-BE49-F238E27FC236}">
-                  <a16:creationId xmlns:a16="http://schemas.microsoft.com/office/drawing/2014/main" id="{9C4C9940-F919-44BB-A14D-2DEFFECB3C9E}"/>
+                  <a16:creationId xmlns:a16="http://schemas.microsoft.com/office/drawing/2014/main" id="{D5B296B5-F934-4336-83FC-5BA15EEA1078}"/>
                 </a:ext>
               </a:extLst>
             </p:cNvPr>
@@ -14316,10 +15914,10 @@
         </p:sp>
         <p:grpSp>
           <p:nvGrpSpPr>
-            <p:cNvPr id="173" name="Group 47">
+            <p:cNvPr id="190" name="Group 47">
               <a:extLst>
                 <a:ext uri="{FF2B5EF4-FFF2-40B4-BE49-F238E27FC236}">
-                  <a16:creationId xmlns:a16="http://schemas.microsoft.com/office/drawing/2014/main" id="{440B1F95-1BD7-4C03-91BB-C5A89E95B693}"/>
+                  <a16:creationId xmlns:a16="http://schemas.microsoft.com/office/drawing/2014/main" id="{6AEA8EF5-7B60-4C66-AE03-0DBD72BFAAAA}"/>
                 </a:ext>
               </a:extLst>
             </p:cNvPr>
@@ -14338,10 +15936,10 @@
           </p:grpSpPr>
           <p:sp>
             <p:nvSpPr>
-              <p:cNvPr id="174" name="Freeform 48">
+              <p:cNvPr id="191" name="Freeform 48">
                 <a:extLst>
                   <a:ext uri="{FF2B5EF4-FFF2-40B4-BE49-F238E27FC236}">
-                    <a16:creationId xmlns:a16="http://schemas.microsoft.com/office/drawing/2014/main" id="{35F5FEF3-78F3-4F42-91EF-84F3981B3261}"/>
+                    <a16:creationId xmlns:a16="http://schemas.microsoft.com/office/drawing/2014/main" id="{BA8E4038-7DD0-4C0B-8ADF-A95566841D33}"/>
                   </a:ext>
                 </a:extLst>
               </p:cNvPr>
@@ -14511,10 +16109,10 @@
           </p:sp>
           <p:sp>
             <p:nvSpPr>
-              <p:cNvPr id="175" name="Freeform 49">
+              <p:cNvPr id="192" name="Freeform 49">
                 <a:extLst>
                   <a:ext uri="{FF2B5EF4-FFF2-40B4-BE49-F238E27FC236}">
-                    <a16:creationId xmlns:a16="http://schemas.microsoft.com/office/drawing/2014/main" id="{6C8F1AA1-3253-4CA1-B473-B666150EA01D}"/>
+                    <a16:creationId xmlns:a16="http://schemas.microsoft.com/office/drawing/2014/main" id="{5C9488BB-5B76-4F4B-A068-FB01AC7C468A}"/>
                   </a:ext>
                 </a:extLst>
               </p:cNvPr>
@@ -14631,10 +16229,10 @@
           </p:sp>
           <p:sp>
             <p:nvSpPr>
-              <p:cNvPr id="176" name="Freeform 50">
+              <p:cNvPr id="193" name="Freeform 50">
                 <a:extLst>
                   <a:ext uri="{FF2B5EF4-FFF2-40B4-BE49-F238E27FC236}">
-                    <a16:creationId xmlns:a16="http://schemas.microsoft.com/office/drawing/2014/main" id="{63C69047-1213-45BF-8C53-72D130FCAC33}"/>
+                    <a16:creationId xmlns:a16="http://schemas.microsoft.com/office/drawing/2014/main" id="{0DAD586E-7DA6-47D8-A2E2-61B382C458E1}"/>
                   </a:ext>
                 </a:extLst>
               </p:cNvPr>
@@ -14753,10 +16351,10 @@
       </p:grpSp>
       <p:sp>
         <p:nvSpPr>
-          <p:cNvPr id="138" name="AutoShape 28">
+          <p:cNvPr id="194" name="AutoShape 28">
             <a:extLst>
               <a:ext uri="{FF2B5EF4-FFF2-40B4-BE49-F238E27FC236}">
-                <a16:creationId xmlns:a16="http://schemas.microsoft.com/office/drawing/2014/main" id="{DBFA8062-F0A8-49CF-B2BB-F7436E241583}"/>
+                <a16:creationId xmlns:a16="http://schemas.microsoft.com/office/drawing/2014/main" id="{4D8F87AE-BBB2-47E7-A62D-1A39243CF254}"/>
               </a:ext>
             </a:extLst>
           </p:cNvPr>
@@ -14767,7 +16365,7 @@
         </p:nvSpPr>
         <p:spPr bwMode="auto">
           <a:xfrm>
-            <a:off x="5901700" y="7466699"/>
+            <a:off x="5585819" y="7173131"/>
             <a:ext cx="323850" cy="568325"/>
           </a:xfrm>
           <a:prstGeom prst="can">
@@ -14936,10 +16534,10 @@
       </p:sp>
       <p:sp>
         <p:nvSpPr>
-          <p:cNvPr id="177" name="AutoShape 28">
+          <p:cNvPr id="195" name="AutoShape 28">
             <a:extLst>
               <a:ext uri="{FF2B5EF4-FFF2-40B4-BE49-F238E27FC236}">
-                <a16:creationId xmlns:a16="http://schemas.microsoft.com/office/drawing/2014/main" id="{C7537678-247C-4557-8FF3-FB44C72AE930}"/>
+                <a16:creationId xmlns:a16="http://schemas.microsoft.com/office/drawing/2014/main" id="{5FDDAC0F-9F5B-4E43-8EBE-08A61B8DF0E8}"/>
               </a:ext>
             </a:extLst>
           </p:cNvPr>
@@ -14950,7 +16548,7 @@
         </p:nvSpPr>
         <p:spPr bwMode="auto">
           <a:xfrm>
-            <a:off x="5731044" y="6415313"/>
+            <a:off x="5415163" y="6121745"/>
             <a:ext cx="323850" cy="568325"/>
           </a:xfrm>
           <a:prstGeom prst="can">
@@ -15119,10 +16717,10 @@
       </p:sp>
       <p:grpSp>
         <p:nvGrpSpPr>
-          <p:cNvPr id="178" name="Group 380">
+          <p:cNvPr id="196" name="Group 380">
             <a:extLst>
               <a:ext uri="{FF2B5EF4-FFF2-40B4-BE49-F238E27FC236}">
-                <a16:creationId xmlns:a16="http://schemas.microsoft.com/office/drawing/2014/main" id="{5C5FEAFA-4A1E-4F47-85EA-A7FBD5CAC675}"/>
+                <a16:creationId xmlns:a16="http://schemas.microsoft.com/office/drawing/2014/main" id="{F0068546-5EEF-4A12-8252-A273B91D03E8}"/>
               </a:ext>
             </a:extLst>
           </p:cNvPr>
@@ -15133,7 +16731,7 @@
         </p:nvGrpSpPr>
         <p:grpSpPr bwMode="auto">
           <a:xfrm>
-            <a:off x="1861345" y="7599749"/>
+            <a:off x="1545464" y="7306181"/>
             <a:ext cx="228600" cy="862013"/>
             <a:chOff x="1680" y="768"/>
             <a:chExt cx="144" cy="543"/>
@@ -15141,10 +16739,10 @@
         </p:grpSpPr>
         <p:sp>
           <p:nvSpPr>
-            <p:cNvPr id="179" name="Line 381">
+            <p:cNvPr id="197" name="Line 381">
               <a:extLst>
                 <a:ext uri="{FF2B5EF4-FFF2-40B4-BE49-F238E27FC236}">
-                  <a16:creationId xmlns:a16="http://schemas.microsoft.com/office/drawing/2014/main" id="{8088F5E8-718D-496E-A118-5C5EDD8216D3}"/>
+                  <a16:creationId xmlns:a16="http://schemas.microsoft.com/office/drawing/2014/main" id="{C7A09203-7933-41C6-9139-F44AEEAFEF7F}"/>
                 </a:ext>
               </a:extLst>
             </p:cNvPr>
@@ -15188,10 +16786,10 @@
         </p:sp>
         <p:sp>
           <p:nvSpPr>
-            <p:cNvPr id="180" name="Line 382">
+            <p:cNvPr id="198" name="Line 382">
               <a:extLst>
                 <a:ext uri="{FF2B5EF4-FFF2-40B4-BE49-F238E27FC236}">
-                  <a16:creationId xmlns:a16="http://schemas.microsoft.com/office/drawing/2014/main" id="{1E9A72AF-E723-4ED0-A271-7278ED89AAC1}"/>
+                  <a16:creationId xmlns:a16="http://schemas.microsoft.com/office/drawing/2014/main" id="{2FDD98E8-C728-4F41-AC85-CCA1CE7737A0}"/>
                 </a:ext>
               </a:extLst>
             </p:cNvPr>
@@ -15235,10 +16833,10 @@
         </p:sp>
         <p:grpSp>
           <p:nvGrpSpPr>
-            <p:cNvPr id="181" name="Group 383">
+            <p:cNvPr id="206" name="Group 383">
               <a:extLst>
                 <a:ext uri="{FF2B5EF4-FFF2-40B4-BE49-F238E27FC236}">
-                  <a16:creationId xmlns:a16="http://schemas.microsoft.com/office/drawing/2014/main" id="{4E2F912F-2A16-467F-98AC-7B603D617A0D}"/>
+                  <a16:creationId xmlns:a16="http://schemas.microsoft.com/office/drawing/2014/main" id="{9859B39B-24BB-4EAB-B1A5-311787075D3A}"/>
                 </a:ext>
               </a:extLst>
             </p:cNvPr>
@@ -15257,10 +16855,10 @@
           </p:grpSpPr>
           <p:sp>
             <p:nvSpPr>
-              <p:cNvPr id="182" name="Freeform 384">
+              <p:cNvPr id="211" name="Freeform 384">
                 <a:extLst>
                   <a:ext uri="{FF2B5EF4-FFF2-40B4-BE49-F238E27FC236}">
-                    <a16:creationId xmlns:a16="http://schemas.microsoft.com/office/drawing/2014/main" id="{F176BF3B-86F4-4649-9556-2AD8AB0BCF33}"/>
+                    <a16:creationId xmlns:a16="http://schemas.microsoft.com/office/drawing/2014/main" id="{9CB334B4-99A7-4261-B9C5-7B0659AE3AAD}"/>
                   </a:ext>
                 </a:extLst>
               </p:cNvPr>
@@ -15430,10 +17028,10 @@
           </p:sp>
           <p:sp>
             <p:nvSpPr>
-              <p:cNvPr id="183" name="Freeform 385">
+              <p:cNvPr id="228" name="Freeform 385">
                 <a:extLst>
                   <a:ext uri="{FF2B5EF4-FFF2-40B4-BE49-F238E27FC236}">
-                    <a16:creationId xmlns:a16="http://schemas.microsoft.com/office/drawing/2014/main" id="{A326F7C3-DC09-4C84-98FE-E3D957D90F7A}"/>
+                    <a16:creationId xmlns:a16="http://schemas.microsoft.com/office/drawing/2014/main" id="{D5036184-96C0-4EE8-A038-7D6EB05C22B6}"/>
                   </a:ext>
                 </a:extLst>
               </p:cNvPr>
@@ -15550,10 +17148,10 @@
           </p:sp>
           <p:sp>
             <p:nvSpPr>
-              <p:cNvPr id="184" name="Freeform 386">
+              <p:cNvPr id="229" name="Freeform 386">
                 <a:extLst>
                   <a:ext uri="{FF2B5EF4-FFF2-40B4-BE49-F238E27FC236}">
-                    <a16:creationId xmlns:a16="http://schemas.microsoft.com/office/drawing/2014/main" id="{53B188AB-1E9F-4C36-8213-609FE36FE543}"/>
+                    <a16:creationId xmlns:a16="http://schemas.microsoft.com/office/drawing/2014/main" id="{4A8C01EB-FECE-448A-9371-249DED908DC6}"/>
                   </a:ext>
                 </a:extLst>
               </p:cNvPr>
@@ -15672,10 +17270,10 @@
       </p:grpSp>
       <p:grpSp>
         <p:nvGrpSpPr>
-          <p:cNvPr id="185" name="Group 380">
+          <p:cNvPr id="230" name="Group 380">
             <a:extLst>
               <a:ext uri="{FF2B5EF4-FFF2-40B4-BE49-F238E27FC236}">
-                <a16:creationId xmlns:a16="http://schemas.microsoft.com/office/drawing/2014/main" id="{0D2CE36B-AB1D-4847-A501-B6E7A23A2F1D}"/>
+                <a16:creationId xmlns:a16="http://schemas.microsoft.com/office/drawing/2014/main" id="{2484493A-21C7-46A2-839D-E964D799EDF7}"/>
               </a:ext>
             </a:extLst>
           </p:cNvPr>
@@ -15686,7 +17284,7 @@
         </p:nvGrpSpPr>
         <p:grpSpPr bwMode="auto">
           <a:xfrm>
-            <a:off x="1644652" y="6274873"/>
+            <a:off x="1328771" y="5981305"/>
             <a:ext cx="228600" cy="862013"/>
             <a:chOff x="1680" y="768"/>
             <a:chExt cx="144" cy="543"/>
@@ -15694,10 +17292,10 @@
         </p:grpSpPr>
         <p:sp>
           <p:nvSpPr>
-            <p:cNvPr id="186" name="Line 381">
+            <p:cNvPr id="239" name="Line 381">
               <a:extLst>
                 <a:ext uri="{FF2B5EF4-FFF2-40B4-BE49-F238E27FC236}">
-                  <a16:creationId xmlns:a16="http://schemas.microsoft.com/office/drawing/2014/main" id="{52448B26-15FC-4B50-AFC2-7C0E398739A6}"/>
+                  <a16:creationId xmlns:a16="http://schemas.microsoft.com/office/drawing/2014/main" id="{946BDB05-D6C2-4D2F-BDB0-7A0622236F91}"/>
                 </a:ext>
               </a:extLst>
             </p:cNvPr>
@@ -15741,10 +17339,10 @@
         </p:sp>
         <p:sp>
           <p:nvSpPr>
-            <p:cNvPr id="187" name="Line 382">
+            <p:cNvPr id="248" name="Line 382">
               <a:extLst>
                 <a:ext uri="{FF2B5EF4-FFF2-40B4-BE49-F238E27FC236}">
-                  <a16:creationId xmlns:a16="http://schemas.microsoft.com/office/drawing/2014/main" id="{5DC6B218-1C74-4EBE-ACFB-C9914B5BF6DF}"/>
+                  <a16:creationId xmlns:a16="http://schemas.microsoft.com/office/drawing/2014/main" id="{A2A1CC06-4442-4E55-8E4B-D4841AF54720}"/>
                 </a:ext>
               </a:extLst>
             </p:cNvPr>
@@ -15788,10 +17386,10 @@
         </p:sp>
         <p:grpSp>
           <p:nvGrpSpPr>
-            <p:cNvPr id="188" name="Group 383">
+            <p:cNvPr id="249" name="Group 383">
               <a:extLst>
                 <a:ext uri="{FF2B5EF4-FFF2-40B4-BE49-F238E27FC236}">
-                  <a16:creationId xmlns:a16="http://schemas.microsoft.com/office/drawing/2014/main" id="{5DD1ADAC-EDC3-4922-8DCF-56BFC6A31F48}"/>
+                  <a16:creationId xmlns:a16="http://schemas.microsoft.com/office/drawing/2014/main" id="{9F7CFC69-EB86-4C11-9C6E-78F46DBA4F54}"/>
                 </a:ext>
               </a:extLst>
             </p:cNvPr>
@@ -15810,10 +17408,10 @@
           </p:grpSpPr>
           <p:sp>
             <p:nvSpPr>
-              <p:cNvPr id="189" name="Freeform 384">
+              <p:cNvPr id="250" name="Freeform 384">
                 <a:extLst>
                   <a:ext uri="{FF2B5EF4-FFF2-40B4-BE49-F238E27FC236}">
-                    <a16:creationId xmlns:a16="http://schemas.microsoft.com/office/drawing/2014/main" id="{2CB5144A-D9EF-4E1A-B84A-CC92F943D420}"/>
+                    <a16:creationId xmlns:a16="http://schemas.microsoft.com/office/drawing/2014/main" id="{4AF977D9-A2DC-4368-BABF-DCA12950E2CC}"/>
                   </a:ext>
                 </a:extLst>
               </p:cNvPr>
@@ -15983,10 +17581,10 @@
           </p:sp>
           <p:sp>
             <p:nvSpPr>
-              <p:cNvPr id="190" name="Freeform 385">
+              <p:cNvPr id="251" name="Freeform 385">
                 <a:extLst>
                   <a:ext uri="{FF2B5EF4-FFF2-40B4-BE49-F238E27FC236}">
-                    <a16:creationId xmlns:a16="http://schemas.microsoft.com/office/drawing/2014/main" id="{8CFE102F-0B09-4FD3-80D9-C3D7C87767DD}"/>
+                    <a16:creationId xmlns:a16="http://schemas.microsoft.com/office/drawing/2014/main" id="{BE5FE4E0-0F82-4449-9D9A-54F28D609066}"/>
                   </a:ext>
                 </a:extLst>
               </p:cNvPr>
@@ -16103,10 +17701,10 @@
           </p:sp>
           <p:sp>
             <p:nvSpPr>
-              <p:cNvPr id="191" name="Freeform 386">
+              <p:cNvPr id="272" name="Freeform 386">
                 <a:extLst>
                   <a:ext uri="{FF2B5EF4-FFF2-40B4-BE49-F238E27FC236}">
-                    <a16:creationId xmlns:a16="http://schemas.microsoft.com/office/drawing/2014/main" id="{9F43B8E9-FABE-4425-BDC5-24AF53E8D44D}"/>
+                    <a16:creationId xmlns:a16="http://schemas.microsoft.com/office/drawing/2014/main" id="{9D7301C2-7A17-4584-9C7B-F32F240835E1}"/>
                   </a:ext>
                 </a:extLst>
               </p:cNvPr>
@@ -16225,10 +17823,10 @@
       </p:grpSp>
       <p:grpSp>
         <p:nvGrpSpPr>
-          <p:cNvPr id="192" name="Group 44">
+          <p:cNvPr id="273" name="Group 44">
             <a:extLst>
               <a:ext uri="{FF2B5EF4-FFF2-40B4-BE49-F238E27FC236}">
-                <a16:creationId xmlns:a16="http://schemas.microsoft.com/office/drawing/2014/main" id="{5CEC94F9-2790-4AA6-B481-CC2EC17DB3BD}"/>
+                <a16:creationId xmlns:a16="http://schemas.microsoft.com/office/drawing/2014/main" id="{7DCCA000-5930-43A5-B8CE-7A661878B80D}"/>
               </a:ext>
             </a:extLst>
           </p:cNvPr>
@@ -16239,7 +17837,7 @@
         </p:nvGrpSpPr>
         <p:grpSpPr bwMode="auto">
           <a:xfrm>
-            <a:off x="2291406" y="4777421"/>
+            <a:off x="1975525" y="4483853"/>
             <a:ext cx="287338" cy="787400"/>
             <a:chOff x="1756" y="2113"/>
             <a:chExt cx="181" cy="499"/>
@@ -16247,10 +17845,10 @@
         </p:grpSpPr>
         <p:sp>
           <p:nvSpPr>
-            <p:cNvPr id="193" name="Line 45">
+            <p:cNvPr id="274" name="Line 45">
               <a:extLst>
                 <a:ext uri="{FF2B5EF4-FFF2-40B4-BE49-F238E27FC236}">
-                  <a16:creationId xmlns:a16="http://schemas.microsoft.com/office/drawing/2014/main" id="{67E6C941-750B-4EA8-858C-E91560138442}"/>
+                  <a16:creationId xmlns:a16="http://schemas.microsoft.com/office/drawing/2014/main" id="{2918425D-0271-42AC-A34C-EB9D738714C4}"/>
                 </a:ext>
               </a:extLst>
             </p:cNvPr>
@@ -16294,10 +17892,10 @@
         </p:sp>
         <p:sp>
           <p:nvSpPr>
-            <p:cNvPr id="194" name="Line 46">
+            <p:cNvPr id="275" name="Line 46">
               <a:extLst>
                 <a:ext uri="{FF2B5EF4-FFF2-40B4-BE49-F238E27FC236}">
-                  <a16:creationId xmlns:a16="http://schemas.microsoft.com/office/drawing/2014/main" id="{86F81D39-6056-49EF-8B98-2472AFA36E60}"/>
+                  <a16:creationId xmlns:a16="http://schemas.microsoft.com/office/drawing/2014/main" id="{C9719629-ADF6-45DF-857F-7B14CE97C7E5}"/>
                 </a:ext>
               </a:extLst>
             </p:cNvPr>
@@ -16341,10 +17939,10 @@
         </p:sp>
         <p:grpSp>
           <p:nvGrpSpPr>
-            <p:cNvPr id="195" name="Group 47">
+            <p:cNvPr id="287" name="Group 47">
               <a:extLst>
                 <a:ext uri="{FF2B5EF4-FFF2-40B4-BE49-F238E27FC236}">
-                  <a16:creationId xmlns:a16="http://schemas.microsoft.com/office/drawing/2014/main" id="{AE94B45E-AD36-4FDA-AF9F-7D4342B57707}"/>
+                  <a16:creationId xmlns:a16="http://schemas.microsoft.com/office/drawing/2014/main" id="{DB299EB4-E032-40EA-B247-A0664C53DCFF}"/>
                 </a:ext>
               </a:extLst>
             </p:cNvPr>
@@ -16363,10 +17961,10 @@
           </p:grpSpPr>
           <p:sp>
             <p:nvSpPr>
-              <p:cNvPr id="196" name="Freeform 48">
+              <p:cNvPr id="288" name="Freeform 48">
                 <a:extLst>
                   <a:ext uri="{FF2B5EF4-FFF2-40B4-BE49-F238E27FC236}">
-                    <a16:creationId xmlns:a16="http://schemas.microsoft.com/office/drawing/2014/main" id="{C07ABDF8-2623-46E8-A89B-F544A176D6B4}"/>
+                    <a16:creationId xmlns:a16="http://schemas.microsoft.com/office/drawing/2014/main" id="{C9C7A059-3A13-491B-A695-348B14FA8649}"/>
                   </a:ext>
                 </a:extLst>
               </p:cNvPr>
@@ -16536,10 +18134,10 @@
           </p:sp>
           <p:sp>
             <p:nvSpPr>
-              <p:cNvPr id="197" name="Freeform 49">
+              <p:cNvPr id="289" name="Freeform 49">
                 <a:extLst>
                   <a:ext uri="{FF2B5EF4-FFF2-40B4-BE49-F238E27FC236}">
-                    <a16:creationId xmlns:a16="http://schemas.microsoft.com/office/drawing/2014/main" id="{1C85E4BE-B192-40F3-B0BB-B7647A82EA79}"/>
+                    <a16:creationId xmlns:a16="http://schemas.microsoft.com/office/drawing/2014/main" id="{9EB50F16-3BC3-4C58-B969-BA1C7266B311}"/>
                   </a:ext>
                 </a:extLst>
               </p:cNvPr>
@@ -16656,10 +18254,10 @@
           </p:sp>
           <p:sp>
             <p:nvSpPr>
-              <p:cNvPr id="198" name="Freeform 50">
+              <p:cNvPr id="290" name="Freeform 50">
                 <a:extLst>
                   <a:ext uri="{FF2B5EF4-FFF2-40B4-BE49-F238E27FC236}">
-                    <a16:creationId xmlns:a16="http://schemas.microsoft.com/office/drawing/2014/main" id="{A081B49E-F0C3-4496-81C0-94E5CD7CFFE2}"/>
+                    <a16:creationId xmlns:a16="http://schemas.microsoft.com/office/drawing/2014/main" id="{FE9491A9-1DEE-4195-80D1-BE75B068B448}"/>
                   </a:ext>
                 </a:extLst>
               </p:cNvPr>
@@ -16778,10 +18376,10 @@
       </p:grpSp>
       <p:grpSp>
         <p:nvGrpSpPr>
-          <p:cNvPr id="200" name="Group 44">
+          <p:cNvPr id="291" name="Group 44">
             <a:extLst>
               <a:ext uri="{FF2B5EF4-FFF2-40B4-BE49-F238E27FC236}">
-                <a16:creationId xmlns:a16="http://schemas.microsoft.com/office/drawing/2014/main" id="{39FC8A77-9548-43FE-A94C-384B19684BBB}"/>
+                <a16:creationId xmlns:a16="http://schemas.microsoft.com/office/drawing/2014/main" id="{1B2D4C47-9410-4E3D-9742-D00932A4E570}"/>
               </a:ext>
             </a:extLst>
           </p:cNvPr>
@@ -16792,7 +18390,7 @@
         </p:nvGrpSpPr>
         <p:grpSpPr bwMode="auto">
           <a:xfrm>
-            <a:off x="3451903" y="4842261"/>
+            <a:off x="3136022" y="4548693"/>
             <a:ext cx="287338" cy="787400"/>
             <a:chOff x="1756" y="2113"/>
             <a:chExt cx="181" cy="499"/>
@@ -16800,10 +18398,10 @@
         </p:grpSpPr>
         <p:sp>
           <p:nvSpPr>
-            <p:cNvPr id="202" name="Line 45">
+            <p:cNvPr id="292" name="Line 45">
               <a:extLst>
                 <a:ext uri="{FF2B5EF4-FFF2-40B4-BE49-F238E27FC236}">
-                  <a16:creationId xmlns:a16="http://schemas.microsoft.com/office/drawing/2014/main" id="{C9B809A3-408C-4108-86B9-D93DA88E44AC}"/>
+                  <a16:creationId xmlns:a16="http://schemas.microsoft.com/office/drawing/2014/main" id="{450B2BAC-7283-41CC-9013-02C3083D75A1}"/>
                 </a:ext>
               </a:extLst>
             </p:cNvPr>
@@ -16847,10 +18445,10 @@
         </p:sp>
         <p:sp>
           <p:nvSpPr>
-            <p:cNvPr id="203" name="Line 46">
+            <p:cNvPr id="293" name="Line 46">
               <a:extLst>
                 <a:ext uri="{FF2B5EF4-FFF2-40B4-BE49-F238E27FC236}">
-                  <a16:creationId xmlns:a16="http://schemas.microsoft.com/office/drawing/2014/main" id="{CB4BB1FE-574D-4B29-B9C8-0907BB2099C6}"/>
+                  <a16:creationId xmlns:a16="http://schemas.microsoft.com/office/drawing/2014/main" id="{904437C0-F190-4624-999A-A38F525CE6E5}"/>
                 </a:ext>
               </a:extLst>
             </p:cNvPr>
@@ -16894,10 +18492,10 @@
         </p:sp>
         <p:grpSp>
           <p:nvGrpSpPr>
-            <p:cNvPr id="204" name="Group 47">
+            <p:cNvPr id="294" name="Group 47">
               <a:extLst>
                 <a:ext uri="{FF2B5EF4-FFF2-40B4-BE49-F238E27FC236}">
-                  <a16:creationId xmlns:a16="http://schemas.microsoft.com/office/drawing/2014/main" id="{108046B5-7796-40EA-BC7D-7B74029F8379}"/>
+                  <a16:creationId xmlns:a16="http://schemas.microsoft.com/office/drawing/2014/main" id="{8E81AA68-5D19-44CE-83AA-645886D8225C}"/>
                 </a:ext>
               </a:extLst>
             </p:cNvPr>
@@ -16916,10 +18514,10 @@
           </p:grpSpPr>
           <p:sp>
             <p:nvSpPr>
-              <p:cNvPr id="205" name="Freeform 48">
+              <p:cNvPr id="295" name="Freeform 48">
                 <a:extLst>
                   <a:ext uri="{FF2B5EF4-FFF2-40B4-BE49-F238E27FC236}">
-                    <a16:creationId xmlns:a16="http://schemas.microsoft.com/office/drawing/2014/main" id="{03908014-1795-48D4-B36A-F251203A4A0F}"/>
+                    <a16:creationId xmlns:a16="http://schemas.microsoft.com/office/drawing/2014/main" id="{27BBF484-1265-4F57-AE5B-B07F0E8CFC3E}"/>
                   </a:ext>
                 </a:extLst>
               </p:cNvPr>
@@ -17089,10 +18687,10 @@
           </p:sp>
           <p:sp>
             <p:nvSpPr>
-              <p:cNvPr id="207" name="Freeform 49">
+              <p:cNvPr id="296" name="Freeform 49">
                 <a:extLst>
                   <a:ext uri="{FF2B5EF4-FFF2-40B4-BE49-F238E27FC236}">
-                    <a16:creationId xmlns:a16="http://schemas.microsoft.com/office/drawing/2014/main" id="{978491DC-B928-4E95-B36C-B7EB5B915E9E}"/>
+                    <a16:creationId xmlns:a16="http://schemas.microsoft.com/office/drawing/2014/main" id="{328BBC76-A715-4651-9C60-FA79BC1962CA}"/>
                   </a:ext>
                 </a:extLst>
               </p:cNvPr>
@@ -17209,10 +18807,10 @@
           </p:sp>
           <p:sp>
             <p:nvSpPr>
-              <p:cNvPr id="208" name="Freeform 50">
+              <p:cNvPr id="297" name="Freeform 50">
                 <a:extLst>
                   <a:ext uri="{FF2B5EF4-FFF2-40B4-BE49-F238E27FC236}">
-                    <a16:creationId xmlns:a16="http://schemas.microsoft.com/office/drawing/2014/main" id="{4A897A41-7C22-4812-A9FF-DBB3D94104A6}"/>
+                    <a16:creationId xmlns:a16="http://schemas.microsoft.com/office/drawing/2014/main" id="{0B13BF8A-C9C6-44E0-AF3F-8959C969D3B0}"/>
                   </a:ext>
                 </a:extLst>
               </p:cNvPr>
@@ -17331,10 +18929,10 @@
       </p:grpSp>
       <p:sp>
         <p:nvSpPr>
-          <p:cNvPr id="223" name="AutoShape 28">
+          <p:cNvPr id="298" name="AutoShape 28">
             <a:extLst>
               <a:ext uri="{FF2B5EF4-FFF2-40B4-BE49-F238E27FC236}">
-                <a16:creationId xmlns:a16="http://schemas.microsoft.com/office/drawing/2014/main" id="{9185F55D-F802-4884-AFF7-DD8D176FA3E1}"/>
+                <a16:creationId xmlns:a16="http://schemas.microsoft.com/office/drawing/2014/main" id="{1FC09BC2-E9C3-4583-A3DB-67B1B91747B5}"/>
               </a:ext>
             </a:extLst>
           </p:cNvPr>
@@ -17345,7 +18943,7 @@
         </p:nvSpPr>
         <p:spPr bwMode="auto">
           <a:xfrm>
-            <a:off x="5908239" y="6816889"/>
+            <a:off x="5592358" y="6523321"/>
             <a:ext cx="323850" cy="568325"/>
           </a:xfrm>
           <a:prstGeom prst="can">
@@ -17512,66 +19110,6 @@
           </a:p>
         </p:txBody>
       </p:sp>
-      <p:pic>
-        <p:nvPicPr>
-          <p:cNvPr id="224" name="Picture 2" descr="RFGC Patch">
-            <a:extLst>
-              <a:ext uri="{FF2B5EF4-FFF2-40B4-BE49-F238E27FC236}">
-                <a16:creationId xmlns:a16="http://schemas.microsoft.com/office/drawing/2014/main" id="{01B28D31-E76D-4B21-A416-BB6C1E0543CA}"/>
-              </a:ext>
-            </a:extLst>
-          </p:cNvPr>
-          <p:cNvPicPr>
-            <a:picLocks noChangeAspect="1" noChangeArrowheads="1"/>
-          </p:cNvPicPr>
-          <p:nvPr/>
-        </p:nvPicPr>
-        <p:blipFill>
-          <a:blip r:embed="rId4">
-            <a:extLst>
-              <a:ext uri="{28A0092B-C50C-407E-A947-70E740481C1C}">
-                <a14:useLocalDpi xmlns:a14="http://schemas.microsoft.com/office/drawing/2010/main" val="0"/>
-              </a:ext>
-            </a:extLst>
-          </a:blip>
-          <a:srcRect/>
-          <a:stretch>
-            <a:fillRect/>
-          </a:stretch>
-        </p:blipFill>
-        <p:spPr bwMode="auto">
-          <a:xfrm>
-            <a:off x="76200" y="-19163"/>
-            <a:ext cx="871537" cy="871538"/>
-          </a:xfrm>
-          <a:prstGeom prst="rect">
-            <a:avLst/>
-          </a:prstGeom>
-          <a:noFill/>
-          <a:ln>
-            <a:noFill/>
-          </a:ln>
-          <a:extLst>
-            <a:ext uri="{909E8E84-426E-40DD-AFC4-6F175D3DCCD1}">
-              <a14:hiddenFill xmlns:a14="http://schemas.microsoft.com/office/drawing/2010/main">
-                <a:solidFill>
-                  <a:srgbClr val="FFFFFF"/>
-                </a:solidFill>
-              </a14:hiddenFill>
-            </a:ext>
-            <a:ext uri="{91240B29-F687-4F45-9708-019B960494DF}">
-              <a14:hiddenLine xmlns:a14="http://schemas.microsoft.com/office/drawing/2010/main" w="9525">
-                <a:solidFill>
-                  <a:srgbClr val="000000"/>
-                </a:solidFill>
-                <a:miter lim="800000"/>
-                <a:headEnd/>
-                <a:tailEnd/>
-              </a14:hiddenLine>
-            </a:ext>
-          </a:extLst>
-        </p:spPr>
-      </p:pic>
     </p:spTree>
   </p:cSld>
   <p:clrMapOvr>
